--- a/Poster/template.pptx
+++ b/Poster/template.pptx
@@ -14,14 +14,14 @@
     <p:sldId id="256" r:id="rId2"/>
     <p:sldId id="257" r:id="rId3"/>
   </p:sldIdLst>
-  <p:sldSz cx="43891200" cy="32918400"/>
+  <p:sldSz cx="42803763" cy="30275213"/>
   <p:notesSz cx="6858000" cy="9144000"/>
   <p:defaultTextStyle>
     <a:defPPr>
       <a:defRPr lang="en-US"/>
     </a:defPPr>
-    <a:lvl1pPr marL="0" algn="l" defTabSz="3686861" rtl="0" eaLnBrk="1" latinLnBrk="0" hangingPunct="1">
-      <a:defRPr sz="7258" kern="1200">
+    <a:lvl1pPr marL="0" algn="l" defTabSz="3507680" rtl="0" eaLnBrk="1" latinLnBrk="0" hangingPunct="1">
+      <a:defRPr sz="6905" kern="1200">
         <a:solidFill>
           <a:schemeClr val="tx1"/>
         </a:solidFill>
@@ -30,8 +30,8 @@
         <a:cs typeface="+mn-cs"/>
       </a:defRPr>
     </a:lvl1pPr>
-    <a:lvl2pPr marL="1843430" algn="l" defTabSz="3686861" rtl="0" eaLnBrk="1" latinLnBrk="0" hangingPunct="1">
-      <a:defRPr sz="7258" kern="1200">
+    <a:lvl2pPr marL="1753839" algn="l" defTabSz="3507680" rtl="0" eaLnBrk="1" latinLnBrk="0" hangingPunct="1">
+      <a:defRPr sz="6905" kern="1200">
         <a:solidFill>
           <a:schemeClr val="tx1"/>
         </a:solidFill>
@@ -40,8 +40,8 @@
         <a:cs typeface="+mn-cs"/>
       </a:defRPr>
     </a:lvl2pPr>
-    <a:lvl3pPr marL="3686861" algn="l" defTabSz="3686861" rtl="0" eaLnBrk="1" latinLnBrk="0" hangingPunct="1">
-      <a:defRPr sz="7258" kern="1200">
+    <a:lvl3pPr marL="3507680" algn="l" defTabSz="3507680" rtl="0" eaLnBrk="1" latinLnBrk="0" hangingPunct="1">
+      <a:defRPr sz="6905" kern="1200">
         <a:solidFill>
           <a:schemeClr val="tx1"/>
         </a:solidFill>
@@ -50,8 +50,8 @@
         <a:cs typeface="+mn-cs"/>
       </a:defRPr>
     </a:lvl3pPr>
-    <a:lvl4pPr marL="5530291" algn="l" defTabSz="3686861" rtl="0" eaLnBrk="1" latinLnBrk="0" hangingPunct="1">
-      <a:defRPr sz="7258" kern="1200">
+    <a:lvl4pPr marL="5261519" algn="l" defTabSz="3507680" rtl="0" eaLnBrk="1" latinLnBrk="0" hangingPunct="1">
+      <a:defRPr sz="6905" kern="1200">
         <a:solidFill>
           <a:schemeClr val="tx1"/>
         </a:solidFill>
@@ -60,8 +60,8 @@
         <a:cs typeface="+mn-cs"/>
       </a:defRPr>
     </a:lvl4pPr>
-    <a:lvl5pPr marL="7373722" algn="l" defTabSz="3686861" rtl="0" eaLnBrk="1" latinLnBrk="0" hangingPunct="1">
-      <a:defRPr sz="7258" kern="1200">
+    <a:lvl5pPr marL="7015359" algn="l" defTabSz="3507680" rtl="0" eaLnBrk="1" latinLnBrk="0" hangingPunct="1">
+      <a:defRPr sz="6905" kern="1200">
         <a:solidFill>
           <a:schemeClr val="tx1"/>
         </a:solidFill>
@@ -70,8 +70,8 @@
         <a:cs typeface="+mn-cs"/>
       </a:defRPr>
     </a:lvl5pPr>
-    <a:lvl6pPr marL="9217152" algn="l" defTabSz="3686861" rtl="0" eaLnBrk="1" latinLnBrk="0" hangingPunct="1">
-      <a:defRPr sz="7258" kern="1200">
+    <a:lvl6pPr marL="8769198" algn="l" defTabSz="3507680" rtl="0" eaLnBrk="1" latinLnBrk="0" hangingPunct="1">
+      <a:defRPr sz="6905" kern="1200">
         <a:solidFill>
           <a:schemeClr val="tx1"/>
         </a:solidFill>
@@ -80,8 +80,8 @@
         <a:cs typeface="+mn-cs"/>
       </a:defRPr>
     </a:lvl6pPr>
-    <a:lvl7pPr marL="11060582" algn="l" defTabSz="3686861" rtl="0" eaLnBrk="1" latinLnBrk="0" hangingPunct="1">
-      <a:defRPr sz="7258" kern="1200">
+    <a:lvl7pPr marL="10523038" algn="l" defTabSz="3507680" rtl="0" eaLnBrk="1" latinLnBrk="0" hangingPunct="1">
+      <a:defRPr sz="6905" kern="1200">
         <a:solidFill>
           <a:schemeClr val="tx1"/>
         </a:solidFill>
@@ -90,8 +90,8 @@
         <a:cs typeface="+mn-cs"/>
       </a:defRPr>
     </a:lvl7pPr>
-    <a:lvl8pPr marL="12904013" algn="l" defTabSz="3686861" rtl="0" eaLnBrk="1" latinLnBrk="0" hangingPunct="1">
-      <a:defRPr sz="7258" kern="1200">
+    <a:lvl8pPr marL="12276878" algn="l" defTabSz="3507680" rtl="0" eaLnBrk="1" latinLnBrk="0" hangingPunct="1">
+      <a:defRPr sz="6905" kern="1200">
         <a:solidFill>
           <a:schemeClr val="tx1"/>
         </a:solidFill>
@@ -100,8 +100,8 @@
         <a:cs typeface="+mn-cs"/>
       </a:defRPr>
     </a:lvl8pPr>
-    <a:lvl9pPr marL="14747443" algn="l" defTabSz="3686861" rtl="0" eaLnBrk="1" latinLnBrk="0" hangingPunct="1">
-      <a:defRPr sz="7258" kern="1200">
+    <a:lvl9pPr marL="14030717" algn="l" defTabSz="3507680" rtl="0" eaLnBrk="1" latinLnBrk="0" hangingPunct="1">
+      <a:defRPr sz="6905" kern="1200">
         <a:solidFill>
           <a:schemeClr val="tx1"/>
         </a:solidFill>
@@ -3580,8 +3580,8 @@
       </dsp:nvSpPr>
       <dsp:spPr>
         <a:xfrm>
-          <a:off x="4000" y="1352158"/>
-          <a:ext cx="3900487" cy="1560194"/>
+          <a:off x="3679" y="943385"/>
+          <a:ext cx="3587297" cy="1434918"/>
         </a:xfrm>
         <a:prstGeom prst="rect">
           <a:avLst/>
@@ -3647,8 +3647,8 @@
         </a:p>
       </dsp:txBody>
       <dsp:txXfrm>
-        <a:off x="4000" y="1352158"/>
-        <a:ext cx="3900487" cy="1560194"/>
+        <a:off x="3679" y="943385"/>
+        <a:ext cx="3587297" cy="1434918"/>
       </dsp:txXfrm>
     </dsp:sp>
     <dsp:sp modelId="{DE65B54D-BB89-4898-B770-68834B90CB27}">
@@ -3658,8 +3658,8 @@
       </dsp:nvSpPr>
       <dsp:spPr>
         <a:xfrm>
-          <a:off x="4000" y="2912353"/>
-          <a:ext cx="3900487" cy="3033224"/>
+          <a:off x="3679" y="2378303"/>
+          <a:ext cx="3587297" cy="3390074"/>
         </a:xfrm>
         <a:prstGeom prst="rect">
           <a:avLst/>
@@ -3727,8 +3727,8 @@
         </a:p>
       </dsp:txBody>
       <dsp:txXfrm>
-        <a:off x="4000" y="2912353"/>
-        <a:ext cx="3900487" cy="3033224"/>
+        <a:off x="3679" y="2378303"/>
+        <a:ext cx="3587297" cy="3390074"/>
       </dsp:txXfrm>
     </dsp:sp>
     <dsp:sp modelId="{E01B3154-0666-4584-9FC4-432DE00CC402}">
@@ -3738,8 +3738,8 @@
       </dsp:nvSpPr>
       <dsp:spPr>
         <a:xfrm>
-          <a:off x="4450556" y="1352158"/>
-          <a:ext cx="3900487" cy="1560194"/>
+          <a:off x="4093198" y="943385"/>
+          <a:ext cx="3587297" cy="1434918"/>
         </a:xfrm>
         <a:prstGeom prst="rect">
           <a:avLst/>
@@ -3805,8 +3805,8 @@
         </a:p>
       </dsp:txBody>
       <dsp:txXfrm>
-        <a:off x="4450556" y="1352158"/>
-        <a:ext cx="3900487" cy="1560194"/>
+        <a:off x="4093198" y="943385"/>
+        <a:ext cx="3587297" cy="1434918"/>
       </dsp:txXfrm>
     </dsp:sp>
     <dsp:sp modelId="{6EC96761-7A7E-46B1-9A31-B92F49834D5A}">
@@ -3816,8 +3816,8 @@
       </dsp:nvSpPr>
       <dsp:spPr>
         <a:xfrm>
-          <a:off x="4450556" y="2912353"/>
-          <a:ext cx="3900487" cy="3033224"/>
+          <a:off x="4093198" y="2378303"/>
+          <a:ext cx="3587297" cy="3390074"/>
         </a:xfrm>
         <a:prstGeom prst="rect">
           <a:avLst/>
@@ -3893,8 +3893,8 @@
         </a:p>
       </dsp:txBody>
       <dsp:txXfrm>
-        <a:off x="4450556" y="2912353"/>
-        <a:ext cx="3900487" cy="3033224"/>
+        <a:off x="4093198" y="2378303"/>
+        <a:ext cx="3587297" cy="3390074"/>
       </dsp:txXfrm>
     </dsp:sp>
     <dsp:sp modelId="{64DD6D48-227C-4434-BED8-F49C9D4F4F7E}">
@@ -3904,8 +3904,8 @@
       </dsp:nvSpPr>
       <dsp:spPr>
         <a:xfrm>
-          <a:off x="8897112" y="1352158"/>
-          <a:ext cx="3900487" cy="1560194"/>
+          <a:off x="8182717" y="943385"/>
+          <a:ext cx="3587297" cy="1434918"/>
         </a:xfrm>
         <a:prstGeom prst="rect">
           <a:avLst/>
@@ -3971,8 +3971,8 @@
         </a:p>
       </dsp:txBody>
       <dsp:txXfrm>
-        <a:off x="8897112" y="1352158"/>
-        <a:ext cx="3900487" cy="1560194"/>
+        <a:off x="8182717" y="943385"/>
+        <a:ext cx="3587297" cy="1434918"/>
       </dsp:txXfrm>
     </dsp:sp>
     <dsp:sp modelId="{98860936-C475-4184-9A9D-2F4B5D8B0BC7}">
@@ -3982,8 +3982,8 @@
       </dsp:nvSpPr>
       <dsp:spPr>
         <a:xfrm>
-          <a:off x="8897112" y="2912353"/>
-          <a:ext cx="3900487" cy="3033224"/>
+          <a:off x="8182717" y="2378303"/>
+          <a:ext cx="3587297" cy="3390074"/>
         </a:xfrm>
         <a:prstGeom prst="rect">
           <a:avLst/>
@@ -4069,8 +4069,8 @@
         </a:p>
       </dsp:txBody>
       <dsp:txXfrm>
-        <a:off x="8897112" y="2912353"/>
-        <a:ext cx="3900487" cy="3033224"/>
+        <a:off x="8182717" y="2378303"/>
+        <a:ext cx="3587297" cy="3390074"/>
       </dsp:txXfrm>
     </dsp:sp>
   </dsp:spTree>
@@ -4092,8 +4092,8 @@
       </dsp:nvSpPr>
       <dsp:spPr>
         <a:xfrm>
-          <a:off x="2026" y="1108774"/>
-          <a:ext cx="0" cy="5036556"/>
+          <a:off x="1863" y="1019745"/>
+          <a:ext cx="0" cy="4632145"/>
         </a:xfrm>
         <a:prstGeom prst="line">
           <a:avLst/>
@@ -4141,8 +4141,8 @@
       </dsp:nvSpPr>
       <dsp:spPr>
         <a:xfrm>
-          <a:off x="141930" y="1276659"/>
-          <a:ext cx="2648948" cy="2266450"/>
+          <a:off x="130534" y="1174150"/>
+          <a:ext cx="2436250" cy="2084465"/>
         </a:xfrm>
         <a:prstGeom prst="rect">
           <a:avLst/>
@@ -4196,8 +4196,8 @@
       </dsp:nvSpPr>
       <dsp:spPr>
         <a:xfrm>
-          <a:off x="141930" y="3543110"/>
-          <a:ext cx="2648948" cy="2602220"/>
+          <a:off x="130534" y="3258615"/>
+          <a:ext cx="2436250" cy="2393274"/>
         </a:xfrm>
         <a:prstGeom prst="rect">
           <a:avLst/>
@@ -4221,12 +4221,12 @@
         <a:fontRef idx="minor"/>
       </dsp:style>
       <dsp:txBody>
-        <a:bodyPr spcFirstLastPara="0" vert="horz" wrap="square" lIns="91440" tIns="91440" rIns="91440" bIns="91440" numCol="1" spcCol="1270" anchor="t" anchorCtr="0">
+        <a:bodyPr spcFirstLastPara="0" vert="horz" wrap="square" lIns="88900" tIns="88900" rIns="88900" bIns="88900" numCol="1" spcCol="1270" anchor="t" anchorCtr="0">
           <a:noAutofit/>
         </a:bodyPr>
         <a:lstStyle/>
         <a:p>
-          <a:pPr marL="0" lvl="0" indent="0" algn="ctr" defTabSz="1600200">
+          <a:pPr marL="0" lvl="0" indent="0" algn="ctr" defTabSz="1555750">
             <a:lnSpc>
               <a:spcPct val="90000"/>
             </a:lnSpc>
@@ -4239,14 +4239,14 @@
             <a:buNone/>
           </a:pPr>
           <a:r>
-            <a:rPr lang="en-US" sz="3600" kern="1200" dirty="0"/>
+            <a:rPr lang="en-US" sz="3500" kern="1200" dirty="0"/>
             <a:t>Describe this step in your experiment</a:t>
           </a:r>
         </a:p>
       </dsp:txBody>
       <dsp:txXfrm>
-        <a:off x="141930" y="3543110"/>
-        <a:ext cx="2648948" cy="2602220"/>
+        <a:off x="130534" y="3258615"/>
+        <a:ext cx="2436250" cy="2393274"/>
       </dsp:txXfrm>
     </dsp:sp>
     <dsp:sp modelId="{770E20EC-6929-4A45-99D5-285545E37892}">
@@ -4256,8 +4256,8 @@
       </dsp:nvSpPr>
       <dsp:spPr>
         <a:xfrm>
-          <a:off x="2026" y="549157"/>
-          <a:ext cx="2798086" cy="559617"/>
+          <a:off x="1863" y="505062"/>
+          <a:ext cx="2573413" cy="514682"/>
         </a:xfrm>
         <a:prstGeom prst="rect">
           <a:avLst/>
@@ -4299,12 +4299,12 @@
         </a:fontRef>
       </dsp:style>
       <dsp:txBody>
-        <a:bodyPr spcFirstLastPara="0" vert="horz" wrap="square" lIns="76200" tIns="76200" rIns="76200" bIns="76200" numCol="1" spcCol="1270" anchor="ctr" anchorCtr="0">
+        <a:bodyPr spcFirstLastPara="0" vert="horz" wrap="square" lIns="71120" tIns="71120" rIns="71120" bIns="71120" numCol="1" spcCol="1270" anchor="ctr" anchorCtr="0">
           <a:noAutofit/>
         </a:bodyPr>
         <a:lstStyle/>
         <a:p>
-          <a:pPr marL="0" lvl="0" indent="0" algn="ctr" defTabSz="1333500">
+          <a:pPr marL="0" lvl="0" indent="0" algn="ctr" defTabSz="1244600">
             <a:lnSpc>
               <a:spcPct val="90000"/>
             </a:lnSpc>
@@ -4317,14 +4317,14 @@
             <a:buNone/>
           </a:pPr>
           <a:r>
-            <a:rPr lang="en-US" sz="3000" kern="1200" dirty="0"/>
+            <a:rPr lang="en-US" sz="2800" kern="1200" dirty="0"/>
             <a:t>Step 1</a:t>
           </a:r>
         </a:p>
       </dsp:txBody>
       <dsp:txXfrm>
-        <a:off x="2026" y="549157"/>
-        <a:ext cx="2798086" cy="559617"/>
+        <a:off x="1863" y="505062"/>
+        <a:ext cx="2573413" cy="514682"/>
       </dsp:txXfrm>
     </dsp:sp>
     <dsp:sp modelId="{6806A88B-ACCD-4689-BA2C-F1412EF73B42}">
@@ -4334,8 +4334,8 @@
       </dsp:nvSpPr>
       <dsp:spPr>
         <a:xfrm>
-          <a:off x="3335179" y="1108774"/>
-          <a:ext cx="0" cy="5036556"/>
+          <a:off x="3067381" y="1019745"/>
+          <a:ext cx="0" cy="4632145"/>
         </a:xfrm>
         <a:prstGeom prst="line">
           <a:avLst/>
@@ -4383,8 +4383,8 @@
       </dsp:nvSpPr>
       <dsp:spPr>
         <a:xfrm>
-          <a:off x="3475084" y="1276659"/>
-          <a:ext cx="2648948" cy="2266450"/>
+          <a:off x="3196051" y="1174150"/>
+          <a:ext cx="2436250" cy="2084465"/>
         </a:xfrm>
         <a:prstGeom prst="rect">
           <a:avLst/>
@@ -4438,8 +4438,8 @@
       </dsp:nvSpPr>
       <dsp:spPr>
         <a:xfrm>
-          <a:off x="3475084" y="3543110"/>
-          <a:ext cx="2648948" cy="2602220"/>
+          <a:off x="3196051" y="3258615"/>
+          <a:ext cx="2436250" cy="2393274"/>
         </a:xfrm>
         <a:prstGeom prst="rect">
           <a:avLst/>
@@ -4463,12 +4463,12 @@
         <a:fontRef idx="minor"/>
       </dsp:style>
       <dsp:txBody>
-        <a:bodyPr spcFirstLastPara="0" vert="horz" wrap="square" lIns="91440" tIns="91440" rIns="91440" bIns="91440" numCol="1" spcCol="1270" anchor="t" anchorCtr="0">
+        <a:bodyPr spcFirstLastPara="0" vert="horz" wrap="square" lIns="88900" tIns="88900" rIns="88900" bIns="88900" numCol="1" spcCol="1270" anchor="t" anchorCtr="0">
           <a:noAutofit/>
         </a:bodyPr>
         <a:lstStyle/>
         <a:p>
-          <a:pPr marL="0" lvl="0" indent="0" algn="ctr" defTabSz="1600200">
+          <a:pPr marL="0" lvl="0" indent="0" algn="ctr" defTabSz="1555750">
             <a:lnSpc>
               <a:spcPct val="90000"/>
             </a:lnSpc>
@@ -4481,15 +4481,15 @@
             <a:buNone/>
           </a:pPr>
           <a:r>
-            <a:rPr lang="en-US" sz="3600" kern="1200"/>
+            <a:rPr lang="en-US" sz="3500" kern="1200"/>
             <a:t>Describe this step in your experiment</a:t>
           </a:r>
-          <a:endParaRPr lang="en-US" sz="3600" kern="1200" dirty="0"/>
+          <a:endParaRPr lang="en-US" sz="3500" kern="1200" dirty="0"/>
         </a:p>
       </dsp:txBody>
       <dsp:txXfrm>
-        <a:off x="3475084" y="3543110"/>
-        <a:ext cx="2648948" cy="2602220"/>
+        <a:off x="3196051" y="3258615"/>
+        <a:ext cx="2436250" cy="2393274"/>
       </dsp:txXfrm>
     </dsp:sp>
     <dsp:sp modelId="{16EEE8E2-3D18-44F6-B04A-3D59841E4FA8}">
@@ -4499,8 +4499,8 @@
       </dsp:nvSpPr>
       <dsp:spPr>
         <a:xfrm>
-          <a:off x="3335179" y="549157"/>
-          <a:ext cx="2798086" cy="559617"/>
+          <a:off x="3067381" y="505062"/>
+          <a:ext cx="2573413" cy="514682"/>
         </a:xfrm>
         <a:prstGeom prst="rect">
           <a:avLst/>
@@ -4542,12 +4542,12 @@
         </a:fontRef>
       </dsp:style>
       <dsp:txBody>
-        <a:bodyPr spcFirstLastPara="0" vert="horz" wrap="square" lIns="76200" tIns="76200" rIns="76200" bIns="76200" numCol="1" spcCol="1270" anchor="ctr" anchorCtr="0">
+        <a:bodyPr spcFirstLastPara="0" vert="horz" wrap="square" lIns="71120" tIns="71120" rIns="71120" bIns="71120" numCol="1" spcCol="1270" anchor="ctr" anchorCtr="0">
           <a:noAutofit/>
         </a:bodyPr>
         <a:lstStyle/>
         <a:p>
-          <a:pPr marL="0" lvl="0" indent="0" algn="ctr" defTabSz="1333500">
+          <a:pPr marL="0" lvl="0" indent="0" algn="ctr" defTabSz="1244600">
             <a:lnSpc>
               <a:spcPct val="90000"/>
             </a:lnSpc>
@@ -4560,14 +4560,14 @@
             <a:buNone/>
           </a:pPr>
           <a:r>
-            <a:rPr lang="en-US" sz="3000" kern="1200" dirty="0"/>
+            <a:rPr lang="en-US" sz="2800" kern="1200" dirty="0"/>
             <a:t>Step 2</a:t>
           </a:r>
         </a:p>
       </dsp:txBody>
       <dsp:txXfrm>
-        <a:off x="3335179" y="549157"/>
-        <a:ext cx="2798086" cy="559617"/>
+        <a:off x="3067381" y="505062"/>
+        <a:ext cx="2573413" cy="514682"/>
       </dsp:txXfrm>
     </dsp:sp>
     <dsp:sp modelId="{7F77031C-84AF-49FA-B2E3-6B22E2F49F2B}">
@@ -4577,8 +4577,8 @@
       </dsp:nvSpPr>
       <dsp:spPr>
         <a:xfrm>
-          <a:off x="6668333" y="1108774"/>
-          <a:ext cx="0" cy="5036556"/>
+          <a:off x="6132898" y="1019745"/>
+          <a:ext cx="0" cy="4632145"/>
         </a:xfrm>
         <a:prstGeom prst="line">
           <a:avLst/>
@@ -4626,8 +4626,8 @@
       </dsp:nvSpPr>
       <dsp:spPr>
         <a:xfrm>
-          <a:off x="6808237" y="1276659"/>
-          <a:ext cx="2648948" cy="2266450"/>
+          <a:off x="6261569" y="1174150"/>
+          <a:ext cx="2436250" cy="2084465"/>
         </a:xfrm>
         <a:prstGeom prst="rect">
           <a:avLst/>
@@ -4681,8 +4681,8 @@
       </dsp:nvSpPr>
       <dsp:spPr>
         <a:xfrm>
-          <a:off x="6808237" y="3543110"/>
-          <a:ext cx="2648948" cy="2602220"/>
+          <a:off x="6261569" y="3258615"/>
+          <a:ext cx="2436250" cy="2393274"/>
         </a:xfrm>
         <a:prstGeom prst="rect">
           <a:avLst/>
@@ -4706,12 +4706,12 @@
         <a:fontRef idx="minor"/>
       </dsp:style>
       <dsp:txBody>
-        <a:bodyPr spcFirstLastPara="0" vert="horz" wrap="square" lIns="91440" tIns="91440" rIns="91440" bIns="91440" numCol="1" spcCol="1270" anchor="t" anchorCtr="0">
+        <a:bodyPr spcFirstLastPara="0" vert="horz" wrap="square" lIns="88900" tIns="88900" rIns="88900" bIns="88900" numCol="1" spcCol="1270" anchor="t" anchorCtr="0">
           <a:noAutofit/>
         </a:bodyPr>
         <a:lstStyle/>
         <a:p>
-          <a:pPr marL="0" lvl="0" indent="0" algn="ctr" defTabSz="1600200">
+          <a:pPr marL="0" lvl="0" indent="0" algn="ctr" defTabSz="1555750">
             <a:lnSpc>
               <a:spcPct val="90000"/>
             </a:lnSpc>
@@ -4724,14 +4724,14 @@
             <a:buNone/>
           </a:pPr>
           <a:r>
-            <a:rPr lang="en-US" sz="3600" kern="1200" dirty="0"/>
+            <a:rPr lang="en-US" sz="3500" kern="1200" dirty="0"/>
             <a:t>Describe this step in your experiment</a:t>
           </a:r>
         </a:p>
       </dsp:txBody>
       <dsp:txXfrm>
-        <a:off x="6808237" y="3543110"/>
-        <a:ext cx="2648948" cy="2602220"/>
+        <a:off x="6261569" y="3258615"/>
+        <a:ext cx="2436250" cy="2393274"/>
       </dsp:txXfrm>
     </dsp:sp>
     <dsp:sp modelId="{B3686B38-0C87-411A-9F82-923E333643FB}">
@@ -4741,8 +4741,8 @@
       </dsp:nvSpPr>
       <dsp:spPr>
         <a:xfrm>
-          <a:off x="6668333" y="549157"/>
-          <a:ext cx="2798086" cy="559617"/>
+          <a:off x="6132898" y="505062"/>
+          <a:ext cx="2573413" cy="514682"/>
         </a:xfrm>
         <a:prstGeom prst="rect">
           <a:avLst/>
@@ -4784,12 +4784,12 @@
         </a:fontRef>
       </dsp:style>
       <dsp:txBody>
-        <a:bodyPr spcFirstLastPara="0" vert="horz" wrap="square" lIns="76200" tIns="76200" rIns="76200" bIns="76200" numCol="1" spcCol="1270" anchor="ctr" anchorCtr="0">
+        <a:bodyPr spcFirstLastPara="0" vert="horz" wrap="square" lIns="71120" tIns="71120" rIns="71120" bIns="71120" numCol="1" spcCol="1270" anchor="ctr" anchorCtr="0">
           <a:noAutofit/>
         </a:bodyPr>
         <a:lstStyle/>
         <a:p>
-          <a:pPr marL="0" lvl="0" indent="0" algn="ctr" defTabSz="1333500">
+          <a:pPr marL="0" lvl="0" indent="0" algn="ctr" defTabSz="1244600">
             <a:lnSpc>
               <a:spcPct val="90000"/>
             </a:lnSpc>
@@ -4802,14 +4802,14 @@
             <a:buNone/>
           </a:pPr>
           <a:r>
-            <a:rPr lang="en-US" sz="3000" kern="1200" dirty="0"/>
+            <a:rPr lang="en-US" sz="2800" kern="1200" dirty="0"/>
             <a:t>Step 3</a:t>
           </a:r>
         </a:p>
       </dsp:txBody>
       <dsp:txXfrm>
-        <a:off x="6668333" y="549157"/>
-        <a:ext cx="2798086" cy="559617"/>
+        <a:off x="6132898" y="505062"/>
+        <a:ext cx="2573413" cy="514682"/>
       </dsp:txXfrm>
     </dsp:sp>
     <dsp:sp modelId="{87ACD694-36F9-4193-A8FE-573DA345BCA3}">
@@ -4819,8 +4819,8 @@
       </dsp:nvSpPr>
       <dsp:spPr>
         <a:xfrm>
-          <a:off x="10001487" y="1108774"/>
-          <a:ext cx="0" cy="5036556"/>
+          <a:off x="9198416" y="1019745"/>
+          <a:ext cx="0" cy="4632145"/>
         </a:xfrm>
         <a:prstGeom prst="line">
           <a:avLst/>
@@ -4868,8 +4868,8 @@
       </dsp:nvSpPr>
       <dsp:spPr>
         <a:xfrm>
-          <a:off x="10141391" y="1276659"/>
-          <a:ext cx="2648948" cy="2266450"/>
+          <a:off x="9327087" y="1174150"/>
+          <a:ext cx="2436250" cy="2084465"/>
         </a:xfrm>
         <a:prstGeom prst="rect">
           <a:avLst/>
@@ -4923,8 +4923,8 @@
       </dsp:nvSpPr>
       <dsp:spPr>
         <a:xfrm>
-          <a:off x="10141391" y="3543110"/>
-          <a:ext cx="2648948" cy="2602220"/>
+          <a:off x="9327087" y="3258615"/>
+          <a:ext cx="2436250" cy="2393274"/>
         </a:xfrm>
         <a:prstGeom prst="rect">
           <a:avLst/>
@@ -4948,12 +4948,12 @@
         <a:fontRef idx="minor"/>
       </dsp:style>
       <dsp:txBody>
-        <a:bodyPr spcFirstLastPara="0" vert="horz" wrap="square" lIns="91440" tIns="91440" rIns="91440" bIns="91440" numCol="1" spcCol="1270" anchor="t" anchorCtr="0">
+        <a:bodyPr spcFirstLastPara="0" vert="horz" wrap="square" lIns="88900" tIns="88900" rIns="88900" bIns="88900" numCol="1" spcCol="1270" anchor="t" anchorCtr="0">
           <a:noAutofit/>
         </a:bodyPr>
         <a:lstStyle/>
         <a:p>
-          <a:pPr marL="0" lvl="0" indent="0" algn="ctr" defTabSz="1600200">
+          <a:pPr marL="0" lvl="0" indent="0" algn="ctr" defTabSz="1555750">
             <a:lnSpc>
               <a:spcPct val="90000"/>
             </a:lnSpc>
@@ -4966,14 +4966,14 @@
             <a:buNone/>
           </a:pPr>
           <a:r>
-            <a:rPr lang="en-US" sz="3600" kern="1200" dirty="0"/>
+            <a:rPr lang="en-US" sz="3500" kern="1200" dirty="0"/>
             <a:t>Describe this step in your experiment</a:t>
           </a:r>
         </a:p>
       </dsp:txBody>
       <dsp:txXfrm>
-        <a:off x="10141391" y="3543110"/>
-        <a:ext cx="2648948" cy="2602220"/>
+        <a:off x="9327087" y="3258615"/>
+        <a:ext cx="2436250" cy="2393274"/>
       </dsp:txXfrm>
     </dsp:sp>
     <dsp:sp modelId="{4E89074A-DD45-4C30-BE68-0847302086FD}">
@@ -4983,8 +4983,8 @@
       </dsp:nvSpPr>
       <dsp:spPr>
         <a:xfrm>
-          <a:off x="10001487" y="549157"/>
-          <a:ext cx="2798086" cy="559617"/>
+          <a:off x="9198416" y="505062"/>
+          <a:ext cx="2573413" cy="514682"/>
         </a:xfrm>
         <a:prstGeom prst="rect">
           <a:avLst/>
@@ -5026,12 +5026,12 @@
         </a:fontRef>
       </dsp:style>
       <dsp:txBody>
-        <a:bodyPr spcFirstLastPara="0" vert="horz" wrap="square" lIns="76200" tIns="76200" rIns="76200" bIns="76200" numCol="1" spcCol="1270" anchor="ctr" anchorCtr="0">
+        <a:bodyPr spcFirstLastPara="0" vert="horz" wrap="square" lIns="71120" tIns="71120" rIns="71120" bIns="71120" numCol="1" spcCol="1270" anchor="ctr" anchorCtr="0">
           <a:noAutofit/>
         </a:bodyPr>
         <a:lstStyle/>
         <a:p>
-          <a:pPr marL="0" lvl="0" indent="0" algn="ctr" defTabSz="1333500">
+          <a:pPr marL="0" lvl="0" indent="0" algn="ctr" defTabSz="1244600">
             <a:lnSpc>
               <a:spcPct val="90000"/>
             </a:lnSpc>
@@ -5044,14 +5044,14 @@
             <a:buNone/>
           </a:pPr>
           <a:r>
-            <a:rPr lang="en-US" sz="3000" kern="1200" dirty="0"/>
+            <a:rPr lang="en-US" sz="2800" kern="1200" dirty="0"/>
             <a:t>Step 4</a:t>
           </a:r>
         </a:p>
       </dsp:txBody>
       <dsp:txXfrm>
-        <a:off x="10001487" y="549157"/>
-        <a:ext cx="2798086" cy="559617"/>
+        <a:off x="9198416" y="505062"/>
+        <a:ext cx="2573413" cy="514682"/>
       </dsp:txXfrm>
     </dsp:sp>
   </dsp:spTree>
@@ -7715,7 +7715,7 @@
           <a:p>
             <a:fld id="{F1C0B079-A316-4C9B-B165-DF9EA8325D2C}" type="datetimeFigureOut">
               <a:rPr lang="en-US" smtClean="0"/>
-              <a:t>12/15/2019</a:t>
+              <a:t>12/17/2019</a:t>
             </a:fld>
             <a:endParaRPr lang="en-US"/>
           </a:p>
@@ -7880,7 +7880,7 @@
           <a:p>
             <a:fld id="{38F28AB8-57D1-494F-9851-055AD867E790}" type="datetimeFigureOut">
               <a:rPr lang="en-US" smtClean="0"/>
-              <a:t>12/15/2019</a:t>
+              <a:t>12/17/2019</a:t>
             </a:fld>
             <a:endParaRPr lang="en-US"/>
           </a:p>
@@ -7898,8 +7898,8 @@
         </p:nvSpPr>
         <p:spPr>
           <a:xfrm>
-            <a:off x="1371600" y="1143000"/>
-            <a:ext cx="4114800" cy="3086100"/>
+            <a:off x="1247775" y="1143000"/>
+            <a:ext cx="4362450" cy="3086100"/>
           </a:xfrm>
           <a:prstGeom prst="rect">
             <a:avLst/>
@@ -8053,8 +8053,8 @@
   </p:cSld>
   <p:clrMap bg1="lt1" tx1="dk1" bg2="lt2" tx2="dk2" accent1="accent1" accent2="accent2" accent3="accent3" accent4="accent4" accent5="accent5" accent6="accent6" hlink="hlink" folHlink="folHlink"/>
   <p:notesStyle>
-    <a:lvl1pPr marL="0" algn="l" defTabSz="914400" rtl="0" eaLnBrk="1" latinLnBrk="0" hangingPunct="1">
-      <a:defRPr sz="1200" kern="1200">
+    <a:lvl1pPr marL="0" algn="l" defTabSz="869960" rtl="0" eaLnBrk="1" latinLnBrk="0" hangingPunct="1">
+      <a:defRPr sz="1142" kern="1200">
         <a:solidFill>
           <a:schemeClr val="tx1"/>
         </a:solidFill>
@@ -8063,8 +8063,8 @@
         <a:cs typeface="+mn-cs"/>
       </a:defRPr>
     </a:lvl1pPr>
-    <a:lvl2pPr marL="457200" algn="l" defTabSz="914400" rtl="0" eaLnBrk="1" latinLnBrk="0" hangingPunct="1">
-      <a:defRPr sz="1200" kern="1200">
+    <a:lvl2pPr marL="434980" algn="l" defTabSz="869960" rtl="0" eaLnBrk="1" latinLnBrk="0" hangingPunct="1">
+      <a:defRPr sz="1142" kern="1200">
         <a:solidFill>
           <a:schemeClr val="tx1"/>
         </a:solidFill>
@@ -8073,8 +8073,8 @@
         <a:cs typeface="+mn-cs"/>
       </a:defRPr>
     </a:lvl2pPr>
-    <a:lvl3pPr marL="914400" algn="l" defTabSz="914400" rtl="0" eaLnBrk="1" latinLnBrk="0" hangingPunct="1">
-      <a:defRPr sz="1200" kern="1200">
+    <a:lvl3pPr marL="869960" algn="l" defTabSz="869960" rtl="0" eaLnBrk="1" latinLnBrk="0" hangingPunct="1">
+      <a:defRPr sz="1142" kern="1200">
         <a:solidFill>
           <a:schemeClr val="tx1"/>
         </a:solidFill>
@@ -8083,8 +8083,8 @@
         <a:cs typeface="+mn-cs"/>
       </a:defRPr>
     </a:lvl3pPr>
-    <a:lvl4pPr marL="1371600" algn="l" defTabSz="914400" rtl="0" eaLnBrk="1" latinLnBrk="0" hangingPunct="1">
-      <a:defRPr sz="1200" kern="1200">
+    <a:lvl4pPr marL="1304940" algn="l" defTabSz="869960" rtl="0" eaLnBrk="1" latinLnBrk="0" hangingPunct="1">
+      <a:defRPr sz="1142" kern="1200">
         <a:solidFill>
           <a:schemeClr val="tx1"/>
         </a:solidFill>
@@ -8093,8 +8093,8 @@
         <a:cs typeface="+mn-cs"/>
       </a:defRPr>
     </a:lvl4pPr>
-    <a:lvl5pPr marL="1828800" algn="l" defTabSz="914400" rtl="0" eaLnBrk="1" latinLnBrk="0" hangingPunct="1">
-      <a:defRPr sz="1200" kern="1200">
+    <a:lvl5pPr marL="1739920" algn="l" defTabSz="869960" rtl="0" eaLnBrk="1" latinLnBrk="0" hangingPunct="1">
+      <a:defRPr sz="1142" kern="1200">
         <a:solidFill>
           <a:schemeClr val="tx1"/>
         </a:solidFill>
@@ -8103,8 +8103,8 @@
         <a:cs typeface="+mn-cs"/>
       </a:defRPr>
     </a:lvl5pPr>
-    <a:lvl6pPr marL="2286000" algn="l" defTabSz="914400" rtl="0" eaLnBrk="1" latinLnBrk="0" hangingPunct="1">
-      <a:defRPr sz="1200" kern="1200">
+    <a:lvl6pPr marL="2174900" algn="l" defTabSz="869960" rtl="0" eaLnBrk="1" latinLnBrk="0" hangingPunct="1">
+      <a:defRPr sz="1142" kern="1200">
         <a:solidFill>
           <a:schemeClr val="tx1"/>
         </a:solidFill>
@@ -8113,8 +8113,8 @@
         <a:cs typeface="+mn-cs"/>
       </a:defRPr>
     </a:lvl6pPr>
-    <a:lvl7pPr marL="2743200" algn="l" defTabSz="914400" rtl="0" eaLnBrk="1" latinLnBrk="0" hangingPunct="1">
-      <a:defRPr sz="1200" kern="1200">
+    <a:lvl7pPr marL="2609880" algn="l" defTabSz="869960" rtl="0" eaLnBrk="1" latinLnBrk="0" hangingPunct="1">
+      <a:defRPr sz="1142" kern="1200">
         <a:solidFill>
           <a:schemeClr val="tx1"/>
         </a:solidFill>
@@ -8123,8 +8123,8 @@
         <a:cs typeface="+mn-cs"/>
       </a:defRPr>
     </a:lvl7pPr>
-    <a:lvl8pPr marL="3200400" algn="l" defTabSz="914400" rtl="0" eaLnBrk="1" latinLnBrk="0" hangingPunct="1">
-      <a:defRPr sz="1200" kern="1200">
+    <a:lvl8pPr marL="3044861" algn="l" defTabSz="869960" rtl="0" eaLnBrk="1" latinLnBrk="0" hangingPunct="1">
+      <a:defRPr sz="1142" kern="1200">
         <a:solidFill>
           <a:schemeClr val="tx1"/>
         </a:solidFill>
@@ -8133,8 +8133,8 @@
         <a:cs typeface="+mn-cs"/>
       </a:defRPr>
     </a:lvl8pPr>
-    <a:lvl9pPr marL="3657600" algn="l" defTabSz="914400" rtl="0" eaLnBrk="1" latinLnBrk="0" hangingPunct="1">
-      <a:defRPr sz="1200" kern="1200">
+    <a:lvl9pPr marL="3479841" algn="l" defTabSz="869960" rtl="0" eaLnBrk="1" latinLnBrk="0" hangingPunct="1">
+      <a:defRPr sz="1142" kern="1200">
         <a:solidFill>
           <a:schemeClr val="tx1"/>
         </a:solidFill>
@@ -8174,7 +8174,12 @@
             <p:ph type="sldImg"/>
           </p:nvPr>
         </p:nvSpPr>
-        <p:spPr/>
+        <p:spPr>
+          <a:xfrm>
+            <a:off x="1247775" y="1143000"/>
+            <a:ext cx="4362450" cy="3086100"/>
+          </a:xfrm>
+        </p:spPr>
       </p:sp>
       <p:sp>
         <p:nvSpPr>
@@ -8293,8 +8298,8 @@
         </p:nvSpPr>
         <p:spPr bwMode="auto">
           <a:xfrm>
-            <a:off x="1158240" y="4093905"/>
-            <a:ext cx="30174412" cy="646331"/>
+            <a:off x="1129544" y="3765185"/>
+            <a:ext cx="29426819" cy="594434"/>
           </a:xfrm>
         </p:spPr>
         <p:txBody>
@@ -8307,7 +8312,7 @@
                 <a:spcPts val="0"/>
               </a:spcBef>
               <a:buNone/>
-              <a:defRPr sz="3600">
+              <a:defRPr sz="3311">
                 <a:solidFill>
                   <a:schemeClr val="bg1">
                     <a:lumMod val="75000"/>
@@ -8320,7 +8325,7 @@
                 <a:spcPts val="0"/>
               </a:spcBef>
               <a:buNone/>
-              <a:defRPr sz="2400">
+              <a:defRPr sz="2207">
                 <a:solidFill>
                   <a:schemeClr val="bg1"/>
                 </a:solidFill>
@@ -8331,7 +8336,7 @@
                 <a:spcPts val="0"/>
               </a:spcBef>
               <a:buNone/>
-              <a:defRPr sz="2400">
+              <a:defRPr sz="2207">
                 <a:solidFill>
                   <a:schemeClr val="bg1"/>
                 </a:solidFill>
@@ -8342,7 +8347,7 @@
                 <a:spcPts val="0"/>
               </a:spcBef>
               <a:buNone/>
-              <a:defRPr sz="2400">
+              <a:defRPr sz="2207">
                 <a:solidFill>
                   <a:schemeClr val="bg1"/>
                 </a:solidFill>
@@ -8353,7 +8358,7 @@
                 <a:spcPts val="0"/>
               </a:spcBef>
               <a:buNone/>
-              <a:defRPr sz="2400">
+              <a:defRPr sz="2207">
                 <a:solidFill>
                   <a:schemeClr val="bg1"/>
                 </a:solidFill>
@@ -8364,7 +8369,7 @@
                 <a:spcPts val="0"/>
               </a:spcBef>
               <a:buNone/>
-              <a:defRPr sz="2400">
+              <a:defRPr sz="2207">
                 <a:solidFill>
                   <a:schemeClr val="bg1"/>
                 </a:solidFill>
@@ -8375,7 +8380,7 @@
                 <a:spcPts val="0"/>
               </a:spcBef>
               <a:buNone/>
-              <a:defRPr sz="2400">
+              <a:defRPr sz="2207">
                 <a:solidFill>
                   <a:schemeClr val="bg1"/>
                 </a:solidFill>
@@ -8386,7 +8391,7 @@
                 <a:spcPts val="0"/>
               </a:spcBef>
               <a:buNone/>
-              <a:defRPr sz="2400">
+              <a:defRPr sz="2207">
                 <a:solidFill>
                   <a:schemeClr val="bg1"/>
                 </a:solidFill>
@@ -8397,7 +8402,7 @@
                 <a:spcPts val="0"/>
               </a:spcBef>
               <a:buNone/>
-              <a:defRPr sz="2400">
+              <a:defRPr sz="2207">
                 <a:solidFill>
                   <a:schemeClr val="bg1"/>
                 </a:solidFill>
@@ -8425,8 +8430,8 @@
         </p:nvSpPr>
         <p:spPr>
           <a:xfrm>
-            <a:off x="1143000" y="5669280"/>
-            <a:ext cx="12801600" cy="1280160"/>
+            <a:off x="1114681" y="5214065"/>
+            <a:ext cx="12484431" cy="1177369"/>
           </a:xfrm>
           <a:prstGeom prst="rect">
             <a:avLst/>
@@ -8465,7 +8470,7 @@
                 <a:spcPts val="0"/>
               </a:spcBef>
               <a:buNone/>
-              <a:defRPr sz="5400" cap="none" baseline="0">
+              <a:defRPr sz="4966" cap="none" baseline="0">
                 <a:solidFill>
                   <a:schemeClr val="bg1"/>
                 </a:solidFill>
@@ -8477,7 +8482,7 @@
                 <a:spcPts val="0"/>
               </a:spcBef>
               <a:buNone/>
-              <a:defRPr sz="6000" cap="all" baseline="0">
+              <a:defRPr sz="5518" cap="all" baseline="0">
                 <a:solidFill>
                   <a:schemeClr val="bg1"/>
                 </a:solidFill>
@@ -8489,7 +8494,7 @@
                 <a:spcPts val="0"/>
               </a:spcBef>
               <a:buNone/>
-              <a:defRPr sz="6000" cap="all" baseline="0">
+              <a:defRPr sz="5518" cap="all" baseline="0">
                 <a:solidFill>
                   <a:schemeClr val="bg1"/>
                 </a:solidFill>
@@ -8501,7 +8506,7 @@
                 <a:spcPts val="0"/>
               </a:spcBef>
               <a:buNone/>
-              <a:defRPr sz="6000" cap="all" baseline="0">
+              <a:defRPr sz="5518" cap="all" baseline="0">
                 <a:solidFill>
                   <a:schemeClr val="bg1"/>
                 </a:solidFill>
@@ -8513,7 +8518,7 @@
                 <a:spcPts val="0"/>
               </a:spcBef>
               <a:buNone/>
-              <a:defRPr sz="6000" cap="all" baseline="0">
+              <a:defRPr sz="5518" cap="all" baseline="0">
                 <a:solidFill>
                   <a:schemeClr val="bg1"/>
                 </a:solidFill>
@@ -8525,7 +8530,7 @@
                 <a:spcPts val="0"/>
               </a:spcBef>
               <a:buNone/>
-              <a:defRPr sz="6000" cap="all" baseline="0">
+              <a:defRPr sz="5518" cap="all" baseline="0">
                 <a:solidFill>
                   <a:schemeClr val="bg1"/>
                 </a:solidFill>
@@ -8537,7 +8542,7 @@
                 <a:spcPts val="0"/>
               </a:spcBef>
               <a:buNone/>
-              <a:defRPr sz="6000" cap="all" baseline="0">
+              <a:defRPr sz="5518" cap="all" baseline="0">
                 <a:solidFill>
                   <a:schemeClr val="bg1"/>
                 </a:solidFill>
@@ -8549,7 +8554,7 @@
                 <a:spcPts val="0"/>
               </a:spcBef>
               <a:buNone/>
-              <a:defRPr sz="6000" cap="all" baseline="0">
+              <a:defRPr sz="5518" cap="all" baseline="0">
                 <a:solidFill>
                   <a:schemeClr val="bg1"/>
                 </a:solidFill>
@@ -8561,7 +8566,7 @@
                 <a:spcPts val="0"/>
               </a:spcBef>
               <a:buNone/>
-              <a:defRPr sz="6000" cap="all" baseline="0">
+              <a:defRPr sz="5518" cap="all" baseline="0">
                 <a:solidFill>
                   <a:schemeClr val="bg1"/>
                 </a:solidFill>
@@ -8590,8 +8595,8 @@
         </p:nvSpPr>
         <p:spPr bwMode="ltGray">
           <a:xfrm>
-            <a:off x="1143000" y="7114032"/>
-            <a:ext cx="12801600" cy="2732574"/>
+            <a:off x="1114681" y="6542810"/>
+            <a:ext cx="12484431" cy="2513162"/>
           </a:xfrm>
           <a:solidFill>
             <a:schemeClr val="tx2">
@@ -8607,69 +8612,69 @@
           <a:lstStyle>
             <a:lvl1pPr marL="0" indent="0">
               <a:spcBef>
-                <a:spcPts val="1200"/>
+                <a:spcPts val="1104"/>
               </a:spcBef>
               <a:buFont typeface="Arial" panose="020B0604020202020204" pitchFamily="34" charset="0"/>
               <a:buNone/>
-              <a:defRPr sz="4400" baseline="0"/>
+              <a:defRPr sz="4047" baseline="0"/>
             </a:lvl1pPr>
-            <a:lvl2pPr marL="571500" indent="-571500">
+            <a:lvl2pPr marL="525609" indent="-525609">
               <a:spcBef>
-                <a:spcPts val="1200"/>
+                <a:spcPts val="1104"/>
               </a:spcBef>
               <a:buFont typeface="Arial" panose="020B0604020202020204" pitchFamily="34" charset="0"/>
               <a:buChar char="•"/>
-              <a:defRPr sz="4400"/>
+              <a:defRPr sz="4047"/>
             </a:lvl2pPr>
-            <a:lvl3pPr marL="571500" indent="-571500">
+            <a:lvl3pPr marL="525609" indent="-525609">
               <a:spcBef>
-                <a:spcPts val="1200"/>
+                <a:spcPts val="1104"/>
               </a:spcBef>
               <a:buFont typeface="Arial" panose="020B0604020202020204" pitchFamily="34" charset="0"/>
               <a:buChar char="•"/>
-              <a:defRPr sz="4400"/>
+              <a:defRPr sz="4047"/>
             </a:lvl3pPr>
             <a:lvl4pPr marL="0" indent="0">
               <a:spcBef>
-                <a:spcPts val="1200"/>
+                <a:spcPts val="1104"/>
               </a:spcBef>
               <a:buNone/>
-              <a:defRPr sz="4400"/>
+              <a:defRPr sz="4047"/>
             </a:lvl4pPr>
             <a:lvl5pPr marL="0" indent="0">
               <a:spcBef>
-                <a:spcPts val="1200"/>
+                <a:spcPts val="1104"/>
               </a:spcBef>
               <a:buNone/>
-              <a:defRPr sz="4400"/>
+              <a:defRPr sz="4047"/>
             </a:lvl5pPr>
             <a:lvl6pPr marL="0" indent="0">
               <a:spcBef>
-                <a:spcPts val="1200"/>
+                <a:spcPts val="1104"/>
               </a:spcBef>
               <a:buNone/>
-              <a:defRPr sz="4400"/>
+              <a:defRPr sz="4047"/>
             </a:lvl6pPr>
             <a:lvl7pPr marL="0" indent="0">
               <a:spcBef>
-                <a:spcPts val="1200"/>
+                <a:spcPts val="1104"/>
               </a:spcBef>
               <a:buNone/>
-              <a:defRPr sz="4400"/>
+              <a:defRPr sz="4047"/>
             </a:lvl7pPr>
             <a:lvl8pPr marL="0" indent="0">
               <a:spcBef>
-                <a:spcPts val="1200"/>
+                <a:spcPts val="1104"/>
               </a:spcBef>
               <a:buNone/>
-              <a:defRPr sz="4400"/>
+              <a:defRPr sz="4047"/>
             </a:lvl8pPr>
             <a:lvl9pPr marL="0" indent="0">
               <a:spcBef>
-                <a:spcPts val="1200"/>
+                <a:spcPts val="1104"/>
               </a:spcBef>
               <a:buNone/>
-              <a:defRPr sz="4400"/>
+              <a:defRPr sz="4047"/>
             </a:lvl9pPr>
           </a:lstStyle>
           <a:p>
@@ -8693,8 +8698,8 @@
         </p:nvSpPr>
         <p:spPr>
           <a:xfrm>
-            <a:off x="1143000" y="10497312"/>
-            <a:ext cx="12801600" cy="1280160"/>
+            <a:off x="1114681" y="9654429"/>
+            <a:ext cx="12484431" cy="1177369"/>
           </a:xfrm>
           <a:prstGeom prst="rect">
             <a:avLst/>
@@ -8733,7 +8738,7 @@
                 <a:spcPts val="0"/>
               </a:spcBef>
               <a:buNone/>
-              <a:defRPr sz="5400" cap="none" baseline="0">
+              <a:defRPr sz="4966" cap="none" baseline="0">
                 <a:solidFill>
                   <a:schemeClr val="bg1"/>
                 </a:solidFill>
@@ -8745,7 +8750,7 @@
                 <a:spcPts val="0"/>
               </a:spcBef>
               <a:buNone/>
-              <a:defRPr sz="6000" cap="all" baseline="0">
+              <a:defRPr sz="5518" cap="all" baseline="0">
                 <a:solidFill>
                   <a:schemeClr val="bg1"/>
                 </a:solidFill>
@@ -8757,7 +8762,7 @@
                 <a:spcPts val="0"/>
               </a:spcBef>
               <a:buNone/>
-              <a:defRPr sz="6000" cap="all" baseline="0">
+              <a:defRPr sz="5518" cap="all" baseline="0">
                 <a:solidFill>
                   <a:schemeClr val="bg1"/>
                 </a:solidFill>
@@ -8769,7 +8774,7 @@
                 <a:spcPts val="0"/>
               </a:spcBef>
               <a:buNone/>
-              <a:defRPr sz="6000" cap="all" baseline="0">
+              <a:defRPr sz="5518" cap="all" baseline="0">
                 <a:solidFill>
                   <a:schemeClr val="bg1"/>
                 </a:solidFill>
@@ -8781,7 +8786,7 @@
                 <a:spcPts val="0"/>
               </a:spcBef>
               <a:buNone/>
-              <a:defRPr sz="6000" cap="all" baseline="0">
+              <a:defRPr sz="5518" cap="all" baseline="0">
                 <a:solidFill>
                   <a:schemeClr val="bg1"/>
                 </a:solidFill>
@@ -8793,7 +8798,7 @@
                 <a:spcPts val="0"/>
               </a:spcBef>
               <a:buNone/>
-              <a:defRPr sz="6000" cap="all" baseline="0">
+              <a:defRPr sz="5518" cap="all" baseline="0">
                 <a:solidFill>
                   <a:schemeClr val="bg1"/>
                 </a:solidFill>
@@ -8805,7 +8810,7 @@
                 <a:spcPts val="0"/>
               </a:spcBef>
               <a:buNone/>
-              <a:defRPr sz="6000" cap="all" baseline="0">
+              <a:defRPr sz="5518" cap="all" baseline="0">
                 <a:solidFill>
                   <a:schemeClr val="bg1"/>
                 </a:solidFill>
@@ -8817,7 +8822,7 @@
                 <a:spcPts val="0"/>
               </a:spcBef>
               <a:buNone/>
-              <a:defRPr sz="6000" cap="all" baseline="0">
+              <a:defRPr sz="5518" cap="all" baseline="0">
                 <a:solidFill>
                   <a:schemeClr val="bg1"/>
                 </a:solidFill>
@@ -8829,7 +8834,7 @@
                 <a:spcPts val="0"/>
               </a:spcBef>
               <a:buNone/>
-              <a:defRPr sz="6000" cap="all" baseline="0">
+              <a:defRPr sz="5518" cap="all" baseline="0">
                 <a:solidFill>
                   <a:schemeClr val="bg1"/>
                 </a:solidFill>
@@ -8858,39 +8863,39 @@
         </p:nvSpPr>
         <p:spPr>
           <a:xfrm>
-            <a:off x="1143000" y="11868912"/>
-            <a:ext cx="12801600" cy="2807506"/>
+            <a:off x="1114681" y="10915896"/>
+            <a:ext cx="12484431" cy="2582077"/>
           </a:xfrm>
         </p:spPr>
         <p:txBody>
           <a:bodyPr lIns="91440" tIns="182880"/>
           <a:lstStyle>
             <a:lvl1pPr>
-              <a:defRPr sz="3200" baseline="0"/>
+              <a:defRPr sz="2943" baseline="0"/>
             </a:lvl1pPr>
             <a:lvl2pPr>
-              <a:defRPr sz="2800"/>
+              <a:defRPr sz="2575"/>
             </a:lvl2pPr>
             <a:lvl3pPr>
-              <a:defRPr sz="2800"/>
+              <a:defRPr sz="2575"/>
             </a:lvl3pPr>
             <a:lvl4pPr>
-              <a:defRPr sz="2800"/>
+              <a:defRPr sz="2575"/>
             </a:lvl4pPr>
             <a:lvl5pPr>
-              <a:defRPr sz="2800"/>
+              <a:defRPr sz="2575"/>
             </a:lvl5pPr>
             <a:lvl6pPr>
-              <a:defRPr sz="2800"/>
+              <a:defRPr sz="2575"/>
             </a:lvl6pPr>
             <a:lvl7pPr>
-              <a:defRPr sz="2800"/>
+              <a:defRPr sz="2575"/>
             </a:lvl7pPr>
             <a:lvl8pPr>
-              <a:defRPr sz="2800"/>
+              <a:defRPr sz="2575"/>
             </a:lvl8pPr>
             <a:lvl9pPr>
-              <a:defRPr sz="2800"/>
+              <a:defRPr sz="2575"/>
             </a:lvl9pPr>
           </a:lstStyle>
           <a:p>
@@ -8935,8 +8940,8 @@
         </p:nvSpPr>
         <p:spPr>
           <a:xfrm>
-            <a:off x="1143000" y="14950440"/>
-            <a:ext cx="12801600" cy="1219200"/>
+            <a:off x="1114681" y="13749993"/>
+            <a:ext cx="12484431" cy="1121304"/>
           </a:xfrm>
           <a:prstGeom prst="rect">
             <a:avLst/>
@@ -8975,7 +8980,7 @@
                 <a:spcPts val="0"/>
               </a:spcBef>
               <a:buNone/>
-              <a:defRPr sz="5400" cap="none" baseline="0">
+              <a:defRPr sz="4966" cap="none" baseline="0">
                 <a:solidFill>
                   <a:schemeClr val="bg1"/>
                 </a:solidFill>
@@ -8987,7 +8992,7 @@
                 <a:spcPts val="0"/>
               </a:spcBef>
               <a:buNone/>
-              <a:defRPr sz="6000" cap="all" baseline="0">
+              <a:defRPr sz="5518" cap="all" baseline="0">
                 <a:solidFill>
                   <a:schemeClr val="bg1"/>
                 </a:solidFill>
@@ -8999,7 +9004,7 @@
                 <a:spcPts val="0"/>
               </a:spcBef>
               <a:buNone/>
-              <a:defRPr sz="6000" cap="all" baseline="0">
+              <a:defRPr sz="5518" cap="all" baseline="0">
                 <a:solidFill>
                   <a:schemeClr val="bg1"/>
                 </a:solidFill>
@@ -9011,7 +9016,7 @@
                 <a:spcPts val="0"/>
               </a:spcBef>
               <a:buNone/>
-              <a:defRPr sz="6000" cap="all" baseline="0">
+              <a:defRPr sz="5518" cap="all" baseline="0">
                 <a:solidFill>
                   <a:schemeClr val="bg1"/>
                 </a:solidFill>
@@ -9023,7 +9028,7 @@
                 <a:spcPts val="0"/>
               </a:spcBef>
               <a:buNone/>
-              <a:defRPr sz="6000" cap="all" baseline="0">
+              <a:defRPr sz="5518" cap="all" baseline="0">
                 <a:solidFill>
                   <a:schemeClr val="bg1"/>
                 </a:solidFill>
@@ -9035,7 +9040,7 @@
                 <a:spcPts val="0"/>
               </a:spcBef>
               <a:buNone/>
-              <a:defRPr sz="6000" cap="all" baseline="0">
+              <a:defRPr sz="5518" cap="all" baseline="0">
                 <a:solidFill>
                   <a:schemeClr val="bg1"/>
                 </a:solidFill>
@@ -9047,7 +9052,7 @@
                 <a:spcPts val="0"/>
               </a:spcBef>
               <a:buNone/>
-              <a:defRPr sz="6000" cap="all" baseline="0">
+              <a:defRPr sz="5518" cap="all" baseline="0">
                 <a:solidFill>
                   <a:schemeClr val="bg1"/>
                 </a:solidFill>
@@ -9059,7 +9064,7 @@
                 <a:spcPts val="0"/>
               </a:spcBef>
               <a:buNone/>
-              <a:defRPr sz="6000" cap="all" baseline="0">
+              <a:defRPr sz="5518" cap="all" baseline="0">
                 <a:solidFill>
                   <a:schemeClr val="bg1"/>
                 </a:solidFill>
@@ -9071,7 +9076,7 @@
                 <a:spcPts val="0"/>
               </a:spcBef>
               <a:buNone/>
-              <a:defRPr sz="6000" cap="all" baseline="0">
+              <a:defRPr sz="5518" cap="all" baseline="0">
                 <a:solidFill>
                   <a:schemeClr val="bg1"/>
                 </a:solidFill>
@@ -9100,39 +9105,39 @@
         </p:nvSpPr>
         <p:spPr>
           <a:xfrm>
-            <a:off x="1143000" y="16440912"/>
-            <a:ext cx="12801600" cy="6027461"/>
+            <a:off x="1114681" y="15120788"/>
+            <a:ext cx="12484431" cy="5543485"/>
           </a:xfrm>
         </p:spPr>
         <p:txBody>
           <a:bodyPr lIns="91440" tIns="182880"/>
           <a:lstStyle>
             <a:lvl1pPr>
-              <a:defRPr sz="3200" baseline="0"/>
+              <a:defRPr sz="2943" baseline="0"/>
             </a:lvl1pPr>
             <a:lvl2pPr>
-              <a:defRPr sz="2800"/>
+              <a:defRPr sz="2575"/>
             </a:lvl2pPr>
             <a:lvl3pPr>
-              <a:defRPr sz="2800"/>
+              <a:defRPr sz="2575"/>
             </a:lvl3pPr>
             <a:lvl4pPr>
-              <a:defRPr sz="2800"/>
+              <a:defRPr sz="2575"/>
             </a:lvl4pPr>
             <a:lvl5pPr>
-              <a:defRPr sz="2800"/>
+              <a:defRPr sz="2575"/>
             </a:lvl5pPr>
             <a:lvl6pPr>
-              <a:defRPr sz="2800"/>
+              <a:defRPr sz="2575"/>
             </a:lvl6pPr>
             <a:lvl7pPr>
-              <a:defRPr sz="2800"/>
+              <a:defRPr sz="2575"/>
             </a:lvl7pPr>
             <a:lvl8pPr>
-              <a:defRPr sz="2800"/>
+              <a:defRPr sz="2575"/>
             </a:lvl8pPr>
             <a:lvl9pPr>
-              <a:defRPr sz="2800"/>
+              <a:defRPr sz="2575"/>
             </a:lvl9pPr>
           </a:lstStyle>
           <a:p>
@@ -9212,8 +9217,8 @@
         </p:nvSpPr>
         <p:spPr>
           <a:xfrm>
-            <a:off x="1143000" y="22887432"/>
-            <a:ext cx="12801600" cy="1219200"/>
+            <a:off x="1114681" y="21049683"/>
+            <a:ext cx="12484431" cy="1121304"/>
           </a:xfrm>
           <a:prstGeom prst="rect">
             <a:avLst/>
@@ -9252,7 +9257,7 @@
                 <a:spcPts val="0"/>
               </a:spcBef>
               <a:buNone/>
-              <a:defRPr sz="5400" cap="none" baseline="0">
+              <a:defRPr sz="4966" cap="none" baseline="0">
                 <a:solidFill>
                   <a:schemeClr val="bg1"/>
                 </a:solidFill>
@@ -9264,7 +9269,7 @@
                 <a:spcPts val="0"/>
               </a:spcBef>
               <a:buNone/>
-              <a:defRPr sz="6000" cap="all" baseline="0">
+              <a:defRPr sz="5518" cap="all" baseline="0">
                 <a:solidFill>
                   <a:schemeClr val="bg1"/>
                 </a:solidFill>
@@ -9276,7 +9281,7 @@
                 <a:spcPts val="0"/>
               </a:spcBef>
               <a:buNone/>
-              <a:defRPr sz="6000" cap="all" baseline="0">
+              <a:defRPr sz="5518" cap="all" baseline="0">
                 <a:solidFill>
                   <a:schemeClr val="bg1"/>
                 </a:solidFill>
@@ -9288,7 +9293,7 @@
                 <a:spcPts val="0"/>
               </a:spcBef>
               <a:buNone/>
-              <a:defRPr sz="6000" cap="all" baseline="0">
+              <a:defRPr sz="5518" cap="all" baseline="0">
                 <a:solidFill>
                   <a:schemeClr val="bg1"/>
                 </a:solidFill>
@@ -9300,7 +9305,7 @@
                 <a:spcPts val="0"/>
               </a:spcBef>
               <a:buNone/>
-              <a:defRPr sz="6000" cap="all" baseline="0">
+              <a:defRPr sz="5518" cap="all" baseline="0">
                 <a:solidFill>
                   <a:schemeClr val="bg1"/>
                 </a:solidFill>
@@ -9312,7 +9317,7 @@
                 <a:spcPts val="0"/>
               </a:spcBef>
               <a:buNone/>
-              <a:defRPr sz="6000" cap="all" baseline="0">
+              <a:defRPr sz="5518" cap="all" baseline="0">
                 <a:solidFill>
                   <a:schemeClr val="bg1"/>
                 </a:solidFill>
@@ -9324,7 +9329,7 @@
                 <a:spcPts val="0"/>
               </a:spcBef>
               <a:buNone/>
-              <a:defRPr sz="6000" cap="all" baseline="0">
+              <a:defRPr sz="5518" cap="all" baseline="0">
                 <a:solidFill>
                   <a:schemeClr val="bg1"/>
                 </a:solidFill>
@@ -9336,7 +9341,7 @@
                 <a:spcPts val="0"/>
               </a:spcBef>
               <a:buNone/>
-              <a:defRPr sz="6000" cap="all" baseline="0">
+              <a:defRPr sz="5518" cap="all" baseline="0">
                 <a:solidFill>
                   <a:schemeClr val="bg1"/>
                 </a:solidFill>
@@ -9348,7 +9353,7 @@
                 <a:spcPts val="0"/>
               </a:spcBef>
               <a:buNone/>
-              <a:defRPr sz="6000" cap="all" baseline="0">
+              <a:defRPr sz="5518" cap="all" baseline="0">
                 <a:solidFill>
                   <a:schemeClr val="bg1"/>
                 </a:solidFill>
@@ -9377,39 +9382,39 @@
         </p:nvSpPr>
         <p:spPr>
           <a:xfrm>
-            <a:off x="1143000" y="24332184"/>
-            <a:ext cx="12801600" cy="7296912"/>
+            <a:off x="1114681" y="22378428"/>
+            <a:ext cx="12484431" cy="6711006"/>
           </a:xfrm>
         </p:spPr>
         <p:txBody>
           <a:bodyPr lIns="91440" tIns="182880"/>
           <a:lstStyle>
             <a:lvl1pPr>
-              <a:defRPr sz="3200" baseline="0"/>
+              <a:defRPr sz="2943" baseline="0"/>
             </a:lvl1pPr>
             <a:lvl2pPr>
-              <a:defRPr sz="2800"/>
+              <a:defRPr sz="2575"/>
             </a:lvl2pPr>
             <a:lvl3pPr>
-              <a:defRPr sz="2800"/>
+              <a:defRPr sz="2575"/>
             </a:lvl3pPr>
             <a:lvl4pPr>
-              <a:defRPr sz="2800"/>
+              <a:defRPr sz="2575"/>
             </a:lvl4pPr>
             <a:lvl5pPr>
-              <a:defRPr sz="2800"/>
+              <a:defRPr sz="2575"/>
             </a:lvl5pPr>
             <a:lvl6pPr>
-              <a:defRPr sz="2800"/>
+              <a:defRPr sz="2575"/>
             </a:lvl6pPr>
             <a:lvl7pPr>
-              <a:defRPr sz="2800"/>
+              <a:defRPr sz="2575"/>
             </a:lvl7pPr>
             <a:lvl8pPr>
-              <a:defRPr sz="2800"/>
+              <a:defRPr sz="2575"/>
             </a:lvl8pPr>
             <a:lvl9pPr>
-              <a:defRPr sz="2800"/>
+              <a:defRPr sz="2575"/>
             </a:lvl9pPr>
           </a:lstStyle>
           <a:p>
@@ -9489,8 +9494,8 @@
         </p:nvSpPr>
         <p:spPr>
           <a:xfrm>
-            <a:off x="15544800" y="5669280"/>
-            <a:ext cx="12801600" cy="1219200"/>
+            <a:off x="15159666" y="5214065"/>
+            <a:ext cx="12484431" cy="1121304"/>
           </a:xfrm>
           <a:prstGeom prst="rect">
             <a:avLst/>
@@ -9529,7 +9534,7 @@
                 <a:spcPts val="0"/>
               </a:spcBef>
               <a:buNone/>
-              <a:defRPr sz="5400" cap="none" baseline="0">
+              <a:defRPr sz="4966" cap="none" baseline="0">
                 <a:solidFill>
                   <a:schemeClr val="bg1"/>
                 </a:solidFill>
@@ -9541,7 +9546,7 @@
                 <a:spcPts val="0"/>
               </a:spcBef>
               <a:buNone/>
-              <a:defRPr sz="6000" cap="all" baseline="0">
+              <a:defRPr sz="5518" cap="all" baseline="0">
                 <a:solidFill>
                   <a:schemeClr val="bg1"/>
                 </a:solidFill>
@@ -9553,7 +9558,7 @@
                 <a:spcPts val="0"/>
               </a:spcBef>
               <a:buNone/>
-              <a:defRPr sz="6000" cap="all" baseline="0">
+              <a:defRPr sz="5518" cap="all" baseline="0">
                 <a:solidFill>
                   <a:schemeClr val="bg1"/>
                 </a:solidFill>
@@ -9565,7 +9570,7 @@
                 <a:spcPts val="0"/>
               </a:spcBef>
               <a:buNone/>
-              <a:defRPr sz="6000" cap="all" baseline="0">
+              <a:defRPr sz="5518" cap="all" baseline="0">
                 <a:solidFill>
                   <a:schemeClr val="bg1"/>
                 </a:solidFill>
@@ -9577,7 +9582,7 @@
                 <a:spcPts val="0"/>
               </a:spcBef>
               <a:buNone/>
-              <a:defRPr sz="6000" cap="all" baseline="0">
+              <a:defRPr sz="5518" cap="all" baseline="0">
                 <a:solidFill>
                   <a:schemeClr val="bg1"/>
                 </a:solidFill>
@@ -9589,7 +9594,7 @@
                 <a:spcPts val="0"/>
               </a:spcBef>
               <a:buNone/>
-              <a:defRPr sz="6000" cap="all" baseline="0">
+              <a:defRPr sz="5518" cap="all" baseline="0">
                 <a:solidFill>
                   <a:schemeClr val="bg1"/>
                 </a:solidFill>
@@ -9601,7 +9606,7 @@
                 <a:spcPts val="0"/>
               </a:spcBef>
               <a:buNone/>
-              <a:defRPr sz="6000" cap="all" baseline="0">
+              <a:defRPr sz="5518" cap="all" baseline="0">
                 <a:solidFill>
                   <a:schemeClr val="bg1"/>
                 </a:solidFill>
@@ -9613,7 +9618,7 @@
                 <a:spcPts val="0"/>
               </a:spcBef>
               <a:buNone/>
-              <a:defRPr sz="6000" cap="all" baseline="0">
+              <a:defRPr sz="5518" cap="all" baseline="0">
                 <a:solidFill>
                   <a:schemeClr val="bg1"/>
                 </a:solidFill>
@@ -9625,7 +9630,7 @@
                 <a:spcPts val="0"/>
               </a:spcBef>
               <a:buNone/>
-              <a:defRPr sz="6000" cap="all" baseline="0">
+              <a:defRPr sz="5518" cap="all" baseline="0">
                 <a:solidFill>
                   <a:schemeClr val="bg1"/>
                 </a:solidFill>
@@ -9654,39 +9659,39 @@
         </p:nvSpPr>
         <p:spPr>
           <a:xfrm>
-            <a:off x="15544800" y="7114032"/>
-            <a:ext cx="12801600" cy="6795556"/>
+            <a:off x="15159666" y="6542810"/>
+            <a:ext cx="12484431" cy="6249906"/>
           </a:xfrm>
         </p:spPr>
         <p:txBody>
           <a:bodyPr lIns="91440" tIns="182880"/>
           <a:lstStyle>
             <a:lvl1pPr>
-              <a:defRPr sz="3200" baseline="0"/>
+              <a:defRPr sz="2943" baseline="0"/>
             </a:lvl1pPr>
             <a:lvl2pPr>
-              <a:defRPr sz="2800"/>
+              <a:defRPr sz="2575"/>
             </a:lvl2pPr>
             <a:lvl3pPr>
-              <a:defRPr sz="2800"/>
+              <a:defRPr sz="2575"/>
             </a:lvl3pPr>
             <a:lvl4pPr>
-              <a:defRPr sz="2800"/>
+              <a:defRPr sz="2575"/>
             </a:lvl4pPr>
             <a:lvl5pPr>
-              <a:defRPr sz="2800"/>
+              <a:defRPr sz="2575"/>
             </a:lvl5pPr>
             <a:lvl6pPr>
-              <a:defRPr sz="2800"/>
+              <a:defRPr sz="2575"/>
             </a:lvl6pPr>
             <a:lvl7pPr>
-              <a:defRPr sz="2800"/>
+              <a:defRPr sz="2575"/>
             </a:lvl7pPr>
             <a:lvl8pPr>
-              <a:defRPr sz="2800"/>
+              <a:defRPr sz="2575"/>
             </a:lvl8pPr>
             <a:lvl9pPr>
-              <a:defRPr sz="2800"/>
+              <a:defRPr sz="2575"/>
             </a:lvl9pPr>
           </a:lstStyle>
           <a:p>
@@ -9766,8 +9771,8 @@
         </p:nvSpPr>
         <p:spPr>
           <a:xfrm>
-            <a:off x="15544800" y="14328648"/>
-            <a:ext cx="12801600" cy="1219200"/>
+            <a:off x="15159666" y="13178128"/>
+            <a:ext cx="12484431" cy="1121304"/>
           </a:xfrm>
           <a:prstGeom prst="rect">
             <a:avLst/>
@@ -9806,7 +9811,7 @@
                 <a:spcPts val="0"/>
               </a:spcBef>
               <a:buNone/>
-              <a:defRPr sz="5400" cap="none" baseline="0">
+              <a:defRPr sz="4966" cap="none" baseline="0">
                 <a:solidFill>
                   <a:schemeClr val="bg1"/>
                 </a:solidFill>
@@ -9818,7 +9823,7 @@
                 <a:spcPts val="0"/>
               </a:spcBef>
               <a:buNone/>
-              <a:defRPr sz="6000" cap="all" baseline="0">
+              <a:defRPr sz="5518" cap="all" baseline="0">
                 <a:solidFill>
                   <a:schemeClr val="bg1"/>
                 </a:solidFill>
@@ -9830,7 +9835,7 @@
                 <a:spcPts val="0"/>
               </a:spcBef>
               <a:buNone/>
-              <a:defRPr sz="6000" cap="all" baseline="0">
+              <a:defRPr sz="5518" cap="all" baseline="0">
                 <a:solidFill>
                   <a:schemeClr val="bg1"/>
                 </a:solidFill>
@@ -9842,7 +9847,7 @@
                 <a:spcPts val="0"/>
               </a:spcBef>
               <a:buNone/>
-              <a:defRPr sz="6000" cap="all" baseline="0">
+              <a:defRPr sz="5518" cap="all" baseline="0">
                 <a:solidFill>
                   <a:schemeClr val="bg1"/>
                 </a:solidFill>
@@ -9854,7 +9859,7 @@
                 <a:spcPts val="0"/>
               </a:spcBef>
               <a:buNone/>
-              <a:defRPr sz="6000" cap="all" baseline="0">
+              <a:defRPr sz="5518" cap="all" baseline="0">
                 <a:solidFill>
                   <a:schemeClr val="bg1"/>
                 </a:solidFill>
@@ -9866,7 +9871,7 @@
                 <a:spcPts val="0"/>
               </a:spcBef>
               <a:buNone/>
-              <a:defRPr sz="6000" cap="all" baseline="0">
+              <a:defRPr sz="5518" cap="all" baseline="0">
                 <a:solidFill>
                   <a:schemeClr val="bg1"/>
                 </a:solidFill>
@@ -9878,7 +9883,7 @@
                 <a:spcPts val="0"/>
               </a:spcBef>
               <a:buNone/>
-              <a:defRPr sz="6000" cap="all" baseline="0">
+              <a:defRPr sz="5518" cap="all" baseline="0">
                 <a:solidFill>
                   <a:schemeClr val="bg1"/>
                 </a:solidFill>
@@ -9890,7 +9895,7 @@
                 <a:spcPts val="0"/>
               </a:spcBef>
               <a:buNone/>
-              <a:defRPr sz="6000" cap="all" baseline="0">
+              <a:defRPr sz="5518" cap="all" baseline="0">
                 <a:solidFill>
                   <a:schemeClr val="bg1"/>
                 </a:solidFill>
@@ -9902,7 +9907,7 @@
                 <a:spcPts val="0"/>
               </a:spcBef>
               <a:buNone/>
-              <a:defRPr sz="6000" cap="all" baseline="0">
+              <a:defRPr sz="5518" cap="all" baseline="0">
                 <a:solidFill>
                   <a:schemeClr val="bg1"/>
                 </a:solidFill>
@@ -9931,39 +9936,39 @@
         </p:nvSpPr>
         <p:spPr>
           <a:xfrm>
-            <a:off x="15544800" y="15773399"/>
-            <a:ext cx="12801600" cy="6694973"/>
+            <a:off x="15159666" y="14506873"/>
+            <a:ext cx="12484431" cy="6157399"/>
           </a:xfrm>
         </p:spPr>
         <p:txBody>
           <a:bodyPr lIns="91440" tIns="182880"/>
           <a:lstStyle>
             <a:lvl1pPr>
-              <a:defRPr sz="3200" baseline="0"/>
+              <a:defRPr sz="2943" baseline="0"/>
             </a:lvl1pPr>
             <a:lvl2pPr>
-              <a:defRPr sz="2800"/>
+              <a:defRPr sz="2575"/>
             </a:lvl2pPr>
             <a:lvl3pPr>
-              <a:defRPr sz="2800"/>
+              <a:defRPr sz="2575"/>
             </a:lvl3pPr>
             <a:lvl4pPr>
-              <a:defRPr sz="2800"/>
+              <a:defRPr sz="2575"/>
             </a:lvl4pPr>
             <a:lvl5pPr>
-              <a:defRPr sz="2800"/>
+              <a:defRPr sz="2575"/>
             </a:lvl5pPr>
             <a:lvl6pPr>
-              <a:defRPr sz="2800"/>
+              <a:defRPr sz="2575"/>
             </a:lvl6pPr>
             <a:lvl7pPr>
-              <a:defRPr sz="2800"/>
+              <a:defRPr sz="2575"/>
             </a:lvl7pPr>
             <a:lvl8pPr>
-              <a:defRPr sz="2800"/>
+              <a:defRPr sz="2575"/>
             </a:lvl8pPr>
             <a:lvl9pPr>
-              <a:defRPr sz="2800"/>
+              <a:defRPr sz="2575"/>
             </a:lvl9pPr>
           </a:lstStyle>
           <a:p>
@@ -10043,8 +10048,8 @@
         </p:nvSpPr>
         <p:spPr>
           <a:xfrm>
-            <a:off x="15544800" y="22887432"/>
-            <a:ext cx="12801600" cy="1219200"/>
+            <a:off x="15159666" y="21049683"/>
+            <a:ext cx="12484431" cy="1121304"/>
           </a:xfrm>
           <a:prstGeom prst="rect">
             <a:avLst/>
@@ -10083,7 +10088,7 @@
                 <a:spcPts val="0"/>
               </a:spcBef>
               <a:buNone/>
-              <a:defRPr sz="5400" cap="none" baseline="0">
+              <a:defRPr sz="4966" cap="none" baseline="0">
                 <a:solidFill>
                   <a:schemeClr val="bg1"/>
                 </a:solidFill>
@@ -10095,7 +10100,7 @@
                 <a:spcPts val="0"/>
               </a:spcBef>
               <a:buNone/>
-              <a:defRPr sz="6000" cap="all" baseline="0">
+              <a:defRPr sz="5518" cap="all" baseline="0">
                 <a:solidFill>
                   <a:schemeClr val="bg1"/>
                 </a:solidFill>
@@ -10107,7 +10112,7 @@
                 <a:spcPts val="0"/>
               </a:spcBef>
               <a:buNone/>
-              <a:defRPr sz="6000" cap="all" baseline="0">
+              <a:defRPr sz="5518" cap="all" baseline="0">
                 <a:solidFill>
                   <a:schemeClr val="bg1"/>
                 </a:solidFill>
@@ -10119,7 +10124,7 @@
                 <a:spcPts val="0"/>
               </a:spcBef>
               <a:buNone/>
-              <a:defRPr sz="6000" cap="all" baseline="0">
+              <a:defRPr sz="5518" cap="all" baseline="0">
                 <a:solidFill>
                   <a:schemeClr val="bg1"/>
                 </a:solidFill>
@@ -10131,7 +10136,7 @@
                 <a:spcPts val="0"/>
               </a:spcBef>
               <a:buNone/>
-              <a:defRPr sz="6000" cap="all" baseline="0">
+              <a:defRPr sz="5518" cap="all" baseline="0">
                 <a:solidFill>
                   <a:schemeClr val="bg1"/>
                 </a:solidFill>
@@ -10143,7 +10148,7 @@
                 <a:spcPts val="0"/>
               </a:spcBef>
               <a:buNone/>
-              <a:defRPr sz="6000" cap="all" baseline="0">
+              <a:defRPr sz="5518" cap="all" baseline="0">
                 <a:solidFill>
                   <a:schemeClr val="bg1"/>
                 </a:solidFill>
@@ -10155,7 +10160,7 @@
                 <a:spcPts val="0"/>
               </a:spcBef>
               <a:buNone/>
-              <a:defRPr sz="6000" cap="all" baseline="0">
+              <a:defRPr sz="5518" cap="all" baseline="0">
                 <a:solidFill>
                   <a:schemeClr val="bg1"/>
                 </a:solidFill>
@@ -10167,7 +10172,7 @@
                 <a:spcPts val="0"/>
               </a:spcBef>
               <a:buNone/>
-              <a:defRPr sz="6000" cap="all" baseline="0">
+              <a:defRPr sz="5518" cap="all" baseline="0">
                 <a:solidFill>
                   <a:schemeClr val="bg1"/>
                 </a:solidFill>
@@ -10179,7 +10184,7 @@
                 <a:spcPts val="0"/>
               </a:spcBef>
               <a:buNone/>
-              <a:defRPr sz="6000" cap="all" baseline="0">
+              <a:defRPr sz="5518" cap="all" baseline="0">
                 <a:solidFill>
                   <a:schemeClr val="bg1"/>
                 </a:solidFill>
@@ -10208,39 +10213,39 @@
         </p:nvSpPr>
         <p:spPr>
           <a:xfrm>
-            <a:off x="15544800" y="24332184"/>
-            <a:ext cx="12801600" cy="7296912"/>
+            <a:off x="15159666" y="22378428"/>
+            <a:ext cx="12484431" cy="6711006"/>
           </a:xfrm>
         </p:spPr>
         <p:txBody>
           <a:bodyPr lIns="91440" tIns="182880"/>
           <a:lstStyle>
             <a:lvl1pPr>
-              <a:defRPr sz="3200" baseline="0"/>
+              <a:defRPr sz="2943" baseline="0"/>
             </a:lvl1pPr>
             <a:lvl2pPr>
-              <a:defRPr sz="2800"/>
+              <a:defRPr sz="2575"/>
             </a:lvl2pPr>
             <a:lvl3pPr>
-              <a:defRPr sz="2800"/>
+              <a:defRPr sz="2575"/>
             </a:lvl3pPr>
             <a:lvl4pPr>
-              <a:defRPr sz="2800"/>
+              <a:defRPr sz="2575"/>
             </a:lvl4pPr>
             <a:lvl5pPr>
-              <a:defRPr sz="2800"/>
+              <a:defRPr sz="2575"/>
             </a:lvl5pPr>
             <a:lvl6pPr>
-              <a:defRPr sz="2800"/>
+              <a:defRPr sz="2575"/>
             </a:lvl6pPr>
             <a:lvl7pPr>
-              <a:defRPr sz="2800"/>
+              <a:defRPr sz="2575"/>
             </a:lvl7pPr>
             <a:lvl8pPr>
-              <a:defRPr sz="2800"/>
+              <a:defRPr sz="2575"/>
             </a:lvl8pPr>
             <a:lvl9pPr>
-              <a:defRPr sz="2800"/>
+              <a:defRPr sz="2575"/>
             </a:lvl9pPr>
           </a:lstStyle>
           <a:p>
@@ -10320,8 +10325,8 @@
         </p:nvSpPr>
         <p:spPr>
           <a:xfrm>
-            <a:off x="29900880" y="5669280"/>
-            <a:ext cx="12801600" cy="1219200"/>
+            <a:off x="29160063" y="5214065"/>
+            <a:ext cx="12484431" cy="1121304"/>
           </a:xfrm>
           <a:prstGeom prst="rect">
             <a:avLst/>
@@ -10360,7 +10365,7 @@
                 <a:spcPts val="0"/>
               </a:spcBef>
               <a:buNone/>
-              <a:defRPr sz="5400" cap="none" baseline="0">
+              <a:defRPr sz="4966" cap="none" baseline="0">
                 <a:solidFill>
                   <a:schemeClr val="bg1"/>
                 </a:solidFill>
@@ -10372,7 +10377,7 @@
                 <a:spcPts val="0"/>
               </a:spcBef>
               <a:buNone/>
-              <a:defRPr sz="6000" cap="all" baseline="0">
+              <a:defRPr sz="5518" cap="all" baseline="0">
                 <a:solidFill>
                   <a:schemeClr val="bg1"/>
                 </a:solidFill>
@@ -10384,7 +10389,7 @@
                 <a:spcPts val="0"/>
               </a:spcBef>
               <a:buNone/>
-              <a:defRPr sz="6000" cap="all" baseline="0">
+              <a:defRPr sz="5518" cap="all" baseline="0">
                 <a:solidFill>
                   <a:schemeClr val="bg1"/>
                 </a:solidFill>
@@ -10396,7 +10401,7 @@
                 <a:spcPts val="0"/>
               </a:spcBef>
               <a:buNone/>
-              <a:defRPr sz="6000" cap="all" baseline="0">
+              <a:defRPr sz="5518" cap="all" baseline="0">
                 <a:solidFill>
                   <a:schemeClr val="bg1"/>
                 </a:solidFill>
@@ -10408,7 +10413,7 @@
                 <a:spcPts val="0"/>
               </a:spcBef>
               <a:buNone/>
-              <a:defRPr sz="6000" cap="all" baseline="0">
+              <a:defRPr sz="5518" cap="all" baseline="0">
                 <a:solidFill>
                   <a:schemeClr val="bg1"/>
                 </a:solidFill>
@@ -10420,7 +10425,7 @@
                 <a:spcPts val="0"/>
               </a:spcBef>
               <a:buNone/>
-              <a:defRPr sz="6000" cap="all" baseline="0">
+              <a:defRPr sz="5518" cap="all" baseline="0">
                 <a:solidFill>
                   <a:schemeClr val="bg1"/>
                 </a:solidFill>
@@ -10432,7 +10437,7 @@
                 <a:spcPts val="0"/>
               </a:spcBef>
               <a:buNone/>
-              <a:defRPr sz="6000" cap="all" baseline="0">
+              <a:defRPr sz="5518" cap="all" baseline="0">
                 <a:solidFill>
                   <a:schemeClr val="bg1"/>
                 </a:solidFill>
@@ -10444,7 +10449,7 @@
                 <a:spcPts val="0"/>
               </a:spcBef>
               <a:buNone/>
-              <a:defRPr sz="6000" cap="all" baseline="0">
+              <a:defRPr sz="5518" cap="all" baseline="0">
                 <a:solidFill>
                   <a:schemeClr val="bg1"/>
                 </a:solidFill>
@@ -10456,7 +10461,7 @@
                 <a:spcPts val="0"/>
               </a:spcBef>
               <a:buNone/>
-              <a:defRPr sz="6000" cap="all" baseline="0">
+              <a:defRPr sz="5518" cap="all" baseline="0">
                 <a:solidFill>
                   <a:schemeClr val="bg1"/>
                 </a:solidFill>
@@ -10485,39 +10490,39 @@
         </p:nvSpPr>
         <p:spPr>
           <a:xfrm>
-            <a:off x="29900880" y="7114032"/>
-            <a:ext cx="12801600" cy="7315200"/>
+            <a:off x="29160063" y="6542810"/>
+            <a:ext cx="12484431" cy="6727825"/>
           </a:xfrm>
         </p:spPr>
         <p:txBody>
           <a:bodyPr lIns="91440" tIns="182880"/>
           <a:lstStyle>
             <a:lvl1pPr>
-              <a:defRPr sz="3200" baseline="0"/>
+              <a:defRPr sz="2943" baseline="0"/>
             </a:lvl1pPr>
             <a:lvl2pPr>
-              <a:defRPr sz="2800"/>
+              <a:defRPr sz="2575"/>
             </a:lvl2pPr>
             <a:lvl3pPr>
-              <a:defRPr sz="2800"/>
+              <a:defRPr sz="2575"/>
             </a:lvl3pPr>
             <a:lvl4pPr>
-              <a:defRPr sz="2800"/>
+              <a:defRPr sz="2575"/>
             </a:lvl4pPr>
             <a:lvl5pPr>
-              <a:defRPr sz="2800"/>
+              <a:defRPr sz="2575"/>
             </a:lvl5pPr>
             <a:lvl6pPr>
-              <a:defRPr sz="2800"/>
+              <a:defRPr sz="2575"/>
             </a:lvl6pPr>
             <a:lvl7pPr>
-              <a:defRPr sz="2800"/>
+              <a:defRPr sz="2575"/>
             </a:lvl7pPr>
             <a:lvl8pPr>
-              <a:defRPr sz="2800"/>
+              <a:defRPr sz="2575"/>
             </a:lvl8pPr>
             <a:lvl9pPr>
-              <a:defRPr sz="2800"/>
+              <a:defRPr sz="2575"/>
             </a:lvl9pPr>
           </a:lstStyle>
           <a:p>
@@ -10597,39 +10602,39 @@
         </p:nvSpPr>
         <p:spPr>
           <a:xfrm>
-            <a:off x="29900880" y="14914834"/>
-            <a:ext cx="12801600" cy="4538610"/>
+            <a:off x="29160063" y="13717245"/>
+            <a:ext cx="12484431" cy="4174182"/>
           </a:xfrm>
         </p:spPr>
         <p:txBody>
           <a:bodyPr lIns="91440" tIns="182880"/>
           <a:lstStyle>
             <a:lvl1pPr>
-              <a:defRPr sz="3200" baseline="0"/>
+              <a:defRPr sz="2943" baseline="0"/>
             </a:lvl1pPr>
             <a:lvl2pPr>
-              <a:defRPr sz="2800"/>
+              <a:defRPr sz="2575"/>
             </a:lvl2pPr>
             <a:lvl3pPr>
-              <a:defRPr sz="2800"/>
+              <a:defRPr sz="2575"/>
             </a:lvl3pPr>
             <a:lvl4pPr>
-              <a:defRPr sz="2800"/>
+              <a:defRPr sz="2575"/>
             </a:lvl4pPr>
             <a:lvl5pPr>
-              <a:defRPr sz="2800"/>
+              <a:defRPr sz="2575"/>
             </a:lvl5pPr>
             <a:lvl6pPr>
-              <a:defRPr sz="2800"/>
+              <a:defRPr sz="2575"/>
             </a:lvl6pPr>
             <a:lvl7pPr>
-              <a:defRPr sz="2800"/>
+              <a:defRPr sz="2575"/>
             </a:lvl7pPr>
             <a:lvl8pPr>
-              <a:defRPr sz="2800"/>
+              <a:defRPr sz="2575"/>
             </a:lvl8pPr>
             <a:lvl9pPr>
-              <a:defRPr sz="2800"/>
+              <a:defRPr sz="2575"/>
             </a:lvl9pPr>
           </a:lstStyle>
           <a:p>
@@ -10674,8 +10679,8 @@
         </p:nvSpPr>
         <p:spPr>
           <a:xfrm>
-            <a:off x="29900880" y="19767596"/>
-            <a:ext cx="12801600" cy="1219200"/>
+            <a:off x="29160063" y="18180355"/>
+            <a:ext cx="12484431" cy="1121304"/>
           </a:xfrm>
           <a:prstGeom prst="rect">
             <a:avLst/>
@@ -10714,7 +10719,7 @@
                 <a:spcPts val="0"/>
               </a:spcBef>
               <a:buNone/>
-              <a:defRPr sz="5400" cap="none" baseline="0">
+              <a:defRPr sz="4966" cap="none" baseline="0">
                 <a:solidFill>
                   <a:schemeClr val="bg1"/>
                 </a:solidFill>
@@ -10726,7 +10731,7 @@
                 <a:spcPts val="0"/>
               </a:spcBef>
               <a:buNone/>
-              <a:defRPr sz="6000" cap="all" baseline="0">
+              <a:defRPr sz="5518" cap="all" baseline="0">
                 <a:solidFill>
                   <a:schemeClr val="bg1"/>
                 </a:solidFill>
@@ -10738,7 +10743,7 @@
                 <a:spcPts val="0"/>
               </a:spcBef>
               <a:buNone/>
-              <a:defRPr sz="6000" cap="all" baseline="0">
+              <a:defRPr sz="5518" cap="all" baseline="0">
                 <a:solidFill>
                   <a:schemeClr val="bg1"/>
                 </a:solidFill>
@@ -10750,7 +10755,7 @@
                 <a:spcPts val="0"/>
               </a:spcBef>
               <a:buNone/>
-              <a:defRPr sz="6000" cap="all" baseline="0">
+              <a:defRPr sz="5518" cap="all" baseline="0">
                 <a:solidFill>
                   <a:schemeClr val="bg1"/>
                 </a:solidFill>
@@ -10762,7 +10767,7 @@
                 <a:spcPts val="0"/>
               </a:spcBef>
               <a:buNone/>
-              <a:defRPr sz="6000" cap="all" baseline="0">
+              <a:defRPr sz="5518" cap="all" baseline="0">
                 <a:solidFill>
                   <a:schemeClr val="bg1"/>
                 </a:solidFill>
@@ -10774,7 +10779,7 @@
                 <a:spcPts val="0"/>
               </a:spcBef>
               <a:buNone/>
-              <a:defRPr sz="6000" cap="all" baseline="0">
+              <a:defRPr sz="5518" cap="all" baseline="0">
                 <a:solidFill>
                   <a:schemeClr val="bg1"/>
                 </a:solidFill>
@@ -10786,7 +10791,7 @@
                 <a:spcPts val="0"/>
               </a:spcBef>
               <a:buNone/>
-              <a:defRPr sz="6000" cap="all" baseline="0">
+              <a:defRPr sz="5518" cap="all" baseline="0">
                 <a:solidFill>
                   <a:schemeClr val="bg1"/>
                 </a:solidFill>
@@ -10798,7 +10803,7 @@
                 <a:spcPts val="0"/>
               </a:spcBef>
               <a:buNone/>
-              <a:defRPr sz="6000" cap="all" baseline="0">
+              <a:defRPr sz="5518" cap="all" baseline="0">
                 <a:solidFill>
                   <a:schemeClr val="bg1"/>
                 </a:solidFill>
@@ -10810,7 +10815,7 @@
                 <a:spcPts val="0"/>
               </a:spcBef>
               <a:buNone/>
-              <a:defRPr sz="6000" cap="all" baseline="0">
+              <a:defRPr sz="5518" cap="all" baseline="0">
                 <a:solidFill>
                   <a:schemeClr val="bg1"/>
                 </a:solidFill>
@@ -10839,39 +10844,39 @@
         </p:nvSpPr>
         <p:spPr>
           <a:xfrm>
-            <a:off x="29900880" y="21212348"/>
-            <a:ext cx="12801600" cy="4344786"/>
+            <a:off x="29160063" y="19509100"/>
+            <a:ext cx="12484431" cy="3995921"/>
           </a:xfrm>
         </p:spPr>
         <p:txBody>
           <a:bodyPr lIns="91440" tIns="182880"/>
           <a:lstStyle>
             <a:lvl1pPr>
-              <a:defRPr sz="3200" baseline="0"/>
+              <a:defRPr sz="2943" baseline="0"/>
             </a:lvl1pPr>
             <a:lvl2pPr>
-              <a:defRPr sz="2800"/>
+              <a:defRPr sz="2575"/>
             </a:lvl2pPr>
             <a:lvl3pPr>
-              <a:defRPr sz="2800"/>
+              <a:defRPr sz="2575"/>
             </a:lvl3pPr>
             <a:lvl4pPr>
-              <a:defRPr sz="2800"/>
+              <a:defRPr sz="2575"/>
             </a:lvl4pPr>
             <a:lvl5pPr>
-              <a:defRPr sz="2800"/>
+              <a:defRPr sz="2575"/>
             </a:lvl5pPr>
             <a:lvl6pPr>
-              <a:defRPr sz="2800"/>
+              <a:defRPr sz="2575"/>
             </a:lvl6pPr>
             <a:lvl7pPr>
-              <a:defRPr sz="2800"/>
+              <a:defRPr sz="2575"/>
             </a:lvl7pPr>
             <a:lvl8pPr>
-              <a:defRPr sz="2800"/>
+              <a:defRPr sz="2575"/>
             </a:lvl8pPr>
             <a:lvl9pPr>
-              <a:defRPr sz="2800"/>
+              <a:defRPr sz="2575"/>
             </a:lvl9pPr>
           </a:lstStyle>
           <a:p>
@@ -10916,8 +10921,8 @@
         </p:nvSpPr>
         <p:spPr>
           <a:xfrm>
-            <a:off x="29900880" y="25722072"/>
-            <a:ext cx="12801600" cy="1219200"/>
+            <a:off x="29160063" y="23656715"/>
+            <a:ext cx="12484431" cy="1121304"/>
           </a:xfrm>
           <a:prstGeom prst="rect">
             <a:avLst/>
@@ -10956,7 +10961,7 @@
                 <a:spcPts val="0"/>
               </a:spcBef>
               <a:buNone/>
-              <a:defRPr sz="5400" cap="none" baseline="0">
+              <a:defRPr sz="4966" cap="none" baseline="0">
                 <a:solidFill>
                   <a:schemeClr val="bg1"/>
                 </a:solidFill>
@@ -10968,7 +10973,7 @@
                 <a:spcPts val="0"/>
               </a:spcBef>
               <a:buNone/>
-              <a:defRPr sz="6000" cap="all" baseline="0">
+              <a:defRPr sz="5518" cap="all" baseline="0">
                 <a:solidFill>
                   <a:schemeClr val="bg1"/>
                 </a:solidFill>
@@ -10980,7 +10985,7 @@
                 <a:spcPts val="0"/>
               </a:spcBef>
               <a:buNone/>
-              <a:defRPr sz="6000" cap="all" baseline="0">
+              <a:defRPr sz="5518" cap="all" baseline="0">
                 <a:solidFill>
                   <a:schemeClr val="bg1"/>
                 </a:solidFill>
@@ -10992,7 +10997,7 @@
                 <a:spcPts val="0"/>
               </a:spcBef>
               <a:buNone/>
-              <a:defRPr sz="6000" cap="all" baseline="0">
+              <a:defRPr sz="5518" cap="all" baseline="0">
                 <a:solidFill>
                   <a:schemeClr val="bg1"/>
                 </a:solidFill>
@@ -11004,7 +11009,7 @@
                 <a:spcPts val="0"/>
               </a:spcBef>
               <a:buNone/>
-              <a:defRPr sz="6000" cap="all" baseline="0">
+              <a:defRPr sz="5518" cap="all" baseline="0">
                 <a:solidFill>
                   <a:schemeClr val="bg1"/>
                 </a:solidFill>
@@ -11016,7 +11021,7 @@
                 <a:spcPts val="0"/>
               </a:spcBef>
               <a:buNone/>
-              <a:defRPr sz="6000" cap="all" baseline="0">
+              <a:defRPr sz="5518" cap="all" baseline="0">
                 <a:solidFill>
                   <a:schemeClr val="bg1"/>
                 </a:solidFill>
@@ -11028,7 +11033,7 @@
                 <a:spcPts val="0"/>
               </a:spcBef>
               <a:buNone/>
-              <a:defRPr sz="6000" cap="all" baseline="0">
+              <a:defRPr sz="5518" cap="all" baseline="0">
                 <a:solidFill>
                   <a:schemeClr val="bg1"/>
                 </a:solidFill>
@@ -11040,7 +11045,7 @@
                 <a:spcPts val="0"/>
               </a:spcBef>
               <a:buNone/>
-              <a:defRPr sz="6000" cap="all" baseline="0">
+              <a:defRPr sz="5518" cap="all" baseline="0">
                 <a:solidFill>
                   <a:schemeClr val="bg1"/>
                 </a:solidFill>
@@ -11052,7 +11057,7 @@
                 <a:spcPts val="0"/>
               </a:spcBef>
               <a:buNone/>
-              <a:defRPr sz="6000" cap="all" baseline="0">
+              <a:defRPr sz="5518" cap="all" baseline="0">
                 <a:solidFill>
                   <a:schemeClr val="bg1"/>
                 </a:solidFill>
@@ -11081,39 +11086,39 @@
         </p:nvSpPr>
         <p:spPr>
           <a:xfrm>
-            <a:off x="29900880" y="27166824"/>
-            <a:ext cx="12801600" cy="4462272"/>
+            <a:off x="29160063" y="24985461"/>
+            <a:ext cx="12484431" cy="4103973"/>
           </a:xfrm>
         </p:spPr>
         <p:txBody>
           <a:bodyPr lIns="91440" tIns="182880"/>
           <a:lstStyle>
             <a:lvl1pPr>
-              <a:defRPr sz="3200" baseline="0"/>
+              <a:defRPr sz="2943" baseline="0"/>
             </a:lvl1pPr>
             <a:lvl2pPr>
-              <a:defRPr sz="2800"/>
+              <a:defRPr sz="2575"/>
             </a:lvl2pPr>
             <a:lvl3pPr>
-              <a:defRPr sz="2800"/>
+              <a:defRPr sz="2575"/>
             </a:lvl3pPr>
             <a:lvl4pPr>
-              <a:defRPr sz="2800"/>
+              <a:defRPr sz="2575"/>
             </a:lvl4pPr>
             <a:lvl5pPr>
-              <a:defRPr sz="2800"/>
+              <a:defRPr sz="2575"/>
             </a:lvl5pPr>
             <a:lvl6pPr>
-              <a:defRPr sz="2800"/>
+              <a:defRPr sz="2575"/>
             </a:lvl6pPr>
             <a:lvl7pPr>
-              <a:defRPr sz="2800"/>
+              <a:defRPr sz="2575"/>
             </a:lvl7pPr>
             <a:lvl8pPr>
-              <a:defRPr sz="2800"/>
+              <a:defRPr sz="2575"/>
             </a:lvl8pPr>
             <a:lvl9pPr>
-              <a:defRPr sz="2800"/>
+              <a:defRPr sz="2575"/>
             </a:lvl9pPr>
           </a:lstStyle>
           <a:p>
@@ -11177,7 +11182,7 @@
           <a:p>
             <a:fld id="{ECAA57DF-1C19-4726-AB84-014692BAD8F5}" type="datetimeFigureOut">
               <a:rPr lang="en-US" smtClean="0"/>
-              <a:t>12/15/2019</a:t>
+              <a:t>12/17/2019</a:t>
             </a:fld>
             <a:endParaRPr lang="en-US"/>
           </a:p>
@@ -11237,8 +11242,8 @@
         </p:nvSpPr>
         <p:spPr>
           <a:xfrm>
-            <a:off x="32270700" y="0"/>
-            <a:ext cx="11620500" cy="3842445"/>
+            <a:off x="31471169" y="1"/>
+            <a:ext cx="11332594" cy="3533915"/>
           </a:xfrm>
           <a:effectDag name="">
             <a:cont type="tree" name="">
@@ -11298,15 +11303,15 @@
   <p:clrMapOvr>
     <a:masterClrMapping/>
   </p:clrMapOvr>
-  <p:extLst>
+  <p:extLst mod="1">
     <p:ext uri="{DCECCB84-F9BA-43D5-87BE-67443E8EF086}">
       <p15:sldGuideLst xmlns:p15="http://schemas.microsoft.com/office/powerpoint/2012/main">
-        <p15:guide id="1" pos="9168" userDrawn="1">
+        <p15:guide id="1" pos="8941" userDrawn="1">
           <p15:clr>
             <a:srgbClr val="A4A3A4"/>
           </p15:clr>
         </p15:guide>
-        <p15:guide id="2" pos="18480" userDrawn="1">
+        <p15:guide id="2" pos="18022" userDrawn="1">
           <p15:clr>
             <a:srgbClr val="A4A3A4"/>
           </p15:clr>
@@ -11348,7 +11353,7 @@
         <p:spPr bwMode="ltGray">
           <a:xfrm>
             <a:off x="0" y="0"/>
-            <a:ext cx="43891200" cy="5029200"/>
+            <a:ext cx="42803763" cy="4625380"/>
           </a:xfrm>
           <a:prstGeom prst="rect">
             <a:avLst/>
@@ -11381,7 +11386,7 @@
           <a:lstStyle/>
           <a:p>
             <a:pPr algn="ctr"/>
-            <a:endParaRPr lang="en-US"/>
+            <a:endParaRPr lang="en-US" sz="6351"/>
           </a:p>
         </p:txBody>
       </p:sp>
@@ -11397,8 +11402,8 @@
         </p:nvSpPr>
         <p:spPr bwMode="auto">
           <a:xfrm>
-            <a:off x="1158240" y="685860"/>
-            <a:ext cx="30175200" cy="2971740"/>
+            <a:off x="1129544" y="630789"/>
+            <a:ext cx="29427587" cy="2733124"/>
           </a:xfrm>
           <a:prstGeom prst="rect">
             <a:avLst/>
@@ -11430,8 +11435,8 @@
         </p:nvSpPr>
         <p:spPr>
           <a:xfrm>
-            <a:off x="1158240" y="6019800"/>
-            <a:ext cx="41589960" cy="23629622"/>
+            <a:off x="1129544" y="5536439"/>
+            <a:ext cx="40559538" cy="21732279"/>
           </a:xfrm>
           <a:prstGeom prst="rect">
             <a:avLst/>
@@ -11492,8 +11497,8 @@
         </p:nvSpPr>
         <p:spPr>
           <a:xfrm>
-            <a:off x="1143000" y="32114698"/>
-            <a:ext cx="9875520" cy="457200"/>
+            <a:off x="1114681" y="29536044"/>
+            <a:ext cx="9630847" cy="420489"/>
           </a:xfrm>
           <a:prstGeom prst="rect">
             <a:avLst/>
@@ -11503,7 +11508,7 @@
           <a:bodyPr vert="horz" lIns="91440" tIns="45720" rIns="91440" bIns="45720" rtlCol="0" anchor="ctr"/>
           <a:lstStyle>
             <a:lvl1pPr algn="l">
-              <a:defRPr sz="1600">
+              <a:defRPr sz="1472">
                 <a:solidFill>
                   <a:schemeClr val="tx1">
                     <a:tint val="75000"/>
@@ -11516,7 +11521,7 @@
             <a:fld id="{ECAA57DF-1C19-4726-AB84-014692BAD8F5}" type="datetimeFigureOut">
               <a:rPr lang="en-US" smtClean="0"/>
               <a:pPr/>
-              <a:t>12/15/2019</a:t>
+              <a:t>12/17/2019</a:t>
             </a:fld>
             <a:endParaRPr lang="en-US"/>
           </a:p>
@@ -11534,8 +11539,8 @@
         </p:nvSpPr>
         <p:spPr>
           <a:xfrm>
-            <a:off x="11018520" y="32114698"/>
-            <a:ext cx="21854160" cy="457200"/>
+            <a:off x="10745528" y="29536044"/>
+            <a:ext cx="21312707" cy="420489"/>
           </a:xfrm>
           <a:prstGeom prst="rect">
             <a:avLst/>
@@ -11545,7 +11550,7 @@
           <a:bodyPr vert="horz" lIns="91440" tIns="45720" rIns="91440" bIns="45720" rtlCol="0" anchor="ctr"/>
           <a:lstStyle>
             <a:lvl1pPr algn="ctr">
-              <a:defRPr sz="1600">
+              <a:defRPr sz="1472">
                 <a:solidFill>
                   <a:schemeClr val="tx1">
                     <a:tint val="75000"/>
@@ -11571,8 +11576,8 @@
         </p:nvSpPr>
         <p:spPr>
           <a:xfrm>
-            <a:off x="32872680" y="32114698"/>
-            <a:ext cx="9875520" cy="457200"/>
+            <a:off x="32058235" y="29536044"/>
+            <a:ext cx="9630847" cy="420489"/>
           </a:xfrm>
           <a:prstGeom prst="rect">
             <a:avLst/>
@@ -11582,7 +11587,7 @@
           <a:bodyPr vert="horz" lIns="91440" tIns="45720" rIns="91440" bIns="45720" rtlCol="0" anchor="ctr"/>
           <a:lstStyle>
             <a:lvl1pPr algn="r">
-              <a:defRPr sz="1600">
+              <a:defRPr sz="1472">
                 <a:solidFill>
                   <a:schemeClr val="tx1">
                     <a:tint val="75000"/>
@@ -11609,8 +11614,8 @@
         </p:nvSpPr>
         <p:spPr bwMode="gray">
           <a:xfrm>
-            <a:off x="0" y="3886200"/>
-            <a:ext cx="43891200" cy="1143000"/>
+            <a:off x="0" y="3574157"/>
+            <a:ext cx="42803763" cy="1051223"/>
           </a:xfrm>
           <a:prstGeom prst="rect">
             <a:avLst/>
@@ -11646,7 +11651,7 @@
           <a:lstStyle/>
           <a:p>
             <a:pPr algn="ctr"/>
-            <a:endParaRPr lang="en-US"/>
+            <a:endParaRPr lang="en-US" sz="6351"/>
           </a:p>
         </p:txBody>
       </p:sp>
@@ -11658,8 +11663,8 @@
         </p:nvCxnSpPr>
         <p:spPr>
           <a:xfrm>
-            <a:off x="0" y="3886200"/>
-            <a:ext cx="43891200" cy="0"/>
+            <a:off x="0" y="3574157"/>
+            <a:ext cx="42803763" cy="0"/>
           </a:xfrm>
           <a:prstGeom prst="line">
             <a:avLst/>
@@ -11696,7 +11701,7 @@
   </p:sldLayoutIdLst>
   <p:txStyles>
     <p:titleStyle>
-      <a:lvl1pPr algn="l" defTabSz="4389120" rtl="0" eaLnBrk="1" latinLnBrk="0" hangingPunct="1">
+      <a:lvl1pPr algn="l" defTabSz="4036674" rtl="0" eaLnBrk="1" latinLnBrk="0" hangingPunct="1">
         <a:lnSpc>
           <a:spcPct val="90000"/>
         </a:lnSpc>
@@ -11704,7 +11709,7 @@
           <a:spcPct val="0"/>
         </a:spcBef>
         <a:buNone/>
-        <a:defRPr sz="11500" b="0" kern="1200">
+        <a:defRPr sz="10577" b="0" kern="1200">
           <a:solidFill>
             <a:schemeClr val="bg1"/>
           </a:solidFill>
@@ -11715,12 +11720,12 @@
       </a:lvl1pPr>
     </p:titleStyle>
     <p:bodyStyle>
-      <a:lvl1pPr marL="457200" indent="-457200" algn="l" defTabSz="4389120" rtl="0" eaLnBrk="1" latinLnBrk="0" hangingPunct="1">
+      <a:lvl1pPr marL="420487" indent="-420487" algn="l" defTabSz="4036674" rtl="0" eaLnBrk="1" latinLnBrk="0" hangingPunct="1">
         <a:lnSpc>
           <a:spcPct val="100000"/>
         </a:lnSpc>
         <a:spcBef>
-          <a:spcPts val="1200"/>
+          <a:spcPts val="1104"/>
         </a:spcBef>
         <a:buClr>
           <a:schemeClr val="bg1">
@@ -11729,7 +11734,7 @@
         </a:buClr>
         <a:buFont typeface="Arial" panose="020B0604020202020204" pitchFamily="34" charset="0"/>
         <a:buChar char="•"/>
-        <a:defRPr sz="2800" kern="1200">
+        <a:defRPr sz="2575" kern="1200">
           <a:solidFill>
             <a:schemeClr val="tx1"/>
           </a:solidFill>
@@ -11738,12 +11743,12 @@
           <a:cs typeface="+mn-cs"/>
         </a:defRPr>
       </a:lvl1pPr>
-      <a:lvl2pPr marL="1097280" indent="-457200" algn="l" defTabSz="4389120" rtl="0" eaLnBrk="1" latinLnBrk="0" hangingPunct="1">
+      <a:lvl2pPr marL="1009168" indent="-420487" algn="l" defTabSz="4036674" rtl="0" eaLnBrk="1" latinLnBrk="0" hangingPunct="1">
         <a:lnSpc>
           <a:spcPct val="100000"/>
         </a:lnSpc>
         <a:spcBef>
-          <a:spcPts val="1200"/>
+          <a:spcPts val="1104"/>
         </a:spcBef>
         <a:buClr>
           <a:schemeClr val="bg1">
@@ -11752,7 +11757,7 @@
         </a:buClr>
         <a:buFont typeface="Arial" panose="020B0604020202020204" pitchFamily="34" charset="0"/>
         <a:buChar char="•"/>
-        <a:defRPr sz="2400" kern="1200">
+        <a:defRPr sz="2207" kern="1200">
           <a:solidFill>
             <a:schemeClr val="tx1"/>
           </a:solidFill>
@@ -11761,12 +11766,12 @@
           <a:cs typeface="+mn-cs"/>
         </a:defRPr>
       </a:lvl2pPr>
-      <a:lvl3pPr marL="1097280" indent="-457200" algn="l" defTabSz="4389120" rtl="0" eaLnBrk="1" latinLnBrk="0" hangingPunct="1">
+      <a:lvl3pPr marL="1009168" indent="-420487" algn="l" defTabSz="4036674" rtl="0" eaLnBrk="1" latinLnBrk="0" hangingPunct="1">
         <a:lnSpc>
           <a:spcPct val="100000"/>
         </a:lnSpc>
         <a:spcBef>
-          <a:spcPts val="1200"/>
+          <a:spcPts val="1104"/>
         </a:spcBef>
         <a:buClr>
           <a:schemeClr val="bg1">
@@ -11775,7 +11780,7 @@
         </a:buClr>
         <a:buFont typeface="Arial" panose="020B0604020202020204" pitchFamily="34" charset="0"/>
         <a:buChar char="•"/>
-        <a:defRPr sz="2400" kern="1200">
+        <a:defRPr sz="2207" kern="1200">
           <a:solidFill>
             <a:schemeClr val="tx1"/>
           </a:solidFill>
@@ -11784,12 +11789,12 @@
           <a:cs typeface="+mn-cs"/>
         </a:defRPr>
       </a:lvl3pPr>
-      <a:lvl4pPr marL="1097280" indent="-457200" algn="l" defTabSz="4389120" rtl="0" eaLnBrk="1" latinLnBrk="0" hangingPunct="1">
+      <a:lvl4pPr marL="1009168" indent="-420487" algn="l" defTabSz="4036674" rtl="0" eaLnBrk="1" latinLnBrk="0" hangingPunct="1">
         <a:lnSpc>
           <a:spcPct val="100000"/>
         </a:lnSpc>
         <a:spcBef>
-          <a:spcPts val="1200"/>
+          <a:spcPts val="1104"/>
         </a:spcBef>
         <a:buClr>
           <a:schemeClr val="bg1">
@@ -11798,7 +11803,7 @@
         </a:buClr>
         <a:buFont typeface="Arial" panose="020B0604020202020204" pitchFamily="34" charset="0"/>
         <a:buChar char="•"/>
-        <a:defRPr sz="2400" kern="1200">
+        <a:defRPr sz="2207" kern="1200">
           <a:solidFill>
             <a:schemeClr val="tx1"/>
           </a:solidFill>
@@ -11807,12 +11812,12 @@
           <a:cs typeface="+mn-cs"/>
         </a:defRPr>
       </a:lvl4pPr>
-      <a:lvl5pPr marL="1097280" indent="-457200" algn="l" defTabSz="4389120" rtl="0" eaLnBrk="1" latinLnBrk="0" hangingPunct="1">
+      <a:lvl5pPr marL="1009168" indent="-420487" algn="l" defTabSz="4036674" rtl="0" eaLnBrk="1" latinLnBrk="0" hangingPunct="1">
         <a:lnSpc>
           <a:spcPct val="100000"/>
         </a:lnSpc>
         <a:spcBef>
-          <a:spcPts val="1200"/>
+          <a:spcPts val="1104"/>
         </a:spcBef>
         <a:buClr>
           <a:schemeClr val="bg1">
@@ -11821,7 +11826,7 @@
         </a:buClr>
         <a:buFont typeface="Arial" panose="020B0604020202020204" pitchFamily="34" charset="0"/>
         <a:buChar char="•"/>
-        <a:defRPr sz="2400" kern="1200">
+        <a:defRPr sz="2207" kern="1200">
           <a:solidFill>
             <a:schemeClr val="tx1"/>
           </a:solidFill>
@@ -11830,12 +11835,12 @@
           <a:cs typeface="+mn-cs"/>
         </a:defRPr>
       </a:lvl5pPr>
-      <a:lvl6pPr marL="1097280" indent="-457200" algn="l" defTabSz="4389120" rtl="0" eaLnBrk="1" latinLnBrk="0" hangingPunct="1">
+      <a:lvl6pPr marL="1009168" indent="-420487" algn="l" defTabSz="4036674" rtl="0" eaLnBrk="1" latinLnBrk="0" hangingPunct="1">
         <a:lnSpc>
           <a:spcPct val="100000"/>
         </a:lnSpc>
         <a:spcBef>
-          <a:spcPts val="1200"/>
+          <a:spcPts val="1104"/>
         </a:spcBef>
         <a:buClr>
           <a:schemeClr val="bg1">
@@ -11844,7 +11849,7 @@
         </a:buClr>
         <a:buFont typeface="Arial" panose="020B0604020202020204" pitchFamily="34" charset="0"/>
         <a:buChar char="•"/>
-        <a:defRPr sz="2400" kern="1200">
+        <a:defRPr sz="2207" kern="1200">
           <a:solidFill>
             <a:schemeClr val="tx1"/>
           </a:solidFill>
@@ -11853,12 +11858,12 @@
           <a:cs typeface="+mn-cs"/>
         </a:defRPr>
       </a:lvl6pPr>
-      <a:lvl7pPr marL="1097280" indent="-457200" algn="l" defTabSz="4389120" rtl="0" eaLnBrk="1" latinLnBrk="0" hangingPunct="1">
+      <a:lvl7pPr marL="1009168" indent="-420487" algn="l" defTabSz="4036674" rtl="0" eaLnBrk="1" latinLnBrk="0" hangingPunct="1">
         <a:lnSpc>
           <a:spcPct val="100000"/>
         </a:lnSpc>
         <a:spcBef>
-          <a:spcPts val="1200"/>
+          <a:spcPts val="1104"/>
         </a:spcBef>
         <a:buClr>
           <a:schemeClr val="bg1">
@@ -11867,7 +11872,7 @@
         </a:buClr>
         <a:buFont typeface="Arial" panose="020B0604020202020204" pitchFamily="34" charset="0"/>
         <a:buChar char="•"/>
-        <a:defRPr sz="2400" kern="1200">
+        <a:defRPr sz="2207" kern="1200">
           <a:solidFill>
             <a:schemeClr val="tx1"/>
           </a:solidFill>
@@ -11876,12 +11881,12 @@
           <a:cs typeface="+mn-cs"/>
         </a:defRPr>
       </a:lvl7pPr>
-      <a:lvl8pPr marL="1097280" indent="-457200" algn="l" defTabSz="4389120" rtl="0" eaLnBrk="1" latinLnBrk="0" hangingPunct="1">
+      <a:lvl8pPr marL="1009168" indent="-420487" algn="l" defTabSz="4036674" rtl="0" eaLnBrk="1" latinLnBrk="0" hangingPunct="1">
         <a:lnSpc>
           <a:spcPct val="100000"/>
         </a:lnSpc>
         <a:spcBef>
-          <a:spcPts val="1200"/>
+          <a:spcPts val="1104"/>
         </a:spcBef>
         <a:buClr>
           <a:schemeClr val="bg1">
@@ -11890,7 +11895,7 @@
         </a:buClr>
         <a:buFont typeface="Arial" panose="020B0604020202020204" pitchFamily="34" charset="0"/>
         <a:buChar char="•"/>
-        <a:defRPr sz="2400" kern="1200">
+        <a:defRPr sz="2207" kern="1200">
           <a:solidFill>
             <a:schemeClr val="tx1"/>
           </a:solidFill>
@@ -11899,12 +11904,12 @@
           <a:cs typeface="+mn-cs"/>
         </a:defRPr>
       </a:lvl8pPr>
-      <a:lvl9pPr marL="1097280" indent="-457200" algn="l" defTabSz="4389120" rtl="0" eaLnBrk="1" latinLnBrk="0" hangingPunct="1">
+      <a:lvl9pPr marL="1009168" indent="-420487" algn="l" defTabSz="4036674" rtl="0" eaLnBrk="1" latinLnBrk="0" hangingPunct="1">
         <a:lnSpc>
           <a:spcPct val="100000"/>
         </a:lnSpc>
         <a:spcBef>
-          <a:spcPts val="1200"/>
+          <a:spcPts val="1104"/>
         </a:spcBef>
         <a:buClr>
           <a:schemeClr val="bg1">
@@ -11913,7 +11918,7 @@
         </a:buClr>
         <a:buFont typeface="Arial" panose="020B0604020202020204" pitchFamily="34" charset="0"/>
         <a:buChar char="•"/>
-        <a:defRPr sz="2400" kern="1200">
+        <a:defRPr sz="2207" kern="1200">
           <a:solidFill>
             <a:schemeClr val="tx1"/>
           </a:solidFill>
@@ -11927,8 +11932,8 @@
       <a:defPPr>
         <a:defRPr lang="en-US"/>
       </a:defPPr>
-      <a:lvl1pPr marL="0" algn="l" defTabSz="4389120" rtl="0" eaLnBrk="1" latinLnBrk="0" hangingPunct="1">
-        <a:defRPr sz="8640" kern="1200">
+      <a:lvl1pPr marL="0" algn="l" defTabSz="4036674" rtl="0" eaLnBrk="1" latinLnBrk="0" hangingPunct="1">
+        <a:defRPr sz="7946" kern="1200">
           <a:solidFill>
             <a:schemeClr val="tx1"/>
           </a:solidFill>
@@ -11937,8 +11942,8 @@
           <a:cs typeface="+mn-cs"/>
         </a:defRPr>
       </a:lvl1pPr>
-      <a:lvl2pPr marL="2194560" algn="l" defTabSz="4389120" rtl="0" eaLnBrk="1" latinLnBrk="0" hangingPunct="1">
-        <a:defRPr sz="8640" kern="1200">
+      <a:lvl2pPr marL="2018337" algn="l" defTabSz="4036674" rtl="0" eaLnBrk="1" latinLnBrk="0" hangingPunct="1">
+        <a:defRPr sz="7946" kern="1200">
           <a:solidFill>
             <a:schemeClr val="tx1"/>
           </a:solidFill>
@@ -11947,8 +11952,8 @@
           <a:cs typeface="+mn-cs"/>
         </a:defRPr>
       </a:lvl2pPr>
-      <a:lvl3pPr marL="4389120" algn="l" defTabSz="4389120" rtl="0" eaLnBrk="1" latinLnBrk="0" hangingPunct="1">
-        <a:defRPr sz="8640" kern="1200">
+      <a:lvl3pPr marL="4036674" algn="l" defTabSz="4036674" rtl="0" eaLnBrk="1" latinLnBrk="0" hangingPunct="1">
+        <a:defRPr sz="7946" kern="1200">
           <a:solidFill>
             <a:schemeClr val="tx1"/>
           </a:solidFill>
@@ -11957,8 +11962,8 @@
           <a:cs typeface="+mn-cs"/>
         </a:defRPr>
       </a:lvl3pPr>
-      <a:lvl4pPr marL="6583680" algn="l" defTabSz="4389120" rtl="0" eaLnBrk="1" latinLnBrk="0" hangingPunct="1">
-        <a:defRPr sz="8640" kern="1200">
+      <a:lvl4pPr marL="6055010" algn="l" defTabSz="4036674" rtl="0" eaLnBrk="1" latinLnBrk="0" hangingPunct="1">
+        <a:defRPr sz="7946" kern="1200">
           <a:solidFill>
             <a:schemeClr val="tx1"/>
           </a:solidFill>
@@ -11967,8 +11972,8 @@
           <a:cs typeface="+mn-cs"/>
         </a:defRPr>
       </a:lvl4pPr>
-      <a:lvl5pPr marL="8778240" algn="l" defTabSz="4389120" rtl="0" eaLnBrk="1" latinLnBrk="0" hangingPunct="1">
-        <a:defRPr sz="8640" kern="1200">
+      <a:lvl5pPr marL="8073347" algn="l" defTabSz="4036674" rtl="0" eaLnBrk="1" latinLnBrk="0" hangingPunct="1">
+        <a:defRPr sz="7946" kern="1200">
           <a:solidFill>
             <a:schemeClr val="tx1"/>
           </a:solidFill>
@@ -11977,8 +11982,8 @@
           <a:cs typeface="+mn-cs"/>
         </a:defRPr>
       </a:lvl5pPr>
-      <a:lvl6pPr marL="10972800" algn="l" defTabSz="4389120" rtl="0" eaLnBrk="1" latinLnBrk="0" hangingPunct="1">
-        <a:defRPr sz="8640" kern="1200">
+      <a:lvl6pPr marL="10091684" algn="l" defTabSz="4036674" rtl="0" eaLnBrk="1" latinLnBrk="0" hangingPunct="1">
+        <a:defRPr sz="7946" kern="1200">
           <a:solidFill>
             <a:schemeClr val="tx1"/>
           </a:solidFill>
@@ -11987,8 +11992,8 @@
           <a:cs typeface="+mn-cs"/>
         </a:defRPr>
       </a:lvl6pPr>
-      <a:lvl7pPr marL="13167360" algn="l" defTabSz="4389120" rtl="0" eaLnBrk="1" latinLnBrk="0" hangingPunct="1">
-        <a:defRPr sz="8640" kern="1200">
+      <a:lvl7pPr marL="12110021" algn="l" defTabSz="4036674" rtl="0" eaLnBrk="1" latinLnBrk="0" hangingPunct="1">
+        <a:defRPr sz="7946" kern="1200">
           <a:solidFill>
             <a:schemeClr val="tx1"/>
           </a:solidFill>
@@ -11997,8 +12002,8 @@
           <a:cs typeface="+mn-cs"/>
         </a:defRPr>
       </a:lvl7pPr>
-      <a:lvl8pPr marL="15361920" algn="l" defTabSz="4389120" rtl="0" eaLnBrk="1" latinLnBrk="0" hangingPunct="1">
-        <a:defRPr sz="8640" kern="1200">
+      <a:lvl8pPr marL="14128358" algn="l" defTabSz="4036674" rtl="0" eaLnBrk="1" latinLnBrk="0" hangingPunct="1">
+        <a:defRPr sz="7946" kern="1200">
           <a:solidFill>
             <a:schemeClr val="tx1"/>
           </a:solidFill>
@@ -12007,8 +12012,8 @@
           <a:cs typeface="+mn-cs"/>
         </a:defRPr>
       </a:lvl8pPr>
-      <a:lvl9pPr marL="17556480" algn="l" defTabSz="4389120" rtl="0" eaLnBrk="1" latinLnBrk="0" hangingPunct="1">
-        <a:defRPr sz="8640" kern="1200">
+      <a:lvl9pPr marL="16146695" algn="l" defTabSz="4036674" rtl="0" eaLnBrk="1" latinLnBrk="0" hangingPunct="1">
+        <a:defRPr sz="7946" kern="1200">
           <a:solidFill>
             <a:schemeClr val="tx1"/>
           </a:solidFill>
@@ -12019,25 +12024,25 @@
       </a:lvl9pPr>
     </p:otherStyle>
   </p:txStyles>
-  <p:extLst>
+  <p:extLst mod="1">
     <p:ext uri="{27BBF7A9-308A-43DC-89C8-2F10F3537804}">
       <p15:sldGuideLst xmlns:p15="http://schemas.microsoft.com/office/powerpoint/2012/main">
-        <p15:guide id="1" orient="horz" pos="10368" userDrawn="1">
+        <p15:guide id="1" orient="horz" pos="9536" userDrawn="1">
           <p15:clr>
             <a:srgbClr val="A4A3A4"/>
           </p15:clr>
         </p15:guide>
-        <p15:guide id="2" pos="720" userDrawn="1">
+        <p15:guide id="2" pos="702" userDrawn="1">
           <p15:clr>
             <a:srgbClr val="A4A3A4"/>
           </p15:clr>
         </p15:guide>
-        <p15:guide id="3" pos="26928" userDrawn="1">
+        <p15:guide id="3" pos="26261" userDrawn="1">
           <p15:clr>
             <a:srgbClr val="A4A3A4"/>
           </p15:clr>
         </p15:guide>
-        <p15:guide id="4" pos="13824" userDrawn="1">
+        <p15:guide id="4" pos="13482" userDrawn="1">
           <p15:clr>
             <a:srgbClr val="A4A3A4"/>
           </p15:clr>
@@ -12299,8 +12304,8 @@
           </p:nvPr>
         </p:nvGraphicFramePr>
         <p:xfrm>
-          <a:off x="1143000" y="24331613"/>
-          <a:ext cx="12801600" cy="7297737"/>
+          <a:off x="2269629" y="22377903"/>
+          <a:ext cx="11773694" cy="6711764"/>
         </p:xfrm>
         <a:graphic>
           <a:graphicData uri="http://schemas.openxmlformats.org/drawingml/2006/diagram">
@@ -12347,8 +12352,8 @@
           </p:nvPr>
         </p:nvGraphicFramePr>
         <p:xfrm>
-          <a:off x="15544800" y="7113588"/>
-          <a:ext cx="12801600" cy="6659560"/>
+          <a:off x="15515034" y="6542401"/>
+          <a:ext cx="11773694" cy="6124832"/>
         </p:xfrm>
         <a:graphic>
           <a:graphicData uri="http://schemas.openxmlformats.org/drawingml/2006/table">
@@ -12357,14 +12362,14 @@
                 <a:tableStyleId>{69012ECD-51FC-41F1-AA8D-1B2483CD663E}</a:tableStyleId>
               </a:tblPr>
               <a:tblGrid>
-                <a:gridCol w="6400800">
+                <a:gridCol w="5886847">
                   <a:extLst>
                     <a:ext uri="{9D8B030D-6E8A-4147-A177-3AD203B41FA5}">
                       <a16:colId xmlns:a16="http://schemas.microsoft.com/office/drawing/2014/main" val="20000"/>
                     </a:ext>
                   </a:extLst>
                 </a:gridCol>
-                <a:gridCol w="6400800">
+                <a:gridCol w="5886847">
                   <a:extLst>
                     <a:ext uri="{9D8B030D-6E8A-4147-A177-3AD203B41FA5}">
                       <a16:colId xmlns:a16="http://schemas.microsoft.com/office/drawing/2014/main" val="20001"/>
@@ -12372,7 +12377,7 @@
                   </a:extLst>
                 </a:gridCol>
               </a:tblGrid>
-              <a:tr h="832445">
+              <a:tr h="765604">
                 <a:tc>
                   <a:txBody>
                     <a:bodyPr/>
@@ -12380,12 +12385,12 @@
                     <a:p>
                       <a:pPr algn="ctr"/>
                       <a:r>
-                        <a:rPr lang="en-US" sz="2800" dirty="0"/>
+                        <a:rPr lang="en-US" sz="2600" dirty="0"/>
                         <a:t>Materials (detailed list)</a:t>
                       </a:r>
                     </a:p>
                   </a:txBody>
-                  <a:tcPr anchor="ctr"/>
+                  <a:tcPr marL="84098" marR="84098" marT="42049" marB="42049" anchor="ctr"/>
                 </a:tc>
                 <a:tc>
                   <a:txBody>
@@ -12394,17 +12399,17 @@
                     <a:p>
                       <a:pPr algn="ctr"/>
                       <a:r>
-                        <a:rPr lang="en-US" sz="2800" dirty="0"/>
+                        <a:rPr lang="en-US" sz="2600" dirty="0"/>
                         <a:t>Quantity (be</a:t>
                       </a:r>
                       <a:r>
-                        <a:rPr lang="en-US" sz="2800" baseline="0" dirty="0"/>
+                        <a:rPr lang="en-US" sz="2600" baseline="0" dirty="0"/>
                         <a:t> specific)</a:t>
                       </a:r>
-                      <a:endParaRPr lang="en-US" sz="2800" dirty="0"/>
+                      <a:endParaRPr lang="en-US" sz="2600" dirty="0"/>
                     </a:p>
                   </a:txBody>
-                  <a:tcPr anchor="ctr"/>
+                  <a:tcPr marL="84098" marR="84098" marT="42049" marB="42049" anchor="ctr"/>
                 </a:tc>
                 <a:extLst>
                   <a:ext uri="{0D108BD9-81ED-4DB2-BD59-A6C34878D82A}">
@@ -12412,7 +12417,7 @@
                   </a:ext>
                 </a:extLst>
               </a:tr>
-              <a:tr h="832445">
+              <a:tr h="765604">
                 <a:tc>
                   <a:txBody>
                     <a:bodyPr/>
@@ -12420,12 +12425,12 @@
                     <a:p>
                       <a:pPr algn="ctr"/>
                       <a:r>
-                        <a:rPr lang="en-US" sz="2800" dirty="0"/>
+                        <a:rPr lang="en-US" sz="2600" dirty="0"/>
                         <a:t>Item</a:t>
                       </a:r>
                     </a:p>
                   </a:txBody>
-                  <a:tcPr anchor="ctr"/>
+                  <a:tcPr marL="84098" marR="84098" marT="42049" marB="42049" anchor="ctr"/>
                 </a:tc>
                 <a:tc>
                   <a:txBody>
@@ -12434,12 +12439,12 @@
                     <a:p>
                       <a:pPr algn="ctr"/>
                       <a:r>
-                        <a:rPr lang="en-US" sz="2800" dirty="0"/>
+                        <a:rPr lang="en-US" sz="2600" dirty="0"/>
                         <a:t>Amount</a:t>
                       </a:r>
                     </a:p>
                   </a:txBody>
-                  <a:tcPr anchor="ctr"/>
+                  <a:tcPr marL="84098" marR="84098" marT="42049" marB="42049" anchor="ctr"/>
                 </a:tc>
                 <a:extLst>
                   <a:ext uri="{0D108BD9-81ED-4DB2-BD59-A6C34878D82A}">
@@ -12447,7 +12452,7 @@
                   </a:ext>
                 </a:extLst>
               </a:tr>
-              <a:tr h="832445">
+              <a:tr h="765604">
                 <a:tc>
                   <a:txBody>
                     <a:bodyPr/>
@@ -12455,12 +12460,12 @@
                     <a:p>
                       <a:pPr algn="ctr"/>
                       <a:r>
-                        <a:rPr lang="en-US" sz="2800" dirty="0"/>
+                        <a:rPr lang="en-US" sz="2600" dirty="0"/>
                         <a:t>Item</a:t>
                       </a:r>
                     </a:p>
                   </a:txBody>
-                  <a:tcPr anchor="ctr"/>
+                  <a:tcPr marL="84098" marR="84098" marT="42049" marB="42049" anchor="ctr"/>
                 </a:tc>
                 <a:tc>
                   <a:txBody>
@@ -12469,12 +12474,12 @@
                     <a:p>
                       <a:pPr algn="ctr"/>
                       <a:r>
-                        <a:rPr lang="en-US" sz="2800" dirty="0"/>
+                        <a:rPr lang="en-US" sz="2600" dirty="0"/>
                         <a:t>Amount</a:t>
                       </a:r>
                     </a:p>
                   </a:txBody>
-                  <a:tcPr anchor="ctr"/>
+                  <a:tcPr marL="84098" marR="84098" marT="42049" marB="42049" anchor="ctr"/>
                 </a:tc>
                 <a:extLst>
                   <a:ext uri="{0D108BD9-81ED-4DB2-BD59-A6C34878D82A}">
@@ -12482,7 +12487,7 @@
                   </a:ext>
                 </a:extLst>
               </a:tr>
-              <a:tr h="832445">
+              <a:tr h="765604">
                 <a:tc>
                   <a:txBody>
                     <a:bodyPr/>
@@ -12490,12 +12495,12 @@
                     <a:p>
                       <a:pPr algn="ctr"/>
                       <a:r>
-                        <a:rPr lang="en-US" sz="2800" dirty="0"/>
+                        <a:rPr lang="en-US" sz="2600" dirty="0"/>
                         <a:t>Item</a:t>
                       </a:r>
                     </a:p>
                   </a:txBody>
-                  <a:tcPr anchor="ctr"/>
+                  <a:tcPr marL="84098" marR="84098" marT="42049" marB="42049" anchor="ctr"/>
                 </a:tc>
                 <a:tc>
                   <a:txBody>
@@ -12504,12 +12509,12 @@
                     <a:p>
                       <a:pPr algn="ctr"/>
                       <a:r>
-                        <a:rPr lang="en-US" sz="2800" dirty="0"/>
+                        <a:rPr lang="en-US" sz="2600" dirty="0"/>
                         <a:t>Amount</a:t>
                       </a:r>
                     </a:p>
                   </a:txBody>
-                  <a:tcPr anchor="ctr"/>
+                  <a:tcPr marL="84098" marR="84098" marT="42049" marB="42049" anchor="ctr"/>
                 </a:tc>
                 <a:extLst>
                   <a:ext uri="{0D108BD9-81ED-4DB2-BD59-A6C34878D82A}">
@@ -12517,7 +12522,7 @@
                   </a:ext>
                 </a:extLst>
               </a:tr>
-              <a:tr h="832445">
+              <a:tr h="765604">
                 <a:tc>
                   <a:txBody>
                     <a:bodyPr/>
@@ -12525,12 +12530,12 @@
                     <a:p>
                       <a:pPr algn="ctr"/>
                       <a:r>
-                        <a:rPr lang="en-US" sz="2800" dirty="0"/>
+                        <a:rPr lang="en-US" sz="2600" dirty="0"/>
                         <a:t>Item</a:t>
                       </a:r>
                     </a:p>
                   </a:txBody>
-                  <a:tcPr anchor="ctr"/>
+                  <a:tcPr marL="84098" marR="84098" marT="42049" marB="42049" anchor="ctr"/>
                 </a:tc>
                 <a:tc>
                   <a:txBody>
@@ -12539,12 +12544,12 @@
                     <a:p>
                       <a:pPr algn="ctr"/>
                       <a:r>
-                        <a:rPr lang="en-US" sz="2800" dirty="0"/>
+                        <a:rPr lang="en-US" sz="2600" dirty="0"/>
                         <a:t>Amount</a:t>
                       </a:r>
                     </a:p>
                   </a:txBody>
-                  <a:tcPr anchor="ctr"/>
+                  <a:tcPr marL="84098" marR="84098" marT="42049" marB="42049" anchor="ctr"/>
                 </a:tc>
                 <a:extLst>
                   <a:ext uri="{0D108BD9-81ED-4DB2-BD59-A6C34878D82A}">
@@ -12552,7 +12557,7 @@
                   </a:ext>
                 </a:extLst>
               </a:tr>
-              <a:tr h="832445">
+              <a:tr h="765604">
                 <a:tc>
                   <a:txBody>
                     <a:bodyPr/>
@@ -12560,12 +12565,12 @@
                     <a:p>
                       <a:pPr algn="ctr"/>
                       <a:r>
-                        <a:rPr lang="en-US" sz="2800" dirty="0"/>
+                        <a:rPr lang="en-US" sz="2600" dirty="0"/>
                         <a:t>Item</a:t>
                       </a:r>
                     </a:p>
                   </a:txBody>
-                  <a:tcPr anchor="ctr"/>
+                  <a:tcPr marL="84098" marR="84098" marT="42049" marB="42049" anchor="ctr"/>
                 </a:tc>
                 <a:tc>
                   <a:txBody>
@@ -12574,12 +12579,12 @@
                     <a:p>
                       <a:pPr algn="ctr"/>
                       <a:r>
-                        <a:rPr lang="en-US" sz="2800" dirty="0"/>
+                        <a:rPr lang="en-US" sz="2600" dirty="0"/>
                         <a:t>Amount</a:t>
                       </a:r>
                     </a:p>
                   </a:txBody>
-                  <a:tcPr anchor="ctr"/>
+                  <a:tcPr marL="84098" marR="84098" marT="42049" marB="42049" anchor="ctr"/>
                 </a:tc>
                 <a:extLst>
                   <a:ext uri="{0D108BD9-81ED-4DB2-BD59-A6C34878D82A}">
@@ -12587,7 +12592,7 @@
                   </a:ext>
                 </a:extLst>
               </a:tr>
-              <a:tr h="832445">
+              <a:tr h="765604">
                 <a:tc>
                   <a:txBody>
                     <a:bodyPr/>
@@ -12595,12 +12600,12 @@
                     <a:p>
                       <a:pPr algn="ctr"/>
                       <a:r>
-                        <a:rPr lang="en-US" sz="2800" dirty="0"/>
+                        <a:rPr lang="en-US" sz="2600" dirty="0"/>
                         <a:t>Item</a:t>
                       </a:r>
                     </a:p>
                   </a:txBody>
-                  <a:tcPr anchor="ctr"/>
+                  <a:tcPr marL="84098" marR="84098" marT="42049" marB="42049" anchor="ctr"/>
                 </a:tc>
                 <a:tc>
                   <a:txBody>
@@ -12609,12 +12614,12 @@
                     <a:p>
                       <a:pPr algn="ctr"/>
                       <a:r>
-                        <a:rPr lang="en-US" sz="2800" dirty="0"/>
+                        <a:rPr lang="en-US" sz="2600" dirty="0"/>
                         <a:t>Amount</a:t>
                       </a:r>
                     </a:p>
                   </a:txBody>
-                  <a:tcPr anchor="ctr"/>
+                  <a:tcPr marL="84098" marR="84098" marT="42049" marB="42049" anchor="ctr"/>
                 </a:tc>
                 <a:extLst>
                   <a:ext uri="{0D108BD9-81ED-4DB2-BD59-A6C34878D82A}">
@@ -12622,7 +12627,7 @@
                   </a:ext>
                 </a:extLst>
               </a:tr>
-              <a:tr h="832445">
+              <a:tr h="765604">
                 <a:tc>
                   <a:txBody>
                     <a:bodyPr/>
@@ -12630,12 +12635,12 @@
                     <a:p>
                       <a:pPr algn="ctr"/>
                       <a:r>
-                        <a:rPr lang="en-US" sz="2800" dirty="0"/>
+                        <a:rPr lang="en-US" sz="2600" dirty="0"/>
                         <a:t>Item</a:t>
                       </a:r>
                     </a:p>
                   </a:txBody>
-                  <a:tcPr anchor="ctr"/>
+                  <a:tcPr marL="84098" marR="84098" marT="42049" marB="42049" anchor="ctr"/>
                 </a:tc>
                 <a:tc>
                   <a:txBody>
@@ -12644,12 +12649,12 @@
                     <a:p>
                       <a:pPr algn="ctr"/>
                       <a:r>
-                        <a:rPr lang="en-US" sz="2800" dirty="0"/>
+                        <a:rPr lang="en-US" sz="2600" dirty="0"/>
                         <a:t>Amount</a:t>
                       </a:r>
                     </a:p>
                   </a:txBody>
-                  <a:tcPr anchor="ctr"/>
+                  <a:tcPr marL="84098" marR="84098" marT="42049" marB="42049" anchor="ctr"/>
                 </a:tc>
                 <a:extLst>
                   <a:ext uri="{0D108BD9-81ED-4DB2-BD59-A6C34878D82A}">
@@ -12700,8 +12705,8 @@
           </p:nvPr>
         </p:nvGraphicFramePr>
         <p:xfrm>
-          <a:off x="15544800" y="15773400"/>
-          <a:ext cx="12801600" cy="6694488"/>
+          <a:off x="15515034" y="14506872"/>
+          <a:ext cx="11773694" cy="6156953"/>
         </p:xfrm>
         <a:graphic>
           <a:graphicData uri="http://schemas.openxmlformats.org/drawingml/2006/diagram">
@@ -12805,8 +12810,8 @@
           </p:nvPr>
         </p:nvGraphicFramePr>
         <p:xfrm>
-          <a:off x="29900563" y="7113588"/>
-          <a:ext cx="12801600" cy="7315200"/>
+          <a:off x="28718099" y="6542401"/>
+          <a:ext cx="11773694" cy="6727825"/>
         </p:xfrm>
         <a:graphic>
           <a:graphicData uri="http://schemas.openxmlformats.org/drawingml/2006/chart">

--- a/Poster/template.pptx
+++ b/Poster/template.pptx
@@ -5,14 +5,13 @@
     <p:sldMasterId id="2147483660" r:id="rId1"/>
   </p:sldMasterIdLst>
   <p:notesMasterIdLst>
-    <p:notesMasterId r:id="rId4"/>
+    <p:notesMasterId r:id="rId3"/>
   </p:notesMasterIdLst>
   <p:handoutMasterIdLst>
-    <p:handoutMasterId r:id="rId5"/>
+    <p:handoutMasterId r:id="rId4"/>
   </p:handoutMasterIdLst>
   <p:sldIdLst>
     <p:sldId id="256" r:id="rId2"/>
-    <p:sldId id="257" r:id="rId3"/>
   </p:sldIdLst>
   <p:sldSz cx="42803763" cy="30275213"/>
   <p:notesSz cx="6858000" cy="9144000"/>
@@ -122,994 +121,6 @@
 </p:presentation>
 </file>
 
-<file path=ppt/charts/chart1.xml><?xml version="1.0" encoding="utf-8"?>
-<c:chartSpace xmlns:c="http://schemas.openxmlformats.org/drawingml/2006/chart" xmlns:a="http://schemas.openxmlformats.org/drawingml/2006/main" xmlns:r="http://schemas.openxmlformats.org/officeDocument/2006/relationships" xmlns:c16r2="http://schemas.microsoft.com/office/drawing/2015/06/chart">
-  <c:date1904 val="0"/>
-  <c:lang val="fr-FR"/>
-  <c:roundedCorners val="0"/>
-  <mc:AlternateContent xmlns:mc="http://schemas.openxmlformats.org/markup-compatibility/2006">
-    <mc:Choice xmlns:c14="http://schemas.microsoft.com/office/drawing/2007/8/2/chart" Requires="c14">
-      <c14:style val="102"/>
-    </mc:Choice>
-    <mc:Fallback>
-      <c:style val="2"/>
-    </mc:Fallback>
-  </mc:AlternateContent>
-  <c:chart>
-    <c:title>
-      <c:overlay val="0"/>
-      <c:spPr>
-        <a:noFill/>
-        <a:ln>
-          <a:noFill/>
-        </a:ln>
-        <a:effectLst/>
-      </c:spPr>
-      <c:txPr>
-        <a:bodyPr rot="0" spcFirstLastPara="1" vertOverflow="ellipsis" vert="horz" wrap="square" anchor="ctr" anchorCtr="1"/>
-        <a:lstStyle/>
-        <a:p>
-          <a:pPr>
-            <a:defRPr sz="2128" b="0" i="0" u="none" strike="noStrike" kern="1200" cap="none" spc="50" normalizeH="0" baseline="0">
-              <a:solidFill>
-                <a:schemeClr val="tx1">
-                  <a:lumMod val="65000"/>
-                  <a:lumOff val="35000"/>
-                </a:schemeClr>
-              </a:solidFill>
-              <a:latin typeface="+mj-lt"/>
-              <a:ea typeface="+mj-ea"/>
-              <a:cs typeface="+mj-cs"/>
-            </a:defRPr>
-          </a:pPr>
-          <a:endParaRPr lang="en-US"/>
-        </a:p>
-      </c:txPr>
-    </c:title>
-    <c:autoTitleDeleted val="0"/>
-    <c:plotArea>
-      <c:layout/>
-      <c:barChart>
-        <c:barDir val="col"/>
-        <c:grouping val="clustered"/>
-        <c:varyColors val="0"/>
-        <c:ser>
-          <c:idx val="0"/>
-          <c:order val="0"/>
-          <c:tx>
-            <c:strRef>
-              <c:f>Sheet1!$B$1</c:f>
-              <c:strCache>
-                <c:ptCount val="1"/>
-                <c:pt idx="0">
-                  <c:v>Series 1</c:v>
-                </c:pt>
-              </c:strCache>
-            </c:strRef>
-          </c:tx>
-          <c:spPr>
-            <a:solidFill>
-              <a:schemeClr val="accent1">
-                <a:alpha val="70000"/>
-              </a:schemeClr>
-            </a:solidFill>
-            <a:ln>
-              <a:noFill/>
-            </a:ln>
-            <a:effectLst/>
-          </c:spPr>
-          <c:invertIfNegative val="0"/>
-          <c:cat>
-            <c:strRef>
-              <c:f>Sheet1!$A$2:$A$5</c:f>
-              <c:strCache>
-                <c:ptCount val="4"/>
-                <c:pt idx="0">
-                  <c:v>Category 1</c:v>
-                </c:pt>
-                <c:pt idx="1">
-                  <c:v>Category 2</c:v>
-                </c:pt>
-                <c:pt idx="2">
-                  <c:v>Category 3</c:v>
-                </c:pt>
-                <c:pt idx="3">
-                  <c:v>Category 4</c:v>
-                </c:pt>
-              </c:strCache>
-            </c:strRef>
-          </c:cat>
-          <c:val>
-            <c:numRef>
-              <c:f>Sheet1!$B$2:$B$5</c:f>
-              <c:numCache>
-                <c:formatCode>General</c:formatCode>
-                <c:ptCount val="4"/>
-                <c:pt idx="0">
-                  <c:v>4.3</c:v>
-                </c:pt>
-                <c:pt idx="1">
-                  <c:v>2.5</c:v>
-                </c:pt>
-                <c:pt idx="2">
-                  <c:v>3.5</c:v>
-                </c:pt>
-                <c:pt idx="3">
-                  <c:v>4.5</c:v>
-                </c:pt>
-              </c:numCache>
-            </c:numRef>
-          </c:val>
-          <c:extLst>
-            <c:ext xmlns:c16="http://schemas.microsoft.com/office/drawing/2014/chart" uri="{C3380CC4-5D6E-409C-BE32-E72D297353CC}">
-              <c16:uniqueId val="{00000000-FDF3-424D-A639-0E7245CF60BB}"/>
-            </c:ext>
-          </c:extLst>
-        </c:ser>
-        <c:ser>
-          <c:idx val="1"/>
-          <c:order val="1"/>
-          <c:tx>
-            <c:strRef>
-              <c:f>Sheet1!$C$1</c:f>
-              <c:strCache>
-                <c:ptCount val="1"/>
-                <c:pt idx="0">
-                  <c:v>Series 2</c:v>
-                </c:pt>
-              </c:strCache>
-            </c:strRef>
-          </c:tx>
-          <c:spPr>
-            <a:solidFill>
-              <a:schemeClr val="accent2">
-                <a:alpha val="70000"/>
-              </a:schemeClr>
-            </a:solidFill>
-            <a:ln>
-              <a:noFill/>
-            </a:ln>
-            <a:effectLst/>
-          </c:spPr>
-          <c:invertIfNegative val="0"/>
-          <c:cat>
-            <c:strRef>
-              <c:f>Sheet1!$A$2:$A$5</c:f>
-              <c:strCache>
-                <c:ptCount val="4"/>
-                <c:pt idx="0">
-                  <c:v>Category 1</c:v>
-                </c:pt>
-                <c:pt idx="1">
-                  <c:v>Category 2</c:v>
-                </c:pt>
-                <c:pt idx="2">
-                  <c:v>Category 3</c:v>
-                </c:pt>
-                <c:pt idx="3">
-                  <c:v>Category 4</c:v>
-                </c:pt>
-              </c:strCache>
-            </c:strRef>
-          </c:cat>
-          <c:val>
-            <c:numRef>
-              <c:f>Sheet1!$C$2:$C$5</c:f>
-              <c:numCache>
-                <c:formatCode>General</c:formatCode>
-                <c:ptCount val="4"/>
-                <c:pt idx="0">
-                  <c:v>2.4</c:v>
-                </c:pt>
-                <c:pt idx="1">
-                  <c:v>4.4000000000000004</c:v>
-                </c:pt>
-                <c:pt idx="2">
-                  <c:v>1.8</c:v>
-                </c:pt>
-                <c:pt idx="3">
-                  <c:v>2.8</c:v>
-                </c:pt>
-              </c:numCache>
-            </c:numRef>
-          </c:val>
-          <c:extLst>
-            <c:ext xmlns:c16="http://schemas.microsoft.com/office/drawing/2014/chart" uri="{C3380CC4-5D6E-409C-BE32-E72D297353CC}">
-              <c16:uniqueId val="{00000001-FDF3-424D-A639-0E7245CF60BB}"/>
-            </c:ext>
-          </c:extLst>
-        </c:ser>
-        <c:ser>
-          <c:idx val="2"/>
-          <c:order val="2"/>
-          <c:tx>
-            <c:strRef>
-              <c:f>Sheet1!$D$1</c:f>
-              <c:strCache>
-                <c:ptCount val="1"/>
-                <c:pt idx="0">
-                  <c:v>Series 3</c:v>
-                </c:pt>
-              </c:strCache>
-            </c:strRef>
-          </c:tx>
-          <c:spPr>
-            <a:solidFill>
-              <a:schemeClr val="accent3">
-                <a:alpha val="70000"/>
-              </a:schemeClr>
-            </a:solidFill>
-            <a:ln>
-              <a:noFill/>
-            </a:ln>
-            <a:effectLst/>
-          </c:spPr>
-          <c:invertIfNegative val="0"/>
-          <c:cat>
-            <c:strRef>
-              <c:f>Sheet1!$A$2:$A$5</c:f>
-              <c:strCache>
-                <c:ptCount val="4"/>
-                <c:pt idx="0">
-                  <c:v>Category 1</c:v>
-                </c:pt>
-                <c:pt idx="1">
-                  <c:v>Category 2</c:v>
-                </c:pt>
-                <c:pt idx="2">
-                  <c:v>Category 3</c:v>
-                </c:pt>
-                <c:pt idx="3">
-                  <c:v>Category 4</c:v>
-                </c:pt>
-              </c:strCache>
-            </c:strRef>
-          </c:cat>
-          <c:val>
-            <c:numRef>
-              <c:f>Sheet1!$D$2:$D$5</c:f>
-              <c:numCache>
-                <c:formatCode>General</c:formatCode>
-                <c:ptCount val="4"/>
-                <c:pt idx="0">
-                  <c:v>2</c:v>
-                </c:pt>
-                <c:pt idx="1">
-                  <c:v>2</c:v>
-                </c:pt>
-                <c:pt idx="2">
-                  <c:v>3</c:v>
-                </c:pt>
-                <c:pt idx="3">
-                  <c:v>5</c:v>
-                </c:pt>
-              </c:numCache>
-            </c:numRef>
-          </c:val>
-          <c:extLst>
-            <c:ext xmlns:c16="http://schemas.microsoft.com/office/drawing/2014/chart" uri="{C3380CC4-5D6E-409C-BE32-E72D297353CC}">
-              <c16:uniqueId val="{00000002-FDF3-424D-A639-0E7245CF60BB}"/>
-            </c:ext>
-          </c:extLst>
-        </c:ser>
-        <c:dLbls>
-          <c:showLegendKey val="0"/>
-          <c:showVal val="0"/>
-          <c:showCatName val="0"/>
-          <c:showSerName val="0"/>
-          <c:showPercent val="0"/>
-          <c:showBubbleSize val="0"/>
-        </c:dLbls>
-        <c:gapWidth val="80"/>
-        <c:overlap val="25"/>
-        <c:axId val="205261872"/>
-        <c:axId val="205269664"/>
-      </c:barChart>
-      <c:catAx>
-        <c:axId val="205261872"/>
-        <c:scaling>
-          <c:orientation val="minMax"/>
-        </c:scaling>
-        <c:delete val="0"/>
-        <c:axPos val="b"/>
-        <c:numFmt formatCode="General" sourceLinked="1"/>
-        <c:majorTickMark val="none"/>
-        <c:minorTickMark val="none"/>
-        <c:tickLblPos val="nextTo"/>
-        <c:spPr>
-          <a:noFill/>
-          <a:ln w="15875" cap="flat" cmpd="sng" algn="ctr">
-            <a:solidFill>
-              <a:schemeClr val="tx1">
-                <a:lumMod val="25000"/>
-                <a:lumOff val="75000"/>
-              </a:schemeClr>
-            </a:solidFill>
-            <a:round/>
-          </a:ln>
-          <a:effectLst/>
-        </c:spPr>
-        <c:txPr>
-          <a:bodyPr rot="-60000000" spcFirstLastPara="1" vertOverflow="ellipsis" vert="horz" wrap="square" anchor="ctr" anchorCtr="1"/>
-          <a:lstStyle/>
-          <a:p>
-            <a:pPr>
-              <a:defRPr sz="1197" b="0" i="0" u="none" strike="noStrike" kern="1200" cap="none" spc="20" normalizeH="0" baseline="0">
-                <a:solidFill>
-                  <a:schemeClr val="tx1">
-                    <a:lumMod val="65000"/>
-                    <a:lumOff val="35000"/>
-                  </a:schemeClr>
-                </a:solidFill>
-                <a:latin typeface="+mn-lt"/>
-                <a:ea typeface="+mn-ea"/>
-                <a:cs typeface="+mn-cs"/>
-              </a:defRPr>
-            </a:pPr>
-            <a:endParaRPr lang="en-US"/>
-          </a:p>
-        </c:txPr>
-        <c:crossAx val="205269664"/>
-        <c:crosses val="autoZero"/>
-        <c:auto val="1"/>
-        <c:lblAlgn val="ctr"/>
-        <c:lblOffset val="100"/>
-        <c:noMultiLvlLbl val="0"/>
-      </c:catAx>
-      <c:valAx>
-        <c:axId val="205269664"/>
-        <c:scaling>
-          <c:orientation val="minMax"/>
-        </c:scaling>
-        <c:delete val="0"/>
-        <c:axPos val="l"/>
-        <c:majorGridlines>
-          <c:spPr>
-            <a:ln w="9525" cap="flat" cmpd="sng" algn="ctr">
-              <a:solidFill>
-                <a:schemeClr val="tx1">
-                  <a:lumMod val="5000"/>
-                  <a:lumOff val="95000"/>
-                </a:schemeClr>
-              </a:solidFill>
-              <a:round/>
-            </a:ln>
-            <a:effectLst/>
-          </c:spPr>
-        </c:majorGridlines>
-        <c:numFmt formatCode="General" sourceLinked="1"/>
-        <c:majorTickMark val="none"/>
-        <c:minorTickMark val="none"/>
-        <c:tickLblPos val="nextTo"/>
-        <c:spPr>
-          <a:noFill/>
-          <a:ln>
-            <a:noFill/>
-          </a:ln>
-          <a:effectLst/>
-        </c:spPr>
-        <c:txPr>
-          <a:bodyPr rot="-60000000" spcFirstLastPara="1" vertOverflow="ellipsis" vert="horz" wrap="square" anchor="ctr" anchorCtr="1"/>
-          <a:lstStyle/>
-          <a:p>
-            <a:pPr>
-              <a:defRPr sz="1197" b="0" i="0" u="none" strike="noStrike" kern="1200" spc="20" baseline="0">
-                <a:solidFill>
-                  <a:schemeClr val="tx1">
-                    <a:lumMod val="65000"/>
-                    <a:lumOff val="35000"/>
-                  </a:schemeClr>
-                </a:solidFill>
-                <a:latin typeface="+mn-lt"/>
-                <a:ea typeface="+mn-ea"/>
-                <a:cs typeface="+mn-cs"/>
-              </a:defRPr>
-            </a:pPr>
-            <a:endParaRPr lang="en-US"/>
-          </a:p>
-        </c:txPr>
-        <c:crossAx val="205261872"/>
-        <c:crosses val="autoZero"/>
-        <c:crossBetween val="between"/>
-      </c:valAx>
-      <c:spPr>
-        <a:noFill/>
-        <a:ln>
-          <a:noFill/>
-        </a:ln>
-        <a:effectLst/>
-      </c:spPr>
-    </c:plotArea>
-    <c:legend>
-      <c:legendPos val="b"/>
-      <c:overlay val="0"/>
-      <c:spPr>
-        <a:noFill/>
-        <a:ln>
-          <a:noFill/>
-        </a:ln>
-        <a:effectLst/>
-      </c:spPr>
-      <c:txPr>
-        <a:bodyPr rot="0" spcFirstLastPara="1" vertOverflow="ellipsis" vert="horz" wrap="square" anchor="ctr" anchorCtr="1"/>
-        <a:lstStyle/>
-        <a:p>
-          <a:pPr>
-            <a:defRPr sz="1197" b="0" i="0" u="none" strike="noStrike" kern="1200" baseline="0">
-              <a:solidFill>
-                <a:schemeClr val="tx1">
-                  <a:lumMod val="65000"/>
-                  <a:lumOff val="35000"/>
-                </a:schemeClr>
-              </a:solidFill>
-              <a:latin typeface="+mn-lt"/>
-              <a:ea typeface="+mn-ea"/>
-              <a:cs typeface="+mn-cs"/>
-            </a:defRPr>
-          </a:pPr>
-          <a:endParaRPr lang="en-US"/>
-        </a:p>
-      </c:txPr>
-    </c:legend>
-    <c:plotVisOnly val="1"/>
-    <c:dispBlanksAs val="gap"/>
-    <c:showDLblsOverMax val="0"/>
-  </c:chart>
-  <c:spPr>
-    <a:noFill/>
-    <a:ln>
-      <a:noFill/>
-    </a:ln>
-    <a:effectLst/>
-  </c:spPr>
-  <c:txPr>
-    <a:bodyPr/>
-    <a:lstStyle/>
-    <a:p>
-      <a:pPr>
-        <a:defRPr/>
-      </a:pPr>
-      <a:endParaRPr lang="en-US"/>
-    </a:p>
-  </c:txPr>
-  <c:externalData r:id="rId3">
-    <c:autoUpdate val="0"/>
-  </c:externalData>
-</c:chartSpace>
-</file>
-
-<file path=ppt/charts/colors1.xml><?xml version="1.0" encoding="utf-8"?>
-<cs:colorStyle xmlns:cs="http://schemas.microsoft.com/office/drawing/2012/chartStyle" xmlns:a="http://schemas.openxmlformats.org/drawingml/2006/main" meth="cycle" id="10">
-  <a:schemeClr val="accent1"/>
-  <a:schemeClr val="accent2"/>
-  <a:schemeClr val="accent3"/>
-  <a:schemeClr val="accent4"/>
-  <a:schemeClr val="accent5"/>
-  <a:schemeClr val="accent6"/>
-  <cs:variation/>
-  <cs:variation>
-    <a:lumMod val="60000"/>
-  </cs:variation>
-  <cs:variation>
-    <a:lumMod val="80000"/>
-    <a:lumOff val="20000"/>
-  </cs:variation>
-  <cs:variation>
-    <a:lumMod val="80000"/>
-  </cs:variation>
-  <cs:variation>
-    <a:lumMod val="60000"/>
-    <a:lumOff val="40000"/>
-  </cs:variation>
-  <cs:variation>
-    <a:lumMod val="50000"/>
-  </cs:variation>
-  <cs:variation>
-    <a:lumMod val="70000"/>
-    <a:lumOff val="30000"/>
-  </cs:variation>
-  <cs:variation>
-    <a:lumMod val="70000"/>
-  </cs:variation>
-  <cs:variation>
-    <a:lumMod val="50000"/>
-    <a:lumOff val="50000"/>
-  </cs:variation>
-</cs:colorStyle>
-</file>
-
-<file path=ppt/charts/style1.xml><?xml version="1.0" encoding="utf-8"?>
-<cs:chartStyle xmlns:cs="http://schemas.microsoft.com/office/drawing/2012/chartStyle" xmlns:a="http://schemas.openxmlformats.org/drawingml/2006/main" id="215">
-  <cs:axisTitle>
-    <cs:lnRef idx="0"/>
-    <cs:fillRef idx="0"/>
-    <cs:effectRef idx="0"/>
-    <cs:fontRef idx="minor">
-      <a:schemeClr val="tx1">
-        <a:lumMod val="65000"/>
-        <a:lumOff val="35000"/>
-      </a:schemeClr>
-    </cs:fontRef>
-    <cs:defRPr sz="1197" kern="1200" cap="all"/>
-  </cs:axisTitle>
-  <cs:categoryAxis>
-    <cs:lnRef idx="0"/>
-    <cs:fillRef idx="0"/>
-    <cs:effectRef idx="0"/>
-    <cs:fontRef idx="minor">
-      <a:schemeClr val="tx1">
-        <a:lumMod val="65000"/>
-        <a:lumOff val="35000"/>
-      </a:schemeClr>
-    </cs:fontRef>
-    <cs:spPr>
-      <a:ln w="15875" cap="flat" cmpd="sng" algn="ctr">
-        <a:solidFill>
-          <a:schemeClr val="tx1">
-            <a:lumMod val="25000"/>
-            <a:lumOff val="75000"/>
-          </a:schemeClr>
-        </a:solidFill>
-        <a:round/>
-      </a:ln>
-    </cs:spPr>
-    <cs:defRPr sz="1197" kern="1200" cap="none" spc="20" normalizeH="0" baseline="0"/>
-  </cs:categoryAxis>
-  <cs:chartArea mods="allowNoFillOverride allowNoLineOverride">
-    <cs:lnRef idx="0"/>
-    <cs:fillRef idx="0"/>
-    <cs:effectRef idx="0"/>
-    <cs:fontRef idx="minor">
-      <a:schemeClr val="dk1"/>
-    </cs:fontRef>
-    <cs:spPr>
-      <a:solidFill>
-        <a:schemeClr val="lt1"/>
-      </a:solidFill>
-      <a:ln w="9525" cap="flat" cmpd="sng" algn="ctr">
-        <a:solidFill>
-          <a:schemeClr val="tx1">
-            <a:lumMod val="15000"/>
-            <a:lumOff val="85000"/>
-          </a:schemeClr>
-        </a:solidFill>
-        <a:round/>
-      </a:ln>
-    </cs:spPr>
-    <cs:defRPr sz="1197" kern="1200"/>
-  </cs:chartArea>
-  <cs:dataLabel>
-    <cs:lnRef idx="0"/>
-    <cs:fillRef idx="0"/>
-    <cs:effectRef idx="0"/>
-    <cs:fontRef idx="minor">
-      <a:schemeClr val="tx1">
-        <a:lumMod val="75000"/>
-        <a:lumOff val="25000"/>
-      </a:schemeClr>
-    </cs:fontRef>
-    <cs:defRPr sz="1197" kern="1200"/>
-  </cs:dataLabel>
-  <cs:dataLabelCallout>
-    <cs:lnRef idx="0"/>
-    <cs:fillRef idx="0"/>
-    <cs:effectRef idx="0"/>
-    <cs:fontRef idx="minor">
-      <a:schemeClr val="bg1"/>
-    </cs:fontRef>
-    <cs:spPr>
-      <a:solidFill>
-        <a:schemeClr val="tx1">
-          <a:lumMod val="50000"/>
-          <a:lumOff val="50000"/>
-        </a:schemeClr>
-      </a:solidFill>
-    </cs:spPr>
-    <cs:defRPr sz="1197" kern="1200"/>
-    <cs:bodyPr rot="0" spcFirstLastPara="1" vertOverflow="clip" horzOverflow="clip" vert="horz" wrap="square" lIns="36576" tIns="18288" rIns="36576" bIns="18288" anchor="ctr" anchorCtr="1">
-      <a:spAutoFit/>
-    </cs:bodyPr>
-  </cs:dataLabelCallout>
-  <cs:dataPoint>
-    <cs:lnRef idx="0"/>
-    <cs:fillRef idx="0">
-      <cs:styleClr val="auto"/>
-    </cs:fillRef>
-    <cs:effectRef idx="0"/>
-    <cs:fontRef idx="minor">
-      <a:schemeClr val="dk1"/>
-    </cs:fontRef>
-    <cs:spPr>
-      <a:solidFill>
-        <a:schemeClr val="phClr">
-          <a:alpha val="70000"/>
-        </a:schemeClr>
-      </a:solidFill>
-    </cs:spPr>
-  </cs:dataPoint>
-  <cs:dataPoint3D>
-    <cs:lnRef idx="0"/>
-    <cs:fillRef idx="0">
-      <cs:styleClr val="auto"/>
-    </cs:fillRef>
-    <cs:effectRef idx="0"/>
-    <cs:fontRef idx="minor">
-      <a:schemeClr val="dk1"/>
-    </cs:fontRef>
-    <cs:spPr>
-      <a:solidFill>
-        <a:schemeClr val="phClr">
-          <a:alpha val="70000"/>
-        </a:schemeClr>
-      </a:solidFill>
-    </cs:spPr>
-  </cs:dataPoint3D>
-  <cs:dataPointLine>
-    <cs:lnRef idx="0">
-      <cs:styleClr val="auto"/>
-    </cs:lnRef>
-    <cs:fillRef idx="0"/>
-    <cs:effectRef idx="0"/>
-    <cs:fontRef idx="minor">
-      <a:schemeClr val="dk1"/>
-    </cs:fontRef>
-    <cs:spPr>
-      <a:ln w="28575" cap="rnd">
-        <a:solidFill>
-          <a:schemeClr val="phClr">
-            <a:alpha val="70000"/>
-          </a:schemeClr>
-        </a:solidFill>
-        <a:round/>
-      </a:ln>
-    </cs:spPr>
-  </cs:dataPointLine>
-  <cs:dataPointMarker>
-    <cs:lnRef idx="0"/>
-    <cs:fillRef idx="0">
-      <cs:styleClr val="auto"/>
-    </cs:fillRef>
-    <cs:effectRef idx="0"/>
-    <cs:fontRef idx="minor">
-      <a:schemeClr val="dk1"/>
-    </cs:fontRef>
-    <cs:spPr>
-      <a:solidFill>
-        <a:schemeClr val="phClr">
-          <a:alpha val="70000"/>
-        </a:schemeClr>
-      </a:solidFill>
-    </cs:spPr>
-  </cs:dataPointMarker>
-  <cs:dataPointMarkerLayout symbol="circle" size="6"/>
-  <cs:dataPointWireframe>
-    <cs:lnRef idx="0">
-      <cs:styleClr val="auto"/>
-    </cs:lnRef>
-    <cs:fillRef idx="0"/>
-    <cs:effectRef idx="0"/>
-    <cs:fontRef idx="minor">
-      <a:schemeClr val="dk1"/>
-    </cs:fontRef>
-    <cs:spPr>
-      <a:ln w="9525" cap="rnd">
-        <a:solidFill>
-          <a:schemeClr val="phClr"/>
-        </a:solidFill>
-        <a:round/>
-      </a:ln>
-    </cs:spPr>
-  </cs:dataPointWireframe>
-  <cs:dataTable>
-    <cs:lnRef idx="0"/>
-    <cs:fillRef idx="0"/>
-    <cs:effectRef idx="0"/>
-    <cs:fontRef idx="minor">
-      <a:schemeClr val="tx1">
-        <a:lumMod val="65000"/>
-        <a:lumOff val="35000"/>
-      </a:schemeClr>
-    </cs:fontRef>
-    <cs:spPr>
-      <a:ln w="9525">
-        <a:solidFill>
-          <a:schemeClr val="tx1">
-            <a:lumMod val="15000"/>
-            <a:lumOff val="85000"/>
-          </a:schemeClr>
-        </a:solidFill>
-      </a:ln>
-    </cs:spPr>
-    <cs:defRPr sz="1197" kern="1200"/>
-  </cs:dataTable>
-  <cs:downBar>
-    <cs:lnRef idx="0"/>
-    <cs:fillRef idx="0"/>
-    <cs:effectRef idx="0"/>
-    <cs:fontRef idx="minor">
-      <a:schemeClr val="dk1"/>
-    </cs:fontRef>
-    <cs:spPr>
-      <a:solidFill>
-        <a:schemeClr val="dk1">
-          <a:lumMod val="75000"/>
-          <a:lumOff val="25000"/>
-        </a:schemeClr>
-      </a:solidFill>
-      <a:ln w="9525">
-        <a:solidFill>
-          <a:schemeClr val="tx1">
-            <a:lumMod val="65000"/>
-            <a:lumOff val="35000"/>
-          </a:schemeClr>
-        </a:solidFill>
-      </a:ln>
-    </cs:spPr>
-  </cs:downBar>
-  <cs:dropLine>
-    <cs:lnRef idx="0"/>
-    <cs:fillRef idx="0"/>
-    <cs:effectRef idx="0"/>
-    <cs:fontRef idx="minor">
-      <a:schemeClr val="dk1"/>
-    </cs:fontRef>
-    <cs:spPr>
-      <a:ln w="9525">
-        <a:solidFill>
-          <a:schemeClr val="tx1">
-            <a:lumMod val="35000"/>
-            <a:lumOff val="65000"/>
-          </a:schemeClr>
-        </a:solidFill>
-        <a:round/>
-      </a:ln>
-    </cs:spPr>
-  </cs:dropLine>
-  <cs:errorBar>
-    <cs:lnRef idx="0"/>
-    <cs:fillRef idx="0"/>
-    <cs:effectRef idx="0"/>
-    <cs:fontRef idx="minor">
-      <a:schemeClr val="dk1"/>
-    </cs:fontRef>
-    <cs:spPr>
-      <a:ln w="9525">
-        <a:solidFill>
-          <a:schemeClr val="tx1">
-            <a:lumMod val="65000"/>
-            <a:lumOff val="35000"/>
-          </a:schemeClr>
-        </a:solidFill>
-        <a:round/>
-      </a:ln>
-    </cs:spPr>
-  </cs:errorBar>
-  <cs:floor>
-    <cs:lnRef idx="0"/>
-    <cs:fillRef idx="0"/>
-    <cs:effectRef idx="0"/>
-    <cs:fontRef idx="minor">
-      <a:schemeClr val="dk1"/>
-    </cs:fontRef>
-  </cs:floor>
-  <cs:gridlineMajor>
-    <cs:lnRef idx="0"/>
-    <cs:fillRef idx="0"/>
-    <cs:effectRef idx="0"/>
-    <cs:fontRef idx="minor">
-      <a:schemeClr val="dk1"/>
-    </cs:fontRef>
-    <cs:spPr>
-      <a:ln w="9525" cap="flat" cmpd="sng" algn="ctr">
-        <a:solidFill>
-          <a:schemeClr val="tx1">
-            <a:lumMod val="5000"/>
-            <a:lumOff val="95000"/>
-          </a:schemeClr>
-        </a:solidFill>
-        <a:round/>
-      </a:ln>
-    </cs:spPr>
-  </cs:gridlineMajor>
-  <cs:gridlineMinor>
-    <cs:lnRef idx="0"/>
-    <cs:fillRef idx="0"/>
-    <cs:effectRef idx="0"/>
-    <cs:fontRef idx="minor">
-      <a:schemeClr val="dk1"/>
-    </cs:fontRef>
-    <cs:spPr>
-      <a:ln>
-        <a:solidFill>
-          <a:schemeClr val="tx1">
-            <a:lumMod val="5000"/>
-            <a:lumOff val="95000"/>
-          </a:schemeClr>
-        </a:solidFill>
-      </a:ln>
-    </cs:spPr>
-  </cs:gridlineMinor>
-  <cs:hiLoLine>
-    <cs:lnRef idx="0"/>
-    <cs:fillRef idx="0"/>
-    <cs:effectRef idx="0"/>
-    <cs:fontRef idx="minor">
-      <a:schemeClr val="dk1"/>
-    </cs:fontRef>
-    <cs:spPr>
-      <a:ln w="9525">
-        <a:solidFill>
-          <a:schemeClr val="tx1">
-            <a:lumMod val="35000"/>
-            <a:lumOff val="65000"/>
-          </a:schemeClr>
-        </a:solidFill>
-        <a:round/>
-      </a:ln>
-    </cs:spPr>
-  </cs:hiLoLine>
-  <cs:leaderLine>
-    <cs:lnRef idx="0"/>
-    <cs:fillRef idx="0"/>
-    <cs:effectRef idx="0"/>
-    <cs:fontRef idx="minor">
-      <a:schemeClr val="dk1"/>
-    </cs:fontRef>
-    <cs:spPr>
-      <a:ln w="9525">
-        <a:solidFill>
-          <a:schemeClr val="tx1">
-            <a:lumMod val="35000"/>
-            <a:lumOff val="65000"/>
-          </a:schemeClr>
-        </a:solidFill>
-      </a:ln>
-    </cs:spPr>
-  </cs:leaderLine>
-  <cs:legend>
-    <cs:lnRef idx="0"/>
-    <cs:fillRef idx="0"/>
-    <cs:effectRef idx="0"/>
-    <cs:fontRef idx="minor">
-      <a:schemeClr val="tx1">
-        <a:lumMod val="65000"/>
-        <a:lumOff val="35000"/>
-      </a:schemeClr>
-    </cs:fontRef>
-    <cs:defRPr sz="1197" kern="1200" baseline="0"/>
-  </cs:legend>
-  <cs:plotArea mods="allowNoFillOverride allowNoLineOverride">
-    <cs:lnRef idx="0"/>
-    <cs:fillRef idx="0"/>
-    <cs:effectRef idx="0"/>
-    <cs:fontRef idx="minor">
-      <a:schemeClr val="dk1"/>
-    </cs:fontRef>
-  </cs:plotArea>
-  <cs:plotArea3D mods="allowNoFillOverride allowNoLineOverride">
-    <cs:lnRef idx="0"/>
-    <cs:fillRef idx="0"/>
-    <cs:effectRef idx="0"/>
-    <cs:fontRef idx="minor">
-      <a:schemeClr val="dk1"/>
-    </cs:fontRef>
-  </cs:plotArea3D>
-  <cs:seriesAxis>
-    <cs:lnRef idx="0"/>
-    <cs:fillRef idx="0"/>
-    <cs:effectRef idx="0"/>
-    <cs:fontRef idx="minor">
-      <a:schemeClr val="tx1">
-        <a:lumMod val="65000"/>
-        <a:lumOff val="35000"/>
-      </a:schemeClr>
-    </cs:fontRef>
-    <cs:defRPr sz="1197" kern="1200"/>
-  </cs:seriesAxis>
-  <cs:seriesLine>
-    <cs:lnRef idx="0"/>
-    <cs:fillRef idx="0"/>
-    <cs:effectRef idx="0"/>
-    <cs:fontRef idx="minor">
-      <a:schemeClr val="dk1"/>
-    </cs:fontRef>
-    <cs:spPr>
-      <a:ln w="9525">
-        <a:solidFill>
-          <a:schemeClr val="tx1">
-            <a:lumMod val="35000"/>
-            <a:lumOff val="65000"/>
-          </a:schemeClr>
-        </a:solidFill>
-        <a:round/>
-      </a:ln>
-    </cs:spPr>
-  </cs:seriesLine>
-  <cs:title>
-    <cs:lnRef idx="0"/>
-    <cs:fillRef idx="0"/>
-    <cs:effectRef idx="0"/>
-    <cs:fontRef idx="major">
-      <a:schemeClr val="tx1">
-        <a:lumMod val="65000"/>
-        <a:lumOff val="35000"/>
-      </a:schemeClr>
-    </cs:fontRef>
-    <cs:defRPr sz="2128" b="0" i="0" kern="1200" cap="none" spc="50" normalizeH="0" baseline="0"/>
-  </cs:title>
-  <cs:trendline>
-    <cs:lnRef idx="0">
-      <cs:styleClr val="auto"/>
-    </cs:lnRef>
-    <cs:fillRef idx="0"/>
-    <cs:effectRef idx="0"/>
-    <cs:fontRef idx="minor">
-      <a:schemeClr val="dk1"/>
-    </cs:fontRef>
-    <cs:spPr>
-      <a:ln w="15875" cap="rnd">
-        <a:solidFill>
-          <a:schemeClr val="phClr"/>
-        </a:solidFill>
-      </a:ln>
-    </cs:spPr>
-  </cs:trendline>
-  <cs:trendlineLabel>
-    <cs:lnRef idx="0"/>
-    <cs:fillRef idx="0"/>
-    <cs:effectRef idx="0"/>
-    <cs:fontRef idx="minor">
-      <a:schemeClr val="tx1">
-        <a:lumMod val="65000"/>
-        <a:lumOff val="35000"/>
-      </a:schemeClr>
-    </cs:fontRef>
-    <cs:defRPr sz="1197" kern="1200"/>
-  </cs:trendlineLabel>
-  <cs:upBar>
-    <cs:lnRef idx="0"/>
-    <cs:fillRef idx="0"/>
-    <cs:effectRef idx="0"/>
-    <cs:fontRef idx="minor">
-      <a:schemeClr val="dk1"/>
-    </cs:fontRef>
-    <cs:spPr>
-      <a:solidFill>
-        <a:schemeClr val="lt1"/>
-      </a:solidFill>
-      <a:ln w="9525">
-        <a:solidFill>
-          <a:schemeClr val="tx1">
-            <a:lumMod val="65000"/>
-            <a:lumOff val="35000"/>
-          </a:schemeClr>
-        </a:solidFill>
-      </a:ln>
-    </cs:spPr>
-  </cs:upBar>
-  <cs:valueAxis>
-    <cs:lnRef idx="0"/>
-    <cs:fillRef idx="0"/>
-    <cs:effectRef idx="0"/>
-    <cs:fontRef idx="minor">
-      <a:schemeClr val="tx1">
-        <a:lumMod val="65000"/>
-        <a:lumOff val="35000"/>
-      </a:schemeClr>
-    </cs:fontRef>
-    <cs:defRPr sz="1197" kern="1200" spc="20" baseline="0"/>
-  </cs:valueAxis>
-  <cs:wall>
-    <cs:lnRef idx="0"/>
-    <cs:fillRef idx="0"/>
-    <cs:effectRef idx="0"/>
-    <cs:fontRef idx="minor">
-      <a:schemeClr val="dk1"/>
-    </cs:fontRef>
-  </cs:wall>
-</cs:chartStyle>
-</file>
-
 <file path=ppt/diagrams/colors1.xml><?xml version="1.0" encoding="utf-8"?>
 <dgm:colorsDef xmlns:dgm="http://schemas.openxmlformats.org/drawingml/2006/diagram" xmlns:a="http://schemas.openxmlformats.org/drawingml/2006/main" uniqueId="urn:microsoft.com/office/officeart/2005/8/colors/accent1_2">
   <dgm:title val=""/>
@@ -2627,7 +1638,7 @@
         <a:p>
           <a:r>
             <a:rPr lang="en-US" sz="2800" dirty="0"/>
-            <a:t>Controlled variables</a:t>
+            <a:t>CIFAR-10</a:t>
           </a:r>
         </a:p>
       </dgm:t>
@@ -2663,7 +1674,7 @@
         <a:p>
           <a:r>
             <a:rPr lang="en-US" sz="2800" dirty="0"/>
-            <a:t>These are kept the same throughout your experiments</a:t>
+            <a:t>3 Color Channels</a:t>
           </a:r>
         </a:p>
       </dgm:t>
@@ -2699,7 +1710,7 @@
         <a:p>
           <a:r>
             <a:rPr lang="en-US" sz="2800" dirty="0"/>
-            <a:t>Independent variable</a:t>
+            <a:t>Fashion MNIST</a:t>
           </a:r>
         </a:p>
       </dgm:t>
@@ -2735,15 +1746,7 @@
         <a:p>
           <a:r>
             <a:rPr lang="en-US" sz="2800" dirty="0"/>
-            <a:t>The </a:t>
-          </a:r>
-          <a:r>
-            <a:rPr lang="en-US" sz="2800" b="1" dirty="0"/>
-            <a:t>one</a:t>
-          </a:r>
-          <a:r>
-            <a:rPr lang="en-US" sz="2800" dirty="0"/>
-            <a:t> variable you purposely change and test</a:t>
+            <a:t>10 Classes</a:t>
           </a:r>
         </a:p>
       </dgm:t>
@@ -2770,6 +1773,407 @@
         </a:p>
       </dgm:t>
     </dgm:pt>
+    <dgm:pt modelId="{ED9AADA0-74C9-459E-9BF7-2E8C295F45E5}">
+      <dgm:prSet phldrT="[Texte]" custT="1"/>
+      <dgm:spPr/>
+      <dgm:t>
+        <a:bodyPr/>
+        <a:lstStyle/>
+        <a:p>
+          <a:r>
+            <a:rPr lang="en-US" sz="2800" dirty="0"/>
+            <a:t>10 Classes</a:t>
+          </a:r>
+        </a:p>
+      </dgm:t>
+    </dgm:pt>
+    <dgm:pt modelId="{4995CD5F-A269-4903-95B3-17009A7AC60E}" type="parTrans" cxnId="{32F14B5F-4686-4DA9-923D-A34AA1113D87}">
+      <dgm:prSet/>
+      <dgm:spPr/>
+      <dgm:t>
+        <a:bodyPr/>
+        <a:lstStyle/>
+        <a:p>
+          <a:endParaRPr lang="en-CA"/>
+        </a:p>
+      </dgm:t>
+    </dgm:pt>
+    <dgm:pt modelId="{DD86FE1C-248D-4B17-9A81-8DD12195AE1D}" type="sibTrans" cxnId="{32F14B5F-4686-4DA9-923D-A34AA1113D87}">
+      <dgm:prSet/>
+      <dgm:spPr/>
+      <dgm:t>
+        <a:bodyPr/>
+        <a:lstStyle/>
+        <a:p>
+          <a:endParaRPr lang="en-CA"/>
+        </a:p>
+      </dgm:t>
+    </dgm:pt>
+    <dgm:pt modelId="{A18535E9-722C-4593-9851-5B1E41582CA9}">
+      <dgm:prSet phldrT="[Texte]" custT="1"/>
+      <dgm:spPr/>
+      <dgm:t>
+        <a:bodyPr/>
+        <a:lstStyle/>
+        <a:p>
+          <a:r>
+            <a:rPr lang="en-US" sz="2800" dirty="0"/>
+            <a:t>32x32 Image Size</a:t>
+          </a:r>
+        </a:p>
+      </dgm:t>
+    </dgm:pt>
+    <dgm:pt modelId="{609581D9-FF1F-4628-93F0-8575EE99E264}" type="parTrans" cxnId="{3A21C4DD-09EC-47B1-AA48-E56C3406D146}">
+      <dgm:prSet/>
+      <dgm:spPr/>
+      <dgm:t>
+        <a:bodyPr/>
+        <a:lstStyle/>
+        <a:p>
+          <a:endParaRPr lang="en-CA"/>
+        </a:p>
+      </dgm:t>
+    </dgm:pt>
+    <dgm:pt modelId="{7672C11B-85DE-4408-A610-5BBD606BDAFC}" type="sibTrans" cxnId="{3A21C4DD-09EC-47B1-AA48-E56C3406D146}">
+      <dgm:prSet/>
+      <dgm:spPr/>
+      <dgm:t>
+        <a:bodyPr/>
+        <a:lstStyle/>
+        <a:p>
+          <a:endParaRPr lang="en-CA"/>
+        </a:p>
+      </dgm:t>
+    </dgm:pt>
+    <dgm:pt modelId="{5EA64748-DF8E-48F1-AEA7-45B1EB7D06F4}">
+      <dgm:prSet phldrT="[Texte]" custT="1"/>
+      <dgm:spPr/>
+      <dgm:t>
+        <a:bodyPr/>
+        <a:lstStyle/>
+        <a:p>
+          <a:r>
+            <a:rPr lang="en-US" sz="2800" dirty="0"/>
+            <a:t>60,000 images</a:t>
+          </a:r>
+        </a:p>
+      </dgm:t>
+    </dgm:pt>
+    <dgm:pt modelId="{D19C40C1-B9E9-4D3E-8E17-5F7F43DA5513}" type="parTrans" cxnId="{CB10D320-6EB7-4D71-AD68-F6F23F47AC58}">
+      <dgm:prSet/>
+      <dgm:spPr/>
+      <dgm:t>
+        <a:bodyPr/>
+        <a:lstStyle/>
+        <a:p>
+          <a:endParaRPr lang="en-CA"/>
+        </a:p>
+      </dgm:t>
+    </dgm:pt>
+    <dgm:pt modelId="{CC686377-5022-49C2-9CE6-C713D69FD4F3}" type="sibTrans" cxnId="{CB10D320-6EB7-4D71-AD68-F6F23F47AC58}">
+      <dgm:prSet/>
+      <dgm:spPr/>
+      <dgm:t>
+        <a:bodyPr/>
+        <a:lstStyle/>
+        <a:p>
+          <a:endParaRPr lang="en-CA"/>
+        </a:p>
+      </dgm:t>
+    </dgm:pt>
+    <dgm:pt modelId="{4A92E418-6BA6-4F82-B4EA-C0768F2BE40C}">
+      <dgm:prSet phldrT="[Texte]" custT="1"/>
+      <dgm:spPr/>
+      <dgm:t>
+        <a:bodyPr/>
+        <a:lstStyle/>
+        <a:p>
+          <a:r>
+            <a:rPr lang="en-US" sz="2800" dirty="0"/>
+            <a:t>28x28 Image Size</a:t>
+          </a:r>
+        </a:p>
+      </dgm:t>
+    </dgm:pt>
+    <dgm:pt modelId="{C0CE3C21-631C-4099-B515-E835002B9AD7}" type="parTrans" cxnId="{D2C17471-9174-4369-9903-B5D452841AD1}">
+      <dgm:prSet/>
+      <dgm:spPr/>
+      <dgm:t>
+        <a:bodyPr/>
+        <a:lstStyle/>
+        <a:p>
+          <a:endParaRPr lang="en-CA"/>
+        </a:p>
+      </dgm:t>
+    </dgm:pt>
+    <dgm:pt modelId="{366885B3-DDCE-4C6A-B701-4BE906DB25E9}" type="sibTrans" cxnId="{D2C17471-9174-4369-9903-B5D452841AD1}">
+      <dgm:prSet/>
+      <dgm:spPr/>
+      <dgm:t>
+        <a:bodyPr/>
+        <a:lstStyle/>
+        <a:p>
+          <a:endParaRPr lang="en-CA"/>
+        </a:p>
+      </dgm:t>
+    </dgm:pt>
+    <dgm:pt modelId="{818FD2DA-99FE-42F1-A37F-8E2491D2CBB7}">
+      <dgm:prSet phldrT="[Texte]" custT="1"/>
+      <dgm:spPr/>
+      <dgm:t>
+        <a:bodyPr/>
+        <a:lstStyle/>
+        <a:p>
+          <a:r>
+            <a:rPr lang="en-US" sz="2800" dirty="0"/>
+            <a:t>Grayscale (1-Channel)</a:t>
+          </a:r>
+        </a:p>
+      </dgm:t>
+    </dgm:pt>
+    <dgm:pt modelId="{FFE55858-2A9A-43B3-8303-950845A7B8B4}" type="parTrans" cxnId="{B045746A-257A-446C-BCE3-129EF39448DA}">
+      <dgm:prSet/>
+      <dgm:spPr/>
+      <dgm:t>
+        <a:bodyPr/>
+        <a:lstStyle/>
+        <a:p>
+          <a:endParaRPr lang="en-CA"/>
+        </a:p>
+      </dgm:t>
+    </dgm:pt>
+    <dgm:pt modelId="{4E1D8E63-FBD0-4B94-8241-931E52E2605B}" type="sibTrans" cxnId="{B045746A-257A-446C-BCE3-129EF39448DA}">
+      <dgm:prSet/>
+      <dgm:spPr/>
+      <dgm:t>
+        <a:bodyPr/>
+        <a:lstStyle/>
+        <a:p>
+          <a:endParaRPr lang="en-CA"/>
+        </a:p>
+      </dgm:t>
+    </dgm:pt>
+    <dgm:pt modelId="{D3A4884D-563A-44CD-B565-AAA20971951B}">
+      <dgm:prSet phldrT="[Texte]" custT="1"/>
+      <dgm:spPr/>
+      <dgm:t>
+        <a:bodyPr/>
+        <a:lstStyle/>
+        <a:p>
+          <a:r>
+            <a:rPr lang="en-US" sz="2800" dirty="0"/>
+            <a:t>70,000 Images</a:t>
+          </a:r>
+        </a:p>
+      </dgm:t>
+    </dgm:pt>
+    <dgm:pt modelId="{352EECD1-09D4-43B7-B087-9B1C427436C3}" type="parTrans" cxnId="{61FB3AA5-A643-493B-84E3-28E61DB36E0A}">
+      <dgm:prSet/>
+      <dgm:spPr/>
+      <dgm:t>
+        <a:bodyPr/>
+        <a:lstStyle/>
+        <a:p>
+          <a:endParaRPr lang="en-CA"/>
+        </a:p>
+      </dgm:t>
+    </dgm:pt>
+    <dgm:pt modelId="{6F91B588-AFD3-4684-9513-7D3CAEEB45BD}" type="sibTrans" cxnId="{61FB3AA5-A643-493B-84E3-28E61DB36E0A}">
+      <dgm:prSet/>
+      <dgm:spPr/>
+      <dgm:t>
+        <a:bodyPr/>
+        <a:lstStyle/>
+        <a:p>
+          <a:endParaRPr lang="en-CA"/>
+        </a:p>
+      </dgm:t>
+    </dgm:pt>
+    <dgm:pt modelId="{4351CFC8-37EC-494B-A841-287649776134}" type="pres">
+      <dgm:prSet presAssocID="{425AB2E9-3568-4939-AD20-F42726F09D02}" presName="Name0" presStyleCnt="0">
+        <dgm:presLayoutVars>
+          <dgm:dir/>
+          <dgm:animLvl val="lvl"/>
+          <dgm:resizeHandles val="exact"/>
+        </dgm:presLayoutVars>
+      </dgm:prSet>
+      <dgm:spPr/>
+    </dgm:pt>
+    <dgm:pt modelId="{70E9962D-05C5-4F85-A473-03B50B9C6416}" type="pres">
+      <dgm:prSet presAssocID="{06F1FE2A-97BA-4B52-B3A6-E44D1F20CB28}" presName="composite" presStyleCnt="0"/>
+      <dgm:spPr/>
+    </dgm:pt>
+    <dgm:pt modelId="{B8C15370-9E21-4343-A577-4985C41A0B6E}" type="pres">
+      <dgm:prSet presAssocID="{06F1FE2A-97BA-4B52-B3A6-E44D1F20CB28}" presName="parTx" presStyleLbl="alignNode1" presStyleIdx="0" presStyleCnt="2" custLinFactNeighborY="-529">
+        <dgm:presLayoutVars>
+          <dgm:chMax val="0"/>
+          <dgm:chPref val="0"/>
+          <dgm:bulletEnabled val="1"/>
+        </dgm:presLayoutVars>
+      </dgm:prSet>
+      <dgm:spPr/>
+    </dgm:pt>
+    <dgm:pt modelId="{DE65B54D-BB89-4898-B770-68834B90CB27}" type="pres">
+      <dgm:prSet presAssocID="{06F1FE2A-97BA-4B52-B3A6-E44D1F20CB28}" presName="desTx" presStyleLbl="alignAccFollowNode1" presStyleIdx="0" presStyleCnt="2">
+        <dgm:presLayoutVars>
+          <dgm:bulletEnabled val="1"/>
+        </dgm:presLayoutVars>
+      </dgm:prSet>
+      <dgm:spPr/>
+    </dgm:pt>
+    <dgm:pt modelId="{A7E2C66E-7169-4E42-A713-6528CC71DD9D}" type="pres">
+      <dgm:prSet presAssocID="{0CACD921-34CA-4681-87F1-041A98C27B3D}" presName="space" presStyleCnt="0"/>
+      <dgm:spPr/>
+    </dgm:pt>
+    <dgm:pt modelId="{C25D5A66-A92F-4D7D-A84B-534F27779317}" type="pres">
+      <dgm:prSet presAssocID="{184B56DA-A66C-4DD0-AE11-0A7EBA387E48}" presName="composite" presStyleCnt="0"/>
+      <dgm:spPr/>
+    </dgm:pt>
+    <dgm:pt modelId="{E01B3154-0666-4584-9FC4-432DE00CC402}" type="pres">
+      <dgm:prSet presAssocID="{184B56DA-A66C-4DD0-AE11-0A7EBA387E48}" presName="parTx" presStyleLbl="alignNode1" presStyleIdx="1" presStyleCnt="2">
+        <dgm:presLayoutVars>
+          <dgm:chMax val="0"/>
+          <dgm:chPref val="0"/>
+          <dgm:bulletEnabled val="1"/>
+        </dgm:presLayoutVars>
+      </dgm:prSet>
+      <dgm:spPr/>
+    </dgm:pt>
+    <dgm:pt modelId="{6EC96761-7A7E-46B1-9A31-B92F49834D5A}" type="pres">
+      <dgm:prSet presAssocID="{184B56DA-A66C-4DD0-AE11-0A7EBA387E48}" presName="desTx" presStyleLbl="alignAccFollowNode1" presStyleIdx="1" presStyleCnt="2">
+        <dgm:presLayoutVars>
+          <dgm:bulletEnabled val="1"/>
+        </dgm:presLayoutVars>
+      </dgm:prSet>
+      <dgm:spPr/>
+    </dgm:pt>
+  </dgm:ptLst>
+  <dgm:cxnLst>
+    <dgm:cxn modelId="{17347A1E-13A1-43CB-83F1-E8A63B7BD097}" type="presOf" srcId="{5EA64748-DF8E-48F1-AEA7-45B1EB7D06F4}" destId="{DE65B54D-BB89-4898-B770-68834B90CB27}" srcOrd="0" destOrd="3" presId="urn:microsoft.com/office/officeart/2005/8/layout/hList1"/>
+    <dgm:cxn modelId="{CB10D320-6EB7-4D71-AD68-F6F23F47AC58}" srcId="{06F1FE2A-97BA-4B52-B3A6-E44D1F20CB28}" destId="{5EA64748-DF8E-48F1-AEA7-45B1EB7D06F4}" srcOrd="3" destOrd="0" parTransId="{D19C40C1-B9E9-4D3E-8E17-5F7F43DA5513}" sibTransId="{CC686377-5022-49C2-9CE6-C713D69FD4F3}"/>
+    <dgm:cxn modelId="{A3D2592B-F723-4BFC-8D2A-28A02D24AA0A}" type="presOf" srcId="{D3A4884D-563A-44CD-B565-AAA20971951B}" destId="{6EC96761-7A7E-46B1-9A31-B92F49834D5A}" srcOrd="0" destOrd="3" presId="urn:microsoft.com/office/officeart/2005/8/layout/hList1"/>
+    <dgm:cxn modelId="{32F14B5F-4686-4DA9-923D-A34AA1113D87}" srcId="{06F1FE2A-97BA-4B52-B3A6-E44D1F20CB28}" destId="{ED9AADA0-74C9-459E-9BF7-2E8C295F45E5}" srcOrd="0" destOrd="0" parTransId="{4995CD5F-A269-4903-95B3-17009A7AC60E}" sibTransId="{DD86FE1C-248D-4B17-9A81-8DD12195AE1D}"/>
+    <dgm:cxn modelId="{B045746A-257A-446C-BCE3-129EF39448DA}" srcId="{184B56DA-A66C-4DD0-AE11-0A7EBA387E48}" destId="{818FD2DA-99FE-42F1-A37F-8E2491D2CBB7}" srcOrd="2" destOrd="0" parTransId="{FFE55858-2A9A-43B3-8303-950845A7B8B4}" sibTransId="{4E1D8E63-FBD0-4B94-8241-931E52E2605B}"/>
+    <dgm:cxn modelId="{6FFF1750-5F37-488A-A3CD-B096E0E3A7A1}" type="presOf" srcId="{4A92E418-6BA6-4F82-B4EA-C0768F2BE40C}" destId="{6EC96761-7A7E-46B1-9A31-B92F49834D5A}" srcOrd="0" destOrd="1" presId="urn:microsoft.com/office/officeart/2005/8/layout/hList1"/>
+    <dgm:cxn modelId="{D2C17471-9174-4369-9903-B5D452841AD1}" srcId="{184B56DA-A66C-4DD0-AE11-0A7EBA387E48}" destId="{4A92E418-6BA6-4F82-B4EA-C0768F2BE40C}" srcOrd="1" destOrd="0" parTransId="{C0CE3C21-631C-4099-B515-E835002B9AD7}" sibTransId="{366885B3-DDCE-4C6A-B701-4BE906DB25E9}"/>
+    <dgm:cxn modelId="{9C3D3653-8462-4AAD-A961-3717216B9CF2}" type="presOf" srcId="{06F1FE2A-97BA-4B52-B3A6-E44D1F20CB28}" destId="{B8C15370-9E21-4343-A577-4985C41A0B6E}" srcOrd="0" destOrd="0" presId="urn:microsoft.com/office/officeart/2005/8/layout/hList1"/>
+    <dgm:cxn modelId="{01AD485A-0916-4A80-9CBA-29870F4D202A}" srcId="{425AB2E9-3568-4939-AD20-F42726F09D02}" destId="{184B56DA-A66C-4DD0-AE11-0A7EBA387E48}" srcOrd="1" destOrd="0" parTransId="{3C1C544F-4C0C-4E19-A3D2-C3E5175D7B4B}" sibTransId="{8EE144C8-20EA-43DA-B048-41CEE06807BC}"/>
+    <dgm:cxn modelId="{406CF47B-DFC3-49CD-A6DA-760364D524CA}" type="presOf" srcId="{818FD2DA-99FE-42F1-A37F-8E2491D2CBB7}" destId="{6EC96761-7A7E-46B1-9A31-B92F49834D5A}" srcOrd="0" destOrd="2" presId="urn:microsoft.com/office/officeart/2005/8/layout/hList1"/>
+    <dgm:cxn modelId="{FC6EE199-23CF-4307-94F8-FC53916EA51A}" srcId="{425AB2E9-3568-4939-AD20-F42726F09D02}" destId="{06F1FE2A-97BA-4B52-B3A6-E44D1F20CB28}" srcOrd="0" destOrd="0" parTransId="{272155B6-483B-4675-B173-D3F00A201046}" sibTransId="{0CACD921-34CA-4681-87F1-041A98C27B3D}"/>
+    <dgm:cxn modelId="{E4DEEDA0-5869-4A09-A85F-F2E3FD0B04F1}" type="presOf" srcId="{A18535E9-722C-4593-9851-5B1E41582CA9}" destId="{DE65B54D-BB89-4898-B770-68834B90CB27}" srcOrd="0" destOrd="1" presId="urn:microsoft.com/office/officeart/2005/8/layout/hList1"/>
+    <dgm:cxn modelId="{61FB3AA5-A643-493B-84E3-28E61DB36E0A}" srcId="{184B56DA-A66C-4DD0-AE11-0A7EBA387E48}" destId="{D3A4884D-563A-44CD-B565-AAA20971951B}" srcOrd="3" destOrd="0" parTransId="{352EECD1-09D4-43B7-B087-9B1C427436C3}" sibTransId="{6F91B588-AFD3-4684-9513-7D3CAEEB45BD}"/>
+    <dgm:cxn modelId="{913323B4-1F88-4AC5-8C9E-BE0572C8023B}" type="presOf" srcId="{4640F6E6-EF32-4372-9B3B-2FFD48F9CB5C}" destId="{DE65B54D-BB89-4898-B770-68834B90CB27}" srcOrd="0" destOrd="2" presId="urn:microsoft.com/office/officeart/2005/8/layout/hList1"/>
+    <dgm:cxn modelId="{ACB965C6-1ACF-483C-9C29-8A17C949C706}" srcId="{06F1FE2A-97BA-4B52-B3A6-E44D1F20CB28}" destId="{4640F6E6-EF32-4372-9B3B-2FFD48F9CB5C}" srcOrd="2" destOrd="0" parTransId="{DB4F8E23-BBE6-4AB5-9D82-74F5115D7455}" sibTransId="{55E32D54-3DF3-4F3F-B3B8-1AEE5606EC62}"/>
+    <dgm:cxn modelId="{3A21C4DD-09EC-47B1-AA48-E56C3406D146}" srcId="{06F1FE2A-97BA-4B52-B3A6-E44D1F20CB28}" destId="{A18535E9-722C-4593-9851-5B1E41582CA9}" srcOrd="1" destOrd="0" parTransId="{609581D9-FF1F-4628-93F0-8575EE99E264}" sibTransId="{7672C11B-85DE-4408-A610-5BBD606BDAFC}"/>
+    <dgm:cxn modelId="{12E1A9E1-0E2B-4599-8D03-2A69A1547115}" type="presOf" srcId="{425AB2E9-3568-4939-AD20-F42726F09D02}" destId="{4351CFC8-37EC-494B-A841-287649776134}" srcOrd="0" destOrd="0" presId="urn:microsoft.com/office/officeart/2005/8/layout/hList1"/>
+    <dgm:cxn modelId="{574E07EC-2D2A-4AAA-8C83-494AC0F259E9}" type="presOf" srcId="{ED9AADA0-74C9-459E-9BF7-2E8C295F45E5}" destId="{DE65B54D-BB89-4898-B770-68834B90CB27}" srcOrd="0" destOrd="0" presId="urn:microsoft.com/office/officeart/2005/8/layout/hList1"/>
+    <dgm:cxn modelId="{51EFA3EF-F9E3-4B84-BA84-84A3BBF4D4D3}" type="presOf" srcId="{17AF0C1B-AB46-4643-AAAB-C00D253E5731}" destId="{6EC96761-7A7E-46B1-9A31-B92F49834D5A}" srcOrd="0" destOrd="0" presId="urn:microsoft.com/office/officeart/2005/8/layout/hList1"/>
+    <dgm:cxn modelId="{7FD88FF9-53A7-4C08-9686-37472D3C5F90}" type="presOf" srcId="{184B56DA-A66C-4DD0-AE11-0A7EBA387E48}" destId="{E01B3154-0666-4584-9FC4-432DE00CC402}" srcOrd="0" destOrd="0" presId="urn:microsoft.com/office/officeart/2005/8/layout/hList1"/>
+    <dgm:cxn modelId="{31D0EEFF-9776-4597-8873-3B56F9091C86}" srcId="{184B56DA-A66C-4DD0-AE11-0A7EBA387E48}" destId="{17AF0C1B-AB46-4643-AAAB-C00D253E5731}" srcOrd="0" destOrd="0" parTransId="{29C3C336-A8CD-48B5-9F85-325299B52A84}" sibTransId="{631D11DF-11B6-487B-8148-E2BF1F9190AD}"/>
+    <dgm:cxn modelId="{AE41C4D7-1708-49AF-AE4A-683C8CF513D4}" type="presParOf" srcId="{4351CFC8-37EC-494B-A841-287649776134}" destId="{70E9962D-05C5-4F85-A473-03B50B9C6416}" srcOrd="0" destOrd="0" presId="urn:microsoft.com/office/officeart/2005/8/layout/hList1"/>
+    <dgm:cxn modelId="{54821AC3-B761-4DE3-A299-35C839B48BE7}" type="presParOf" srcId="{70E9962D-05C5-4F85-A473-03B50B9C6416}" destId="{B8C15370-9E21-4343-A577-4985C41A0B6E}" srcOrd="0" destOrd="0" presId="urn:microsoft.com/office/officeart/2005/8/layout/hList1"/>
+    <dgm:cxn modelId="{3935A46C-E062-4151-BCBD-56617280633D}" type="presParOf" srcId="{70E9962D-05C5-4F85-A473-03B50B9C6416}" destId="{DE65B54D-BB89-4898-B770-68834B90CB27}" srcOrd="1" destOrd="0" presId="urn:microsoft.com/office/officeart/2005/8/layout/hList1"/>
+    <dgm:cxn modelId="{0A12C62A-0CDE-440C-8EAB-E415EF2E4EAF}" type="presParOf" srcId="{4351CFC8-37EC-494B-A841-287649776134}" destId="{A7E2C66E-7169-4E42-A713-6528CC71DD9D}" srcOrd="1" destOrd="0" presId="urn:microsoft.com/office/officeart/2005/8/layout/hList1"/>
+    <dgm:cxn modelId="{54851ACF-12A9-4433-874C-444142834581}" type="presParOf" srcId="{4351CFC8-37EC-494B-A841-287649776134}" destId="{C25D5A66-A92F-4D7D-A84B-534F27779317}" srcOrd="2" destOrd="0" presId="urn:microsoft.com/office/officeart/2005/8/layout/hList1"/>
+    <dgm:cxn modelId="{868B21E6-351E-4088-8823-CA0673B273DE}" type="presParOf" srcId="{C25D5A66-A92F-4D7D-A84B-534F27779317}" destId="{E01B3154-0666-4584-9FC4-432DE00CC402}" srcOrd="0" destOrd="0" presId="urn:microsoft.com/office/officeart/2005/8/layout/hList1"/>
+    <dgm:cxn modelId="{91B14886-054D-49EB-AF4F-06F73F4E851C}" type="presParOf" srcId="{C25D5A66-A92F-4D7D-A84B-534F27779317}" destId="{6EC96761-7A7E-46B1-9A31-B92F49834D5A}" srcOrd="1" destOrd="0" presId="urn:microsoft.com/office/officeart/2005/8/layout/hList1"/>
+  </dgm:cxnLst>
+  <dgm:bg/>
+  <dgm:whole/>
+  <dgm:extLst>
+    <a:ext uri="http://schemas.microsoft.com/office/drawing/2008/diagram">
+      <dsp:dataModelExt xmlns:dsp="http://schemas.microsoft.com/office/drawing/2008/diagram" relId="rId7" minVer="http://schemas.openxmlformats.org/drawingml/2006/diagram"/>
+    </a:ext>
+  </dgm:extLst>
+</dgm:dataModel>
+</file>
+
+<file path=ppt/diagrams/data2.xml><?xml version="1.0" encoding="utf-8"?>
+<dgm:dataModel xmlns:dgm="http://schemas.openxmlformats.org/drawingml/2006/diagram" xmlns:a="http://schemas.openxmlformats.org/drawingml/2006/main">
+  <dgm:ptLst>
+    <dgm:pt modelId="{425AB2E9-3568-4939-AD20-F42726F09D02}" type="doc">
+      <dgm:prSet loTypeId="urn:microsoft.com/office/officeart/2005/8/layout/hList1" loCatId="list" qsTypeId="urn:microsoft.com/office/officeart/2005/8/quickstyle/simple1" qsCatId="simple" csTypeId="urn:microsoft.com/office/officeart/2005/8/colors/accent1_2" csCatId="accent1" phldr="1"/>
+      <dgm:spPr/>
+      <dgm:t>
+        <a:bodyPr/>
+        <a:lstStyle/>
+        <a:p>
+          <a:endParaRPr lang="en-US"/>
+        </a:p>
+      </dgm:t>
+    </dgm:pt>
+    <dgm:pt modelId="{06F1FE2A-97BA-4B52-B3A6-E44D1F20CB28}">
+      <dgm:prSet phldrT="[Text]" custT="1"/>
+      <dgm:spPr/>
+      <dgm:t>
+        <a:bodyPr/>
+        <a:lstStyle/>
+        <a:p>
+          <a:r>
+            <a:rPr lang="en-US" sz="2800" dirty="0"/>
+            <a:t>Convolutional Neural Network</a:t>
+          </a:r>
+        </a:p>
+      </dgm:t>
+    </dgm:pt>
+    <dgm:pt modelId="{272155B6-483B-4675-B173-D3F00A201046}" type="parTrans" cxnId="{FC6EE199-23CF-4307-94F8-FC53916EA51A}">
+      <dgm:prSet/>
+      <dgm:spPr/>
+      <dgm:t>
+        <a:bodyPr/>
+        <a:lstStyle/>
+        <a:p>
+          <a:endParaRPr lang="en-US" sz="2800"/>
+        </a:p>
+      </dgm:t>
+    </dgm:pt>
+    <dgm:pt modelId="{0CACD921-34CA-4681-87F1-041A98C27B3D}" type="sibTrans" cxnId="{FC6EE199-23CF-4307-94F8-FC53916EA51A}">
+      <dgm:prSet/>
+      <dgm:spPr/>
+      <dgm:t>
+        <a:bodyPr/>
+        <a:lstStyle/>
+        <a:p>
+          <a:endParaRPr lang="en-US" sz="2800"/>
+        </a:p>
+      </dgm:t>
+    </dgm:pt>
+    <dgm:pt modelId="{184B56DA-A66C-4DD0-AE11-0A7EBA387E48}">
+      <dgm:prSet phldrT="[Text]" custT="1"/>
+      <dgm:spPr/>
+      <dgm:t>
+        <a:bodyPr/>
+        <a:lstStyle/>
+        <a:p>
+          <a:r>
+            <a:rPr lang="en-US" sz="2800" dirty="0"/>
+            <a:t>Neural Network</a:t>
+          </a:r>
+        </a:p>
+      </dgm:t>
+    </dgm:pt>
+    <dgm:pt modelId="{3C1C544F-4C0C-4E19-A3D2-C3E5175D7B4B}" type="parTrans" cxnId="{01AD485A-0916-4A80-9CBA-29870F4D202A}">
+      <dgm:prSet/>
+      <dgm:spPr/>
+      <dgm:t>
+        <a:bodyPr/>
+        <a:lstStyle/>
+        <a:p>
+          <a:endParaRPr lang="en-US" sz="2800"/>
+        </a:p>
+      </dgm:t>
+    </dgm:pt>
+    <dgm:pt modelId="{8EE144C8-20EA-43DA-B048-41CEE06807BC}" type="sibTrans" cxnId="{01AD485A-0916-4A80-9CBA-29870F4D202A}">
+      <dgm:prSet/>
+      <dgm:spPr/>
+      <dgm:t>
+        <a:bodyPr/>
+        <a:lstStyle/>
+        <a:p>
+          <a:endParaRPr lang="en-US" sz="2800"/>
+        </a:p>
+      </dgm:t>
+    </dgm:pt>
     <dgm:pt modelId="{2F8ECEAC-FAA3-4503-A169-57F41A503807}">
       <dgm:prSet phldrT="[Text]" custT="1"/>
       <dgm:spPr/>
@@ -2779,7 +2183,7 @@
         <a:p>
           <a:r>
             <a:rPr lang="en-US" sz="2800" dirty="0"/>
-            <a:t>Dependent variable</a:t>
+            <a:t>SVM with Linear Kernel</a:t>
           </a:r>
         </a:p>
       </dgm:t>
@@ -2815,7 +2219,7 @@
         <a:p>
           <a:r>
             <a:rPr lang="en-US" sz="2800" dirty="0"/>
-            <a:t>The measure of change observed because of independent variable</a:t>
+            <a:t>Regularization alpha = 0.01</a:t>
           </a:r>
         </a:p>
       </dgm:t>
@@ -2842,8 +2246,8 @@
         </a:p>
       </dgm:t>
     </dgm:pt>
-    <dgm:pt modelId="{B92700A2-FB38-4467-8A2E-6B17FD5FB43C}">
-      <dgm:prSet phldrT="[Text]" custT="1"/>
+    <dgm:pt modelId="{83980684-15F0-4D31-854D-30D7AD45D5D3}">
+      <dgm:prSet phldrT="[Texte]" custT="1"/>
       <dgm:spPr/>
       <dgm:t>
         <a:bodyPr/>
@@ -2851,30 +2255,402 @@
         <a:p>
           <a:r>
             <a:rPr lang="en-US" sz="2800" dirty="0"/>
-            <a:t>Decide how you will measure the change</a:t>
+            <a:t>Batch Normalization</a:t>
           </a:r>
         </a:p>
       </dgm:t>
     </dgm:pt>
-    <dgm:pt modelId="{D455CBAE-1EFE-4677-A720-D37D3C7C79C7}" type="parTrans" cxnId="{401C8A76-0402-439A-A771-D9B2BC35018E}">
+    <dgm:pt modelId="{1CF92530-0FCF-49B8-9145-7119BB628289}" type="parTrans" cxnId="{12105796-923F-417B-96DA-60591EDAEFF1}">
       <dgm:prSet/>
       <dgm:spPr/>
       <dgm:t>
         <a:bodyPr/>
         <a:lstStyle/>
         <a:p>
-          <a:endParaRPr lang="en-US" sz="2800"/>
+          <a:endParaRPr lang="en-CA"/>
         </a:p>
       </dgm:t>
     </dgm:pt>
-    <dgm:pt modelId="{A308112E-A697-4E6A-A0C4-5392D47FD2DE}" type="sibTrans" cxnId="{401C8A76-0402-439A-A771-D9B2BC35018E}">
+    <dgm:pt modelId="{A6776B8F-54D9-423A-9152-F594FBCF2456}" type="sibTrans" cxnId="{12105796-923F-417B-96DA-60591EDAEFF1}">
       <dgm:prSet/>
       <dgm:spPr/>
       <dgm:t>
         <a:bodyPr/>
         <a:lstStyle/>
         <a:p>
-          <a:endParaRPr lang="en-US" sz="2800"/>
+          <a:endParaRPr lang="en-CA"/>
+        </a:p>
+      </dgm:t>
+    </dgm:pt>
+    <dgm:pt modelId="{8CA4B6C2-3ACD-4BA9-9448-6AE6D3FF0E8B}">
+      <dgm:prSet phldrT="[Texte]" custT="1"/>
+      <dgm:spPr/>
+      <dgm:t>
+        <a:bodyPr/>
+        <a:lstStyle/>
+        <a:p>
+          <a:r>
+            <a:rPr lang="en-US" sz="2800" dirty="0"/>
+            <a:t>Batch Normalization</a:t>
+          </a:r>
+        </a:p>
+      </dgm:t>
+    </dgm:pt>
+    <dgm:pt modelId="{E19FA738-148D-4989-A5ED-C5988BAEF2BE}" type="parTrans" cxnId="{E56C1AD9-4B09-429C-A1C5-D45181FB9063}">
+      <dgm:prSet/>
+      <dgm:spPr/>
+      <dgm:t>
+        <a:bodyPr/>
+        <a:lstStyle/>
+        <a:p>
+          <a:endParaRPr lang="en-CA"/>
+        </a:p>
+      </dgm:t>
+    </dgm:pt>
+    <dgm:pt modelId="{B9E6D7BC-74EC-418B-9AD2-95D47DB3939E}" type="sibTrans" cxnId="{E56C1AD9-4B09-429C-A1C5-D45181FB9063}">
+      <dgm:prSet/>
+      <dgm:spPr/>
+      <dgm:t>
+        <a:bodyPr/>
+        <a:lstStyle/>
+        <a:p>
+          <a:endParaRPr lang="en-CA"/>
+        </a:p>
+      </dgm:t>
+    </dgm:pt>
+    <dgm:pt modelId="{5C7A5210-4894-483F-8E4C-0F8DFF2A45D1}">
+      <dgm:prSet phldrT="[Texte]" custT="1"/>
+      <dgm:spPr/>
+      <dgm:t>
+        <a:bodyPr/>
+        <a:lstStyle/>
+        <a:p>
+          <a:r>
+            <a:rPr lang="en-US" sz="2800" dirty="0"/>
+            <a:t>4 Convolutional Layers:</a:t>
+          </a:r>
+        </a:p>
+      </dgm:t>
+    </dgm:pt>
+    <dgm:pt modelId="{031C035E-4981-4CD5-A182-EF6C6B02AD90}" type="parTrans" cxnId="{F970147A-2B8E-490C-B7A3-11CE290F0E68}">
+      <dgm:prSet/>
+      <dgm:spPr/>
+      <dgm:t>
+        <a:bodyPr/>
+        <a:lstStyle/>
+        <a:p>
+          <a:endParaRPr lang="en-CA"/>
+        </a:p>
+      </dgm:t>
+    </dgm:pt>
+    <dgm:pt modelId="{69D0E3DF-4512-476D-BFF4-DEDC20884284}" type="sibTrans" cxnId="{F970147A-2B8E-490C-B7A3-11CE290F0E68}">
+      <dgm:prSet/>
+      <dgm:spPr/>
+      <dgm:t>
+        <a:bodyPr/>
+        <a:lstStyle/>
+        <a:p>
+          <a:endParaRPr lang="en-CA"/>
+        </a:p>
+      </dgm:t>
+    </dgm:pt>
+    <dgm:pt modelId="{3D9C00E4-5F23-49B2-9323-D818900F3BC1}">
+      <dgm:prSet phldrT="[Texte]" custT="1"/>
+      <dgm:spPr/>
+      <dgm:t>
+        <a:bodyPr/>
+        <a:lstStyle/>
+        <a:p>
+          <a:r>
+            <a:rPr lang="en-US" sz="2800" dirty="0"/>
+            <a:t>(3x3) Kernel</a:t>
+          </a:r>
+        </a:p>
+      </dgm:t>
+    </dgm:pt>
+    <dgm:pt modelId="{50A42FFD-03BA-475B-94AC-CDCD5A4B5B50}" type="parTrans" cxnId="{85318BBE-A8AE-440A-A052-B06A0F16C619}">
+      <dgm:prSet/>
+      <dgm:spPr/>
+      <dgm:t>
+        <a:bodyPr/>
+        <a:lstStyle/>
+        <a:p>
+          <a:endParaRPr lang="en-CA"/>
+        </a:p>
+      </dgm:t>
+    </dgm:pt>
+    <dgm:pt modelId="{6007D9BF-B35A-4C74-9639-E7993968E55C}" type="sibTrans" cxnId="{85318BBE-A8AE-440A-A052-B06A0F16C619}">
+      <dgm:prSet/>
+      <dgm:spPr/>
+      <dgm:t>
+        <a:bodyPr/>
+        <a:lstStyle/>
+        <a:p>
+          <a:endParaRPr lang="en-CA"/>
+        </a:p>
+      </dgm:t>
+    </dgm:pt>
+    <dgm:pt modelId="{F2D6ED6C-B8F9-4847-801E-5AF6BA8243F9}">
+      <dgm:prSet phldrT="[Texte]" custT="1"/>
+      <dgm:spPr/>
+      <dgm:t>
+        <a:bodyPr/>
+        <a:lstStyle/>
+        <a:p>
+          <a:r>
+            <a:rPr lang="en-US" sz="2800" dirty="0"/>
+            <a:t>32,32,64,64 Feature Maps</a:t>
+          </a:r>
+        </a:p>
+      </dgm:t>
+    </dgm:pt>
+    <dgm:pt modelId="{6620547C-3D91-47BE-8704-916032428CC8}" type="parTrans" cxnId="{220E6D1B-1BA2-411F-A6E9-CE3151BFF14E}">
+      <dgm:prSet/>
+      <dgm:spPr/>
+      <dgm:t>
+        <a:bodyPr/>
+        <a:lstStyle/>
+        <a:p>
+          <a:endParaRPr lang="en-CA"/>
+        </a:p>
+      </dgm:t>
+    </dgm:pt>
+    <dgm:pt modelId="{F4C5B0F2-560A-42AB-BA85-87EBD860056E}" type="sibTrans" cxnId="{220E6D1B-1BA2-411F-A6E9-CE3151BFF14E}">
+      <dgm:prSet/>
+      <dgm:spPr/>
+      <dgm:t>
+        <a:bodyPr/>
+        <a:lstStyle/>
+        <a:p>
+          <a:endParaRPr lang="en-CA"/>
+        </a:p>
+      </dgm:t>
+    </dgm:pt>
+    <dgm:pt modelId="{FDD1F901-B0F1-47D8-AD69-BAC7C261C556}">
+      <dgm:prSet phldrT="[Texte]" custT="1"/>
+      <dgm:spPr/>
+      <dgm:t>
+        <a:bodyPr/>
+        <a:lstStyle/>
+        <a:p>
+          <a:r>
+            <a:rPr lang="en-US" sz="2800" dirty="0"/>
+            <a:t>Two FC Layers</a:t>
+          </a:r>
+        </a:p>
+      </dgm:t>
+    </dgm:pt>
+    <dgm:pt modelId="{6EC34BE5-0DE7-4E8C-A860-3527343A4A78}" type="parTrans" cxnId="{BF1D75AD-C7AD-40B3-B2B1-0A07B7DAED7E}">
+      <dgm:prSet/>
+      <dgm:spPr/>
+      <dgm:t>
+        <a:bodyPr/>
+        <a:lstStyle/>
+        <a:p>
+          <a:endParaRPr lang="en-CA"/>
+        </a:p>
+      </dgm:t>
+    </dgm:pt>
+    <dgm:pt modelId="{0D995419-BA3A-4B45-B336-1825A4764C16}" type="sibTrans" cxnId="{BF1D75AD-C7AD-40B3-B2B1-0A07B7DAED7E}">
+      <dgm:prSet/>
+      <dgm:spPr/>
+      <dgm:t>
+        <a:bodyPr/>
+        <a:lstStyle/>
+        <a:p>
+          <a:endParaRPr lang="en-CA"/>
+        </a:p>
+      </dgm:t>
+    </dgm:pt>
+    <dgm:pt modelId="{7B90878E-D7D9-4002-A4D5-382B34973E18}">
+      <dgm:prSet phldrT="[Texte]" custT="1"/>
+      <dgm:spPr/>
+      <dgm:t>
+        <a:bodyPr/>
+        <a:lstStyle/>
+        <a:p>
+          <a:r>
+            <a:rPr lang="en-US" sz="2800" dirty="0"/>
+            <a:t>490 Nodes per hidden layer</a:t>
+          </a:r>
+        </a:p>
+      </dgm:t>
+    </dgm:pt>
+    <dgm:pt modelId="{159E5E0A-F184-492F-9199-8BFACA794979}" type="parTrans" cxnId="{2755C0BB-93DA-4EA6-8337-D86DC55423D4}">
+      <dgm:prSet/>
+      <dgm:spPr/>
+      <dgm:t>
+        <a:bodyPr/>
+        <a:lstStyle/>
+        <a:p>
+          <a:endParaRPr lang="en-CA"/>
+        </a:p>
+      </dgm:t>
+    </dgm:pt>
+    <dgm:pt modelId="{207FD995-6B72-4ADD-85A1-692599A58899}" type="sibTrans" cxnId="{2755C0BB-93DA-4EA6-8337-D86DC55423D4}">
+      <dgm:prSet/>
+      <dgm:spPr/>
+      <dgm:t>
+        <a:bodyPr/>
+        <a:lstStyle/>
+        <a:p>
+          <a:endParaRPr lang="en-CA"/>
+        </a:p>
+      </dgm:t>
+    </dgm:pt>
+    <dgm:pt modelId="{790D6A95-595B-4DB4-8B08-3D7AEBB0DDC7}">
+      <dgm:prSet phldrT="[Texte]" custT="1"/>
+      <dgm:spPr/>
+      <dgm:t>
+        <a:bodyPr/>
+        <a:lstStyle/>
+        <a:p>
+          <a:r>
+            <a:rPr lang="en-US" sz="2800" b="1" dirty="0"/>
+            <a:t>Equal</a:t>
+          </a:r>
+          <a:r>
+            <a:rPr lang="en-US" sz="2800" dirty="0"/>
+            <a:t> number of </a:t>
+          </a:r>
+          <a:r>
+            <a:rPr lang="en-US" sz="2800" b="1" dirty="0"/>
+            <a:t>parameters </a:t>
+          </a:r>
+          <a:r>
+            <a:rPr lang="en-US" sz="2800" dirty="0"/>
+            <a:t>as CNN baseline</a:t>
+          </a:r>
+        </a:p>
+      </dgm:t>
+    </dgm:pt>
+    <dgm:pt modelId="{FAD0A604-2F81-455F-A670-33D32B917D21}" type="parTrans" cxnId="{F05EDFEE-DDB3-43DE-A81E-E3A08EA4F1C9}">
+      <dgm:prSet/>
+      <dgm:spPr/>
+      <dgm:t>
+        <a:bodyPr/>
+        <a:lstStyle/>
+        <a:p>
+          <a:endParaRPr lang="en-CA"/>
+        </a:p>
+      </dgm:t>
+    </dgm:pt>
+    <dgm:pt modelId="{D030066E-A07C-405D-9026-33252DC1C4F0}" type="sibTrans" cxnId="{F05EDFEE-DDB3-43DE-A81E-E3A08EA4F1C9}">
+      <dgm:prSet/>
+      <dgm:spPr/>
+      <dgm:t>
+        <a:bodyPr/>
+        <a:lstStyle/>
+        <a:p>
+          <a:endParaRPr lang="en-CA"/>
+        </a:p>
+      </dgm:t>
+    </dgm:pt>
+    <dgm:pt modelId="{A7C0848B-606E-4702-937A-0695939A5548}">
+      <dgm:prSet phldrT="[Texte]" custT="1"/>
+      <dgm:spPr/>
+      <dgm:t>
+        <a:bodyPr/>
+        <a:lstStyle/>
+        <a:p>
+          <a:r>
+            <a:rPr lang="en-US" sz="2800" dirty="0"/>
+            <a:t>3 Layers</a:t>
+          </a:r>
+        </a:p>
+      </dgm:t>
+    </dgm:pt>
+    <dgm:pt modelId="{2D6E8AD6-3893-4DCC-8111-CAE2B3208445}" type="parTrans" cxnId="{166F8641-288D-4668-8DF8-09B79EF740B5}">
+      <dgm:prSet/>
+      <dgm:spPr/>
+      <dgm:t>
+        <a:bodyPr/>
+        <a:lstStyle/>
+        <a:p>
+          <a:endParaRPr lang="en-CA"/>
+        </a:p>
+      </dgm:t>
+    </dgm:pt>
+    <dgm:pt modelId="{D248490C-20C2-41F0-9801-2FE5905747DE}" type="sibTrans" cxnId="{166F8641-288D-4668-8DF8-09B79EF740B5}">
+      <dgm:prSet/>
+      <dgm:spPr/>
+      <dgm:t>
+        <a:bodyPr/>
+        <a:lstStyle/>
+        <a:p>
+          <a:endParaRPr lang="en-CA"/>
+        </a:p>
+      </dgm:t>
+    </dgm:pt>
+    <dgm:pt modelId="{E7A75238-1459-47DB-9F97-2529B963697E}">
+      <dgm:prSet phldrT="[Texte]" custT="1"/>
+      <dgm:spPr/>
+      <dgm:t>
+        <a:bodyPr/>
+        <a:lstStyle/>
+        <a:p>
+          <a:r>
+            <a:rPr lang="en-US" sz="2800" dirty="0"/>
+            <a:t>Max Pooling x2</a:t>
+          </a:r>
+        </a:p>
+      </dgm:t>
+    </dgm:pt>
+    <dgm:pt modelId="{16E6CBC3-7AD0-4C91-BF96-EF294462F94F}" type="parTrans" cxnId="{28020B0D-C614-47D7-951D-B846FAAD3D6E}">
+      <dgm:prSet/>
+      <dgm:spPr/>
+      <dgm:t>
+        <a:bodyPr/>
+        <a:lstStyle/>
+        <a:p>
+          <a:endParaRPr lang="en-CA"/>
+        </a:p>
+      </dgm:t>
+    </dgm:pt>
+    <dgm:pt modelId="{D3727A4E-6B87-4F8D-855D-85E6BC49B725}" type="sibTrans" cxnId="{28020B0D-C614-47D7-951D-B846FAAD3D6E}">
+      <dgm:prSet/>
+      <dgm:spPr/>
+      <dgm:t>
+        <a:bodyPr/>
+        <a:lstStyle/>
+        <a:p>
+          <a:endParaRPr lang="en-CA"/>
+        </a:p>
+      </dgm:t>
+    </dgm:pt>
+    <dgm:pt modelId="{7BB021B4-BA30-4766-A9FA-7B8C2DB059C4}">
+      <dgm:prSet phldrT="[Texte]" custT="1"/>
+      <dgm:spPr/>
+      <dgm:t>
+        <a:bodyPr/>
+        <a:lstStyle/>
+        <a:p>
+          <a:r>
+            <a:rPr lang="en-US" sz="2800" dirty="0"/>
+            <a:t>Gradient Descent Optimizer</a:t>
+          </a:r>
+        </a:p>
+      </dgm:t>
+    </dgm:pt>
+    <dgm:pt modelId="{B78D0BFE-E8FD-4AF2-BBCA-78D26D2F8E1E}" type="parTrans" cxnId="{C84A30D6-F6D5-4DF1-90B9-96F0895E9866}">
+      <dgm:prSet/>
+      <dgm:spPr/>
+      <dgm:t>
+        <a:bodyPr/>
+        <a:lstStyle/>
+        <a:p>
+          <a:endParaRPr lang="en-CA"/>
+        </a:p>
+      </dgm:t>
+    </dgm:pt>
+    <dgm:pt modelId="{3DBF6C3C-7A09-4C0C-A078-329FE56DF4E0}" type="sibTrans" cxnId="{C84A30D6-F6D5-4DF1-90B9-96F0895E9866}">
+      <dgm:prSet/>
+      <dgm:spPr/>
+      <dgm:t>
+        <a:bodyPr/>
+        <a:lstStyle/>
+        <a:p>
+          <a:endParaRPr lang="en-CA"/>
         </a:p>
       </dgm:t>
     </dgm:pt>
@@ -2964,21 +2740,37 @@
     </dgm:pt>
   </dgm:ptLst>
   <dgm:cxnLst>
+    <dgm:cxn modelId="{28020B0D-C614-47D7-951D-B846FAAD3D6E}" srcId="{06F1FE2A-97BA-4B52-B3A6-E44D1F20CB28}" destId="{E7A75238-1459-47DB-9F97-2529B963697E}" srcOrd="2" destOrd="0" parTransId="{16E6CBC3-7AD0-4C91-BF96-EF294462F94F}" sibTransId="{D3727A4E-6B87-4F8D-855D-85E6BC49B725}"/>
+    <dgm:cxn modelId="{1C3BBA15-1F46-45E3-9080-1DBA4A0988E4}" type="presOf" srcId="{F2D6ED6C-B8F9-4847-801E-5AF6BA8243F9}" destId="{DE65B54D-BB89-4898-B770-68834B90CB27}" srcOrd="0" destOrd="3" presId="urn:microsoft.com/office/officeart/2005/8/layout/hList1"/>
+    <dgm:cxn modelId="{220E6D1B-1BA2-411F-A6E9-CE3151BFF14E}" srcId="{5C7A5210-4894-483F-8E4C-0F8DFF2A45D1}" destId="{F2D6ED6C-B8F9-4847-801E-5AF6BA8243F9}" srcOrd="1" destOrd="0" parTransId="{6620547C-3D91-47BE-8704-916032428CC8}" sibTransId="{F4C5B0F2-560A-42AB-BA85-87EBD860056E}"/>
+    <dgm:cxn modelId="{166F8641-288D-4668-8DF8-09B79EF740B5}" srcId="{184B56DA-A66C-4DD0-AE11-0A7EBA387E48}" destId="{A7C0848B-606E-4702-937A-0695939A5548}" srcOrd="1" destOrd="0" parTransId="{2D6E8AD6-3893-4DCC-8111-CAE2B3208445}" sibTransId="{D248490C-20C2-41F0-9801-2FE5905747DE}"/>
+    <dgm:cxn modelId="{D9C7B347-04B0-4BBC-99E3-7209B4B54AB2}" type="presOf" srcId="{5C7A5210-4894-483F-8E4C-0F8DFF2A45D1}" destId="{DE65B54D-BB89-4898-B770-68834B90CB27}" srcOrd="0" destOrd="1" presId="urn:microsoft.com/office/officeart/2005/8/layout/hList1"/>
     <dgm:cxn modelId="{3F455948-84CC-4BD3-B122-BC7FC520F6C2}" srcId="{2F8ECEAC-FAA3-4503-A169-57F41A503807}" destId="{BB5A00DF-7368-4451-822A-C5213BEFEEBE}" srcOrd="0" destOrd="0" parTransId="{DBF05790-03E0-47D4-8137-1ED35487613F}" sibTransId="{1FC1A5B2-F57F-4D1D-AD7C-59801453B2A1}"/>
     <dgm:cxn modelId="{9BA84549-343A-497A-8F50-EA4C874AF4DD}" type="presOf" srcId="{2F8ECEAC-FAA3-4503-A169-57F41A503807}" destId="{64DD6D48-227C-4434-BED8-F49C9D4F4F7E}" srcOrd="0" destOrd="0" presId="urn:microsoft.com/office/officeart/2005/8/layout/hList1"/>
     <dgm:cxn modelId="{4E402F4F-22AD-4214-BE8C-948F617ABB38}" type="presOf" srcId="{BB5A00DF-7368-4451-822A-C5213BEFEEBE}" destId="{98860936-C475-4184-9A9D-2F4B5D8B0BC7}" srcOrd="0" destOrd="0" presId="urn:microsoft.com/office/officeart/2005/8/layout/hList1"/>
     <dgm:cxn modelId="{9C3D3653-8462-4AAD-A961-3717216B9CF2}" type="presOf" srcId="{06F1FE2A-97BA-4B52-B3A6-E44D1F20CB28}" destId="{B8C15370-9E21-4343-A577-4985C41A0B6E}" srcOrd="0" destOrd="0" presId="urn:microsoft.com/office/officeart/2005/8/layout/hList1"/>
-    <dgm:cxn modelId="{766F4955-F53D-4E5F-A7D9-8AE86DDD9794}" type="presOf" srcId="{B92700A2-FB38-4467-8A2E-6B17FD5FB43C}" destId="{98860936-C475-4184-9A9D-2F4B5D8B0BC7}" srcOrd="0" destOrd="1" presId="urn:microsoft.com/office/officeart/2005/8/layout/hList1"/>
-    <dgm:cxn modelId="{401C8A76-0402-439A-A771-D9B2BC35018E}" srcId="{2F8ECEAC-FAA3-4503-A169-57F41A503807}" destId="{B92700A2-FB38-4467-8A2E-6B17FD5FB43C}" srcOrd="1" destOrd="0" parTransId="{D455CBAE-1EFE-4677-A720-D37D3C7C79C7}" sibTransId="{A308112E-A697-4E6A-A0C4-5392D47FD2DE}"/>
     <dgm:cxn modelId="{24836079-9FDA-4F84-9291-518671EE6E30}" srcId="{425AB2E9-3568-4939-AD20-F42726F09D02}" destId="{2F8ECEAC-FAA3-4503-A169-57F41A503807}" srcOrd="2" destOrd="0" parTransId="{ACAA3BC8-2CDA-42A5-8DD6-5A948ACC6FCF}" sibTransId="{61A568BF-D1AB-4345-9CA7-878468CAA9E0}"/>
+    <dgm:cxn modelId="{F970147A-2B8E-490C-B7A3-11CE290F0E68}" srcId="{06F1FE2A-97BA-4B52-B3A6-E44D1F20CB28}" destId="{5C7A5210-4894-483F-8E4C-0F8DFF2A45D1}" srcOrd="1" destOrd="0" parTransId="{031C035E-4981-4CD5-A182-EF6C6B02AD90}" sibTransId="{69D0E3DF-4512-476D-BFF4-DEDC20884284}"/>
     <dgm:cxn modelId="{01AD485A-0916-4A80-9CBA-29870F4D202A}" srcId="{425AB2E9-3568-4939-AD20-F42726F09D02}" destId="{184B56DA-A66C-4DD0-AE11-0A7EBA387E48}" srcOrd="1" destOrd="0" parTransId="{3C1C544F-4C0C-4E19-A3D2-C3E5175D7B4B}" sibTransId="{8EE144C8-20EA-43DA-B048-41CEE06807BC}"/>
+    <dgm:cxn modelId="{E9371A85-171D-44E2-935D-12E53BE8C4EF}" type="presOf" srcId="{7B90878E-D7D9-4002-A4D5-382B34973E18}" destId="{6EC96761-7A7E-46B1-9A31-B92F49834D5A}" srcOrd="0" destOrd="2" presId="urn:microsoft.com/office/officeart/2005/8/layout/hList1"/>
+    <dgm:cxn modelId="{0EC65892-F554-411D-B371-D9FCD09CF508}" type="presOf" srcId="{790D6A95-595B-4DB4-8B08-3D7AEBB0DDC7}" destId="{6EC96761-7A7E-46B1-9A31-B92F49834D5A}" srcOrd="0" destOrd="3" presId="urn:microsoft.com/office/officeart/2005/8/layout/hList1"/>
+    <dgm:cxn modelId="{12105796-923F-417B-96DA-60591EDAEFF1}" srcId="{06F1FE2A-97BA-4B52-B3A6-E44D1F20CB28}" destId="{83980684-15F0-4D31-854D-30D7AD45D5D3}" srcOrd="0" destOrd="0" parTransId="{1CF92530-0FCF-49B8-9145-7119BB628289}" sibTransId="{A6776B8F-54D9-423A-9152-F594FBCF2456}"/>
+    <dgm:cxn modelId="{082CA097-A106-46C8-BFF3-F5834A133E95}" type="presOf" srcId="{83980684-15F0-4D31-854D-30D7AD45D5D3}" destId="{DE65B54D-BB89-4898-B770-68834B90CB27}" srcOrd="0" destOrd="0" presId="urn:microsoft.com/office/officeart/2005/8/layout/hList1"/>
+    <dgm:cxn modelId="{4E9DAB99-5AD3-4AE4-A963-7F4EE252EB5C}" type="presOf" srcId="{A7C0848B-606E-4702-937A-0695939A5548}" destId="{6EC96761-7A7E-46B1-9A31-B92F49834D5A}" srcOrd="0" destOrd="1" presId="urn:microsoft.com/office/officeart/2005/8/layout/hList1"/>
     <dgm:cxn modelId="{FC6EE199-23CF-4307-94F8-FC53916EA51A}" srcId="{425AB2E9-3568-4939-AD20-F42726F09D02}" destId="{06F1FE2A-97BA-4B52-B3A6-E44D1F20CB28}" srcOrd="0" destOrd="0" parTransId="{272155B6-483B-4675-B173-D3F00A201046}" sibTransId="{0CACD921-34CA-4681-87F1-041A98C27B3D}"/>
-    <dgm:cxn modelId="{913323B4-1F88-4AC5-8C9E-BE0572C8023B}" type="presOf" srcId="{4640F6E6-EF32-4372-9B3B-2FFD48F9CB5C}" destId="{DE65B54D-BB89-4898-B770-68834B90CB27}" srcOrd="0" destOrd="0" presId="urn:microsoft.com/office/officeart/2005/8/layout/hList1"/>
-    <dgm:cxn modelId="{ACB965C6-1ACF-483C-9C29-8A17C949C706}" srcId="{06F1FE2A-97BA-4B52-B3A6-E44D1F20CB28}" destId="{4640F6E6-EF32-4372-9B3B-2FFD48F9CB5C}" srcOrd="0" destOrd="0" parTransId="{DB4F8E23-BBE6-4AB5-9D82-74F5115D7455}" sibTransId="{55E32D54-3DF3-4F3F-B3B8-1AEE5606EC62}"/>
+    <dgm:cxn modelId="{BF1D75AD-C7AD-40B3-B2B1-0A07B7DAED7E}" srcId="{06F1FE2A-97BA-4B52-B3A6-E44D1F20CB28}" destId="{FDD1F901-B0F1-47D8-AD69-BAC7C261C556}" srcOrd="3" destOrd="0" parTransId="{6EC34BE5-0DE7-4E8C-A860-3527343A4A78}" sibTransId="{0D995419-BA3A-4B45-B336-1825A4764C16}"/>
+    <dgm:cxn modelId="{EC2E4FB5-5FDC-4599-9B69-1C5A310B587D}" type="presOf" srcId="{7BB021B4-BA30-4766-A9FA-7B8C2DB059C4}" destId="{98860936-C475-4184-9A9D-2F4B5D8B0BC7}" srcOrd="0" destOrd="1" presId="urn:microsoft.com/office/officeart/2005/8/layout/hList1"/>
+    <dgm:cxn modelId="{2755C0BB-93DA-4EA6-8337-D86DC55423D4}" srcId="{184B56DA-A66C-4DD0-AE11-0A7EBA387E48}" destId="{7B90878E-D7D9-4002-A4D5-382B34973E18}" srcOrd="2" destOrd="0" parTransId="{159E5E0A-F184-492F-9199-8BFACA794979}" sibTransId="{207FD995-6B72-4ADD-85A1-692599A58899}"/>
+    <dgm:cxn modelId="{85318BBE-A8AE-440A-A052-B06A0F16C619}" srcId="{5C7A5210-4894-483F-8E4C-0F8DFF2A45D1}" destId="{3D9C00E4-5F23-49B2-9323-D818900F3BC1}" srcOrd="0" destOrd="0" parTransId="{50A42FFD-03BA-475B-94AC-CDCD5A4B5B50}" sibTransId="{6007D9BF-B35A-4C74-9639-E7993968E55C}"/>
+    <dgm:cxn modelId="{C84A30D6-F6D5-4DF1-90B9-96F0895E9866}" srcId="{2F8ECEAC-FAA3-4503-A169-57F41A503807}" destId="{7BB021B4-BA30-4766-A9FA-7B8C2DB059C4}" srcOrd="1" destOrd="0" parTransId="{B78D0BFE-E8FD-4AF2-BBCA-78D26D2F8E1E}" sibTransId="{3DBF6C3C-7A09-4C0C-A078-329FE56DF4E0}"/>
+    <dgm:cxn modelId="{5C888CD6-0C5A-4EF1-AB6A-42C95448A63E}" type="presOf" srcId="{3D9C00E4-5F23-49B2-9323-D818900F3BC1}" destId="{DE65B54D-BB89-4898-B770-68834B90CB27}" srcOrd="0" destOrd="2" presId="urn:microsoft.com/office/officeart/2005/8/layout/hList1"/>
+    <dgm:cxn modelId="{E56C1AD9-4B09-429C-A1C5-D45181FB9063}" srcId="{184B56DA-A66C-4DD0-AE11-0A7EBA387E48}" destId="{8CA4B6C2-3ACD-4BA9-9448-6AE6D3FF0E8B}" srcOrd="0" destOrd="0" parTransId="{E19FA738-148D-4989-A5ED-C5988BAEF2BE}" sibTransId="{B9E6D7BC-74EC-418B-9AD2-95D47DB3939E}"/>
     <dgm:cxn modelId="{12E1A9E1-0E2B-4599-8D03-2A69A1547115}" type="presOf" srcId="{425AB2E9-3568-4939-AD20-F42726F09D02}" destId="{4351CFC8-37EC-494B-A841-287649776134}" srcOrd="0" destOrd="0" presId="urn:microsoft.com/office/officeart/2005/8/layout/hList1"/>
-    <dgm:cxn modelId="{51EFA3EF-F9E3-4B84-BA84-84A3BBF4D4D3}" type="presOf" srcId="{17AF0C1B-AB46-4643-AAAB-C00D253E5731}" destId="{6EC96761-7A7E-46B1-9A31-B92F49834D5A}" srcOrd="0" destOrd="0" presId="urn:microsoft.com/office/officeart/2005/8/layout/hList1"/>
+    <dgm:cxn modelId="{E823FBEB-6E17-431F-9A5A-6F0E6807E6D4}" type="presOf" srcId="{E7A75238-1459-47DB-9F97-2529B963697E}" destId="{DE65B54D-BB89-4898-B770-68834B90CB27}" srcOrd="0" destOrd="4" presId="urn:microsoft.com/office/officeart/2005/8/layout/hList1"/>
+    <dgm:cxn modelId="{F05EDFEE-DDB3-43DE-A81E-E3A08EA4F1C9}" srcId="{184B56DA-A66C-4DD0-AE11-0A7EBA387E48}" destId="{790D6A95-595B-4DB4-8B08-3D7AEBB0DDC7}" srcOrd="3" destOrd="0" parTransId="{FAD0A604-2F81-455F-A670-33D32B917D21}" sibTransId="{D030066E-A07C-405D-9026-33252DC1C4F0}"/>
+    <dgm:cxn modelId="{643B23F0-2C1E-4D6F-8F3E-38C110613E5B}" type="presOf" srcId="{FDD1F901-B0F1-47D8-AD69-BAC7C261C556}" destId="{DE65B54D-BB89-4898-B770-68834B90CB27}" srcOrd="0" destOrd="5" presId="urn:microsoft.com/office/officeart/2005/8/layout/hList1"/>
     <dgm:cxn modelId="{7FD88FF9-53A7-4C08-9686-37472D3C5F90}" type="presOf" srcId="{184B56DA-A66C-4DD0-AE11-0A7EBA387E48}" destId="{E01B3154-0666-4584-9FC4-432DE00CC402}" srcOrd="0" destOrd="0" presId="urn:microsoft.com/office/officeart/2005/8/layout/hList1"/>
-    <dgm:cxn modelId="{31D0EEFF-9776-4597-8873-3B56F9091C86}" srcId="{184B56DA-A66C-4DD0-AE11-0A7EBA387E48}" destId="{17AF0C1B-AB46-4643-AAAB-C00D253E5731}" srcOrd="0" destOrd="0" parTransId="{29C3C336-A8CD-48B5-9F85-325299B52A84}" sibTransId="{631D11DF-11B6-487B-8148-E2BF1F9190AD}"/>
+    <dgm:cxn modelId="{9AF53BFE-F19F-4CEC-A4FE-1977FAB41048}" type="presOf" srcId="{8CA4B6C2-3ACD-4BA9-9448-6AE6D3FF0E8B}" destId="{6EC96761-7A7E-46B1-9A31-B92F49834D5A}" srcOrd="0" destOrd="0" presId="urn:microsoft.com/office/officeart/2005/8/layout/hList1"/>
     <dgm:cxn modelId="{AE41C4D7-1708-49AF-AE4A-683C8CF513D4}" type="presParOf" srcId="{4351CFC8-37EC-494B-A841-287649776134}" destId="{70E9962D-05C5-4F85-A473-03B50B9C6416}" srcOrd="0" destOrd="0" presId="urn:microsoft.com/office/officeart/2005/8/layout/hList1"/>
     <dgm:cxn modelId="{54821AC3-B761-4DE3-A299-35C839B48BE7}" type="presParOf" srcId="{70E9962D-05C5-4F85-A473-03B50B9C6416}" destId="{B8C15370-9E21-4343-A577-4985C41A0B6E}" srcOrd="0" destOrd="0" presId="urn:microsoft.com/office/officeart/2005/8/layout/hList1"/>
     <dgm:cxn modelId="{3935A46C-E062-4151-BCBD-56617280633D}" type="presParOf" srcId="{70E9962D-05C5-4F85-A473-03B50B9C6416}" destId="{DE65B54D-BB89-4898-B770-68834B90CB27}" srcOrd="1" destOrd="0" presId="urn:microsoft.com/office/officeart/2005/8/layout/hList1"/>
@@ -2995,571 +2787,7 @@
   <dgm:whole/>
   <dgm:extLst>
     <a:ext uri="http://schemas.microsoft.com/office/drawing/2008/diagram">
-      <dsp:dataModelExt xmlns:dsp="http://schemas.microsoft.com/office/drawing/2008/diagram" relId="rId7" minVer="http://schemas.openxmlformats.org/drawingml/2006/diagram"/>
-    </a:ext>
-  </dgm:extLst>
-</dgm:dataModel>
-</file>
-
-<file path=ppt/diagrams/data2.xml><?xml version="1.0" encoding="utf-8"?>
-<dgm:dataModel xmlns:dgm="http://schemas.openxmlformats.org/drawingml/2006/diagram" xmlns:a="http://schemas.openxmlformats.org/drawingml/2006/main">
-  <dgm:ptLst>
-    <dgm:pt modelId="{25AFBC85-EE41-46FB-A7F4-99ED4084C835}" type="doc">
-      <dgm:prSet loTypeId="urn:microsoft.com/office/officeart/2008/layout/TitlePictureLineup" loCatId="picture" qsTypeId="urn:microsoft.com/office/officeart/2005/8/quickstyle/simple1" qsCatId="simple" csTypeId="urn:microsoft.com/office/officeart/2005/8/colors/accent1_2" csCatId="accent1" phldr="1"/>
-      <dgm:spPr/>
-      <dgm:t>
-        <a:bodyPr/>
-        <a:lstStyle/>
-        <a:p>
-          <a:endParaRPr lang="en-US"/>
-        </a:p>
-      </dgm:t>
-    </dgm:pt>
-    <dgm:pt modelId="{A518A75D-9854-4CDE-9FB7-B1EBB324AAED}">
-      <dgm:prSet phldrT="[Text]"/>
-      <dgm:spPr/>
-      <dgm:t>
-        <a:bodyPr/>
-        <a:lstStyle/>
-        <a:p>
-          <a:r>
-            <a:rPr lang="en-US" dirty="0"/>
-            <a:t>Step 1</a:t>
-          </a:r>
-        </a:p>
-      </dgm:t>
-    </dgm:pt>
-    <dgm:pt modelId="{8A2D5E86-42BC-415B-A1DE-0C28EEB3661C}" type="parTrans" cxnId="{E5053C00-76EC-4519-ABF3-0ACDA95BE163}">
-      <dgm:prSet/>
-      <dgm:spPr/>
-      <dgm:t>
-        <a:bodyPr/>
-        <a:lstStyle/>
-        <a:p>
-          <a:endParaRPr lang="en-US"/>
-        </a:p>
-      </dgm:t>
-    </dgm:pt>
-    <dgm:pt modelId="{FF440F30-5F7D-44F0-8264-C65521A11F0C}" type="sibTrans" cxnId="{E5053C00-76EC-4519-ABF3-0ACDA95BE163}">
-      <dgm:prSet/>
-      <dgm:spPr/>
-      <dgm:t>
-        <a:bodyPr/>
-        <a:lstStyle/>
-        <a:p>
-          <a:endParaRPr lang="en-US"/>
-        </a:p>
-      </dgm:t>
-    </dgm:pt>
-    <dgm:pt modelId="{48328429-D21F-4CF6-9089-EE3F5F57F2AC}">
-      <dgm:prSet phldrT="[Text]"/>
-      <dgm:spPr/>
-      <dgm:t>
-        <a:bodyPr/>
-        <a:lstStyle/>
-        <a:p>
-          <a:r>
-            <a:rPr lang="en-US" dirty="0"/>
-            <a:t>Describe this step in your experiment</a:t>
-          </a:r>
-        </a:p>
-      </dgm:t>
-    </dgm:pt>
-    <dgm:pt modelId="{1635AB15-42A4-42D6-9F2B-33788AD7A83B}" type="parTrans" cxnId="{B7AA9BCE-D649-4F1B-B108-93466D2481F6}">
-      <dgm:prSet/>
-      <dgm:spPr/>
-      <dgm:t>
-        <a:bodyPr/>
-        <a:lstStyle/>
-        <a:p>
-          <a:endParaRPr lang="en-US"/>
-        </a:p>
-      </dgm:t>
-    </dgm:pt>
-    <dgm:pt modelId="{C822654F-BF62-47E3-96FD-AE4B604B788B}" type="sibTrans" cxnId="{B7AA9BCE-D649-4F1B-B108-93466D2481F6}">
-      <dgm:prSet/>
-      <dgm:spPr/>
-      <dgm:t>
-        <a:bodyPr/>
-        <a:lstStyle/>
-        <a:p>
-          <a:endParaRPr lang="en-US"/>
-        </a:p>
-      </dgm:t>
-    </dgm:pt>
-    <dgm:pt modelId="{25AF84C7-6ED7-450C-83EA-4337CE735A70}">
-      <dgm:prSet phldrT="[Text]"/>
-      <dgm:spPr/>
-      <dgm:t>
-        <a:bodyPr/>
-        <a:lstStyle/>
-        <a:p>
-          <a:r>
-            <a:rPr lang="en-US" dirty="0"/>
-            <a:t>Step 2</a:t>
-          </a:r>
-        </a:p>
-      </dgm:t>
-    </dgm:pt>
-    <dgm:pt modelId="{33168ED3-1516-4DE0-87C6-D0BBEBB68307}" type="parTrans" cxnId="{447AF68F-5153-4E01-A5A1-8D3A25A73007}">
-      <dgm:prSet/>
-      <dgm:spPr/>
-      <dgm:t>
-        <a:bodyPr/>
-        <a:lstStyle/>
-        <a:p>
-          <a:endParaRPr lang="en-US"/>
-        </a:p>
-      </dgm:t>
-    </dgm:pt>
-    <dgm:pt modelId="{2562C856-622C-43A4-99D0-A7FF0C835EBA}" type="sibTrans" cxnId="{447AF68F-5153-4E01-A5A1-8D3A25A73007}">
-      <dgm:prSet/>
-      <dgm:spPr/>
-      <dgm:t>
-        <a:bodyPr/>
-        <a:lstStyle/>
-        <a:p>
-          <a:endParaRPr lang="en-US"/>
-        </a:p>
-      </dgm:t>
-    </dgm:pt>
-    <dgm:pt modelId="{300FCD3E-1ADF-4D8E-8B7F-C23D248E5AA3}">
-      <dgm:prSet phldrT="[Text]"/>
-      <dgm:spPr/>
-      <dgm:t>
-        <a:bodyPr/>
-        <a:lstStyle/>
-        <a:p>
-          <a:r>
-            <a:rPr lang="en-US"/>
-            <a:t>Describe this step in your experiment</a:t>
-          </a:r>
-          <a:endParaRPr lang="en-US" dirty="0"/>
-        </a:p>
-      </dgm:t>
-    </dgm:pt>
-    <dgm:pt modelId="{BC272908-DB90-4FCA-8784-0CA7E6A97E8F}" type="parTrans" cxnId="{4B471AE2-396E-4C5C-9110-4123DA6DCE53}">
-      <dgm:prSet/>
-      <dgm:spPr/>
-      <dgm:t>
-        <a:bodyPr/>
-        <a:lstStyle/>
-        <a:p>
-          <a:endParaRPr lang="en-US"/>
-        </a:p>
-      </dgm:t>
-    </dgm:pt>
-    <dgm:pt modelId="{4A78B380-1F85-4365-BF1F-0BD8AD7C8590}" type="sibTrans" cxnId="{4B471AE2-396E-4C5C-9110-4123DA6DCE53}">
-      <dgm:prSet/>
-      <dgm:spPr/>
-      <dgm:t>
-        <a:bodyPr/>
-        <a:lstStyle/>
-        <a:p>
-          <a:endParaRPr lang="en-US"/>
-        </a:p>
-      </dgm:t>
-    </dgm:pt>
-    <dgm:pt modelId="{0F8DBA57-A3BA-4BC9-A853-67B71E3B3531}">
-      <dgm:prSet phldrT="[Text]"/>
-      <dgm:spPr/>
-      <dgm:t>
-        <a:bodyPr/>
-        <a:lstStyle/>
-        <a:p>
-          <a:r>
-            <a:rPr lang="en-US" dirty="0"/>
-            <a:t>Step 3</a:t>
-          </a:r>
-        </a:p>
-      </dgm:t>
-    </dgm:pt>
-    <dgm:pt modelId="{99BB5F99-B845-4128-856A-D40FE489F4C0}" type="parTrans" cxnId="{81AE50C2-F587-470B-86FC-B5A28EFEE1BC}">
-      <dgm:prSet/>
-      <dgm:spPr/>
-      <dgm:t>
-        <a:bodyPr/>
-        <a:lstStyle/>
-        <a:p>
-          <a:endParaRPr lang="en-US"/>
-        </a:p>
-      </dgm:t>
-    </dgm:pt>
-    <dgm:pt modelId="{CD82CFE7-3793-47B0-8B52-9C19EDB40EDE}" type="sibTrans" cxnId="{81AE50C2-F587-470B-86FC-B5A28EFEE1BC}">
-      <dgm:prSet/>
-      <dgm:spPr/>
-      <dgm:t>
-        <a:bodyPr/>
-        <a:lstStyle/>
-        <a:p>
-          <a:endParaRPr lang="en-US"/>
-        </a:p>
-      </dgm:t>
-    </dgm:pt>
-    <dgm:pt modelId="{D0989AE5-C818-44D5-8AE6-32DEAF6F46CC}">
-      <dgm:prSet phldrT="[Text]"/>
-      <dgm:spPr/>
-      <dgm:t>
-        <a:bodyPr/>
-        <a:lstStyle/>
-        <a:p>
-          <a:r>
-            <a:rPr lang="en-US" dirty="0"/>
-            <a:t>Describe this step in your experiment</a:t>
-          </a:r>
-        </a:p>
-      </dgm:t>
-    </dgm:pt>
-    <dgm:pt modelId="{5116A57A-5F5C-441B-8E98-72FC83223934}" type="parTrans" cxnId="{0990249C-5F83-4AC6-BBDE-76609E41C3B7}">
-      <dgm:prSet/>
-      <dgm:spPr/>
-      <dgm:t>
-        <a:bodyPr/>
-        <a:lstStyle/>
-        <a:p>
-          <a:endParaRPr lang="en-US"/>
-        </a:p>
-      </dgm:t>
-    </dgm:pt>
-    <dgm:pt modelId="{0B13468D-FE4E-4A8A-A598-8159F0C900A0}" type="sibTrans" cxnId="{0990249C-5F83-4AC6-BBDE-76609E41C3B7}">
-      <dgm:prSet/>
-      <dgm:spPr/>
-      <dgm:t>
-        <a:bodyPr/>
-        <a:lstStyle/>
-        <a:p>
-          <a:endParaRPr lang="en-US"/>
-        </a:p>
-      </dgm:t>
-    </dgm:pt>
-    <dgm:pt modelId="{677FC8B7-2875-43E9-9CDF-1CB72AAB0D0E}">
-      <dgm:prSet phldrT="[Text]"/>
-      <dgm:spPr/>
-      <dgm:t>
-        <a:bodyPr/>
-        <a:lstStyle/>
-        <a:p>
-          <a:r>
-            <a:rPr lang="en-US" dirty="0"/>
-            <a:t>Step 4</a:t>
-          </a:r>
-        </a:p>
-      </dgm:t>
-    </dgm:pt>
-    <dgm:pt modelId="{135D044B-CF2D-4837-B65C-369AE7EBF5F6}" type="parTrans" cxnId="{97DC5797-804D-44AB-A7F2-9EB61CACB1D5}">
-      <dgm:prSet/>
-      <dgm:spPr/>
-      <dgm:t>
-        <a:bodyPr/>
-        <a:lstStyle/>
-        <a:p>
-          <a:endParaRPr lang="en-US"/>
-        </a:p>
-      </dgm:t>
-    </dgm:pt>
-    <dgm:pt modelId="{76FCE978-AC8C-47A4-866D-929EE0B68914}" type="sibTrans" cxnId="{97DC5797-804D-44AB-A7F2-9EB61CACB1D5}">
-      <dgm:prSet/>
-      <dgm:spPr/>
-      <dgm:t>
-        <a:bodyPr/>
-        <a:lstStyle/>
-        <a:p>
-          <a:endParaRPr lang="en-US"/>
-        </a:p>
-      </dgm:t>
-    </dgm:pt>
-    <dgm:pt modelId="{A9B56225-2ADD-49DA-81AC-70F2AF1C4A96}">
-      <dgm:prSet phldrT="[Text]"/>
-      <dgm:spPr/>
-      <dgm:t>
-        <a:bodyPr/>
-        <a:lstStyle/>
-        <a:p>
-          <a:r>
-            <a:rPr lang="en-US" dirty="0"/>
-            <a:t>Describe this step in your experiment</a:t>
-          </a:r>
-        </a:p>
-      </dgm:t>
-    </dgm:pt>
-    <dgm:pt modelId="{0BDA5908-E6FD-4F09-9B29-F0DA4C25A334}" type="parTrans" cxnId="{21B7AB36-1C2E-4E8E-BAFE-E7BF013A0E25}">
-      <dgm:prSet/>
-      <dgm:spPr/>
-      <dgm:t>
-        <a:bodyPr/>
-        <a:lstStyle/>
-        <a:p>
-          <a:endParaRPr lang="en-US"/>
-        </a:p>
-      </dgm:t>
-    </dgm:pt>
-    <dgm:pt modelId="{430BF9A0-6AC4-4B0D-A7AB-5C13328C2783}" type="sibTrans" cxnId="{21B7AB36-1C2E-4E8E-BAFE-E7BF013A0E25}">
-      <dgm:prSet/>
-      <dgm:spPr/>
-      <dgm:t>
-        <a:bodyPr/>
-        <a:lstStyle/>
-        <a:p>
-          <a:endParaRPr lang="en-US"/>
-        </a:p>
-      </dgm:t>
-    </dgm:pt>
-    <dgm:pt modelId="{8C6E4A05-D928-421F-BB35-AB0FFEB0B7C4}" type="pres">
-      <dgm:prSet presAssocID="{25AFBC85-EE41-46FB-A7F4-99ED4084C835}" presName="Name0" presStyleCnt="0">
-        <dgm:presLayoutVars>
-          <dgm:dir/>
-        </dgm:presLayoutVars>
-      </dgm:prSet>
-      <dgm:spPr/>
-    </dgm:pt>
-    <dgm:pt modelId="{8C8EDC2C-400F-4A87-B348-71B90CDC58F1}" type="pres">
-      <dgm:prSet presAssocID="{A518A75D-9854-4CDE-9FB7-B1EBB324AAED}" presName="composite" presStyleCnt="0"/>
-      <dgm:spPr/>
-    </dgm:pt>
-    <dgm:pt modelId="{53B4FA82-603E-4EDB-90A9-1DA699C2C901}" type="pres">
-      <dgm:prSet presAssocID="{A518A75D-9854-4CDE-9FB7-B1EBB324AAED}" presName="Accent" presStyleLbl="alignAcc1" presStyleIdx="0" presStyleCnt="4"/>
-      <dgm:spPr/>
-    </dgm:pt>
-    <dgm:pt modelId="{48475A52-D924-4818-BEE8-D250047D6B3F}" type="pres">
-      <dgm:prSet presAssocID="{A518A75D-9854-4CDE-9FB7-B1EBB324AAED}" presName="Image" presStyleLbl="node1" presStyleIdx="0" presStyleCnt="4"/>
-      <dgm:spPr>
-        <a:blipFill>
-          <a:blip xmlns:r="http://schemas.openxmlformats.org/officeDocument/2006/relationships" r:embed="rId1" cstate="print">
-            <a:extLst>
-              <a:ext uri="{28A0092B-C50C-407E-A947-70E740481C1C}">
-                <a14:useLocalDpi xmlns:a14="http://schemas.microsoft.com/office/drawing/2010/main" val="0"/>
-              </a:ext>
-            </a:extLst>
-          </a:blip>
-          <a:srcRect/>
-          <a:stretch>
-            <a:fillRect/>
-          </a:stretch>
-        </a:blipFill>
-      </dgm:spPr>
-      <dgm:extLst>
-        <a:ext uri="{E40237B7-FDA0-4F09-8148-C483321AD2D9}">
-          <dgm14:cNvPr xmlns:dgm14="http://schemas.microsoft.com/office/drawing/2010/diagram" id="0" name="" descr="Stack of file folders and papers with pen on top." title="Sample Picture"/>
-        </a:ext>
-      </dgm:extLst>
-    </dgm:pt>
-    <dgm:pt modelId="{5ABBC393-AD16-4772-8402-4ABCB8683B4E}" type="pres">
-      <dgm:prSet presAssocID="{A518A75D-9854-4CDE-9FB7-B1EBB324AAED}" presName="Child" presStyleLbl="revTx" presStyleIdx="0" presStyleCnt="4">
-        <dgm:presLayoutVars>
-          <dgm:bulletEnabled val="1"/>
-        </dgm:presLayoutVars>
-      </dgm:prSet>
-      <dgm:spPr/>
-    </dgm:pt>
-    <dgm:pt modelId="{770E20EC-6929-4A45-99D5-285545E37892}" type="pres">
-      <dgm:prSet presAssocID="{A518A75D-9854-4CDE-9FB7-B1EBB324AAED}" presName="Parent" presStyleLbl="alignNode1" presStyleIdx="0" presStyleCnt="4">
-        <dgm:presLayoutVars>
-          <dgm:bulletEnabled val="1"/>
-        </dgm:presLayoutVars>
-      </dgm:prSet>
-      <dgm:spPr/>
-    </dgm:pt>
-    <dgm:pt modelId="{F445107B-3E02-430C-9039-D2AE418B235A}" type="pres">
-      <dgm:prSet presAssocID="{FF440F30-5F7D-44F0-8264-C65521A11F0C}" presName="sibTrans" presStyleCnt="0"/>
-      <dgm:spPr/>
-    </dgm:pt>
-    <dgm:pt modelId="{4F88CED5-DAB2-486C-AD16-C2CB6913B61B}" type="pres">
-      <dgm:prSet presAssocID="{25AF84C7-6ED7-450C-83EA-4337CE735A70}" presName="composite" presStyleCnt="0"/>
-      <dgm:spPr/>
-    </dgm:pt>
-    <dgm:pt modelId="{6806A88B-ACCD-4689-BA2C-F1412EF73B42}" type="pres">
-      <dgm:prSet presAssocID="{25AF84C7-6ED7-450C-83EA-4337CE735A70}" presName="Accent" presStyleLbl="alignAcc1" presStyleIdx="1" presStyleCnt="4"/>
-      <dgm:spPr/>
-    </dgm:pt>
-    <dgm:pt modelId="{6D3BA09B-A748-477B-98A1-FEDE95925694}" type="pres">
-      <dgm:prSet presAssocID="{25AF84C7-6ED7-450C-83EA-4337CE735A70}" presName="Image" presStyleLbl="node1" presStyleIdx="1" presStyleCnt="4"/>
-      <dgm:spPr>
-        <a:blipFill>
-          <a:blip xmlns:r="http://schemas.openxmlformats.org/officeDocument/2006/relationships" r:embed="rId2" cstate="print">
-            <a:extLst>
-              <a:ext uri="{28A0092B-C50C-407E-A947-70E740481C1C}">
-                <a14:useLocalDpi xmlns:a14="http://schemas.microsoft.com/office/drawing/2010/main" val="0"/>
-              </a:ext>
-            </a:extLst>
-          </a:blip>
-          <a:srcRect/>
-          <a:stretch>
-            <a:fillRect/>
-          </a:stretch>
-        </a:blipFill>
-      </dgm:spPr>
-      <dgm:extLst>
-        <a:ext uri="{E40237B7-FDA0-4F09-8148-C483321AD2D9}">
-          <dgm14:cNvPr xmlns:dgm14="http://schemas.microsoft.com/office/drawing/2010/diagram" id="0" name="" descr="Four people having a discussion in office with large windows." title="Sample Picture"/>
-        </a:ext>
-      </dgm:extLst>
-    </dgm:pt>
-    <dgm:pt modelId="{A0810939-5D65-4F5C-894F-F86C706A7A1C}" type="pres">
-      <dgm:prSet presAssocID="{25AF84C7-6ED7-450C-83EA-4337CE735A70}" presName="Child" presStyleLbl="revTx" presStyleIdx="1" presStyleCnt="4">
-        <dgm:presLayoutVars>
-          <dgm:bulletEnabled val="1"/>
-        </dgm:presLayoutVars>
-      </dgm:prSet>
-      <dgm:spPr/>
-    </dgm:pt>
-    <dgm:pt modelId="{16EEE8E2-3D18-44F6-B04A-3D59841E4FA8}" type="pres">
-      <dgm:prSet presAssocID="{25AF84C7-6ED7-450C-83EA-4337CE735A70}" presName="Parent" presStyleLbl="alignNode1" presStyleIdx="1" presStyleCnt="4">
-        <dgm:presLayoutVars>
-          <dgm:bulletEnabled val="1"/>
-        </dgm:presLayoutVars>
-      </dgm:prSet>
-      <dgm:spPr/>
-    </dgm:pt>
-    <dgm:pt modelId="{BC140B48-2181-4811-AF91-223867D0738E}" type="pres">
-      <dgm:prSet presAssocID="{2562C856-622C-43A4-99D0-A7FF0C835EBA}" presName="sibTrans" presStyleCnt="0"/>
-      <dgm:spPr/>
-    </dgm:pt>
-    <dgm:pt modelId="{57293698-40AD-44C8-9B60-0D0C4FC11960}" type="pres">
-      <dgm:prSet presAssocID="{0F8DBA57-A3BA-4BC9-A853-67B71E3B3531}" presName="composite" presStyleCnt="0"/>
-      <dgm:spPr/>
-    </dgm:pt>
-    <dgm:pt modelId="{7F77031C-84AF-49FA-B2E3-6B22E2F49F2B}" type="pres">
-      <dgm:prSet presAssocID="{0F8DBA57-A3BA-4BC9-A853-67B71E3B3531}" presName="Accent" presStyleLbl="alignAcc1" presStyleIdx="2" presStyleCnt="4"/>
-      <dgm:spPr/>
-    </dgm:pt>
-    <dgm:pt modelId="{6FDEA8A3-BC3B-493E-88CC-A57435CCDC96}" type="pres">
-      <dgm:prSet presAssocID="{0F8DBA57-A3BA-4BC9-A853-67B71E3B3531}" presName="Image" presStyleLbl="node1" presStyleIdx="2" presStyleCnt="4"/>
-      <dgm:spPr>
-        <a:blipFill>
-          <a:blip xmlns:r="http://schemas.openxmlformats.org/officeDocument/2006/relationships" r:embed="rId3" cstate="print">
-            <a:extLst>
-              <a:ext uri="{28A0092B-C50C-407E-A947-70E740481C1C}">
-                <a14:useLocalDpi xmlns:a14="http://schemas.microsoft.com/office/drawing/2010/main" val="0"/>
-              </a:ext>
-            </a:extLst>
-          </a:blip>
-          <a:srcRect/>
-          <a:stretch>
-            <a:fillRect/>
-          </a:stretch>
-        </a:blipFill>
-      </dgm:spPr>
-      <dgm:extLst>
-        <a:ext uri="{E40237B7-FDA0-4F09-8148-C483321AD2D9}">
-          <dgm14:cNvPr xmlns:dgm14="http://schemas.microsoft.com/office/drawing/2010/diagram" id="0" name="" descr="Close up of students studying in library." title="Sample Picture"/>
-        </a:ext>
-      </dgm:extLst>
-    </dgm:pt>
-    <dgm:pt modelId="{EBE06ADE-C892-44D3-AB90-0EE941CCA21D}" type="pres">
-      <dgm:prSet presAssocID="{0F8DBA57-A3BA-4BC9-A853-67B71E3B3531}" presName="Child" presStyleLbl="revTx" presStyleIdx="2" presStyleCnt="4">
-        <dgm:presLayoutVars>
-          <dgm:bulletEnabled val="1"/>
-        </dgm:presLayoutVars>
-      </dgm:prSet>
-      <dgm:spPr/>
-    </dgm:pt>
-    <dgm:pt modelId="{B3686B38-0C87-411A-9F82-923E333643FB}" type="pres">
-      <dgm:prSet presAssocID="{0F8DBA57-A3BA-4BC9-A853-67B71E3B3531}" presName="Parent" presStyleLbl="alignNode1" presStyleIdx="2" presStyleCnt="4">
-        <dgm:presLayoutVars>
-          <dgm:bulletEnabled val="1"/>
-        </dgm:presLayoutVars>
-      </dgm:prSet>
-      <dgm:spPr/>
-    </dgm:pt>
-    <dgm:pt modelId="{0A69584E-ED28-4A81-B130-0E9A2F565C94}" type="pres">
-      <dgm:prSet presAssocID="{CD82CFE7-3793-47B0-8B52-9C19EDB40EDE}" presName="sibTrans" presStyleCnt="0"/>
-      <dgm:spPr/>
-    </dgm:pt>
-    <dgm:pt modelId="{CCF11A6E-F586-4910-8C44-1AE6AD4ECC02}" type="pres">
-      <dgm:prSet presAssocID="{677FC8B7-2875-43E9-9CDF-1CB72AAB0D0E}" presName="composite" presStyleCnt="0"/>
-      <dgm:spPr/>
-    </dgm:pt>
-    <dgm:pt modelId="{87ACD694-36F9-4193-A8FE-573DA345BCA3}" type="pres">
-      <dgm:prSet presAssocID="{677FC8B7-2875-43E9-9CDF-1CB72AAB0D0E}" presName="Accent" presStyleLbl="alignAcc1" presStyleIdx="3" presStyleCnt="4"/>
-      <dgm:spPr/>
-    </dgm:pt>
-    <dgm:pt modelId="{D5EF084B-0048-459A-9001-2451F5192F25}" type="pres">
-      <dgm:prSet presAssocID="{677FC8B7-2875-43E9-9CDF-1CB72AAB0D0E}" presName="Image" presStyleLbl="node1" presStyleIdx="3" presStyleCnt="4"/>
-      <dgm:spPr>
-        <a:blipFill>
-          <a:blip xmlns:r="http://schemas.openxmlformats.org/officeDocument/2006/relationships" r:embed="rId4" cstate="print">
-            <a:extLst>
-              <a:ext uri="{28A0092B-C50C-407E-A947-70E740481C1C}">
-                <a14:useLocalDpi xmlns:a14="http://schemas.microsoft.com/office/drawing/2010/main" val="0"/>
-              </a:ext>
-            </a:extLst>
-          </a:blip>
-          <a:srcRect/>
-          <a:stretch>
-            <a:fillRect/>
-          </a:stretch>
-        </a:blipFill>
-      </dgm:spPr>
-      <dgm:extLst>
-        <a:ext uri="{E40237B7-FDA0-4F09-8148-C483321AD2D9}">
-          <dgm14:cNvPr xmlns:dgm14="http://schemas.microsoft.com/office/drawing/2010/diagram" id="0" name="" descr="Closeup of gloved hand picking up a glass beaker." title="Sample Picture"/>
-        </a:ext>
-      </dgm:extLst>
-    </dgm:pt>
-    <dgm:pt modelId="{2A1C86DE-9AB9-421D-8408-47DA191A0168}" type="pres">
-      <dgm:prSet presAssocID="{677FC8B7-2875-43E9-9CDF-1CB72AAB0D0E}" presName="Child" presStyleLbl="revTx" presStyleIdx="3" presStyleCnt="4">
-        <dgm:presLayoutVars>
-          <dgm:bulletEnabled val="1"/>
-        </dgm:presLayoutVars>
-      </dgm:prSet>
-      <dgm:spPr/>
-    </dgm:pt>
-    <dgm:pt modelId="{4E89074A-DD45-4C30-BE68-0847302086FD}" type="pres">
-      <dgm:prSet presAssocID="{677FC8B7-2875-43E9-9CDF-1CB72AAB0D0E}" presName="Parent" presStyleLbl="alignNode1" presStyleIdx="3" presStyleCnt="4">
-        <dgm:presLayoutVars>
-          <dgm:bulletEnabled val="1"/>
-        </dgm:presLayoutVars>
-      </dgm:prSet>
-      <dgm:spPr/>
-    </dgm:pt>
-  </dgm:ptLst>
-  <dgm:cxnLst>
-    <dgm:cxn modelId="{E5053C00-76EC-4519-ABF3-0ACDA95BE163}" srcId="{25AFBC85-EE41-46FB-A7F4-99ED4084C835}" destId="{A518A75D-9854-4CDE-9FB7-B1EBB324AAED}" srcOrd="0" destOrd="0" parTransId="{8A2D5E86-42BC-415B-A1DE-0C28EEB3661C}" sibTransId="{FF440F30-5F7D-44F0-8264-C65521A11F0C}"/>
-    <dgm:cxn modelId="{4A4ADF06-6D3D-43CF-9662-53E434EE742F}" type="presOf" srcId="{25AF84C7-6ED7-450C-83EA-4337CE735A70}" destId="{16EEE8E2-3D18-44F6-B04A-3D59841E4FA8}" srcOrd="0" destOrd="0" presId="urn:microsoft.com/office/officeart/2008/layout/TitlePictureLineup"/>
-    <dgm:cxn modelId="{B724B512-D13F-42E5-8E9D-6F0A3CE544D8}" type="presOf" srcId="{48328429-D21F-4CF6-9089-EE3F5F57F2AC}" destId="{5ABBC393-AD16-4772-8402-4ABCB8683B4E}" srcOrd="0" destOrd="0" presId="urn:microsoft.com/office/officeart/2008/layout/TitlePictureLineup"/>
-    <dgm:cxn modelId="{E003B334-5224-4D62-B853-FA481A6CA493}" type="presOf" srcId="{A9B56225-2ADD-49DA-81AC-70F2AF1C4A96}" destId="{2A1C86DE-9AB9-421D-8408-47DA191A0168}" srcOrd="0" destOrd="0" presId="urn:microsoft.com/office/officeart/2008/layout/TitlePictureLineup"/>
-    <dgm:cxn modelId="{21B7AB36-1C2E-4E8E-BAFE-E7BF013A0E25}" srcId="{677FC8B7-2875-43E9-9CDF-1CB72AAB0D0E}" destId="{A9B56225-2ADD-49DA-81AC-70F2AF1C4A96}" srcOrd="0" destOrd="0" parTransId="{0BDA5908-E6FD-4F09-9B29-F0DA4C25A334}" sibTransId="{430BF9A0-6AC4-4B0D-A7AB-5C13328C2783}"/>
-    <dgm:cxn modelId="{951AB036-7A1D-4DCF-8595-B29E9F00F3BE}" type="presOf" srcId="{677FC8B7-2875-43E9-9CDF-1CB72AAB0D0E}" destId="{4E89074A-DD45-4C30-BE68-0847302086FD}" srcOrd="0" destOrd="0" presId="urn:microsoft.com/office/officeart/2008/layout/TitlePictureLineup"/>
-    <dgm:cxn modelId="{6A0A065E-D593-4F6E-BB02-BF63EE5BC407}" type="presOf" srcId="{25AFBC85-EE41-46FB-A7F4-99ED4084C835}" destId="{8C6E4A05-D928-421F-BB35-AB0FFEB0B7C4}" srcOrd="0" destOrd="0" presId="urn:microsoft.com/office/officeart/2008/layout/TitlePictureLineup"/>
-    <dgm:cxn modelId="{BC99CF63-34B5-4D4D-84B8-160D4C4D99B0}" type="presOf" srcId="{300FCD3E-1ADF-4D8E-8B7F-C23D248E5AA3}" destId="{A0810939-5D65-4F5C-894F-F86C706A7A1C}" srcOrd="0" destOrd="0" presId="urn:microsoft.com/office/officeart/2008/layout/TitlePictureLineup"/>
-    <dgm:cxn modelId="{9140734E-E639-4086-9B62-F9B15D8D45A9}" type="presOf" srcId="{D0989AE5-C818-44D5-8AE6-32DEAF6F46CC}" destId="{EBE06ADE-C892-44D3-AB90-0EE941CCA21D}" srcOrd="0" destOrd="0" presId="urn:microsoft.com/office/officeart/2008/layout/TitlePictureLineup"/>
-    <dgm:cxn modelId="{447AF68F-5153-4E01-A5A1-8D3A25A73007}" srcId="{25AFBC85-EE41-46FB-A7F4-99ED4084C835}" destId="{25AF84C7-6ED7-450C-83EA-4337CE735A70}" srcOrd="1" destOrd="0" parTransId="{33168ED3-1516-4DE0-87C6-D0BBEBB68307}" sibTransId="{2562C856-622C-43A4-99D0-A7FF0C835EBA}"/>
-    <dgm:cxn modelId="{97DC5797-804D-44AB-A7F2-9EB61CACB1D5}" srcId="{25AFBC85-EE41-46FB-A7F4-99ED4084C835}" destId="{677FC8B7-2875-43E9-9CDF-1CB72AAB0D0E}" srcOrd="3" destOrd="0" parTransId="{135D044B-CF2D-4837-B65C-369AE7EBF5F6}" sibTransId="{76FCE978-AC8C-47A4-866D-929EE0B68914}"/>
-    <dgm:cxn modelId="{0990249C-5F83-4AC6-BBDE-76609E41C3B7}" srcId="{0F8DBA57-A3BA-4BC9-A853-67B71E3B3531}" destId="{D0989AE5-C818-44D5-8AE6-32DEAF6F46CC}" srcOrd="0" destOrd="0" parTransId="{5116A57A-5F5C-441B-8E98-72FC83223934}" sibTransId="{0B13468D-FE4E-4A8A-A598-8159F0C900A0}"/>
-    <dgm:cxn modelId="{C84F12B6-3EE3-4557-A9DE-5ECD9E203BEF}" type="presOf" srcId="{0F8DBA57-A3BA-4BC9-A853-67B71E3B3531}" destId="{B3686B38-0C87-411A-9F82-923E333643FB}" srcOrd="0" destOrd="0" presId="urn:microsoft.com/office/officeart/2008/layout/TitlePictureLineup"/>
-    <dgm:cxn modelId="{81AE50C2-F587-470B-86FC-B5A28EFEE1BC}" srcId="{25AFBC85-EE41-46FB-A7F4-99ED4084C835}" destId="{0F8DBA57-A3BA-4BC9-A853-67B71E3B3531}" srcOrd="2" destOrd="0" parTransId="{99BB5F99-B845-4128-856A-D40FE489F4C0}" sibTransId="{CD82CFE7-3793-47B0-8B52-9C19EDB40EDE}"/>
-    <dgm:cxn modelId="{B7AA9BCE-D649-4F1B-B108-93466D2481F6}" srcId="{A518A75D-9854-4CDE-9FB7-B1EBB324AAED}" destId="{48328429-D21F-4CF6-9089-EE3F5F57F2AC}" srcOrd="0" destOrd="0" parTransId="{1635AB15-42A4-42D6-9F2B-33788AD7A83B}" sibTransId="{C822654F-BF62-47E3-96FD-AE4B604B788B}"/>
-    <dgm:cxn modelId="{CA8B89D3-A3E5-41AB-9C8A-76BEC3920398}" type="presOf" srcId="{A518A75D-9854-4CDE-9FB7-B1EBB324AAED}" destId="{770E20EC-6929-4A45-99D5-285545E37892}" srcOrd="0" destOrd="0" presId="urn:microsoft.com/office/officeart/2008/layout/TitlePictureLineup"/>
-    <dgm:cxn modelId="{4B471AE2-396E-4C5C-9110-4123DA6DCE53}" srcId="{25AF84C7-6ED7-450C-83EA-4337CE735A70}" destId="{300FCD3E-1ADF-4D8E-8B7F-C23D248E5AA3}" srcOrd="0" destOrd="0" parTransId="{BC272908-DB90-4FCA-8784-0CA7E6A97E8F}" sibTransId="{4A78B380-1F85-4365-BF1F-0BD8AD7C8590}"/>
-    <dgm:cxn modelId="{B5657A53-F7C5-449A-A28C-ADB1BD95AFAD}" type="presParOf" srcId="{8C6E4A05-D928-421F-BB35-AB0FFEB0B7C4}" destId="{8C8EDC2C-400F-4A87-B348-71B90CDC58F1}" srcOrd="0" destOrd="0" presId="urn:microsoft.com/office/officeart/2008/layout/TitlePictureLineup"/>
-    <dgm:cxn modelId="{1C80C19B-C14E-453A-AD9B-0F519D412CCB}" type="presParOf" srcId="{8C8EDC2C-400F-4A87-B348-71B90CDC58F1}" destId="{53B4FA82-603E-4EDB-90A9-1DA699C2C901}" srcOrd="0" destOrd="0" presId="urn:microsoft.com/office/officeart/2008/layout/TitlePictureLineup"/>
-    <dgm:cxn modelId="{0D6A37DD-154A-4327-B4B3-2A50C24373F9}" type="presParOf" srcId="{8C8EDC2C-400F-4A87-B348-71B90CDC58F1}" destId="{48475A52-D924-4818-BEE8-D250047D6B3F}" srcOrd="1" destOrd="0" presId="urn:microsoft.com/office/officeart/2008/layout/TitlePictureLineup"/>
-    <dgm:cxn modelId="{1E1E856B-4E06-4DFA-AE7E-1819C16ECE23}" type="presParOf" srcId="{8C8EDC2C-400F-4A87-B348-71B90CDC58F1}" destId="{5ABBC393-AD16-4772-8402-4ABCB8683B4E}" srcOrd="2" destOrd="0" presId="urn:microsoft.com/office/officeart/2008/layout/TitlePictureLineup"/>
-    <dgm:cxn modelId="{94603CFF-6319-4F7E-9584-61D5B3C6CCE8}" type="presParOf" srcId="{8C8EDC2C-400F-4A87-B348-71B90CDC58F1}" destId="{770E20EC-6929-4A45-99D5-285545E37892}" srcOrd="3" destOrd="0" presId="urn:microsoft.com/office/officeart/2008/layout/TitlePictureLineup"/>
-    <dgm:cxn modelId="{118F0820-8E7E-4B51-9E59-DD8CD76FCF99}" type="presParOf" srcId="{8C6E4A05-D928-421F-BB35-AB0FFEB0B7C4}" destId="{F445107B-3E02-430C-9039-D2AE418B235A}" srcOrd="1" destOrd="0" presId="urn:microsoft.com/office/officeart/2008/layout/TitlePictureLineup"/>
-    <dgm:cxn modelId="{548A32D1-9AF9-45CD-8C7D-024637A7AB9D}" type="presParOf" srcId="{8C6E4A05-D928-421F-BB35-AB0FFEB0B7C4}" destId="{4F88CED5-DAB2-486C-AD16-C2CB6913B61B}" srcOrd="2" destOrd="0" presId="urn:microsoft.com/office/officeart/2008/layout/TitlePictureLineup"/>
-    <dgm:cxn modelId="{82A3BCF8-B055-4122-8F9F-3924F53D11F3}" type="presParOf" srcId="{4F88CED5-DAB2-486C-AD16-C2CB6913B61B}" destId="{6806A88B-ACCD-4689-BA2C-F1412EF73B42}" srcOrd="0" destOrd="0" presId="urn:microsoft.com/office/officeart/2008/layout/TitlePictureLineup"/>
-    <dgm:cxn modelId="{B468AC5D-6312-4CB3-A75C-4DD567095356}" type="presParOf" srcId="{4F88CED5-DAB2-486C-AD16-C2CB6913B61B}" destId="{6D3BA09B-A748-477B-98A1-FEDE95925694}" srcOrd="1" destOrd="0" presId="urn:microsoft.com/office/officeart/2008/layout/TitlePictureLineup"/>
-    <dgm:cxn modelId="{565D5817-8668-4194-8212-B5C1333A11D3}" type="presParOf" srcId="{4F88CED5-DAB2-486C-AD16-C2CB6913B61B}" destId="{A0810939-5D65-4F5C-894F-F86C706A7A1C}" srcOrd="2" destOrd="0" presId="urn:microsoft.com/office/officeart/2008/layout/TitlePictureLineup"/>
-    <dgm:cxn modelId="{588CC3A0-CAF9-4EC4-9804-E43CF7F6D4A8}" type="presParOf" srcId="{4F88CED5-DAB2-486C-AD16-C2CB6913B61B}" destId="{16EEE8E2-3D18-44F6-B04A-3D59841E4FA8}" srcOrd="3" destOrd="0" presId="urn:microsoft.com/office/officeart/2008/layout/TitlePictureLineup"/>
-    <dgm:cxn modelId="{174A4375-01F6-4B6C-BFAA-671ADF1C725A}" type="presParOf" srcId="{8C6E4A05-D928-421F-BB35-AB0FFEB0B7C4}" destId="{BC140B48-2181-4811-AF91-223867D0738E}" srcOrd="3" destOrd="0" presId="urn:microsoft.com/office/officeart/2008/layout/TitlePictureLineup"/>
-    <dgm:cxn modelId="{34978403-7B65-46B8-9090-6D3EF6659C85}" type="presParOf" srcId="{8C6E4A05-D928-421F-BB35-AB0FFEB0B7C4}" destId="{57293698-40AD-44C8-9B60-0D0C4FC11960}" srcOrd="4" destOrd="0" presId="urn:microsoft.com/office/officeart/2008/layout/TitlePictureLineup"/>
-    <dgm:cxn modelId="{5D836622-280E-4845-A659-9D33579C26AB}" type="presParOf" srcId="{57293698-40AD-44C8-9B60-0D0C4FC11960}" destId="{7F77031C-84AF-49FA-B2E3-6B22E2F49F2B}" srcOrd="0" destOrd="0" presId="urn:microsoft.com/office/officeart/2008/layout/TitlePictureLineup"/>
-    <dgm:cxn modelId="{1B177A82-D028-4DEB-802C-CC84A925EB5D}" type="presParOf" srcId="{57293698-40AD-44C8-9B60-0D0C4FC11960}" destId="{6FDEA8A3-BC3B-493E-88CC-A57435CCDC96}" srcOrd="1" destOrd="0" presId="urn:microsoft.com/office/officeart/2008/layout/TitlePictureLineup"/>
-    <dgm:cxn modelId="{C8378814-4562-48A5-B7DC-6589C729DB15}" type="presParOf" srcId="{57293698-40AD-44C8-9B60-0D0C4FC11960}" destId="{EBE06ADE-C892-44D3-AB90-0EE941CCA21D}" srcOrd="2" destOrd="0" presId="urn:microsoft.com/office/officeart/2008/layout/TitlePictureLineup"/>
-    <dgm:cxn modelId="{0D45383A-482B-44A0-B1A5-2DCB71105C09}" type="presParOf" srcId="{57293698-40AD-44C8-9B60-0D0C4FC11960}" destId="{B3686B38-0C87-411A-9F82-923E333643FB}" srcOrd="3" destOrd="0" presId="urn:microsoft.com/office/officeart/2008/layout/TitlePictureLineup"/>
-    <dgm:cxn modelId="{08204CAE-7BF2-4DAB-8015-F3F5ABE2F48B}" type="presParOf" srcId="{8C6E4A05-D928-421F-BB35-AB0FFEB0B7C4}" destId="{0A69584E-ED28-4A81-B130-0E9A2F565C94}" srcOrd="5" destOrd="0" presId="urn:microsoft.com/office/officeart/2008/layout/TitlePictureLineup"/>
-    <dgm:cxn modelId="{52EDB241-342E-464E-8400-02E1B331CB85}" type="presParOf" srcId="{8C6E4A05-D928-421F-BB35-AB0FFEB0B7C4}" destId="{CCF11A6E-F586-4910-8C44-1AE6AD4ECC02}" srcOrd="6" destOrd="0" presId="urn:microsoft.com/office/officeart/2008/layout/TitlePictureLineup"/>
-    <dgm:cxn modelId="{C38F45B8-687B-4411-8E6A-53A47B7D6176}" type="presParOf" srcId="{CCF11A6E-F586-4910-8C44-1AE6AD4ECC02}" destId="{87ACD694-36F9-4193-A8FE-573DA345BCA3}" srcOrd="0" destOrd="0" presId="urn:microsoft.com/office/officeart/2008/layout/TitlePictureLineup"/>
-    <dgm:cxn modelId="{897F451A-53DF-4B1E-9380-A027CBDC7541}" type="presParOf" srcId="{CCF11A6E-F586-4910-8C44-1AE6AD4ECC02}" destId="{D5EF084B-0048-459A-9001-2451F5192F25}" srcOrd="1" destOrd="0" presId="urn:microsoft.com/office/officeart/2008/layout/TitlePictureLineup"/>
-    <dgm:cxn modelId="{4180D4C8-36C2-4E1C-9F25-69BF37E8E673}" type="presParOf" srcId="{CCF11A6E-F586-4910-8C44-1AE6AD4ECC02}" destId="{2A1C86DE-9AB9-421D-8408-47DA191A0168}" srcOrd="2" destOrd="0" presId="urn:microsoft.com/office/officeart/2008/layout/TitlePictureLineup"/>
-    <dgm:cxn modelId="{9E1174A5-804B-4A57-89C9-AAA3D772EA69}" type="presParOf" srcId="{CCF11A6E-F586-4910-8C44-1AE6AD4ECC02}" destId="{4E89074A-DD45-4C30-BE68-0847302086FD}" srcOrd="3" destOrd="0" presId="urn:microsoft.com/office/officeart/2008/layout/TitlePictureLineup"/>
-  </dgm:cxnLst>
-  <dgm:bg/>
-  <dgm:whole/>
-  <dgm:extLst>
-    <a:ext uri="http://schemas.microsoft.com/office/drawing/2008/diagram">
-      <dsp:dataModelExt xmlns:dsp="http://schemas.microsoft.com/office/drawing/2008/diagram" relId="rId12" minVer="http://schemas.openxmlformats.org/drawingml/2006/diagram"/>
+      <dsp:dataModelExt xmlns:dsp="http://schemas.microsoft.com/office/drawing/2008/diagram" relId="rId14" minVer="http://schemas.openxmlformats.org/drawingml/2006/diagram"/>
     </a:ext>
   </dgm:extLst>
 </dgm:dataModel>
@@ -3580,8 +2808,8 @@
       </dsp:nvSpPr>
       <dsp:spPr>
         <a:xfrm>
-          <a:off x="3679" y="943385"/>
-          <a:ext cx="3587297" cy="1434918"/>
+          <a:off x="57" y="982579"/>
+          <a:ext cx="5501672" cy="1872000"/>
         </a:xfrm>
         <a:prstGeom prst="rect">
           <a:avLst/>
@@ -3642,13 +2870,13 @@
           </a:pPr>
           <a:r>
             <a:rPr lang="en-US" sz="2800" kern="1200" dirty="0"/>
-            <a:t>Controlled variables</a:t>
+            <a:t>CIFAR-10</a:t>
           </a:r>
         </a:p>
       </dsp:txBody>
       <dsp:txXfrm>
-        <a:off x="3679" y="943385"/>
-        <a:ext cx="3587297" cy="1434918"/>
+        <a:off x="57" y="982579"/>
+        <a:ext cx="5501672" cy="1872000"/>
       </dsp:txXfrm>
     </dsp:sp>
     <dsp:sp modelId="{DE65B54D-BB89-4898-B770-68834B90CB27}">
@@ -3658,8 +2886,8 @@
       </dsp:nvSpPr>
       <dsp:spPr>
         <a:xfrm>
-          <a:off x="3679" y="2378303"/>
-          <a:ext cx="3587297" cy="3390074"/>
+          <a:off x="57" y="2864482"/>
+          <a:ext cx="5501672" cy="2854800"/>
         </a:xfrm>
         <a:prstGeom prst="rect">
           <a:avLst/>
@@ -3722,13 +2950,67 @@
           </a:pPr>
           <a:r>
             <a:rPr lang="en-US" sz="2800" kern="1200" dirty="0"/>
-            <a:t>These are kept the same throughout your experiments</a:t>
+            <a:t>10 Classes</a:t>
+          </a:r>
+        </a:p>
+        <a:p>
+          <a:pPr marL="285750" lvl="1" indent="-285750" algn="l" defTabSz="1244600">
+            <a:lnSpc>
+              <a:spcPct val="90000"/>
+            </a:lnSpc>
+            <a:spcBef>
+              <a:spcPct val="0"/>
+            </a:spcBef>
+            <a:spcAft>
+              <a:spcPct val="15000"/>
+            </a:spcAft>
+            <a:buChar char="•"/>
+          </a:pPr>
+          <a:r>
+            <a:rPr lang="en-US" sz="2800" kern="1200" dirty="0"/>
+            <a:t>32x32 Image Size</a:t>
+          </a:r>
+        </a:p>
+        <a:p>
+          <a:pPr marL="285750" lvl="1" indent="-285750" algn="l" defTabSz="1244600">
+            <a:lnSpc>
+              <a:spcPct val="90000"/>
+            </a:lnSpc>
+            <a:spcBef>
+              <a:spcPct val="0"/>
+            </a:spcBef>
+            <a:spcAft>
+              <a:spcPct val="15000"/>
+            </a:spcAft>
+            <a:buChar char="•"/>
+          </a:pPr>
+          <a:r>
+            <a:rPr lang="en-US" sz="2800" kern="1200" dirty="0"/>
+            <a:t>3 Color Channels</a:t>
+          </a:r>
+        </a:p>
+        <a:p>
+          <a:pPr marL="285750" lvl="1" indent="-285750" algn="l" defTabSz="1244600">
+            <a:lnSpc>
+              <a:spcPct val="90000"/>
+            </a:lnSpc>
+            <a:spcBef>
+              <a:spcPct val="0"/>
+            </a:spcBef>
+            <a:spcAft>
+              <a:spcPct val="15000"/>
+            </a:spcAft>
+            <a:buChar char="•"/>
+          </a:pPr>
+          <a:r>
+            <a:rPr lang="en-US" sz="2800" kern="1200" dirty="0"/>
+            <a:t>60,000 images</a:t>
           </a:r>
         </a:p>
       </dsp:txBody>
       <dsp:txXfrm>
-        <a:off x="3679" y="2378303"/>
-        <a:ext cx="3587297" cy="3390074"/>
+        <a:off x="57" y="2864482"/>
+        <a:ext cx="5501672" cy="2854800"/>
       </dsp:txXfrm>
     </dsp:sp>
     <dsp:sp modelId="{E01B3154-0666-4584-9FC4-432DE00CC402}">
@@ -3738,8 +3020,8 @@
       </dsp:nvSpPr>
       <dsp:spPr>
         <a:xfrm>
-          <a:off x="4093198" y="943385"/>
-          <a:ext cx="3587297" cy="1434918"/>
+          <a:off x="6271964" y="992481"/>
+          <a:ext cx="5501672" cy="1872000"/>
         </a:xfrm>
         <a:prstGeom prst="rect">
           <a:avLst/>
@@ -3800,13 +3082,13 @@
           </a:pPr>
           <a:r>
             <a:rPr lang="en-US" sz="2800" kern="1200" dirty="0"/>
-            <a:t>Independent variable</a:t>
+            <a:t>Fashion MNIST</a:t>
           </a:r>
         </a:p>
       </dsp:txBody>
       <dsp:txXfrm>
-        <a:off x="4093198" y="943385"/>
-        <a:ext cx="3587297" cy="1434918"/>
+        <a:off x="6271964" y="992481"/>
+        <a:ext cx="5501672" cy="1872000"/>
       </dsp:txXfrm>
     </dsp:sp>
     <dsp:sp modelId="{6EC96761-7A7E-46B1-9A31-B92F49834D5A}">
@@ -3816,8 +3098,8 @@
       </dsp:nvSpPr>
       <dsp:spPr>
         <a:xfrm>
-          <a:off x="4093198" y="2378303"/>
-          <a:ext cx="3587297" cy="3390074"/>
+          <a:off x="6271964" y="2864482"/>
+          <a:ext cx="5501672" cy="2854800"/>
         </a:xfrm>
         <a:prstGeom prst="rect">
           <a:avLst/>
@@ -3880,32 +3162,90 @@
           </a:pPr>
           <a:r>
             <a:rPr lang="en-US" sz="2800" kern="1200" dirty="0"/>
-            <a:t>The </a:t>
+            <a:t>10 Classes</a:t>
           </a:r>
-          <a:r>
-            <a:rPr lang="en-US" sz="2800" b="1" kern="1200" dirty="0"/>
-            <a:t>one</a:t>
-          </a:r>
+        </a:p>
+        <a:p>
+          <a:pPr marL="285750" lvl="1" indent="-285750" algn="l" defTabSz="1244600">
+            <a:lnSpc>
+              <a:spcPct val="90000"/>
+            </a:lnSpc>
+            <a:spcBef>
+              <a:spcPct val="0"/>
+            </a:spcBef>
+            <a:spcAft>
+              <a:spcPct val="15000"/>
+            </a:spcAft>
+            <a:buChar char="•"/>
+          </a:pPr>
           <a:r>
             <a:rPr lang="en-US" sz="2800" kern="1200" dirty="0"/>
-            <a:t> variable you purposely change and test</a:t>
+            <a:t>28x28 Image Size</a:t>
+          </a:r>
+        </a:p>
+        <a:p>
+          <a:pPr marL="285750" lvl="1" indent="-285750" algn="l" defTabSz="1244600">
+            <a:lnSpc>
+              <a:spcPct val="90000"/>
+            </a:lnSpc>
+            <a:spcBef>
+              <a:spcPct val="0"/>
+            </a:spcBef>
+            <a:spcAft>
+              <a:spcPct val="15000"/>
+            </a:spcAft>
+            <a:buChar char="•"/>
+          </a:pPr>
+          <a:r>
+            <a:rPr lang="en-US" sz="2800" kern="1200" dirty="0"/>
+            <a:t>Grayscale (1-Channel)</a:t>
+          </a:r>
+        </a:p>
+        <a:p>
+          <a:pPr marL="285750" lvl="1" indent="-285750" algn="l" defTabSz="1244600">
+            <a:lnSpc>
+              <a:spcPct val="90000"/>
+            </a:lnSpc>
+            <a:spcBef>
+              <a:spcPct val="0"/>
+            </a:spcBef>
+            <a:spcAft>
+              <a:spcPct val="15000"/>
+            </a:spcAft>
+            <a:buChar char="•"/>
+          </a:pPr>
+          <a:r>
+            <a:rPr lang="en-US" sz="2800" kern="1200" dirty="0"/>
+            <a:t>70,000 Images</a:t>
           </a:r>
         </a:p>
       </dsp:txBody>
       <dsp:txXfrm>
-        <a:off x="4093198" y="2378303"/>
-        <a:ext cx="3587297" cy="3390074"/>
+        <a:off x="6271964" y="2864482"/>
+        <a:ext cx="5501672" cy="2854800"/>
       </dsp:txXfrm>
     </dsp:sp>
-    <dsp:sp modelId="{64DD6D48-227C-4434-BED8-F49C9D4F4F7E}">
+  </dsp:spTree>
+</dsp:drawing>
+</file>
+
+<file path=ppt/diagrams/drawing2.xml><?xml version="1.0" encoding="utf-8"?>
+<dsp:drawing xmlns:dgm="http://schemas.openxmlformats.org/drawingml/2006/diagram" xmlns:dsp="http://schemas.microsoft.com/office/drawing/2008/diagram" xmlns:a="http://schemas.openxmlformats.org/drawingml/2006/main">
+  <dsp:spTree>
+    <dsp:nvGrpSpPr>
+      <dsp:cNvPr id="0" name=""/>
+      <dsp:cNvGrpSpPr/>
+    </dsp:nvGrpSpPr>
+    <dsp:grpSpPr/>
+    <dsp:sp modelId="{B8C15370-9E21-4343-A577-4985C41A0B6E}">
       <dsp:nvSpPr>
         <dsp:cNvPr id="0" name=""/>
         <dsp:cNvSpPr/>
       </dsp:nvSpPr>
       <dsp:spPr>
         <a:xfrm>
-          <a:off x="8182717" y="943385"/>
-          <a:ext cx="3587297" cy="1434918"/>
+          <a:off x="3901" y="595881"/>
+          <a:ext cx="3803749" cy="1521499"/>
         </a:xfrm>
         <a:prstGeom prst="rect">
           <a:avLst/>
@@ -3966,24 +3306,24 @@
           </a:pPr>
           <a:r>
             <a:rPr lang="en-US" sz="2800" kern="1200" dirty="0"/>
-            <a:t>Dependent variable</a:t>
+            <a:t>Convolutional Neural Network</a:t>
           </a:r>
         </a:p>
       </dsp:txBody>
       <dsp:txXfrm>
-        <a:off x="8182717" y="943385"/>
-        <a:ext cx="3587297" cy="1434918"/>
+        <a:off x="3901" y="595881"/>
+        <a:ext cx="3803749" cy="1521499"/>
       </dsp:txXfrm>
     </dsp:sp>
-    <dsp:sp modelId="{98860936-C475-4184-9A9D-2F4B5D8B0BC7}">
+    <dsp:sp modelId="{DE65B54D-BB89-4898-B770-68834B90CB27}">
       <dsp:nvSpPr>
         <dsp:cNvPr id="0" name=""/>
         <dsp:cNvSpPr/>
       </dsp:nvSpPr>
       <dsp:spPr>
         <a:xfrm>
-          <a:off x="8182717" y="2378303"/>
-          <a:ext cx="3587297" cy="3390074"/>
+          <a:off x="3901" y="2117381"/>
+          <a:ext cx="3803749" cy="4014562"/>
         </a:xfrm>
         <a:prstGeom prst="rect">
           <a:avLst/>
@@ -4046,7 +3386,7 @@
           </a:pPr>
           <a:r>
             <a:rPr lang="en-US" sz="2800" kern="1200" dirty="0"/>
-            <a:t>The measure of change observed because of independent variable</a:t>
+            <a:t>Batch Normalization</a:t>
           </a:r>
         </a:p>
         <a:p>
@@ -4064,169 +3404,11 @@
           </a:pPr>
           <a:r>
             <a:rPr lang="en-US" sz="2800" kern="1200" dirty="0"/>
-            <a:t>Decide how you will measure the change</a:t>
+            <a:t>4 Convolutional Layers:</a:t>
           </a:r>
         </a:p>
-      </dsp:txBody>
-      <dsp:txXfrm>
-        <a:off x="8182717" y="2378303"/>
-        <a:ext cx="3587297" cy="3390074"/>
-      </dsp:txXfrm>
-    </dsp:sp>
-  </dsp:spTree>
-</dsp:drawing>
-</file>
-
-<file path=ppt/diagrams/drawing2.xml><?xml version="1.0" encoding="utf-8"?>
-<dsp:drawing xmlns:dgm="http://schemas.openxmlformats.org/drawingml/2006/diagram" xmlns:dsp="http://schemas.microsoft.com/office/drawing/2008/diagram" xmlns:a="http://schemas.openxmlformats.org/drawingml/2006/main">
-  <dsp:spTree>
-    <dsp:nvGrpSpPr>
-      <dsp:cNvPr id="0" name=""/>
-      <dsp:cNvGrpSpPr/>
-    </dsp:nvGrpSpPr>
-    <dsp:grpSpPr/>
-    <dsp:sp modelId="{53B4FA82-603E-4EDB-90A9-1DA699C2C901}">
-      <dsp:nvSpPr>
-        <dsp:cNvPr id="0" name=""/>
-        <dsp:cNvSpPr/>
-      </dsp:nvSpPr>
-      <dsp:spPr>
-        <a:xfrm>
-          <a:off x="1863" y="1019745"/>
-          <a:ext cx="0" cy="4632145"/>
-        </a:xfrm>
-        <a:prstGeom prst="line">
-          <a:avLst/>
-        </a:prstGeom>
-        <a:solidFill>
-          <a:schemeClr val="lt1">
-            <a:alpha val="90000"/>
-            <a:hueOff val="0"/>
-            <a:satOff val="0"/>
-            <a:lumOff val="0"/>
-            <a:alphaOff val="0"/>
-          </a:schemeClr>
-        </a:solidFill>
-        <a:ln w="12700" cap="flat" cmpd="sng" algn="ctr">
-          <a:solidFill>
-            <a:schemeClr val="accent1">
-              <a:hueOff val="0"/>
-              <a:satOff val="0"/>
-              <a:lumOff val="0"/>
-              <a:alphaOff val="0"/>
-            </a:schemeClr>
-          </a:solidFill>
-          <a:prstDash val="solid"/>
-          <a:miter lim="800000"/>
-        </a:ln>
-        <a:effectLst/>
-      </dsp:spPr>
-      <dsp:style>
-        <a:lnRef idx="2">
-          <a:scrgbClr r="0" g="0" b="0"/>
-        </a:lnRef>
-        <a:fillRef idx="1">
-          <a:scrgbClr r="0" g="0" b="0"/>
-        </a:fillRef>
-        <a:effectRef idx="0">
-          <a:scrgbClr r="0" g="0" b="0"/>
-        </a:effectRef>
-        <a:fontRef idx="minor"/>
-      </dsp:style>
-    </dsp:sp>
-    <dsp:sp modelId="{48475A52-D924-4818-BEE8-D250047D6B3F}">
-      <dsp:nvSpPr>
-        <dsp:cNvPr id="0" name=""/>
-        <dsp:cNvSpPr/>
-      </dsp:nvSpPr>
-      <dsp:spPr>
-        <a:xfrm>
-          <a:off x="130534" y="1174150"/>
-          <a:ext cx="2436250" cy="2084465"/>
-        </a:xfrm>
-        <a:prstGeom prst="rect">
-          <a:avLst/>
-        </a:prstGeom>
-        <a:blipFill>
-          <a:blip xmlns:r="http://schemas.openxmlformats.org/officeDocument/2006/relationships" r:embed="rId1" cstate="print">
-            <a:extLst>
-              <a:ext uri="{28A0092B-C50C-407E-A947-70E740481C1C}">
-                <a14:useLocalDpi xmlns:a14="http://schemas.microsoft.com/office/drawing/2010/main" val="0"/>
-              </a:ext>
-            </a:extLst>
-          </a:blip>
-          <a:srcRect/>
-          <a:stretch>
-            <a:fillRect/>
-          </a:stretch>
-        </a:blipFill>
-        <a:ln w="12700" cap="flat" cmpd="sng" algn="ctr">
-          <a:solidFill>
-            <a:schemeClr val="lt1">
-              <a:hueOff val="0"/>
-              <a:satOff val="0"/>
-              <a:lumOff val="0"/>
-              <a:alphaOff val="0"/>
-            </a:schemeClr>
-          </a:solidFill>
-          <a:prstDash val="solid"/>
-          <a:miter lim="800000"/>
-        </a:ln>
-        <a:effectLst/>
-      </dsp:spPr>
-      <dsp:style>
-        <a:lnRef idx="2">
-          <a:scrgbClr r="0" g="0" b="0"/>
-        </a:lnRef>
-        <a:fillRef idx="1">
-          <a:scrgbClr r="0" g="0" b="0"/>
-        </a:fillRef>
-        <a:effectRef idx="0">
-          <a:scrgbClr r="0" g="0" b="0"/>
-        </a:effectRef>
-        <a:fontRef idx="minor">
-          <a:schemeClr val="lt1"/>
-        </a:fontRef>
-      </dsp:style>
-    </dsp:sp>
-    <dsp:sp modelId="{5ABBC393-AD16-4772-8402-4ABCB8683B4E}">
-      <dsp:nvSpPr>
-        <dsp:cNvPr id="0" name=""/>
-        <dsp:cNvSpPr/>
-      </dsp:nvSpPr>
-      <dsp:spPr>
-        <a:xfrm>
-          <a:off x="130534" y="3258615"/>
-          <a:ext cx="2436250" cy="2393274"/>
-        </a:xfrm>
-        <a:prstGeom prst="rect">
-          <a:avLst/>
-        </a:prstGeom>
-        <a:noFill/>
-        <a:ln>
-          <a:noFill/>
-        </a:ln>
-        <a:effectLst/>
-      </dsp:spPr>
-      <dsp:style>
-        <a:lnRef idx="0">
-          <a:scrgbClr r="0" g="0" b="0"/>
-        </a:lnRef>
-        <a:fillRef idx="0">
-          <a:scrgbClr r="0" g="0" b="0"/>
-        </a:fillRef>
-        <a:effectRef idx="0">
-          <a:scrgbClr r="0" g="0" b="0"/>
-        </a:effectRef>
-        <a:fontRef idx="minor"/>
-      </dsp:style>
-      <dsp:txBody>
-        <a:bodyPr spcFirstLastPara="0" vert="horz" wrap="square" lIns="88900" tIns="88900" rIns="88900" bIns="88900" numCol="1" spcCol="1270" anchor="t" anchorCtr="0">
-          <a:noAutofit/>
-        </a:bodyPr>
-        <a:lstStyle/>
         <a:p>
-          <a:pPr marL="0" lvl="0" indent="0" algn="ctr" defTabSz="1555750">
+          <a:pPr marL="571500" lvl="2" indent="-285750" algn="l" defTabSz="1244600">
             <a:lnSpc>
               <a:spcPct val="90000"/>
             </a:lnSpc>
@@ -4234,30 +3416,84 @@
               <a:spcPct val="0"/>
             </a:spcBef>
             <a:spcAft>
-              <a:spcPct val="35000"/>
+              <a:spcPct val="15000"/>
             </a:spcAft>
-            <a:buNone/>
+            <a:buChar char="•"/>
           </a:pPr>
           <a:r>
-            <a:rPr lang="en-US" sz="3500" kern="1200" dirty="0"/>
-            <a:t>Describe this step in your experiment</a:t>
+            <a:rPr lang="en-US" sz="2800" kern="1200" dirty="0"/>
+            <a:t>(3x3) Kernel</a:t>
+          </a:r>
+        </a:p>
+        <a:p>
+          <a:pPr marL="571500" lvl="2" indent="-285750" algn="l" defTabSz="1244600">
+            <a:lnSpc>
+              <a:spcPct val="90000"/>
+            </a:lnSpc>
+            <a:spcBef>
+              <a:spcPct val="0"/>
+            </a:spcBef>
+            <a:spcAft>
+              <a:spcPct val="15000"/>
+            </a:spcAft>
+            <a:buChar char="•"/>
+          </a:pPr>
+          <a:r>
+            <a:rPr lang="en-US" sz="2800" kern="1200" dirty="0"/>
+            <a:t>32,32,64,64 Feature Maps</a:t>
+          </a:r>
+        </a:p>
+        <a:p>
+          <a:pPr marL="285750" lvl="1" indent="-285750" algn="l" defTabSz="1244600">
+            <a:lnSpc>
+              <a:spcPct val="90000"/>
+            </a:lnSpc>
+            <a:spcBef>
+              <a:spcPct val="0"/>
+            </a:spcBef>
+            <a:spcAft>
+              <a:spcPct val="15000"/>
+            </a:spcAft>
+            <a:buChar char="•"/>
+          </a:pPr>
+          <a:r>
+            <a:rPr lang="en-US" sz="2800" kern="1200" dirty="0"/>
+            <a:t>Max Pooling x2</a:t>
+          </a:r>
+        </a:p>
+        <a:p>
+          <a:pPr marL="285750" lvl="1" indent="-285750" algn="l" defTabSz="1244600">
+            <a:lnSpc>
+              <a:spcPct val="90000"/>
+            </a:lnSpc>
+            <a:spcBef>
+              <a:spcPct val="0"/>
+            </a:spcBef>
+            <a:spcAft>
+              <a:spcPct val="15000"/>
+            </a:spcAft>
+            <a:buChar char="•"/>
+          </a:pPr>
+          <a:r>
+            <a:rPr lang="en-US" sz="2800" kern="1200" dirty="0"/>
+            <a:t>Two FC Layers</a:t>
           </a:r>
         </a:p>
       </dsp:txBody>
       <dsp:txXfrm>
-        <a:off x="130534" y="3258615"/>
-        <a:ext cx="2436250" cy="2393274"/>
+        <a:off x="3901" y="2117381"/>
+        <a:ext cx="3803749" cy="4014562"/>
       </dsp:txXfrm>
     </dsp:sp>
-    <dsp:sp modelId="{770E20EC-6929-4A45-99D5-285545E37892}">
+    <dsp:sp modelId="{E01B3154-0666-4584-9FC4-432DE00CC402}">
       <dsp:nvSpPr>
         <dsp:cNvPr id="0" name=""/>
         <dsp:cNvSpPr/>
       </dsp:nvSpPr>
       <dsp:spPr>
         <a:xfrm>
-          <a:off x="1863" y="505062"/>
-          <a:ext cx="2573413" cy="514682"/>
+          <a:off x="4340175" y="595881"/>
+          <a:ext cx="3803749" cy="1521499"/>
         </a:xfrm>
         <a:prstGeom prst="rect">
           <a:avLst/>
@@ -4299,7 +3535,7 @@
         </a:fontRef>
       </dsp:style>
       <dsp:txBody>
-        <a:bodyPr spcFirstLastPara="0" vert="horz" wrap="square" lIns="71120" tIns="71120" rIns="71120" bIns="71120" numCol="1" spcCol="1270" anchor="ctr" anchorCtr="0">
+        <a:bodyPr spcFirstLastPara="0" vert="horz" wrap="square" lIns="199136" tIns="113792" rIns="199136" bIns="113792" numCol="1" spcCol="1270" anchor="ctr" anchorCtr="0">
           <a:noAutofit/>
         </a:bodyPr>
         <a:lstStyle/>
@@ -4318,31 +3554,32 @@
           </a:pPr>
           <a:r>
             <a:rPr lang="en-US" sz="2800" kern="1200" dirty="0"/>
-            <a:t>Step 1</a:t>
+            <a:t>Neural Network</a:t>
           </a:r>
         </a:p>
       </dsp:txBody>
       <dsp:txXfrm>
-        <a:off x="1863" y="505062"/>
-        <a:ext cx="2573413" cy="514682"/>
+        <a:off x="4340175" y="595881"/>
+        <a:ext cx="3803749" cy="1521499"/>
       </dsp:txXfrm>
     </dsp:sp>
-    <dsp:sp modelId="{6806A88B-ACCD-4689-BA2C-F1412EF73B42}">
+    <dsp:sp modelId="{6EC96761-7A7E-46B1-9A31-B92F49834D5A}">
       <dsp:nvSpPr>
         <dsp:cNvPr id="0" name=""/>
         <dsp:cNvSpPr/>
       </dsp:nvSpPr>
       <dsp:spPr>
         <a:xfrm>
-          <a:off x="3067381" y="1019745"/>
-          <a:ext cx="0" cy="4632145"/>
+          <a:off x="4340175" y="2117381"/>
+          <a:ext cx="3803749" cy="4014562"/>
         </a:xfrm>
-        <a:prstGeom prst="line">
+        <a:prstGeom prst="rect">
           <a:avLst/>
         </a:prstGeom>
         <a:solidFill>
-          <a:schemeClr val="lt1">
+          <a:schemeClr val="accent1">
             <a:alpha val="90000"/>
+            <a:tint val="40000"/>
             <a:hueOff val="0"/>
             <a:satOff val="0"/>
             <a:lumOff val="0"/>
@@ -4352,6 +3589,8 @@
         <a:ln w="12700" cap="flat" cmpd="sng" algn="ctr">
           <a:solidFill>
             <a:schemeClr val="accent1">
+              <a:alpha val="90000"/>
+              <a:tint val="40000"/>
               <a:hueOff val="0"/>
               <a:satOff val="0"/>
               <a:lumOff val="0"/>
@@ -4375,100 +3614,13 @@
         </a:effectRef>
         <a:fontRef idx="minor"/>
       </dsp:style>
-    </dsp:sp>
-    <dsp:sp modelId="{6D3BA09B-A748-477B-98A1-FEDE95925694}">
-      <dsp:nvSpPr>
-        <dsp:cNvPr id="0" name=""/>
-        <dsp:cNvSpPr/>
-      </dsp:nvSpPr>
-      <dsp:spPr>
-        <a:xfrm>
-          <a:off x="3196051" y="1174150"/>
-          <a:ext cx="2436250" cy="2084465"/>
-        </a:xfrm>
-        <a:prstGeom prst="rect">
-          <a:avLst/>
-        </a:prstGeom>
-        <a:blipFill>
-          <a:blip xmlns:r="http://schemas.openxmlformats.org/officeDocument/2006/relationships" r:embed="rId2" cstate="print">
-            <a:extLst>
-              <a:ext uri="{28A0092B-C50C-407E-A947-70E740481C1C}">
-                <a14:useLocalDpi xmlns:a14="http://schemas.microsoft.com/office/drawing/2010/main" val="0"/>
-              </a:ext>
-            </a:extLst>
-          </a:blip>
-          <a:srcRect/>
-          <a:stretch>
-            <a:fillRect/>
-          </a:stretch>
-        </a:blipFill>
-        <a:ln w="12700" cap="flat" cmpd="sng" algn="ctr">
-          <a:solidFill>
-            <a:schemeClr val="lt1">
-              <a:hueOff val="0"/>
-              <a:satOff val="0"/>
-              <a:lumOff val="0"/>
-              <a:alphaOff val="0"/>
-            </a:schemeClr>
-          </a:solidFill>
-          <a:prstDash val="solid"/>
-          <a:miter lim="800000"/>
-        </a:ln>
-        <a:effectLst/>
-      </dsp:spPr>
-      <dsp:style>
-        <a:lnRef idx="2">
-          <a:scrgbClr r="0" g="0" b="0"/>
-        </a:lnRef>
-        <a:fillRef idx="1">
-          <a:scrgbClr r="0" g="0" b="0"/>
-        </a:fillRef>
-        <a:effectRef idx="0">
-          <a:scrgbClr r="0" g="0" b="0"/>
-        </a:effectRef>
-        <a:fontRef idx="minor">
-          <a:schemeClr val="lt1"/>
-        </a:fontRef>
-      </dsp:style>
-    </dsp:sp>
-    <dsp:sp modelId="{A0810939-5D65-4F5C-894F-F86C706A7A1C}">
-      <dsp:nvSpPr>
-        <dsp:cNvPr id="0" name=""/>
-        <dsp:cNvSpPr/>
-      </dsp:nvSpPr>
-      <dsp:spPr>
-        <a:xfrm>
-          <a:off x="3196051" y="3258615"/>
-          <a:ext cx="2436250" cy="2393274"/>
-        </a:xfrm>
-        <a:prstGeom prst="rect">
-          <a:avLst/>
-        </a:prstGeom>
-        <a:noFill/>
-        <a:ln>
-          <a:noFill/>
-        </a:ln>
-        <a:effectLst/>
-      </dsp:spPr>
-      <dsp:style>
-        <a:lnRef idx="0">
-          <a:scrgbClr r="0" g="0" b="0"/>
-        </a:lnRef>
-        <a:fillRef idx="0">
-          <a:scrgbClr r="0" g="0" b="0"/>
-        </a:fillRef>
-        <a:effectRef idx="0">
-          <a:scrgbClr r="0" g="0" b="0"/>
-        </a:effectRef>
-        <a:fontRef idx="minor"/>
-      </dsp:style>
       <dsp:txBody>
-        <a:bodyPr spcFirstLastPara="0" vert="horz" wrap="square" lIns="88900" tIns="88900" rIns="88900" bIns="88900" numCol="1" spcCol="1270" anchor="t" anchorCtr="0">
+        <a:bodyPr spcFirstLastPara="0" vert="horz" wrap="square" lIns="149352" tIns="149352" rIns="199136" bIns="224028" numCol="1" spcCol="1270" anchor="t" anchorCtr="0">
           <a:noAutofit/>
         </a:bodyPr>
         <a:lstStyle/>
         <a:p>
-          <a:pPr marL="0" lvl="0" indent="0" algn="ctr" defTabSz="1555750">
+          <a:pPr marL="285750" lvl="1" indent="-285750" algn="l" defTabSz="1244600">
             <a:lnSpc>
               <a:spcPct val="90000"/>
             </a:lnSpc>
@@ -4476,31 +3628,96 @@
               <a:spcPct val="0"/>
             </a:spcBef>
             <a:spcAft>
-              <a:spcPct val="35000"/>
+              <a:spcPct val="15000"/>
             </a:spcAft>
-            <a:buNone/>
+            <a:buChar char="•"/>
           </a:pPr>
           <a:r>
-            <a:rPr lang="en-US" sz="3500" kern="1200"/>
-            <a:t>Describe this step in your experiment</a:t>
+            <a:rPr lang="en-US" sz="2800" kern="1200" dirty="0"/>
+            <a:t>Batch Normalization</a:t>
           </a:r>
-          <a:endParaRPr lang="en-US" sz="3500" kern="1200" dirty="0"/>
+        </a:p>
+        <a:p>
+          <a:pPr marL="285750" lvl="1" indent="-285750" algn="l" defTabSz="1244600">
+            <a:lnSpc>
+              <a:spcPct val="90000"/>
+            </a:lnSpc>
+            <a:spcBef>
+              <a:spcPct val="0"/>
+            </a:spcBef>
+            <a:spcAft>
+              <a:spcPct val="15000"/>
+            </a:spcAft>
+            <a:buChar char="•"/>
+          </a:pPr>
+          <a:r>
+            <a:rPr lang="en-US" sz="2800" kern="1200" dirty="0"/>
+            <a:t>3 Layers</a:t>
+          </a:r>
+        </a:p>
+        <a:p>
+          <a:pPr marL="285750" lvl="1" indent="-285750" algn="l" defTabSz="1244600">
+            <a:lnSpc>
+              <a:spcPct val="90000"/>
+            </a:lnSpc>
+            <a:spcBef>
+              <a:spcPct val="0"/>
+            </a:spcBef>
+            <a:spcAft>
+              <a:spcPct val="15000"/>
+            </a:spcAft>
+            <a:buChar char="•"/>
+          </a:pPr>
+          <a:r>
+            <a:rPr lang="en-US" sz="2800" kern="1200" dirty="0"/>
+            <a:t>490 Nodes per hidden layer</a:t>
+          </a:r>
+        </a:p>
+        <a:p>
+          <a:pPr marL="285750" lvl="1" indent="-285750" algn="l" defTabSz="1244600">
+            <a:lnSpc>
+              <a:spcPct val="90000"/>
+            </a:lnSpc>
+            <a:spcBef>
+              <a:spcPct val="0"/>
+            </a:spcBef>
+            <a:spcAft>
+              <a:spcPct val="15000"/>
+            </a:spcAft>
+            <a:buChar char="•"/>
+          </a:pPr>
+          <a:r>
+            <a:rPr lang="en-US" sz="2800" b="1" kern="1200" dirty="0"/>
+            <a:t>Equal</a:t>
+          </a:r>
+          <a:r>
+            <a:rPr lang="en-US" sz="2800" kern="1200" dirty="0"/>
+            <a:t> number of </a:t>
+          </a:r>
+          <a:r>
+            <a:rPr lang="en-US" sz="2800" b="1" kern="1200" dirty="0"/>
+            <a:t>parameters </a:t>
+          </a:r>
+          <a:r>
+            <a:rPr lang="en-US" sz="2800" kern="1200" dirty="0"/>
+            <a:t>as CNN baseline</a:t>
+          </a:r>
         </a:p>
       </dsp:txBody>
       <dsp:txXfrm>
-        <a:off x="3196051" y="3258615"/>
-        <a:ext cx="2436250" cy="2393274"/>
+        <a:off x="4340175" y="2117381"/>
+        <a:ext cx="3803749" cy="4014562"/>
       </dsp:txXfrm>
     </dsp:sp>
-    <dsp:sp modelId="{16EEE8E2-3D18-44F6-B04A-3D59841E4FA8}">
+    <dsp:sp modelId="{64DD6D48-227C-4434-BED8-F49C9D4F4F7E}">
       <dsp:nvSpPr>
         <dsp:cNvPr id="0" name=""/>
         <dsp:cNvSpPr/>
       </dsp:nvSpPr>
       <dsp:spPr>
         <a:xfrm>
-          <a:off x="3067381" y="505062"/>
-          <a:ext cx="2573413" cy="514682"/>
+          <a:off x="8676449" y="595881"/>
+          <a:ext cx="3803749" cy="1521499"/>
         </a:xfrm>
         <a:prstGeom prst="rect">
           <a:avLst/>
@@ -4542,7 +3759,7 @@
         </a:fontRef>
       </dsp:style>
       <dsp:txBody>
-        <a:bodyPr spcFirstLastPara="0" vert="horz" wrap="square" lIns="71120" tIns="71120" rIns="71120" bIns="71120" numCol="1" spcCol="1270" anchor="ctr" anchorCtr="0">
+        <a:bodyPr spcFirstLastPara="0" vert="horz" wrap="square" lIns="199136" tIns="113792" rIns="199136" bIns="113792" numCol="1" spcCol="1270" anchor="ctr" anchorCtr="0">
           <a:noAutofit/>
         </a:bodyPr>
         <a:lstStyle/>
@@ -4561,31 +3778,32 @@
           </a:pPr>
           <a:r>
             <a:rPr lang="en-US" sz="2800" kern="1200" dirty="0"/>
-            <a:t>Step 2</a:t>
+            <a:t>SVM with Linear Kernel</a:t>
           </a:r>
         </a:p>
       </dsp:txBody>
       <dsp:txXfrm>
-        <a:off x="3067381" y="505062"/>
-        <a:ext cx="2573413" cy="514682"/>
+        <a:off x="8676449" y="595881"/>
+        <a:ext cx="3803749" cy="1521499"/>
       </dsp:txXfrm>
     </dsp:sp>
-    <dsp:sp modelId="{7F77031C-84AF-49FA-B2E3-6B22E2F49F2B}">
+    <dsp:sp modelId="{98860936-C475-4184-9A9D-2F4B5D8B0BC7}">
       <dsp:nvSpPr>
         <dsp:cNvPr id="0" name=""/>
         <dsp:cNvSpPr/>
       </dsp:nvSpPr>
       <dsp:spPr>
         <a:xfrm>
-          <a:off x="6132898" y="1019745"/>
-          <a:ext cx="0" cy="4632145"/>
+          <a:off x="8676449" y="2117381"/>
+          <a:ext cx="3803749" cy="4014562"/>
         </a:xfrm>
-        <a:prstGeom prst="line">
+        <a:prstGeom prst="rect">
           <a:avLst/>
         </a:prstGeom>
         <a:solidFill>
-          <a:schemeClr val="lt1">
+          <a:schemeClr val="accent1">
             <a:alpha val="90000"/>
+            <a:tint val="40000"/>
             <a:hueOff val="0"/>
             <a:satOff val="0"/>
             <a:lumOff val="0"/>
@@ -4595,6 +3813,8 @@
         <a:ln w="12700" cap="flat" cmpd="sng" algn="ctr">
           <a:solidFill>
             <a:schemeClr val="accent1">
+              <a:alpha val="90000"/>
+              <a:tint val="40000"/>
               <a:hueOff val="0"/>
               <a:satOff val="0"/>
               <a:lumOff val="0"/>
@@ -4618,100 +3838,13 @@
         </a:effectRef>
         <a:fontRef idx="minor"/>
       </dsp:style>
-    </dsp:sp>
-    <dsp:sp modelId="{6FDEA8A3-BC3B-493E-88CC-A57435CCDC96}">
-      <dsp:nvSpPr>
-        <dsp:cNvPr id="0" name=""/>
-        <dsp:cNvSpPr/>
-      </dsp:nvSpPr>
-      <dsp:spPr>
-        <a:xfrm>
-          <a:off x="6261569" y="1174150"/>
-          <a:ext cx="2436250" cy="2084465"/>
-        </a:xfrm>
-        <a:prstGeom prst="rect">
-          <a:avLst/>
-        </a:prstGeom>
-        <a:blipFill>
-          <a:blip xmlns:r="http://schemas.openxmlformats.org/officeDocument/2006/relationships" r:embed="rId3" cstate="print">
-            <a:extLst>
-              <a:ext uri="{28A0092B-C50C-407E-A947-70E740481C1C}">
-                <a14:useLocalDpi xmlns:a14="http://schemas.microsoft.com/office/drawing/2010/main" val="0"/>
-              </a:ext>
-            </a:extLst>
-          </a:blip>
-          <a:srcRect/>
-          <a:stretch>
-            <a:fillRect/>
-          </a:stretch>
-        </a:blipFill>
-        <a:ln w="12700" cap="flat" cmpd="sng" algn="ctr">
-          <a:solidFill>
-            <a:schemeClr val="lt1">
-              <a:hueOff val="0"/>
-              <a:satOff val="0"/>
-              <a:lumOff val="0"/>
-              <a:alphaOff val="0"/>
-            </a:schemeClr>
-          </a:solidFill>
-          <a:prstDash val="solid"/>
-          <a:miter lim="800000"/>
-        </a:ln>
-        <a:effectLst/>
-      </dsp:spPr>
-      <dsp:style>
-        <a:lnRef idx="2">
-          <a:scrgbClr r="0" g="0" b="0"/>
-        </a:lnRef>
-        <a:fillRef idx="1">
-          <a:scrgbClr r="0" g="0" b="0"/>
-        </a:fillRef>
-        <a:effectRef idx="0">
-          <a:scrgbClr r="0" g="0" b="0"/>
-        </a:effectRef>
-        <a:fontRef idx="minor">
-          <a:schemeClr val="lt1"/>
-        </a:fontRef>
-      </dsp:style>
-    </dsp:sp>
-    <dsp:sp modelId="{EBE06ADE-C892-44D3-AB90-0EE941CCA21D}">
-      <dsp:nvSpPr>
-        <dsp:cNvPr id="0" name=""/>
-        <dsp:cNvSpPr/>
-      </dsp:nvSpPr>
-      <dsp:spPr>
-        <a:xfrm>
-          <a:off x="6261569" y="3258615"/>
-          <a:ext cx="2436250" cy="2393274"/>
-        </a:xfrm>
-        <a:prstGeom prst="rect">
-          <a:avLst/>
-        </a:prstGeom>
-        <a:noFill/>
-        <a:ln>
-          <a:noFill/>
-        </a:ln>
-        <a:effectLst/>
-      </dsp:spPr>
-      <dsp:style>
-        <a:lnRef idx="0">
-          <a:scrgbClr r="0" g="0" b="0"/>
-        </a:lnRef>
-        <a:fillRef idx="0">
-          <a:scrgbClr r="0" g="0" b="0"/>
-        </a:fillRef>
-        <a:effectRef idx="0">
-          <a:scrgbClr r="0" g="0" b="0"/>
-        </a:effectRef>
-        <a:fontRef idx="minor"/>
-      </dsp:style>
       <dsp:txBody>
-        <a:bodyPr spcFirstLastPara="0" vert="horz" wrap="square" lIns="88900" tIns="88900" rIns="88900" bIns="88900" numCol="1" spcCol="1270" anchor="t" anchorCtr="0">
+        <a:bodyPr spcFirstLastPara="0" vert="horz" wrap="square" lIns="149352" tIns="149352" rIns="199136" bIns="224028" numCol="1" spcCol="1270" anchor="t" anchorCtr="0">
           <a:noAutofit/>
         </a:bodyPr>
         <a:lstStyle/>
         <a:p>
-          <a:pPr marL="0" lvl="0" indent="0" algn="ctr" defTabSz="1555750">
+          <a:pPr marL="285750" lvl="1" indent="-285750" algn="l" defTabSz="1244600">
             <a:lnSpc>
               <a:spcPct val="90000"/>
             </a:lnSpc>
@@ -4719,77 +3852,17 @@
               <a:spcPct val="0"/>
             </a:spcBef>
             <a:spcAft>
-              <a:spcPct val="35000"/>
+              <a:spcPct val="15000"/>
             </a:spcAft>
-            <a:buNone/>
+            <a:buChar char="•"/>
           </a:pPr>
           <a:r>
-            <a:rPr lang="en-US" sz="3500" kern="1200" dirty="0"/>
-            <a:t>Describe this step in your experiment</a:t>
+            <a:rPr lang="en-US" sz="2800" kern="1200" dirty="0"/>
+            <a:t>Regularization alpha = 0.01</a:t>
           </a:r>
         </a:p>
-      </dsp:txBody>
-      <dsp:txXfrm>
-        <a:off x="6261569" y="3258615"/>
-        <a:ext cx="2436250" cy="2393274"/>
-      </dsp:txXfrm>
-    </dsp:sp>
-    <dsp:sp modelId="{B3686B38-0C87-411A-9F82-923E333643FB}">
-      <dsp:nvSpPr>
-        <dsp:cNvPr id="0" name=""/>
-        <dsp:cNvSpPr/>
-      </dsp:nvSpPr>
-      <dsp:spPr>
-        <a:xfrm>
-          <a:off x="6132898" y="505062"/>
-          <a:ext cx="2573413" cy="514682"/>
-        </a:xfrm>
-        <a:prstGeom prst="rect">
-          <a:avLst/>
-        </a:prstGeom>
-        <a:solidFill>
-          <a:schemeClr val="accent1">
-            <a:hueOff val="0"/>
-            <a:satOff val="0"/>
-            <a:lumOff val="0"/>
-            <a:alphaOff val="0"/>
-          </a:schemeClr>
-        </a:solidFill>
-        <a:ln w="12700" cap="flat" cmpd="sng" algn="ctr">
-          <a:solidFill>
-            <a:schemeClr val="accent1">
-              <a:hueOff val="0"/>
-              <a:satOff val="0"/>
-              <a:lumOff val="0"/>
-              <a:alphaOff val="0"/>
-            </a:schemeClr>
-          </a:solidFill>
-          <a:prstDash val="solid"/>
-          <a:miter lim="800000"/>
-        </a:ln>
-        <a:effectLst/>
-      </dsp:spPr>
-      <dsp:style>
-        <a:lnRef idx="2">
-          <a:scrgbClr r="0" g="0" b="0"/>
-        </a:lnRef>
-        <a:fillRef idx="1">
-          <a:scrgbClr r="0" g="0" b="0"/>
-        </a:fillRef>
-        <a:effectRef idx="0">
-          <a:scrgbClr r="0" g="0" b="0"/>
-        </a:effectRef>
-        <a:fontRef idx="minor">
-          <a:schemeClr val="lt1"/>
-        </a:fontRef>
-      </dsp:style>
-      <dsp:txBody>
-        <a:bodyPr spcFirstLastPara="0" vert="horz" wrap="square" lIns="71120" tIns="71120" rIns="71120" bIns="71120" numCol="1" spcCol="1270" anchor="ctr" anchorCtr="0">
-          <a:noAutofit/>
-        </a:bodyPr>
-        <a:lstStyle/>
         <a:p>
-          <a:pPr marL="0" lvl="0" indent="0" algn="ctr" defTabSz="1244600">
+          <a:pPr marL="285750" lvl="1" indent="-285750" algn="l" defTabSz="1244600">
             <a:lnSpc>
               <a:spcPct val="90000"/>
             </a:lnSpc>
@@ -4797,261 +3870,19 @@
               <a:spcPct val="0"/>
             </a:spcBef>
             <a:spcAft>
-              <a:spcPct val="35000"/>
+              <a:spcPct val="15000"/>
             </a:spcAft>
-            <a:buNone/>
+            <a:buChar char="•"/>
           </a:pPr>
           <a:r>
             <a:rPr lang="en-US" sz="2800" kern="1200" dirty="0"/>
-            <a:t>Step 3</a:t>
+            <a:t>Gradient Descent Optimizer</a:t>
           </a:r>
         </a:p>
       </dsp:txBody>
       <dsp:txXfrm>
-        <a:off x="6132898" y="505062"/>
-        <a:ext cx="2573413" cy="514682"/>
-      </dsp:txXfrm>
-    </dsp:sp>
-    <dsp:sp modelId="{87ACD694-36F9-4193-A8FE-573DA345BCA3}">
-      <dsp:nvSpPr>
-        <dsp:cNvPr id="0" name=""/>
-        <dsp:cNvSpPr/>
-      </dsp:nvSpPr>
-      <dsp:spPr>
-        <a:xfrm>
-          <a:off x="9198416" y="1019745"/>
-          <a:ext cx="0" cy="4632145"/>
-        </a:xfrm>
-        <a:prstGeom prst="line">
-          <a:avLst/>
-        </a:prstGeom>
-        <a:solidFill>
-          <a:schemeClr val="lt1">
-            <a:alpha val="90000"/>
-            <a:hueOff val="0"/>
-            <a:satOff val="0"/>
-            <a:lumOff val="0"/>
-            <a:alphaOff val="0"/>
-          </a:schemeClr>
-        </a:solidFill>
-        <a:ln w="12700" cap="flat" cmpd="sng" algn="ctr">
-          <a:solidFill>
-            <a:schemeClr val="accent1">
-              <a:hueOff val="0"/>
-              <a:satOff val="0"/>
-              <a:lumOff val="0"/>
-              <a:alphaOff val="0"/>
-            </a:schemeClr>
-          </a:solidFill>
-          <a:prstDash val="solid"/>
-          <a:miter lim="800000"/>
-        </a:ln>
-        <a:effectLst/>
-      </dsp:spPr>
-      <dsp:style>
-        <a:lnRef idx="2">
-          <a:scrgbClr r="0" g="0" b="0"/>
-        </a:lnRef>
-        <a:fillRef idx="1">
-          <a:scrgbClr r="0" g="0" b="0"/>
-        </a:fillRef>
-        <a:effectRef idx="0">
-          <a:scrgbClr r="0" g="0" b="0"/>
-        </a:effectRef>
-        <a:fontRef idx="minor"/>
-      </dsp:style>
-    </dsp:sp>
-    <dsp:sp modelId="{D5EF084B-0048-459A-9001-2451F5192F25}">
-      <dsp:nvSpPr>
-        <dsp:cNvPr id="0" name=""/>
-        <dsp:cNvSpPr/>
-      </dsp:nvSpPr>
-      <dsp:spPr>
-        <a:xfrm>
-          <a:off x="9327087" y="1174150"/>
-          <a:ext cx="2436250" cy="2084465"/>
-        </a:xfrm>
-        <a:prstGeom prst="rect">
-          <a:avLst/>
-        </a:prstGeom>
-        <a:blipFill>
-          <a:blip xmlns:r="http://schemas.openxmlformats.org/officeDocument/2006/relationships" r:embed="rId4" cstate="print">
-            <a:extLst>
-              <a:ext uri="{28A0092B-C50C-407E-A947-70E740481C1C}">
-                <a14:useLocalDpi xmlns:a14="http://schemas.microsoft.com/office/drawing/2010/main" val="0"/>
-              </a:ext>
-            </a:extLst>
-          </a:blip>
-          <a:srcRect/>
-          <a:stretch>
-            <a:fillRect/>
-          </a:stretch>
-        </a:blipFill>
-        <a:ln w="12700" cap="flat" cmpd="sng" algn="ctr">
-          <a:solidFill>
-            <a:schemeClr val="lt1">
-              <a:hueOff val="0"/>
-              <a:satOff val="0"/>
-              <a:lumOff val="0"/>
-              <a:alphaOff val="0"/>
-            </a:schemeClr>
-          </a:solidFill>
-          <a:prstDash val="solid"/>
-          <a:miter lim="800000"/>
-        </a:ln>
-        <a:effectLst/>
-      </dsp:spPr>
-      <dsp:style>
-        <a:lnRef idx="2">
-          <a:scrgbClr r="0" g="0" b="0"/>
-        </a:lnRef>
-        <a:fillRef idx="1">
-          <a:scrgbClr r="0" g="0" b="0"/>
-        </a:fillRef>
-        <a:effectRef idx="0">
-          <a:scrgbClr r="0" g="0" b="0"/>
-        </a:effectRef>
-        <a:fontRef idx="minor">
-          <a:schemeClr val="lt1"/>
-        </a:fontRef>
-      </dsp:style>
-    </dsp:sp>
-    <dsp:sp modelId="{2A1C86DE-9AB9-421D-8408-47DA191A0168}">
-      <dsp:nvSpPr>
-        <dsp:cNvPr id="0" name=""/>
-        <dsp:cNvSpPr/>
-      </dsp:nvSpPr>
-      <dsp:spPr>
-        <a:xfrm>
-          <a:off x="9327087" y="3258615"/>
-          <a:ext cx="2436250" cy="2393274"/>
-        </a:xfrm>
-        <a:prstGeom prst="rect">
-          <a:avLst/>
-        </a:prstGeom>
-        <a:noFill/>
-        <a:ln>
-          <a:noFill/>
-        </a:ln>
-        <a:effectLst/>
-      </dsp:spPr>
-      <dsp:style>
-        <a:lnRef idx="0">
-          <a:scrgbClr r="0" g="0" b="0"/>
-        </a:lnRef>
-        <a:fillRef idx="0">
-          <a:scrgbClr r="0" g="0" b="0"/>
-        </a:fillRef>
-        <a:effectRef idx="0">
-          <a:scrgbClr r="0" g="0" b="0"/>
-        </a:effectRef>
-        <a:fontRef idx="minor"/>
-      </dsp:style>
-      <dsp:txBody>
-        <a:bodyPr spcFirstLastPara="0" vert="horz" wrap="square" lIns="88900" tIns="88900" rIns="88900" bIns="88900" numCol="1" spcCol="1270" anchor="t" anchorCtr="0">
-          <a:noAutofit/>
-        </a:bodyPr>
-        <a:lstStyle/>
-        <a:p>
-          <a:pPr marL="0" lvl="0" indent="0" algn="ctr" defTabSz="1555750">
-            <a:lnSpc>
-              <a:spcPct val="90000"/>
-            </a:lnSpc>
-            <a:spcBef>
-              <a:spcPct val="0"/>
-            </a:spcBef>
-            <a:spcAft>
-              <a:spcPct val="35000"/>
-            </a:spcAft>
-            <a:buNone/>
-          </a:pPr>
-          <a:r>
-            <a:rPr lang="en-US" sz="3500" kern="1200" dirty="0"/>
-            <a:t>Describe this step in your experiment</a:t>
-          </a:r>
-        </a:p>
-      </dsp:txBody>
-      <dsp:txXfrm>
-        <a:off x="9327087" y="3258615"/>
-        <a:ext cx="2436250" cy="2393274"/>
-      </dsp:txXfrm>
-    </dsp:sp>
-    <dsp:sp modelId="{4E89074A-DD45-4C30-BE68-0847302086FD}">
-      <dsp:nvSpPr>
-        <dsp:cNvPr id="0" name=""/>
-        <dsp:cNvSpPr/>
-      </dsp:nvSpPr>
-      <dsp:spPr>
-        <a:xfrm>
-          <a:off x="9198416" y="505062"/>
-          <a:ext cx="2573413" cy="514682"/>
-        </a:xfrm>
-        <a:prstGeom prst="rect">
-          <a:avLst/>
-        </a:prstGeom>
-        <a:solidFill>
-          <a:schemeClr val="accent1">
-            <a:hueOff val="0"/>
-            <a:satOff val="0"/>
-            <a:lumOff val="0"/>
-            <a:alphaOff val="0"/>
-          </a:schemeClr>
-        </a:solidFill>
-        <a:ln w="12700" cap="flat" cmpd="sng" algn="ctr">
-          <a:solidFill>
-            <a:schemeClr val="accent1">
-              <a:hueOff val="0"/>
-              <a:satOff val="0"/>
-              <a:lumOff val="0"/>
-              <a:alphaOff val="0"/>
-            </a:schemeClr>
-          </a:solidFill>
-          <a:prstDash val="solid"/>
-          <a:miter lim="800000"/>
-        </a:ln>
-        <a:effectLst/>
-      </dsp:spPr>
-      <dsp:style>
-        <a:lnRef idx="2">
-          <a:scrgbClr r="0" g="0" b="0"/>
-        </a:lnRef>
-        <a:fillRef idx="1">
-          <a:scrgbClr r="0" g="0" b="0"/>
-        </a:fillRef>
-        <a:effectRef idx="0">
-          <a:scrgbClr r="0" g="0" b="0"/>
-        </a:effectRef>
-        <a:fontRef idx="minor">
-          <a:schemeClr val="lt1"/>
-        </a:fontRef>
-      </dsp:style>
-      <dsp:txBody>
-        <a:bodyPr spcFirstLastPara="0" vert="horz" wrap="square" lIns="71120" tIns="71120" rIns="71120" bIns="71120" numCol="1" spcCol="1270" anchor="ctr" anchorCtr="0">
-          <a:noAutofit/>
-        </a:bodyPr>
-        <a:lstStyle/>
-        <a:p>
-          <a:pPr marL="0" lvl="0" indent="0" algn="ctr" defTabSz="1244600">
-            <a:lnSpc>
-              <a:spcPct val="90000"/>
-            </a:lnSpc>
-            <a:spcBef>
-              <a:spcPct val="0"/>
-            </a:spcBef>
-            <a:spcAft>
-              <a:spcPct val="35000"/>
-            </a:spcAft>
-            <a:buNone/>
-          </a:pPr>
-          <a:r>
-            <a:rPr lang="en-US" sz="2800" kern="1200" dirty="0"/>
-            <a:t>Step 4</a:t>
-          </a:r>
-        </a:p>
-      </dsp:txBody>
-      <dsp:txXfrm>
-        <a:off x="9198416" y="505062"/>
-        <a:ext cx="2573413" cy="514682"/>
+        <a:off x="8676449" y="2117381"/>
+        <a:ext cx="3803749" cy="4014562"/>
       </dsp:txXfrm>
     </dsp:sp>
   </dsp:spTree>
@@ -5276,43 +4107,55 @@
 </file>
 
 <file path=ppt/diagrams/layout2.xml><?xml version="1.0" encoding="utf-8"?>
-<dgm:layoutDef xmlns:dgm="http://schemas.openxmlformats.org/drawingml/2006/diagram" xmlns:a="http://schemas.openxmlformats.org/drawingml/2006/main" uniqueId="urn:microsoft.com/office/officeart/2008/layout/TitlePictureLineup">
+<dgm:layoutDef xmlns:dgm="http://schemas.openxmlformats.org/drawingml/2006/diagram" xmlns:a="http://schemas.openxmlformats.org/drawingml/2006/main" uniqueId="urn:microsoft.com/office/officeart/2005/8/layout/hList1">
   <dgm:title val=""/>
   <dgm:desc val=""/>
   <dgm:catLst>
-    <dgm:cat type="picture" pri="18000"/>
-    <dgm:cat type="pictureconvert" pri="18000"/>
+    <dgm:cat type="list" pri="5000"/>
+    <dgm:cat type="convert" pri="5000"/>
   </dgm:catLst>
   <dgm:sampData>
     <dgm:dataModel>
       <dgm:ptLst>
         <dgm:pt modelId="0" type="doc"/>
-        <dgm:pt modelId="10">
+        <dgm:pt modelId="1">
           <dgm:prSet phldr="1"/>
         </dgm:pt>
         <dgm:pt modelId="11">
           <dgm:prSet phldr="1"/>
         </dgm:pt>
-        <dgm:pt modelId="20">
+        <dgm:pt modelId="12">
+          <dgm:prSet phldr="1"/>
+        </dgm:pt>
+        <dgm:pt modelId="2">
           <dgm:prSet phldr="1"/>
         </dgm:pt>
         <dgm:pt modelId="21">
           <dgm:prSet phldr="1"/>
         </dgm:pt>
-        <dgm:pt modelId="30">
+        <dgm:pt modelId="22">
+          <dgm:prSet phldr="1"/>
+        </dgm:pt>
+        <dgm:pt modelId="3">
           <dgm:prSet phldr="1"/>
         </dgm:pt>
         <dgm:pt modelId="31">
           <dgm:prSet phldr="1"/>
         </dgm:pt>
+        <dgm:pt modelId="32">
+          <dgm:prSet phldr="1"/>
+        </dgm:pt>
       </dgm:ptLst>
       <dgm:cxnLst>
-        <dgm:cxn modelId="40" srcId="0" destId="10" srcOrd="0" destOrd="0"/>
-        <dgm:cxn modelId="12" srcId="10" destId="11" srcOrd="0" destOrd="0"/>
-        <dgm:cxn modelId="50" srcId="0" destId="20" srcOrd="1" destOrd="0"/>
-        <dgm:cxn modelId="22" srcId="20" destId="21" srcOrd="0" destOrd="0"/>
-        <dgm:cxn modelId="60" srcId="0" destId="30" srcOrd="1" destOrd="0"/>
-        <dgm:cxn modelId="32" srcId="30" destId="31" srcOrd="0" destOrd="0"/>
+        <dgm:cxn modelId="4" srcId="0" destId="1" srcOrd="0" destOrd="0"/>
+        <dgm:cxn modelId="5" srcId="0" destId="2" srcOrd="1" destOrd="0"/>
+        <dgm:cxn modelId="6" srcId="0" destId="3" srcOrd="2" destOrd="0"/>
+        <dgm:cxn modelId="13" srcId="1" destId="11" srcOrd="0" destOrd="0"/>
+        <dgm:cxn modelId="14" srcId="1" destId="12" srcOrd="1" destOrd="0"/>
+        <dgm:cxn modelId="23" srcId="2" destId="21" srcOrd="0" destOrd="0"/>
+        <dgm:cxn modelId="24" srcId="2" destId="22" srcOrd="1" destOrd="0"/>
+        <dgm:cxn modelId="33" srcId="3" destId="31" srcOrd="0" destOrd="0"/>
+        <dgm:cxn modelId="34" srcId="3" destId="32" srcOrd="1" destOrd="0"/>
       </dgm:cxnLst>
       <dgm:bg/>
       <dgm:whole/>
@@ -5322,16 +4165,16 @@
     <dgm:dataModel>
       <dgm:ptLst>
         <dgm:pt modelId="0" type="doc"/>
-        <dgm:pt modelId="10">
+        <dgm:pt modelId="1">
           <dgm:prSet phldr="1"/>
         </dgm:pt>
-        <dgm:pt modelId="20">
+        <dgm:pt modelId="2">
           <dgm:prSet phldr="1"/>
         </dgm:pt>
       </dgm:ptLst>
       <dgm:cxnLst>
-        <dgm:cxn modelId="40" srcId="0" destId="10" srcOrd="0" destOrd="0"/>
-        <dgm:cxn modelId="50" srcId="0" destId="20" srcOrd="1" destOrd="0"/>
+        <dgm:cxn modelId="3" srcId="0" destId="1" srcOrd="0" destOrd="0"/>
+        <dgm:cxn modelId="4" srcId="0" destId="2" srcOrd="1" destOrd="0"/>
       </dgm:cxnLst>
       <dgm:bg/>
       <dgm:whole/>
@@ -5341,24 +4184,24 @@
     <dgm:dataModel>
       <dgm:ptLst>
         <dgm:pt modelId="0" type="doc"/>
-        <dgm:pt modelId="10">
+        <dgm:pt modelId="1">
           <dgm:prSet phldr="1"/>
         </dgm:pt>
-        <dgm:pt modelId="20">
+        <dgm:pt modelId="2">
           <dgm:prSet phldr="1"/>
         </dgm:pt>
-        <dgm:pt modelId="30">
+        <dgm:pt modelId="3">
           <dgm:prSet phldr="1"/>
         </dgm:pt>
-        <dgm:pt modelId="40">
+        <dgm:pt modelId="4">
           <dgm:prSet phldr="1"/>
         </dgm:pt>
       </dgm:ptLst>
       <dgm:cxnLst>
-        <dgm:cxn modelId="50" srcId="0" destId="10" srcOrd="0" destOrd="0"/>
-        <dgm:cxn modelId="60" srcId="0" destId="20" srcOrd="1" destOrd="0"/>
-        <dgm:cxn modelId="70" srcId="0" destId="30" srcOrd="2" destOrd="0"/>
-        <dgm:cxn modelId="80" srcId="0" destId="40" srcOrd="3" destOrd="0"/>
+        <dgm:cxn modelId="5" srcId="0" destId="1" srcOrd="0" destOrd="0"/>
+        <dgm:cxn modelId="6" srcId="0" destId="2" srcOrd="1" destOrd="0"/>
+        <dgm:cxn modelId="7" srcId="0" destId="3" srcOrd="2" destOrd="0"/>
+        <dgm:cxn modelId="8" srcId="0" destId="4" srcOrd="3" destOrd="0"/>
       </dgm:cxnLst>
       <dgm:bg/>
       <dgm:whole/>
@@ -5367,197 +4210,112 @@
   <dgm:layoutNode name="Name0">
     <dgm:varLst>
       <dgm:dir/>
+      <dgm:animLvl val="lvl"/>
+      <dgm:resizeHandles val="exact"/>
     </dgm:varLst>
     <dgm:choose name="Name1">
       <dgm:if name="Name2" func="var" arg="dir" op="equ" val="norm">
-        <dgm:alg type="lin">
-          <dgm:param type="linDir" val="fromL"/>
-          <dgm:param type="fallback" val="1D"/>
-          <dgm:param type="horzAlign" val="ctr"/>
-          <dgm:param type="vertAlign" val="mid"/>
-          <dgm:param type="nodeVertAlign" val="t"/>
-        </dgm:alg>
+        <dgm:alg type="lin"/>
       </dgm:if>
       <dgm:else name="Name3">
         <dgm:alg type="lin">
           <dgm:param type="linDir" val="fromR"/>
-          <dgm:param type="fallback" val="1D"/>
-          <dgm:param type="horzAlign" val="ctr"/>
-          <dgm:param type="vertAlign" val="mid"/>
-          <dgm:param type="nodeVertAlign" val="t"/>
         </dgm:alg>
       </dgm:else>
     </dgm:choose>
     <dgm:shape xmlns:r="http://schemas.openxmlformats.org/officeDocument/2006/relationships" r:blip="">
       <dgm:adjLst/>
     </dgm:shape>
+    <dgm:presOf/>
     <dgm:constrLst>
-      <dgm:constr type="h" for="des" forName="Child" op="equ"/>
-      <dgm:constr type="w" for="des" forName="Child" op="equ"/>
-      <dgm:constr type="h" for="des" forName="Accent" op="equ"/>
-      <dgm:constr type="w" for="des" forName="Accent" op="equ"/>
-      <dgm:constr type="primFontSz" for="des" forName="Parent" op="equ"/>
-      <dgm:constr type="primFontSz" for="des" forName="Child" op="equ"/>
+      <dgm:constr type="h" for="ch" forName="composite" refType="h"/>
       <dgm:constr type="w" for="ch" forName="composite" refType="w"/>
-      <dgm:constr type="h" for="ch" forName="composite" refType="h"/>
-      <dgm:constr type="sp" refType="w" refFor="ch" refForName="composite" op="equ" fact="0.1"/>
-      <dgm:constr type="w" for="ch" forName="sibTrans" refType="w" refFor="ch" refForName="composite" op="equ" fact="0.05"/>
-      <dgm:constr type="h" for="ch" forName="sibTrans" refType="w" refFor="ch" refForName="sibTrans" op="equ"/>
+      <dgm:constr type="w" for="des" forName="parTx"/>
+      <dgm:constr type="h" for="des" forName="parTx" op="equ"/>
+      <dgm:constr type="w" for="des" forName="desTx"/>
+      <dgm:constr type="h" for="des" forName="desTx" op="equ"/>
+      <dgm:constr type="primFontSz" for="des" forName="parTx" val="65"/>
+      <dgm:constr type="secFontSz" for="des" forName="desTx" refType="primFontSz" refFor="des" refForName="parTx" op="equ"/>
+      <dgm:constr type="h" for="des" forName="parTx" refType="primFontSz" refFor="des" refForName="parTx" fact="0.8"/>
+      <dgm:constr type="h" for="des" forName="desTx" refType="primFontSz" refFor="des" refForName="parTx" fact="1.22"/>
+      <dgm:constr type="w" for="ch" forName="space" refType="w" refFor="ch" refForName="composite" op="equ" fact="0.14"/>
     </dgm:constrLst>
-    <dgm:forEach name="nodesForEach" axis="ch" ptType="node">
+    <dgm:ruleLst>
+      <dgm:rule type="w" for="ch" forName="composite" val="0" fact="NaN" max="NaN"/>
+      <dgm:rule type="primFontSz" for="des" forName="parTx" val="5" fact="NaN" max="NaN"/>
+    </dgm:ruleLst>
+    <dgm:forEach name="Name4" axis="ch" ptType="node">
       <dgm:layoutNode name="composite">
-        <dgm:alg type="composite">
-          <dgm:param type="ar" val="0.5"/>
-        </dgm:alg>
+        <dgm:alg type="composite"/>
         <dgm:shape xmlns:r="http://schemas.openxmlformats.org/officeDocument/2006/relationships" r:blip="">
           <dgm:adjLst/>
         </dgm:shape>
-        <dgm:choose name="Name4">
-          <dgm:if name="Name5" func="var" arg="dir" op="equ" val="norm">
-            <dgm:constrLst>
-              <dgm:constr type="l" for="ch" forName="Parent" refType="w" fact="0"/>
-              <dgm:constr type="t" for="ch" forName="Parent" refType="h" fact="0"/>
-              <dgm:constr type="w" for="ch" forName="Parent" refType="w"/>
-              <dgm:constr type="h" for="ch" forName="Parent" refType="h" fact="0.1"/>
-              <dgm:constr type="l" for="ch" forName="Accent" refType="w" fact="0"/>
-              <dgm:constr type="b" for="ch" forName="Accent" refType="h"/>
-              <dgm:constr type="w" for="ch" forName="Accent" refType="w" fact="0"/>
-              <dgm:constr type="h" for="ch" forName="Accent" refType="h" fact="0.9"/>
-              <dgm:constr type="l" for="ch" forName="Image" refType="w" fact="0.05"/>
-              <dgm:constr type="t" for="ch" forName="Image" refType="h" fact="0.13"/>
-              <dgm:constr type="w" for="ch" forName="Image" refType="w" fact="0.9467"/>
-              <dgm:constr type="h" for="ch" forName="Image" refType="h" fact="0.405"/>
-              <dgm:constr type="l" for="ch" forName="Child" refType="w" fact="0.05"/>
-              <dgm:constr type="t" for="ch" forName="Child" refType="h" fact="0.535"/>
-              <dgm:constr type="w" for="ch" forName="Child" refType="w" fact="0.9467"/>
-              <dgm:constr type="h" for="ch" forName="Child" refType="h" fact="0.465"/>
-            </dgm:constrLst>
-          </dgm:if>
-          <dgm:else name="Name6">
-            <dgm:constrLst>
-              <dgm:constr type="l" for="ch" forName="Parent" refType="w" fact="0"/>
-              <dgm:constr type="t" for="ch" forName="Parent" refType="h" fact="0"/>
-              <dgm:constr type="w" for="ch" forName="Parent" refType="w"/>
-              <dgm:constr type="h" for="ch" forName="Parent" refType="h" fact="0.1"/>
-              <dgm:constr type="l" for="ch" forName="Accent" refType="w"/>
-              <dgm:constr type="b" for="ch" forName="Accent" refType="h"/>
-              <dgm:constr type="h" for="ch" forName="Accent" refType="h" fact="0.9"/>
-              <dgm:constr type="l" for="ch" forName="Image" refType="w" fact="0"/>
-              <dgm:constr type="t" for="ch" forName="Image" refType="h" fact="0.13"/>
-              <dgm:constr type="w" for="ch" forName="Image" refType="w" fact="0.9467"/>
-              <dgm:constr type="h" for="ch" forName="Image" refType="h" fact="0.405"/>
-              <dgm:constr type="l" for="ch" forName="Child" refType="w" fact="0"/>
-              <dgm:constr type="t" for="ch" forName="Child" refType="h" fact="0.535"/>
-              <dgm:constr type="w" for="ch" forName="Child" refType="w" fact="0.9467"/>
-              <dgm:constr type="h" for="ch" forName="Child" refType="h" fact="0.465"/>
-            </dgm:constrLst>
-          </dgm:else>
-        </dgm:choose>
-        <dgm:forEach name="Name7" axis="self" ptType="node">
-          <dgm:layoutNode name="Accent" styleLbl="alignAcc1">
-            <dgm:alg type="sp"/>
-            <dgm:shape xmlns:r="http://schemas.openxmlformats.org/officeDocument/2006/relationships" type="line" r:blip="">
-              <dgm:adjLst/>
-            </dgm:shape>
-            <dgm:presOf/>
-          </dgm:layoutNode>
-          <dgm:layoutNode name="Image">
-            <dgm:alg type="sp"/>
-            <dgm:shape xmlns:r="http://schemas.openxmlformats.org/officeDocument/2006/relationships" type="rect" r:blip="" blipPhldr="1">
-              <dgm:adjLst/>
-            </dgm:shape>
-            <dgm:presOf/>
-          </dgm:layoutNode>
-          <dgm:layoutNode name="Child" styleLbl="revTx">
-            <dgm:varLst>
-              <dgm:bulletEnabled val="1"/>
-            </dgm:varLst>
-            <dgm:choose name="Name8">
-              <dgm:if name="Name9" axis="ch" ptType="node" func="cnt" op="gt" val="1">
-                <dgm:choose name="Name10">
-                  <dgm:if name="Name11" func="var" arg="dir" op="equ" val="norm">
-                    <dgm:alg type="tx">
-                      <dgm:param type="shpTxLTRAlignCh" val="l"/>
-                      <dgm:param type="shpTxRTLAlignCh" val="r"/>
-                      <dgm:param type="txAnchorVert" val="t"/>
-                      <dgm:param type="stBulletLvl" val="1"/>
-                    </dgm:alg>
-                  </dgm:if>
-                  <dgm:else name="Name12">
-                    <dgm:alg type="tx">
-                      <dgm:param type="shpTxLTRAlignCh" val="l"/>
-                      <dgm:param type="shpTxRTLAlignCh" val="r"/>
-                      <dgm:param type="txAnchorVert" val="t"/>
-                      <dgm:param type="stBulletLvl" val="1"/>
-                    </dgm:alg>
-                  </dgm:else>
-                </dgm:choose>
-              </dgm:if>
-              <dgm:else name="Name13">
-                <dgm:choose name="Name14">
-                  <dgm:if name="Name15" func="var" arg="dir" op="equ" val="norm">
-                    <dgm:alg type="tx">
-                      <dgm:param type="shpTxLTRAlignCh" val="l"/>
-                      <dgm:param type="shpTxRTLAlignCh" val="r"/>
-                      <dgm:param type="txAnchorVert" val="t"/>
-                      <dgm:param type="stBulletLvl" val="2"/>
-                    </dgm:alg>
-                  </dgm:if>
-                  <dgm:else name="Name16">
-                    <dgm:alg type="tx">
-                      <dgm:param type="shpTxLTRAlignCh" val="l"/>
-                      <dgm:param type="shpTxRTLAlignCh" val="r"/>
-                      <dgm:param type="txAnchorVert" val="t"/>
-                      <dgm:param type="stBulletLvl" val="2"/>
-                    </dgm:alg>
-                  </dgm:else>
-                </dgm:choose>
-              </dgm:else>
-            </dgm:choose>
-            <dgm:shape xmlns:r="http://schemas.openxmlformats.org/officeDocument/2006/relationships" type="rect" r:blip="">
-              <dgm:adjLst/>
-            </dgm:shape>
-            <dgm:presOf axis="des" ptType="node"/>
-            <dgm:constrLst>
-              <dgm:constr type="lMarg" refType="primFontSz" fact="0.2"/>
-              <dgm:constr type="rMarg" refType="primFontSz" fact="0.2"/>
-              <dgm:constr type="tMarg" refType="primFontSz" fact="0.2"/>
-              <dgm:constr type="bMarg" refType="primFontSz" fact="0.2"/>
-            </dgm:constrLst>
-            <dgm:ruleLst>
-              <dgm:rule type="primFontSz" val="5" fact="NaN" max="NaN"/>
-            </dgm:ruleLst>
-          </dgm:layoutNode>
-          <dgm:layoutNode name="Parent" styleLbl="alignNode1">
-            <dgm:varLst>
-              <dgm:bulletEnabled val="1"/>
-            </dgm:varLst>
-            <dgm:alg type="tx">
-              <dgm:param type="shpTxLTRAlignCh" val="ctr"/>
-              <dgm:param type="txAnchorVertCh" val="mid"/>
-            </dgm:alg>
-            <dgm:shape xmlns:r="http://schemas.openxmlformats.org/officeDocument/2006/relationships" type="rect" r:blip="">
-              <dgm:adjLst/>
-            </dgm:shape>
-            <dgm:presOf axis="self"/>
-            <dgm:constrLst>
-              <dgm:constr type="lMarg" refType="primFontSz" fact="0.2"/>
-              <dgm:constr type="rMarg" refType="primFontSz" fact="0.2"/>
-              <dgm:constr type="tMarg" refType="primFontSz" fact="0.2"/>
-              <dgm:constr type="bMarg" refType="primFontSz" fact="0.2"/>
-            </dgm:constrLst>
-            <dgm:ruleLst>
-              <dgm:rule type="primFontSz" val="5" fact="NaN" max="NaN"/>
-            </dgm:ruleLst>
-          </dgm:layoutNode>
-        </dgm:forEach>
+        <dgm:presOf/>
+        <dgm:constrLst>
+          <dgm:constr type="l" for="ch" forName="parTx"/>
+          <dgm:constr type="w" for="ch" forName="parTx" refType="w"/>
+          <dgm:constr type="t" for="ch" forName="parTx"/>
+          <dgm:constr type="l" for="ch" forName="desTx"/>
+          <dgm:constr type="w" for="ch" forName="desTx" refType="w" refFor="ch" refForName="parTx"/>
+          <dgm:constr type="t" for="ch" forName="desTx" refType="h" refFor="ch" refForName="parTx"/>
+        </dgm:constrLst>
+        <dgm:ruleLst>
+          <dgm:rule type="h" val="INF" fact="NaN" max="NaN"/>
+        </dgm:ruleLst>
+        <dgm:layoutNode name="parTx" styleLbl="alignNode1">
+          <dgm:varLst>
+            <dgm:chMax val="0"/>
+            <dgm:chPref val="0"/>
+            <dgm:bulletEnabled val="1"/>
+          </dgm:varLst>
+          <dgm:alg type="tx"/>
+          <dgm:shape xmlns:r="http://schemas.openxmlformats.org/officeDocument/2006/relationships" type="rect" r:blip="">
+            <dgm:adjLst/>
+          </dgm:shape>
+          <dgm:presOf axis="self" ptType="node"/>
+          <dgm:constrLst>
+            <dgm:constr type="h" refType="w" op="lte" fact="0.4"/>
+            <dgm:constr type="h"/>
+            <dgm:constr type="tMarg" refType="primFontSz" fact="0.32"/>
+            <dgm:constr type="bMarg" refType="primFontSz" fact="0.32"/>
+          </dgm:constrLst>
+          <dgm:ruleLst>
+            <dgm:rule type="h" val="INF" fact="NaN" max="NaN"/>
+          </dgm:ruleLst>
+        </dgm:layoutNode>
+        <dgm:layoutNode name="desTx" styleLbl="alignAccFollowNode1">
+          <dgm:varLst>
+            <dgm:bulletEnabled val="1"/>
+          </dgm:varLst>
+          <dgm:alg type="tx">
+            <dgm:param type="stBulletLvl" val="1"/>
+          </dgm:alg>
+          <dgm:shape xmlns:r="http://schemas.openxmlformats.org/officeDocument/2006/relationships" type="rect" r:blip="">
+            <dgm:adjLst/>
+          </dgm:shape>
+          <dgm:presOf axis="des" ptType="node"/>
+          <dgm:constrLst>
+            <dgm:constr type="secFontSz" val="65"/>
+            <dgm:constr type="primFontSz" refType="secFontSz"/>
+            <dgm:constr type="h"/>
+            <dgm:constr type="lMarg" refType="primFontSz" fact="0.42"/>
+            <dgm:constr type="tMarg" refType="primFontSz" fact="0.42"/>
+            <dgm:constr type="bMarg" refType="primFontSz" fact="0.63"/>
+          </dgm:constrLst>
+          <dgm:ruleLst>
+            <dgm:rule type="h" val="INF" fact="NaN" max="NaN"/>
+          </dgm:ruleLst>
+        </dgm:layoutNode>
       </dgm:layoutNode>
-      <dgm:forEach name="sibTransForEach" axis="followSib" ptType="sibTrans" cnt="1">
-        <dgm:layoutNode name="sibTrans">
+      <dgm:forEach name="Name5" axis="followSib" ptType="sibTrans" cnt="1">
+        <dgm:layoutNode name="space">
           <dgm:alg type="sp"/>
           <dgm:shape xmlns:r="http://schemas.openxmlformats.org/officeDocument/2006/relationships" r:blip="">
             <dgm:adjLst/>
           </dgm:shape>
+          <dgm:presOf/>
+          <dgm:constrLst/>
+          <dgm:ruleLst/>
         </dgm:layoutNode>
       </dgm:forEach>
     </dgm:forEach>
@@ -12082,12 +10840,14 @@
         </p:nvSpPr>
         <p:spPr/>
         <p:txBody>
-          <a:bodyPr/>
+          <a:bodyPr>
+            <a:normAutofit fontScale="90000"/>
+          </a:bodyPr>
           <a:lstStyle/>
           <a:p>
             <a:r>
               <a:rPr lang="en-US" dirty="0"/>
-              <a:t>Science Project Title</a:t>
+              <a:t>Impact of Hyperparameters on Model Performance</a:t>
             </a:r>
           </a:p>
         </p:txBody>
@@ -12108,10 +10868,9 @@
           <a:lstStyle/>
           <a:p>
             <a:r>
-              <a:rPr lang="en-US"/>
+              <a:rPr lang="en-US" dirty="0"/>
               <a:t>Your name | Teacher’s name | School</a:t>
             </a:r>
-            <a:endParaRPr lang="en-US" dirty="0"/>
           </a:p>
         </p:txBody>
       </p:sp>
@@ -12131,10 +10890,9 @@
           <a:lstStyle/>
           <a:p>
             <a:r>
-              <a:rPr lang="en-US"/>
-              <a:t>Problem / Question</a:t>
+              <a:rPr lang="en-US" dirty="0"/>
+              <a:t>Objectives</a:t>
             </a:r>
-            <a:endParaRPr lang="en-US" dirty="0"/>
           </a:p>
         </p:txBody>
       </p:sp>
@@ -12148,74 +10906,87 @@
             <p:ph type="body" sz="quarter" idx="39"/>
           </p:nvPr>
         </p:nvSpPr>
-        <p:spPr/>
+        <p:spPr>
+          <a:xfrm>
+            <a:off x="1114019" y="6757374"/>
+            <a:ext cx="12484431" cy="4179663"/>
+          </a:xfrm>
+        </p:spPr>
         <p:txBody>
           <a:bodyPr/>
           <a:lstStyle/>
           <a:p>
             <a:r>
               <a:rPr lang="en-US" dirty="0"/>
-              <a:t>Enter your question here (statement of the problem)</a:t>
+              <a:t>Evaluate:</a:t>
             </a:r>
           </a:p>
-        </p:txBody>
-      </p:sp>
-      <p:sp>
-        <p:nvSpPr>
-          <p:cNvPr id="68" name="Text Placeholder 67"/>
-          <p:cNvSpPr>
-            <a:spLocks noGrp="1"/>
-          </p:cNvSpPr>
-          <p:nvPr>
-            <p:ph type="body" sz="quarter" idx="37"/>
-          </p:nvPr>
-        </p:nvSpPr>
-        <p:spPr/>
-        <p:txBody>
-          <a:bodyPr/>
-          <a:lstStyle/>
-          <a:p>
-            <a:r>
-              <a:rPr lang="en-US"/>
-              <a:t>Hypothesis</a:t>
-            </a:r>
-            <a:endParaRPr lang="en-US" dirty="0"/>
-          </a:p>
-        </p:txBody>
-      </p:sp>
-      <p:sp>
-        <p:nvSpPr>
-          <p:cNvPr id="11" name="Content Placeholder 10"/>
-          <p:cNvSpPr>
-            <a:spLocks noGrp="1"/>
-          </p:cNvSpPr>
-          <p:nvPr>
-            <p:ph sz="quarter" idx="38"/>
-          </p:nvPr>
-        </p:nvSpPr>
-        <p:spPr/>
-        <p:txBody>
-          <a:bodyPr/>
-          <a:lstStyle/>
-          <a:p>
-            <a:endParaRPr lang="en-US" dirty="0"/>
-          </a:p>
-          <a:p>
+          <a:p>
+            <a:pPr marL="742950" lvl="1" indent="-742950">
+              <a:buFont typeface="+mj-lt"/>
+              <a:buAutoNum type="arabicPeriod"/>
+            </a:pPr>
             <a:r>
               <a:rPr lang="en-US" dirty="0"/>
-              <a:t>Add your answer / solution here</a:t>
+              <a:t>Network </a:t>
             </a:r>
-          </a:p>
-          <a:p>
+            <a:r>
+              <a:rPr lang="en-US" b="1" dirty="0"/>
+              <a:t>Shape </a:t>
+            </a:r>
             <a:r>
               <a:rPr lang="en-US" dirty="0"/>
-              <a:t>Write hypothesis before you begin the experiment</a:t>
+              <a:t>vs Performance</a:t>
             </a:r>
           </a:p>
           <a:p>
+            <a:pPr marL="742950" lvl="1" indent="-742950">
+              <a:buFont typeface="+mj-lt"/>
+              <a:buAutoNum type="arabicPeriod"/>
+            </a:pPr>
             <a:r>
               <a:rPr lang="en-US" dirty="0"/>
-              <a:t>This should be your best educated guess based on your research</a:t>
+              <a:t>Data </a:t>
+            </a:r>
+            <a:r>
+              <a:rPr lang="en-US" b="1" dirty="0"/>
+              <a:t>Availability</a:t>
+            </a:r>
+            <a:r>
+              <a:rPr lang="en-US" dirty="0"/>
+              <a:t> vs Performance</a:t>
+            </a:r>
+          </a:p>
+          <a:p>
+            <a:pPr marL="742950" lvl="1" indent="-742950">
+              <a:buFont typeface="+mj-lt"/>
+              <a:buAutoNum type="arabicPeriod"/>
+            </a:pPr>
+            <a:r>
+              <a:rPr lang="en-US" dirty="0"/>
+              <a:t>Network </a:t>
+            </a:r>
+            <a:r>
+              <a:rPr lang="en-US" b="1" dirty="0"/>
+              <a:t>Node Count </a:t>
+            </a:r>
+            <a:r>
+              <a:rPr lang="en-US" dirty="0"/>
+              <a:t>vs Performance</a:t>
+            </a:r>
+          </a:p>
+          <a:p>
+            <a:pPr marL="742950" lvl="1" indent="-742950">
+              <a:buFont typeface="+mj-lt"/>
+              <a:buAutoNum type="arabicPeriod"/>
+            </a:pPr>
+            <a:r>
+              <a:rPr lang="en-US" dirty="0"/>
+              <a:t>Target Algorithm vs </a:t>
+            </a:r>
+            <a:r>
+              <a:rPr lang="en-US" b="1" dirty="0"/>
+              <a:t>Convergence Time</a:t>
             </a:r>
           </a:p>
         </p:txBody>
@@ -12230,37 +11001,19 @@
             <p:ph type="body" sz="quarter" idx="17"/>
           </p:nvPr>
         </p:nvSpPr>
-        <p:spPr/>
+        <p:spPr>
+          <a:xfrm>
+            <a:off x="1114681" y="12056824"/>
+            <a:ext cx="12484431" cy="1121304"/>
+          </a:xfrm>
+        </p:spPr>
         <p:txBody>
           <a:bodyPr/>
           <a:lstStyle/>
           <a:p>
             <a:r>
-              <a:rPr lang="en-US"/>
-              <a:t>Project Overview</a:t>
-            </a:r>
-            <a:endParaRPr lang="en-US" dirty="0"/>
-          </a:p>
-        </p:txBody>
-      </p:sp>
-      <p:sp>
-        <p:nvSpPr>
-          <p:cNvPr id="12" name="Content Placeholder 11"/>
-          <p:cNvSpPr>
-            <a:spLocks noGrp="1"/>
-          </p:cNvSpPr>
-          <p:nvPr>
-            <p:ph sz="quarter" idx="25"/>
-          </p:nvPr>
-        </p:nvSpPr>
-        <p:spPr/>
-        <p:txBody>
-          <a:bodyPr/>
-          <a:lstStyle/>
-          <a:p>
-            <a:r>
               <a:rPr lang="en-US" dirty="0"/>
-              <a:t>Add a brief overview or summary of your project. (Use the Bullets button on the Home tab to remove the bullets.)</a:t>
+              <a:t>Baseline Algorithms Used</a:t>
             </a:r>
           </a:p>
         </p:txBody>
@@ -12281,10 +11034,9 @@
           <a:lstStyle/>
           <a:p>
             <a:r>
-              <a:rPr lang="en-US"/>
-              <a:t>Variables / Research</a:t>
+              <a:rPr lang="en-US" dirty="0"/>
+              <a:t>Data Sets Used</a:t>
             </a:r>
-            <a:endParaRPr lang="en-US" dirty="0"/>
           </a:p>
         </p:txBody>
       </p:sp>
@@ -12298,13 +11050,13 @@
             <p:ph sz="quarter" idx="26"/>
             <p:extLst>
               <p:ext uri="{D42A27DB-BD31-4B8C-83A1-F6EECF244321}">
-                <p14:modId xmlns:p14="http://schemas.microsoft.com/office/powerpoint/2010/main" val="2939312321"/>
+                <p14:modId xmlns:p14="http://schemas.microsoft.com/office/powerpoint/2010/main" val="4211940053"/>
               </p:ext>
             </p:extLst>
           </p:nvPr>
         </p:nvGraphicFramePr>
         <p:xfrm>
-          <a:off x="2269629" y="22377903"/>
+          <a:off x="1492344" y="22590842"/>
           <a:ext cx="11773694" cy="6711764"/>
         </p:xfrm>
         <a:graphic>
@@ -12329,10 +11081,9 @@
           <a:lstStyle/>
           <a:p>
             <a:r>
-              <a:rPr lang="en-US"/>
-              <a:t>Materials</a:t>
+              <a:rPr lang="en-US" dirty="0"/>
+              <a:t>Procedure</a:t>
             </a:r>
-            <a:endParaRPr lang="en-US" dirty="0"/>
           </a:p>
         </p:txBody>
       </p:sp>
@@ -12346,14 +11097,14 @@
             <p:ph sz="quarter" idx="27"/>
             <p:extLst>
               <p:ext uri="{D42A27DB-BD31-4B8C-83A1-F6EECF244321}">
-                <p14:modId xmlns:p14="http://schemas.microsoft.com/office/powerpoint/2010/main" val="216089078"/>
+                <p14:modId xmlns:p14="http://schemas.microsoft.com/office/powerpoint/2010/main" val="1112236472"/>
               </p:ext>
             </p:extLst>
           </p:nvPr>
         </p:nvGraphicFramePr>
         <p:xfrm>
-          <a:off x="15515034" y="6542401"/>
-          <a:ext cx="11773694" cy="6124832"/>
+          <a:off x="15515034" y="7210231"/>
+          <a:ext cx="11773694" cy="2518760"/>
         </p:xfrm>
         <a:graphic>
           <a:graphicData uri="http://schemas.openxmlformats.org/drawingml/2006/table">
@@ -12362,14 +11113,14 @@
                 <a:tableStyleId>{69012ECD-51FC-41F1-AA8D-1B2483CD663E}</a:tableStyleId>
               </a:tblPr>
               <a:tblGrid>
-                <a:gridCol w="5886847">
+                <a:gridCol w="3249216">
                   <a:extLst>
                     <a:ext uri="{9D8B030D-6E8A-4147-A177-3AD203B41FA5}">
                       <a16:colId xmlns:a16="http://schemas.microsoft.com/office/drawing/2014/main" val="20000"/>
                     </a:ext>
                   </a:extLst>
                 </a:gridCol>
-                <a:gridCol w="5886847">
+                <a:gridCol w="8524478">
                   <a:extLst>
                     <a:ext uri="{9D8B030D-6E8A-4147-A177-3AD203B41FA5}">
                       <a16:colId xmlns:a16="http://schemas.microsoft.com/office/drawing/2014/main" val="20001"/>
@@ -12386,7 +11137,7 @@
                       <a:pPr algn="ctr"/>
                       <a:r>
                         <a:rPr lang="en-US" sz="2600" dirty="0"/>
-                        <a:t>Materials (detailed list)</a:t>
+                        <a:t>Step</a:t>
                       </a:r>
                     </a:p>
                   </a:txBody>
@@ -12400,13 +11151,8 @@
                       <a:pPr algn="ctr"/>
                       <a:r>
                         <a:rPr lang="en-US" sz="2600" dirty="0"/>
-                        <a:t>Quantity (be</a:t>
+                        <a:t>Description</a:t>
                       </a:r>
-                      <a:r>
-                        <a:rPr lang="en-US" sz="2600" baseline="0" dirty="0"/>
-                        <a:t> specific)</a:t>
-                      </a:r>
-                      <a:endParaRPr lang="en-US" sz="2600" dirty="0"/>
                     </a:p>
                   </a:txBody>
                   <a:tcPr marL="84098" marR="84098" marT="42049" marB="42049" anchor="ctr"/>
@@ -12426,7 +11172,7 @@
                       <a:pPr algn="ctr"/>
                       <a:r>
                         <a:rPr lang="en-US" sz="2600" dirty="0"/>
-                        <a:t>Item</a:t>
+                        <a:t>Define Models</a:t>
                       </a:r>
                     </a:p>
                   </a:txBody>
@@ -12440,7 +11186,15 @@
                       <a:pPr algn="ctr"/>
                       <a:r>
                         <a:rPr lang="en-US" sz="2600" dirty="0"/>
-                        <a:t>Amount</a:t>
+                        <a:t>Generate models with equal parameter count for MLP </a:t>
+                      </a:r>
+                      <a:r>
+                        <a:rPr lang="en-US" sz="2600" b="1" dirty="0"/>
+                        <a:t>depths </a:t>
+                      </a:r>
+                      <a:r>
+                        <a:rPr lang="en-US" sz="2600" dirty="0"/>
+                        <a:t>from1 to 8</a:t>
                       </a:r>
                     </a:p>
                   </a:txBody>
@@ -12461,7 +11215,7 @@
                       <a:pPr algn="ctr"/>
                       <a:r>
                         <a:rPr lang="en-US" sz="2600" dirty="0"/>
-                        <a:t>Item</a:t>
+                        <a:t>Run Experiment</a:t>
                       </a:r>
                     </a:p>
                   </a:txBody>
@@ -12475,7 +11229,345 @@
                       <a:pPr algn="ctr"/>
                       <a:r>
                         <a:rPr lang="en-US" sz="2600" dirty="0"/>
-                        <a:t>Amount</a:t>
+                        <a:t>Evaluate validation loss, test accuracy using CIFAR-10 for CNN and F-MNIST for NN</a:t>
+                      </a:r>
+                    </a:p>
+                  </a:txBody>
+                  <a:tcPr marL="84098" marR="84098" marT="42049" marB="42049" anchor="ctr"/>
+                </a:tc>
+                <a:extLst>
+                  <a:ext uri="{0D108BD9-81ED-4DB2-BD59-A6C34878D82A}">
+                    <a16:rowId xmlns:a16="http://schemas.microsoft.com/office/drawing/2014/main" val="10002"/>
+                  </a:ext>
+                </a:extLst>
+              </a:tr>
+            </a:tbl>
+          </a:graphicData>
+        </a:graphic>
+      </p:graphicFrame>
+      <p:sp>
+        <p:nvSpPr>
+          <p:cNvPr id="18" name="Text Placeholder 17"/>
+          <p:cNvSpPr>
+            <a:spLocks noGrp="1"/>
+          </p:cNvSpPr>
+          <p:nvPr>
+            <p:ph type="body" sz="quarter" idx="31"/>
+          </p:nvPr>
+        </p:nvSpPr>
+        <p:spPr/>
+        <p:txBody>
+          <a:bodyPr/>
+          <a:lstStyle/>
+          <a:p>
+            <a:r>
+              <a:rPr lang="en-US"/>
+              <a:t>Results</a:t>
+            </a:r>
+            <a:endParaRPr lang="en-US" dirty="0"/>
+          </a:p>
+        </p:txBody>
+      </p:sp>
+      <p:sp>
+        <p:nvSpPr>
+          <p:cNvPr id="71" name="Text Placeholder 70"/>
+          <p:cNvSpPr>
+            <a:spLocks noGrp="1"/>
+          </p:cNvSpPr>
+          <p:nvPr>
+            <p:ph type="body" sz="quarter" idx="41"/>
+          </p:nvPr>
+        </p:nvSpPr>
+        <p:spPr/>
+        <p:txBody>
+          <a:bodyPr/>
+          <a:lstStyle/>
+          <a:p>
+            <a:r>
+              <a:rPr lang="en-US"/>
+              <a:t>Conclusion</a:t>
+            </a:r>
+            <a:endParaRPr lang="en-US" dirty="0"/>
+          </a:p>
+        </p:txBody>
+      </p:sp>
+      <p:sp>
+        <p:nvSpPr>
+          <p:cNvPr id="15" name="Content Placeholder 14"/>
+          <p:cNvSpPr>
+            <a:spLocks noGrp="1"/>
+          </p:cNvSpPr>
+          <p:nvPr>
+            <p:ph sz="quarter" idx="42"/>
+          </p:nvPr>
+        </p:nvSpPr>
+        <p:spPr/>
+        <p:txBody>
+          <a:bodyPr/>
+          <a:lstStyle/>
+          <a:p>
+            <a:r>
+              <a:rPr lang="en-US" dirty="0"/>
+              <a:t>Brief summary of what you discovered based on results</a:t>
+            </a:r>
+          </a:p>
+          <a:p>
+            <a:r>
+              <a:rPr lang="en-US" dirty="0"/>
+              <a:t>Indicate and explain whether or not the data supports your hypothesis</a:t>
+            </a:r>
+          </a:p>
+        </p:txBody>
+      </p:sp>
+      <p:pic>
+        <p:nvPicPr>
+          <p:cNvPr id="105" name="Picture Placeholder 104" descr="Closeup of glass beakers" title="Sample Picture"/>
+          <p:cNvPicPr>
+            <a:picLocks noGrp="1" noChangeAspect="1"/>
+          </p:cNvPicPr>
+          <p:nvPr>
+            <p:ph type="pic" sz="quarter" idx="43"/>
+          </p:nvPr>
+        </p:nvPicPr>
+        <p:blipFill rotWithShape="1">
+          <a:blip r:embed="rId8" cstate="print">
+            <a:extLst>
+              <a:ext uri="{28A0092B-C50C-407E-A947-70E740481C1C}">
+                <a14:useLocalDpi xmlns:a14="http://schemas.microsoft.com/office/drawing/2010/main" val="0"/>
+              </a:ext>
+            </a:extLst>
+          </a:blip>
+          <a:srcRect/>
+          <a:stretch/>
+        </p:blipFill>
+        <p:spPr/>
+      </p:pic>
+      <p:pic>
+        <p:nvPicPr>
+          <p:cNvPr id="1028" name="Picture 4" descr="Image result for mila logo">
+            <a:extLst>
+              <a:ext uri="{FF2B5EF4-FFF2-40B4-BE49-F238E27FC236}">
+                <a16:creationId xmlns:a16="http://schemas.microsoft.com/office/drawing/2014/main" id="{76095A68-E6E3-4612-9C87-C02B43D85F07}"/>
+              </a:ext>
+            </a:extLst>
+          </p:cNvPr>
+          <p:cNvPicPr>
+            <a:picLocks noChangeAspect="1" noChangeArrowheads="1"/>
+          </p:cNvPicPr>
+          <p:nvPr/>
+        </p:nvPicPr>
+        <p:blipFill>
+          <a:blip r:embed="rId9" cstate="print">
+            <a:extLst>
+              <a:ext uri="{28A0092B-C50C-407E-A947-70E740481C1C}">
+                <a14:useLocalDpi xmlns:a14="http://schemas.microsoft.com/office/drawing/2010/main" val="0"/>
+              </a:ext>
+            </a:extLst>
+          </a:blip>
+          <a:srcRect/>
+          <a:stretch>
+            <a:fillRect/>
+          </a:stretch>
+        </p:blipFill>
+        <p:spPr bwMode="auto">
+          <a:xfrm>
+            <a:off x="38342057" y="27432000"/>
+            <a:ext cx="3302437" cy="1657434"/>
+          </a:xfrm>
+          <a:prstGeom prst="rect">
+            <a:avLst/>
+          </a:prstGeom>
+          <a:noFill/>
+          <a:extLst>
+            <a:ext uri="{909E8E84-426E-40DD-AFC4-6F175D3DCCD1}">
+              <a14:hiddenFill xmlns:a14="http://schemas.microsoft.com/office/drawing/2010/main">
+                <a:solidFill>
+                  <a:srgbClr val="FFFFFF"/>
+                </a:solidFill>
+              </a14:hiddenFill>
+            </a:ext>
+          </a:extLst>
+        </p:spPr>
+      </p:pic>
+      <p:graphicFrame>
+        <p:nvGraphicFramePr>
+          <p:cNvPr id="35" name="Content Placeholder 71" descr="Horizontal Bullet List" title="SmartArt">
+            <a:extLst>
+              <a:ext uri="{FF2B5EF4-FFF2-40B4-BE49-F238E27FC236}">
+                <a16:creationId xmlns:a16="http://schemas.microsoft.com/office/drawing/2014/main" id="{6D5AD587-AD5B-4186-9510-FC483D493BEE}"/>
+              </a:ext>
+            </a:extLst>
+          </p:cNvPr>
+          <p:cNvGraphicFramePr>
+            <a:graphicFrameLocks noGrp="1"/>
+          </p:cNvGraphicFramePr>
+          <p:nvPr>
+            <p:ph sz="quarter" idx="25"/>
+            <p:extLst>
+              <p:ext uri="{D42A27DB-BD31-4B8C-83A1-F6EECF244321}">
+                <p14:modId xmlns:p14="http://schemas.microsoft.com/office/powerpoint/2010/main" val="1297340343"/>
+              </p:ext>
+            </p:extLst>
+          </p:nvPr>
+        </p:nvGraphicFramePr>
+        <p:xfrm>
+          <a:off x="1114350" y="13334792"/>
+          <a:ext cx="12484100" cy="6727825"/>
+        </p:xfrm>
+        <a:graphic>
+          <a:graphicData uri="http://schemas.openxmlformats.org/drawingml/2006/diagram">
+            <dgm:relIds xmlns:dgm="http://schemas.openxmlformats.org/drawingml/2006/diagram" xmlns:r="http://schemas.openxmlformats.org/officeDocument/2006/relationships" r:dm="rId10" r:lo="rId11" r:qs="rId12" r:cs="rId13"/>
+          </a:graphicData>
+        </a:graphic>
+      </p:graphicFrame>
+      <p:graphicFrame>
+        <p:nvGraphicFramePr>
+          <p:cNvPr id="38" name="Content Placeholder 1" descr="Sample table with 2 columns, 8 rows" title="Table">
+            <a:extLst>
+              <a:ext uri="{FF2B5EF4-FFF2-40B4-BE49-F238E27FC236}">
+                <a16:creationId xmlns:a16="http://schemas.microsoft.com/office/drawing/2014/main" id="{FC6652E3-D4F7-443E-A6C1-0B6A4FFF4D45}"/>
+              </a:ext>
+            </a:extLst>
+          </p:cNvPr>
+          <p:cNvGraphicFramePr>
+            <a:graphicFrameLocks/>
+          </p:cNvGraphicFramePr>
+          <p:nvPr>
+            <p:extLst>
+              <p:ext uri="{D42A27DB-BD31-4B8C-83A1-F6EECF244321}">
+                <p14:modId xmlns:p14="http://schemas.microsoft.com/office/powerpoint/2010/main" val="1934176157"/>
+              </p:ext>
+            </p:extLst>
+          </p:nvPr>
+        </p:nvGraphicFramePr>
+        <p:xfrm>
+          <a:off x="15515034" y="10757971"/>
+          <a:ext cx="11773694" cy="3173390"/>
+        </p:xfrm>
+        <a:graphic>
+          <a:graphicData uri="http://schemas.openxmlformats.org/drawingml/2006/table">
+            <a:tbl>
+              <a:tblPr firstRow="1" bandRow="1">
+                <a:tableStyleId>{69012ECD-51FC-41F1-AA8D-1B2483CD663E}</a:tableStyleId>
+              </a:tblPr>
+              <a:tblGrid>
+                <a:gridCol w="3249216">
+                  <a:extLst>
+                    <a:ext uri="{9D8B030D-6E8A-4147-A177-3AD203B41FA5}">
+                      <a16:colId xmlns:a16="http://schemas.microsoft.com/office/drawing/2014/main" val="20000"/>
+                    </a:ext>
+                  </a:extLst>
+                </a:gridCol>
+                <a:gridCol w="8524478">
+                  <a:extLst>
+                    <a:ext uri="{9D8B030D-6E8A-4147-A177-3AD203B41FA5}">
+                      <a16:colId xmlns:a16="http://schemas.microsoft.com/office/drawing/2014/main" val="20001"/>
+                    </a:ext>
+                  </a:extLst>
+                </a:gridCol>
+              </a:tblGrid>
+              <a:tr h="765604">
+                <a:tc>
+                  <a:txBody>
+                    <a:bodyPr/>
+                    <a:lstStyle/>
+                    <a:p>
+                      <a:pPr algn="ctr"/>
+                      <a:r>
+                        <a:rPr lang="en-US" sz="2600" dirty="0"/>
+                        <a:t>Step</a:t>
+                      </a:r>
+                    </a:p>
+                  </a:txBody>
+                  <a:tcPr marL="84098" marR="84098" marT="42049" marB="42049" anchor="ctr"/>
+                </a:tc>
+                <a:tc>
+                  <a:txBody>
+                    <a:bodyPr/>
+                    <a:lstStyle/>
+                    <a:p>
+                      <a:pPr algn="ctr"/>
+                      <a:r>
+                        <a:rPr lang="en-US" sz="2600" dirty="0"/>
+                        <a:t>Description</a:t>
+                      </a:r>
+                    </a:p>
+                  </a:txBody>
+                  <a:tcPr marL="84098" marR="84098" marT="42049" marB="42049" anchor="ctr"/>
+                </a:tc>
+                <a:extLst>
+                  <a:ext uri="{0D108BD9-81ED-4DB2-BD59-A6C34878D82A}">
+                    <a16:rowId xmlns:a16="http://schemas.microsoft.com/office/drawing/2014/main" val="10000"/>
+                  </a:ext>
+                </a:extLst>
+              </a:tr>
+              <a:tr h="765604">
+                <a:tc>
+                  <a:txBody>
+                    <a:bodyPr/>
+                    <a:lstStyle/>
+                    <a:p>
+                      <a:pPr algn="ctr"/>
+                      <a:r>
+                        <a:rPr lang="en-US" sz="2600" dirty="0"/>
+                        <a:t>Split Training Set</a:t>
+                      </a:r>
+                    </a:p>
+                  </a:txBody>
+                  <a:tcPr marL="84098" marR="84098" marT="42049" marB="42049" anchor="ctr"/>
+                </a:tc>
+                <a:tc>
+                  <a:txBody>
+                    <a:bodyPr/>
+                    <a:lstStyle/>
+                    <a:p>
+                      <a:pPr algn="ctr"/>
+                      <a:r>
+                        <a:rPr lang="en-US" sz="2600" dirty="0"/>
+                        <a:t>Generate </a:t>
+                      </a:r>
+                      <a:r>
+                        <a:rPr lang="en-US" sz="2600" b="1" dirty="0"/>
+                        <a:t>smaller stratified sets </a:t>
+                      </a:r>
+                      <a:r>
+                        <a:rPr lang="en-US" sz="2600" dirty="0"/>
+                        <a:t>sampled from CIFAR-10 and F-MNIST</a:t>
+                      </a:r>
+                    </a:p>
+                  </a:txBody>
+                  <a:tcPr marL="84098" marR="84098" marT="42049" marB="42049" anchor="ctr"/>
+                </a:tc>
+                <a:extLst>
+                  <a:ext uri="{0D108BD9-81ED-4DB2-BD59-A6C34878D82A}">
+                    <a16:rowId xmlns:a16="http://schemas.microsoft.com/office/drawing/2014/main" val="10001"/>
+                  </a:ext>
+                </a:extLst>
+              </a:tr>
+              <a:tr h="765604">
+                <a:tc>
+                  <a:txBody>
+                    <a:bodyPr/>
+                    <a:lstStyle/>
+                    <a:p>
+                      <a:pPr algn="ctr"/>
+                      <a:r>
+                        <a:rPr lang="en-US" sz="2600" dirty="0"/>
+                        <a:t>Data Augmentation</a:t>
+                      </a:r>
+                    </a:p>
+                  </a:txBody>
+                  <a:tcPr marL="84098" marR="84098" marT="42049" marB="42049" anchor="ctr"/>
+                </a:tc>
+                <a:tc>
+                  <a:txBody>
+                    <a:bodyPr/>
+                    <a:lstStyle/>
+                    <a:p>
+                      <a:pPr algn="ctr"/>
+                      <a:r>
+                        <a:rPr lang="en-US" sz="2600" dirty="0"/>
+                        <a:t>Reflect images horizontally to double data set size</a:t>
                       </a:r>
                     </a:p>
                   </a:txBody>
@@ -12496,7 +11588,7 @@
                       <a:pPr algn="ctr"/>
                       <a:r>
                         <a:rPr lang="en-US" sz="2600" dirty="0"/>
-                        <a:t>Item</a:t>
+                        <a:t>Run Experiment</a:t>
                       </a:r>
                     </a:p>
                   </a:txBody>
@@ -12510,7 +11602,7 @@
                       <a:pPr algn="ctr"/>
                       <a:r>
                         <a:rPr lang="en-US" sz="2600" dirty="0"/>
-                        <a:t>Amount</a:t>
+                        <a:t>Evaluate test set accuracy using above sets</a:t>
                       </a:r>
                     </a:p>
                   </a:txBody>
@@ -12522,6 +11614,56 @@
                   </a:ext>
                 </a:extLst>
               </a:tr>
+            </a:tbl>
+          </a:graphicData>
+        </a:graphic>
+      </p:graphicFrame>
+      <p:graphicFrame>
+        <p:nvGraphicFramePr>
+          <p:cNvPr id="48" name="Content Placeholder 1" descr="Sample table with 2 columns, 8 rows" title="Table">
+            <a:extLst>
+              <a:ext uri="{FF2B5EF4-FFF2-40B4-BE49-F238E27FC236}">
+                <a16:creationId xmlns:a16="http://schemas.microsoft.com/office/drawing/2014/main" id="{B373DD30-94AE-4801-8F02-2D8579CC8F4D}"/>
+              </a:ext>
+            </a:extLst>
+          </p:cNvPr>
+          <p:cNvGraphicFramePr>
+            <a:graphicFrameLocks/>
+          </p:cNvGraphicFramePr>
+          <p:nvPr>
+            <p:extLst>
+              <p:ext uri="{D42A27DB-BD31-4B8C-83A1-F6EECF244321}">
+                <p14:modId xmlns:p14="http://schemas.microsoft.com/office/powerpoint/2010/main" val="2983616595"/>
+              </p:ext>
+            </p:extLst>
+          </p:nvPr>
+        </p:nvGraphicFramePr>
+        <p:xfrm>
+          <a:off x="15515034" y="15094637"/>
+          <a:ext cx="11773694" cy="2518760"/>
+        </p:xfrm>
+        <a:graphic>
+          <a:graphicData uri="http://schemas.openxmlformats.org/drawingml/2006/table">
+            <a:tbl>
+              <a:tblPr firstRow="1" bandRow="1">
+                <a:tableStyleId>{69012ECD-51FC-41F1-AA8D-1B2483CD663E}</a:tableStyleId>
+              </a:tblPr>
+              <a:tblGrid>
+                <a:gridCol w="3249216">
+                  <a:extLst>
+                    <a:ext uri="{9D8B030D-6E8A-4147-A177-3AD203B41FA5}">
+                      <a16:colId xmlns:a16="http://schemas.microsoft.com/office/drawing/2014/main" val="20000"/>
+                    </a:ext>
+                  </a:extLst>
+                </a:gridCol>
+                <a:gridCol w="8524478">
+                  <a:extLst>
+                    <a:ext uri="{9D8B030D-6E8A-4147-A177-3AD203B41FA5}">
+                      <a16:colId xmlns:a16="http://schemas.microsoft.com/office/drawing/2014/main" val="20001"/>
+                    </a:ext>
+                  </a:extLst>
+                </a:gridCol>
+              </a:tblGrid>
               <a:tr h="765604">
                 <a:tc>
                   <a:txBody>
@@ -12531,7 +11673,7 @@
                       <a:pPr algn="ctr"/>
                       <a:r>
                         <a:rPr lang="en-US" sz="2600" dirty="0"/>
-                        <a:t>Item</a:t>
+                        <a:t>Step</a:t>
                       </a:r>
                     </a:p>
                   </a:txBody>
@@ -12545,7 +11687,7 @@
                       <a:pPr algn="ctr"/>
                       <a:r>
                         <a:rPr lang="en-US" sz="2600" dirty="0"/>
-                        <a:t>Amount</a:t>
+                        <a:t>Description</a:t>
                       </a:r>
                     </a:p>
                   </a:txBody>
@@ -12553,7 +11695,7 @@
                 </a:tc>
                 <a:extLst>
                   <a:ext uri="{0D108BD9-81ED-4DB2-BD59-A6C34878D82A}">
-                    <a16:rowId xmlns:a16="http://schemas.microsoft.com/office/drawing/2014/main" val="10004"/>
+                    <a16:rowId xmlns:a16="http://schemas.microsoft.com/office/drawing/2014/main" val="10000"/>
                   </a:ext>
                 </a:extLst>
               </a:tr>
@@ -12566,7 +11708,7 @@
                       <a:pPr algn="ctr"/>
                       <a:r>
                         <a:rPr lang="en-US" sz="2600" dirty="0"/>
-                        <a:t>Item</a:t>
+                        <a:t>Define Models</a:t>
                       </a:r>
                     </a:p>
                   </a:txBody>
@@ -12580,7 +11722,11 @@
                       <a:pPr algn="ctr"/>
                       <a:r>
                         <a:rPr lang="en-US" sz="2600" dirty="0"/>
-                        <a:t>Amount</a:t>
+                        <a:t>Generate models with equal depth and </a:t>
+                      </a:r>
+                      <a:r>
+                        <a:rPr lang="en-US" sz="2600" b="1" dirty="0"/>
+                        <a:t>variable number of neurons</a:t>
                       </a:r>
                     </a:p>
                   </a:txBody>
@@ -12588,7 +11734,7 @@
                 </a:tc>
                 <a:extLst>
                   <a:ext uri="{0D108BD9-81ED-4DB2-BD59-A6C34878D82A}">
-                    <a16:rowId xmlns:a16="http://schemas.microsoft.com/office/drawing/2014/main" val="10005"/>
+                    <a16:rowId xmlns:a16="http://schemas.microsoft.com/office/drawing/2014/main" val="10001"/>
                   </a:ext>
                 </a:extLst>
               </a:tr>
@@ -12601,7 +11747,7 @@
                       <a:pPr algn="ctr"/>
                       <a:r>
                         <a:rPr lang="en-US" sz="2600" dirty="0"/>
-                        <a:t>Item</a:t>
+                        <a:t>Run Experiment</a:t>
                       </a:r>
                     </a:p>
                   </a:txBody>
@@ -12615,7 +11761,7 @@
                       <a:pPr algn="ctr"/>
                       <a:r>
                         <a:rPr lang="en-US" sz="2600" dirty="0"/>
-                        <a:t>Amount</a:t>
+                        <a:t>Evaluate validation loss, test accuracy using CIFAR-10 and F-MNIST</a:t>
                       </a:r>
                     </a:p>
                   </a:txBody>
@@ -12623,10 +11769,60 @@
                 </a:tc>
                 <a:extLst>
                   <a:ext uri="{0D108BD9-81ED-4DB2-BD59-A6C34878D82A}">
-                    <a16:rowId xmlns:a16="http://schemas.microsoft.com/office/drawing/2014/main" val="10006"/>
+                    <a16:rowId xmlns:a16="http://schemas.microsoft.com/office/drawing/2014/main" val="10002"/>
                   </a:ext>
                 </a:extLst>
               </a:tr>
+            </a:tbl>
+          </a:graphicData>
+        </a:graphic>
+      </p:graphicFrame>
+      <p:graphicFrame>
+        <p:nvGraphicFramePr>
+          <p:cNvPr id="50" name="Content Placeholder 1" descr="Sample table with 2 columns, 8 rows" title="Table">
+            <a:extLst>
+              <a:ext uri="{FF2B5EF4-FFF2-40B4-BE49-F238E27FC236}">
+                <a16:creationId xmlns:a16="http://schemas.microsoft.com/office/drawing/2014/main" id="{B2EA0F32-A461-4144-8578-FF9654D0506C}"/>
+              </a:ext>
+            </a:extLst>
+          </p:cNvPr>
+          <p:cNvGraphicFramePr>
+            <a:graphicFrameLocks/>
+          </p:cNvGraphicFramePr>
+          <p:nvPr>
+            <p:extLst>
+              <p:ext uri="{D42A27DB-BD31-4B8C-83A1-F6EECF244321}">
+                <p14:modId xmlns:p14="http://schemas.microsoft.com/office/powerpoint/2010/main" val="2909998835"/>
+              </p:ext>
+            </p:extLst>
+          </p:nvPr>
+        </p:nvGraphicFramePr>
+        <p:xfrm>
+          <a:off x="15515034" y="18776673"/>
+          <a:ext cx="11773694" cy="2518760"/>
+        </p:xfrm>
+        <a:graphic>
+          <a:graphicData uri="http://schemas.openxmlformats.org/drawingml/2006/table">
+            <a:tbl>
+              <a:tblPr firstRow="1" bandRow="1">
+                <a:tableStyleId>{69012ECD-51FC-41F1-AA8D-1B2483CD663E}</a:tableStyleId>
+              </a:tblPr>
+              <a:tblGrid>
+                <a:gridCol w="3249216">
+                  <a:extLst>
+                    <a:ext uri="{9D8B030D-6E8A-4147-A177-3AD203B41FA5}">
+                      <a16:colId xmlns:a16="http://schemas.microsoft.com/office/drawing/2014/main" val="20000"/>
+                    </a:ext>
+                  </a:extLst>
+                </a:gridCol>
+                <a:gridCol w="8524478">
+                  <a:extLst>
+                    <a:ext uri="{9D8B030D-6E8A-4147-A177-3AD203B41FA5}">
+                      <a16:colId xmlns:a16="http://schemas.microsoft.com/office/drawing/2014/main" val="20001"/>
+                    </a:ext>
+                  </a:extLst>
+                </a:gridCol>
+              </a:tblGrid>
               <a:tr h="765604">
                 <a:tc>
                   <a:txBody>
@@ -12636,7 +11832,7 @@
                       <a:pPr algn="ctr"/>
                       <a:r>
                         <a:rPr lang="en-US" sz="2600" dirty="0"/>
-                        <a:t>Item</a:t>
+                        <a:t>Step</a:t>
                       </a:r>
                     </a:p>
                   </a:txBody>
@@ -12650,7 +11846,7 @@
                       <a:pPr algn="ctr"/>
                       <a:r>
                         <a:rPr lang="en-US" sz="2600" dirty="0"/>
-                        <a:t>Amount</a:t>
+                        <a:t>Description</a:t>
                       </a:r>
                     </a:p>
                   </a:txBody>
@@ -12658,7 +11854,85 @@
                 </a:tc>
                 <a:extLst>
                   <a:ext uri="{0D108BD9-81ED-4DB2-BD59-A6C34878D82A}">
-                    <a16:rowId xmlns:a16="http://schemas.microsoft.com/office/drawing/2014/main" val="10007"/>
+                    <a16:rowId xmlns:a16="http://schemas.microsoft.com/office/drawing/2014/main" val="10000"/>
+                  </a:ext>
+                </a:extLst>
+              </a:tr>
+              <a:tr h="765604">
+                <a:tc>
+                  <a:txBody>
+                    <a:bodyPr/>
+                    <a:lstStyle/>
+                    <a:p>
+                      <a:pPr algn="ctr"/>
+                      <a:r>
+                        <a:rPr lang="en-US" sz="2600" dirty="0"/>
+                        <a:t>Define Models</a:t>
+                      </a:r>
+                    </a:p>
+                  </a:txBody>
+                  <a:tcPr marL="84098" marR="84098" marT="42049" marB="42049" anchor="ctr"/>
+                </a:tc>
+                <a:tc>
+                  <a:txBody>
+                    <a:bodyPr/>
+                    <a:lstStyle/>
+                    <a:p>
+                      <a:pPr algn="ctr"/>
+                      <a:r>
+                        <a:rPr lang="en-US" sz="2600" dirty="0"/>
+                        <a:t>Compile </a:t>
+                      </a:r>
+                      <a:r>
+                        <a:rPr lang="en-US" sz="2600" b="1" dirty="0"/>
+                        <a:t>baseline models</a:t>
+                      </a:r>
+                      <a:r>
+                        <a:rPr lang="en-US" sz="2600" dirty="0"/>
+                        <a:t> with gradient descent optimizer</a:t>
+                      </a:r>
+                    </a:p>
+                  </a:txBody>
+                  <a:tcPr marL="84098" marR="84098" marT="42049" marB="42049" anchor="ctr"/>
+                </a:tc>
+                <a:extLst>
+                  <a:ext uri="{0D108BD9-81ED-4DB2-BD59-A6C34878D82A}">
+                    <a16:rowId xmlns:a16="http://schemas.microsoft.com/office/drawing/2014/main" val="10001"/>
+                  </a:ext>
+                </a:extLst>
+              </a:tr>
+              <a:tr h="765604">
+                <a:tc>
+                  <a:txBody>
+                    <a:bodyPr/>
+                    <a:lstStyle/>
+                    <a:p>
+                      <a:pPr algn="ctr"/>
+                      <a:r>
+                        <a:rPr lang="en-US" sz="2600" dirty="0"/>
+                        <a:t>Run Experiment</a:t>
+                      </a:r>
+                    </a:p>
+                  </a:txBody>
+                  <a:tcPr marL="84098" marR="84098" marT="42049" marB="42049" anchor="ctr"/>
+                </a:tc>
+                <a:tc>
+                  <a:txBody>
+                    <a:bodyPr/>
+                    <a:lstStyle/>
+                    <a:p>
+                      <a:pPr algn="ctr"/>
+                      <a:r>
+                        <a:rPr lang="en-US" sz="2600" dirty="0"/>
+                        <a:t>Evaluate validation loss, test accuracy using F-MNIST with fixed epoch count</a:t>
+                      </a:r>
+                    </a:p>
+                  </a:txBody>
+                  <a:tcPr marL="84098" marR="84098" marT="42049" marB="42049" anchor="ctr"/>
+                </a:tc>
+                <a:extLst>
+                  <a:ext uri="{0D108BD9-81ED-4DB2-BD59-A6C34878D82A}">
+                    <a16:rowId xmlns:a16="http://schemas.microsoft.com/office/drawing/2014/main" val="10002"/>
                   </a:ext>
                 </a:extLst>
               </a:tr>
@@ -12668,123 +11942,403 @@
       </p:graphicFrame>
       <p:sp>
         <p:nvSpPr>
-          <p:cNvPr id="70" name="Text Placeholder 69"/>
-          <p:cNvSpPr>
-            <a:spLocks noGrp="1"/>
-          </p:cNvSpPr>
-          <p:nvPr>
-            <p:ph type="body" sz="quarter" idx="40"/>
-          </p:nvPr>
+          <p:cNvPr id="40" name="Rectangle 39">
+            <a:extLst>
+              <a:ext uri="{FF2B5EF4-FFF2-40B4-BE49-F238E27FC236}">
+                <a16:creationId xmlns:a16="http://schemas.microsoft.com/office/drawing/2014/main" id="{DF9178E6-C0AA-48E9-9C80-1145F414F39E}"/>
+              </a:ext>
+            </a:extLst>
+          </p:cNvPr>
+          <p:cNvSpPr/>
+          <p:nvPr/>
         </p:nvSpPr>
-        <p:spPr/>
+        <p:spPr>
+          <a:xfrm>
+            <a:off x="15515034" y="6504416"/>
+            <a:ext cx="7622600" cy="646331"/>
+          </a:xfrm>
+          <a:prstGeom prst="rect">
+            <a:avLst/>
+          </a:prstGeom>
+        </p:spPr>
         <p:txBody>
-          <a:bodyPr/>
+          <a:bodyPr wrap="none">
+            <a:spAutoFit/>
+          </a:bodyPr>
           <a:lstStyle/>
           <a:p>
+            <a:pPr marL="0" lvl="1"/>
             <a:r>
-              <a:rPr lang="en-US"/>
-              <a:t>Procedure</a:t>
+              <a:rPr lang="en-US" sz="3600" b="1" dirty="0"/>
+              <a:t>1. Network Shape vs Performance</a:t>
             </a:r>
-            <a:endParaRPr lang="en-US" dirty="0"/>
-          </a:p>
-        </p:txBody>
-      </p:sp>
-      <p:graphicFrame>
-        <p:nvGraphicFramePr>
-          <p:cNvPr id="3" name="Content Placeholder 2" descr="Title Picture Lineup" title="SmartArt"/>
-          <p:cNvGraphicFramePr>
-            <a:graphicFrameLocks noGrp="1"/>
-          </p:cNvGraphicFramePr>
-          <p:nvPr>
-            <p:ph sz="quarter" idx="23"/>
-            <p:extLst>
-              <p:ext uri="{D42A27DB-BD31-4B8C-83A1-F6EECF244321}">
-                <p14:modId xmlns:p14="http://schemas.microsoft.com/office/powerpoint/2010/main" val="3302216694"/>
-              </p:ext>
-            </p:extLst>
-          </p:nvPr>
-        </p:nvGraphicFramePr>
-        <p:xfrm>
-          <a:off x="15515034" y="14506872"/>
-          <a:ext cx="11773694" cy="6156953"/>
-        </p:xfrm>
-        <a:graphic>
-          <a:graphicData uri="http://schemas.openxmlformats.org/drawingml/2006/diagram">
-            <dgm:relIds xmlns:dgm="http://schemas.openxmlformats.org/drawingml/2006/diagram" xmlns:r="http://schemas.openxmlformats.org/officeDocument/2006/relationships" r:dm="rId8" r:lo="rId9" r:qs="rId10" r:cs="rId11"/>
-          </a:graphicData>
-        </a:graphic>
-      </p:graphicFrame>
-      <p:sp>
-        <p:nvSpPr>
-          <p:cNvPr id="16" name="Text Placeholder 15"/>
-          <p:cNvSpPr>
-            <a:spLocks noGrp="1"/>
-          </p:cNvSpPr>
-          <p:nvPr>
-            <p:ph type="body" sz="quarter" idx="29"/>
-          </p:nvPr>
-        </p:nvSpPr>
-        <p:spPr/>
-        <p:txBody>
-          <a:bodyPr/>
-          <a:lstStyle/>
-          <a:p>
-            <a:r>
-              <a:rPr lang="en-US"/>
-              <a:t>Data / Observations</a:t>
-            </a:r>
-            <a:endParaRPr lang="en-US" dirty="0"/>
           </a:p>
         </p:txBody>
       </p:sp>
       <p:sp>
         <p:nvSpPr>
-          <p:cNvPr id="17" name="Content Placeholder 16"/>
-          <p:cNvSpPr>
-            <a:spLocks noGrp="1"/>
-          </p:cNvSpPr>
-          <p:nvPr>
-            <p:ph sz="quarter" idx="30"/>
-          </p:nvPr>
+          <p:cNvPr id="41" name="Rectangle 40">
+            <a:extLst>
+              <a:ext uri="{FF2B5EF4-FFF2-40B4-BE49-F238E27FC236}">
+                <a16:creationId xmlns:a16="http://schemas.microsoft.com/office/drawing/2014/main" id="{A7EE5DB2-BC1F-4183-843C-BD67803E7470}"/>
+              </a:ext>
+            </a:extLst>
+          </p:cNvPr>
+          <p:cNvSpPr/>
+          <p:nvPr/>
         </p:nvSpPr>
-        <p:spPr/>
+        <p:spPr>
+          <a:xfrm>
+            <a:off x="15515034" y="10111640"/>
+            <a:ext cx="7819192" cy="646331"/>
+          </a:xfrm>
+          <a:prstGeom prst="rect">
+            <a:avLst/>
+          </a:prstGeom>
+        </p:spPr>
         <p:txBody>
-          <a:bodyPr/>
+          <a:bodyPr wrap="none">
+            <a:spAutoFit/>
+          </a:bodyPr>
           <a:lstStyle/>
           <a:p>
+            <a:pPr marL="0" lvl="1"/>
             <a:r>
-              <a:rPr lang="en-US" dirty="0"/>
-              <a:t>Observation 1</a:t>
-            </a:r>
-          </a:p>
-          <a:p>
-            <a:r>
-              <a:rPr lang="en-US" dirty="0"/>
-              <a:t>Observation 2</a:t>
-            </a:r>
-          </a:p>
-          <a:p>
-            <a:r>
-              <a:rPr lang="en-US" dirty="0"/>
-              <a:t>Observation 3</a:t>
+              <a:rPr lang="en-US" sz="3600" b="1" dirty="0"/>
+              <a:t>2. Data Availability vs Performance</a:t>
             </a:r>
           </a:p>
         </p:txBody>
       </p:sp>
       <p:sp>
         <p:nvSpPr>
-          <p:cNvPr id="18" name="Text Placeholder 17"/>
-          <p:cNvSpPr>
-            <a:spLocks noGrp="1"/>
+          <p:cNvPr id="53" name="Rectangle 52">
+            <a:extLst>
+              <a:ext uri="{FF2B5EF4-FFF2-40B4-BE49-F238E27FC236}">
+                <a16:creationId xmlns:a16="http://schemas.microsoft.com/office/drawing/2014/main" id="{98D21724-35E1-44B2-AA5E-8FFDFFCD2068}"/>
+              </a:ext>
+            </a:extLst>
+          </p:cNvPr>
+          <p:cNvSpPr/>
+          <p:nvPr/>
+        </p:nvSpPr>
+        <p:spPr>
+          <a:xfrm>
+            <a:off x="15515034" y="14448306"/>
+            <a:ext cx="8853706" cy="646331"/>
+          </a:xfrm>
+          <a:prstGeom prst="rect">
+            <a:avLst/>
+          </a:prstGeom>
+        </p:spPr>
+        <p:txBody>
+          <a:bodyPr wrap="none">
+            <a:spAutoFit/>
+          </a:bodyPr>
+          <a:lstStyle/>
+          <a:p>
+            <a:pPr marL="0" lvl="1"/>
+            <a:r>
+              <a:rPr lang="en-US" sz="3600" b="1" dirty="0"/>
+              <a:t>3. Network Node Count vs Performance</a:t>
+            </a:r>
+          </a:p>
+        </p:txBody>
+      </p:sp>
+      <p:sp>
+        <p:nvSpPr>
+          <p:cNvPr id="54" name="Rectangle 53">
+            <a:extLst>
+              <a:ext uri="{FF2B5EF4-FFF2-40B4-BE49-F238E27FC236}">
+                <a16:creationId xmlns:a16="http://schemas.microsoft.com/office/drawing/2014/main" id="{2D9446A4-8E76-4329-AAB6-34F220E4AD08}"/>
+              </a:ext>
+            </a:extLst>
+          </p:cNvPr>
+          <p:cNvSpPr/>
+          <p:nvPr/>
+        </p:nvSpPr>
+        <p:spPr>
+          <a:xfrm>
+            <a:off x="15515034" y="18120931"/>
+            <a:ext cx="9255675" cy="646331"/>
+          </a:xfrm>
+          <a:prstGeom prst="rect">
+            <a:avLst/>
+          </a:prstGeom>
+        </p:spPr>
+        <p:txBody>
+          <a:bodyPr wrap="none">
+            <a:spAutoFit/>
+          </a:bodyPr>
+          <a:lstStyle/>
+          <a:p>
+            <a:pPr marL="0" lvl="1"/>
+            <a:r>
+              <a:rPr lang="en-US" sz="3600" b="1" dirty="0"/>
+              <a:t>4. Target Algorithm vs Convergence Time</a:t>
+            </a:r>
+          </a:p>
+        </p:txBody>
+      </p:sp>
+      <p:sp>
+        <p:nvSpPr>
+          <p:cNvPr id="55" name="Text Placeholder 17">
+            <a:extLst>
+              <a:ext uri="{FF2B5EF4-FFF2-40B4-BE49-F238E27FC236}">
+                <a16:creationId xmlns:a16="http://schemas.microsoft.com/office/drawing/2014/main" id="{70185960-DF74-4854-BFF5-126CE556D236}"/>
+              </a:ext>
+            </a:extLst>
+          </p:cNvPr>
+          <p:cNvSpPr txBox="1">
+            <a:spLocks/>
           </p:cNvSpPr>
-          <p:nvPr>
-            <p:ph type="body" sz="quarter" idx="31"/>
-          </p:nvPr>
+          <p:nvPr/>
         </p:nvSpPr>
-        <p:spPr/>
+        <p:spPr>
+          <a:xfrm>
+            <a:off x="15216979" y="21898057"/>
+            <a:ext cx="12484431" cy="1121304"/>
+          </a:xfrm>
+          <a:prstGeom prst="rect">
+            <a:avLst/>
+          </a:prstGeom>
+          <a:gradFill>
+            <a:gsLst>
+              <a:gs pos="0">
+                <a:schemeClr val="tx1">
+                  <a:lumMod val="65000"/>
+                  <a:lumOff val="35000"/>
+                </a:schemeClr>
+              </a:gs>
+              <a:gs pos="91000">
+                <a:schemeClr val="accent1"/>
+              </a:gs>
+              <a:gs pos="90000">
+                <a:schemeClr val="tx1">
+                  <a:lumMod val="65000"/>
+                  <a:lumOff val="35000"/>
+                </a:schemeClr>
+              </a:gs>
+              <a:gs pos="100000">
+                <a:schemeClr val="accent1"/>
+              </a:gs>
+            </a:gsLst>
+            <a:lin ang="5400000" scaled="1"/>
+          </a:gradFill>
+        </p:spPr>
         <p:txBody>
-          <a:bodyPr/>
-          <a:lstStyle/>
+          <a:bodyPr vert="horz" lIns="365760" tIns="45720" rIns="91440" bIns="45720" rtlCol="0" anchor="ctr">
+            <a:noAutofit/>
+          </a:bodyPr>
+          <a:lstStyle>
+            <a:lvl1pPr marL="0" indent="0" algn="ctr" defTabSz="4036674" rtl="0" eaLnBrk="1" latinLnBrk="0" hangingPunct="1">
+              <a:lnSpc>
+                <a:spcPct val="100000"/>
+              </a:lnSpc>
+              <a:spcBef>
+                <a:spcPts val="0"/>
+              </a:spcBef>
+              <a:buClr>
+                <a:schemeClr val="bg1">
+                  <a:lumMod val="65000"/>
+                </a:schemeClr>
+              </a:buClr>
+              <a:buFont typeface="Arial" panose="020B0604020202020204" pitchFamily="34" charset="0"/>
+              <a:buNone/>
+              <a:defRPr sz="4966" kern="1200" cap="none" baseline="0">
+                <a:solidFill>
+                  <a:schemeClr val="bg1"/>
+                </a:solidFill>
+                <a:latin typeface="+mj-lt"/>
+                <a:ea typeface="+mn-ea"/>
+                <a:cs typeface="+mn-cs"/>
+              </a:defRPr>
+            </a:lvl1pPr>
+            <a:lvl2pPr marL="0" indent="0" algn="l" defTabSz="4036674" rtl="0" eaLnBrk="1" latinLnBrk="0" hangingPunct="1">
+              <a:lnSpc>
+                <a:spcPct val="100000"/>
+              </a:lnSpc>
+              <a:spcBef>
+                <a:spcPts val="0"/>
+              </a:spcBef>
+              <a:buClr>
+                <a:schemeClr val="bg1">
+                  <a:lumMod val="65000"/>
+                </a:schemeClr>
+              </a:buClr>
+              <a:buFont typeface="Arial" panose="020B0604020202020204" pitchFamily="34" charset="0"/>
+              <a:buNone/>
+              <a:defRPr sz="5518" kern="1200" cap="all" baseline="0">
+                <a:solidFill>
+                  <a:schemeClr val="bg1"/>
+                </a:solidFill>
+                <a:latin typeface="+mj-lt"/>
+                <a:ea typeface="+mn-ea"/>
+                <a:cs typeface="+mn-cs"/>
+              </a:defRPr>
+            </a:lvl2pPr>
+            <a:lvl3pPr marL="0" indent="0" algn="l" defTabSz="4036674" rtl="0" eaLnBrk="1" latinLnBrk="0" hangingPunct="1">
+              <a:lnSpc>
+                <a:spcPct val="100000"/>
+              </a:lnSpc>
+              <a:spcBef>
+                <a:spcPts val="0"/>
+              </a:spcBef>
+              <a:buClr>
+                <a:schemeClr val="bg1">
+                  <a:lumMod val="65000"/>
+                </a:schemeClr>
+              </a:buClr>
+              <a:buFont typeface="Arial" panose="020B0604020202020204" pitchFamily="34" charset="0"/>
+              <a:buNone/>
+              <a:defRPr sz="5518" kern="1200" cap="all" baseline="0">
+                <a:solidFill>
+                  <a:schemeClr val="bg1"/>
+                </a:solidFill>
+                <a:latin typeface="+mj-lt"/>
+                <a:ea typeface="+mn-ea"/>
+                <a:cs typeface="+mn-cs"/>
+              </a:defRPr>
+            </a:lvl3pPr>
+            <a:lvl4pPr marL="0" indent="0" algn="l" defTabSz="4036674" rtl="0" eaLnBrk="1" latinLnBrk="0" hangingPunct="1">
+              <a:lnSpc>
+                <a:spcPct val="100000"/>
+              </a:lnSpc>
+              <a:spcBef>
+                <a:spcPts val="0"/>
+              </a:spcBef>
+              <a:buClr>
+                <a:schemeClr val="bg1">
+                  <a:lumMod val="65000"/>
+                </a:schemeClr>
+              </a:buClr>
+              <a:buFont typeface="Arial" panose="020B0604020202020204" pitchFamily="34" charset="0"/>
+              <a:buNone/>
+              <a:defRPr sz="5518" kern="1200" cap="all" baseline="0">
+                <a:solidFill>
+                  <a:schemeClr val="bg1"/>
+                </a:solidFill>
+                <a:latin typeface="+mj-lt"/>
+                <a:ea typeface="+mn-ea"/>
+                <a:cs typeface="+mn-cs"/>
+              </a:defRPr>
+            </a:lvl4pPr>
+            <a:lvl5pPr marL="0" indent="0" algn="l" defTabSz="4036674" rtl="0" eaLnBrk="1" latinLnBrk="0" hangingPunct="1">
+              <a:lnSpc>
+                <a:spcPct val="100000"/>
+              </a:lnSpc>
+              <a:spcBef>
+                <a:spcPts val="0"/>
+              </a:spcBef>
+              <a:buClr>
+                <a:schemeClr val="bg1">
+                  <a:lumMod val="65000"/>
+                </a:schemeClr>
+              </a:buClr>
+              <a:buFont typeface="Arial" panose="020B0604020202020204" pitchFamily="34" charset="0"/>
+              <a:buNone/>
+              <a:defRPr sz="5518" kern="1200" cap="all" baseline="0">
+                <a:solidFill>
+                  <a:schemeClr val="bg1"/>
+                </a:solidFill>
+                <a:latin typeface="+mj-lt"/>
+                <a:ea typeface="+mn-ea"/>
+                <a:cs typeface="+mn-cs"/>
+              </a:defRPr>
+            </a:lvl5pPr>
+            <a:lvl6pPr marL="0" indent="0" algn="l" defTabSz="4036674" rtl="0" eaLnBrk="1" latinLnBrk="0" hangingPunct="1">
+              <a:lnSpc>
+                <a:spcPct val="100000"/>
+              </a:lnSpc>
+              <a:spcBef>
+                <a:spcPts val="0"/>
+              </a:spcBef>
+              <a:buClr>
+                <a:schemeClr val="bg1">
+                  <a:lumMod val="65000"/>
+                </a:schemeClr>
+              </a:buClr>
+              <a:buFont typeface="Arial" panose="020B0604020202020204" pitchFamily="34" charset="0"/>
+              <a:buNone/>
+              <a:defRPr sz="5518" kern="1200" cap="all" baseline="0">
+                <a:solidFill>
+                  <a:schemeClr val="bg1"/>
+                </a:solidFill>
+                <a:latin typeface="+mj-lt"/>
+                <a:ea typeface="+mn-ea"/>
+                <a:cs typeface="+mn-cs"/>
+              </a:defRPr>
+            </a:lvl6pPr>
+            <a:lvl7pPr marL="0" indent="0" algn="l" defTabSz="4036674" rtl="0" eaLnBrk="1" latinLnBrk="0" hangingPunct="1">
+              <a:lnSpc>
+                <a:spcPct val="100000"/>
+              </a:lnSpc>
+              <a:spcBef>
+                <a:spcPts val="0"/>
+              </a:spcBef>
+              <a:buClr>
+                <a:schemeClr val="bg1">
+                  <a:lumMod val="65000"/>
+                </a:schemeClr>
+              </a:buClr>
+              <a:buFont typeface="Arial" panose="020B0604020202020204" pitchFamily="34" charset="0"/>
+              <a:buNone/>
+              <a:defRPr sz="5518" kern="1200" cap="all" baseline="0">
+                <a:solidFill>
+                  <a:schemeClr val="bg1"/>
+                </a:solidFill>
+                <a:latin typeface="+mj-lt"/>
+                <a:ea typeface="+mn-ea"/>
+                <a:cs typeface="+mn-cs"/>
+              </a:defRPr>
+            </a:lvl7pPr>
+            <a:lvl8pPr marL="0" indent="0" algn="l" defTabSz="4036674" rtl="0" eaLnBrk="1" latinLnBrk="0" hangingPunct="1">
+              <a:lnSpc>
+                <a:spcPct val="100000"/>
+              </a:lnSpc>
+              <a:spcBef>
+                <a:spcPts val="0"/>
+              </a:spcBef>
+              <a:buClr>
+                <a:schemeClr val="bg1">
+                  <a:lumMod val="65000"/>
+                </a:schemeClr>
+              </a:buClr>
+              <a:buFont typeface="Arial" panose="020B0604020202020204" pitchFamily="34" charset="0"/>
+              <a:buNone/>
+              <a:defRPr sz="5518" kern="1200" cap="all" baseline="0">
+                <a:solidFill>
+                  <a:schemeClr val="bg1"/>
+                </a:solidFill>
+                <a:latin typeface="+mj-lt"/>
+                <a:ea typeface="+mn-ea"/>
+                <a:cs typeface="+mn-cs"/>
+              </a:defRPr>
+            </a:lvl8pPr>
+            <a:lvl9pPr marL="0" indent="0" algn="l" defTabSz="4036674" rtl="0" eaLnBrk="1" latinLnBrk="0" hangingPunct="1">
+              <a:lnSpc>
+                <a:spcPct val="100000"/>
+              </a:lnSpc>
+              <a:spcBef>
+                <a:spcPts val="0"/>
+              </a:spcBef>
+              <a:buClr>
+                <a:schemeClr val="bg1">
+                  <a:lumMod val="65000"/>
+                </a:schemeClr>
+              </a:buClr>
+              <a:buFont typeface="Arial" panose="020B0604020202020204" pitchFamily="34" charset="0"/>
+              <a:buNone/>
+              <a:defRPr sz="5518" kern="1200" cap="all" baseline="0">
+                <a:solidFill>
+                  <a:schemeClr val="bg1"/>
+                </a:solidFill>
+                <a:latin typeface="+mj-lt"/>
+                <a:ea typeface="+mn-ea"/>
+                <a:cs typeface="+mn-cs"/>
+              </a:defRPr>
+            </a:lvl9pPr>
+          </a:lstStyle>
           <a:p>
             <a:r>
               <a:rPr lang="en-US"/>
@@ -12794,814 +12348,187 @@
           </a:p>
         </p:txBody>
       </p:sp>
-      <p:graphicFrame>
-        <p:nvGraphicFramePr>
-          <p:cNvPr id="19" name="Content Placeholder 18" descr="Clustered column chart" title="Chart"/>
-          <p:cNvGraphicFramePr>
-            <a:graphicFrameLocks noGrp="1"/>
-          </p:cNvGraphicFramePr>
-          <p:nvPr>
-            <p:ph sz="quarter" idx="32"/>
-            <p:extLst>
-              <p:ext uri="{D42A27DB-BD31-4B8C-83A1-F6EECF244321}">
-                <p14:modId xmlns:p14="http://schemas.microsoft.com/office/powerpoint/2010/main" val="4151009361"/>
-              </p:ext>
-            </p:extLst>
-          </p:nvPr>
-        </p:nvGraphicFramePr>
-        <p:xfrm>
-          <a:off x="28718099" y="6542401"/>
-          <a:ext cx="11773694" cy="6727825"/>
-        </p:xfrm>
-        <a:graphic>
-          <a:graphicData uri="http://schemas.openxmlformats.org/drawingml/2006/chart">
-            <c:chart xmlns:c="http://schemas.openxmlformats.org/drawingml/2006/chart" xmlns:r="http://schemas.openxmlformats.org/officeDocument/2006/relationships" r:id="rId13"/>
-          </a:graphicData>
-        </a:graphic>
-      </p:graphicFrame>
       <p:sp>
         <p:nvSpPr>
-          <p:cNvPr id="6" name="Content Placeholder 5"/>
-          <p:cNvSpPr>
-            <a:spLocks noGrp="1"/>
-          </p:cNvSpPr>
-          <p:nvPr>
-            <p:ph sz="quarter" idx="33"/>
-          </p:nvPr>
+          <p:cNvPr id="56" name="Rectangle 55">
+            <a:extLst>
+              <a:ext uri="{FF2B5EF4-FFF2-40B4-BE49-F238E27FC236}">
+                <a16:creationId xmlns:a16="http://schemas.microsoft.com/office/drawing/2014/main" id="{A3E29887-7BD7-4E1E-81D6-2ECF18B858C5}"/>
+              </a:ext>
+            </a:extLst>
+          </p:cNvPr>
+          <p:cNvSpPr/>
+          <p:nvPr/>
         </p:nvSpPr>
-        <p:spPr/>
+        <p:spPr>
+          <a:xfrm>
+            <a:off x="15515034" y="23181855"/>
+            <a:ext cx="7622600" cy="646331"/>
+          </a:xfrm>
+          <a:prstGeom prst="rect">
+            <a:avLst/>
+          </a:prstGeom>
+        </p:spPr>
         <p:txBody>
-          <a:bodyPr/>
+          <a:bodyPr wrap="none">
+            <a:spAutoFit/>
+          </a:bodyPr>
           <a:lstStyle/>
           <a:p>
+            <a:pPr marL="0" lvl="1"/>
             <a:r>
-              <a:rPr lang="en-US"/>
-              <a:t>Include results based on your experiments</a:t>
+              <a:rPr lang="en-US" sz="3600" b="1" dirty="0"/>
+              <a:t>1. Network Shape vs Performance</a:t>
             </a:r>
-          </a:p>
-          <a:p>
-            <a:r>
-              <a:rPr lang="en-US"/>
-              <a:t>Result 2</a:t>
-            </a:r>
-          </a:p>
-          <a:p>
-            <a:r>
-              <a:rPr lang="en-US"/>
-              <a:t>Result 3</a:t>
-            </a:r>
-            <a:endParaRPr lang="en-US" dirty="0"/>
-          </a:p>
-        </p:txBody>
-      </p:sp>
-      <p:sp>
-        <p:nvSpPr>
-          <p:cNvPr id="71" name="Text Placeholder 70"/>
-          <p:cNvSpPr>
-            <a:spLocks noGrp="1"/>
-          </p:cNvSpPr>
-          <p:nvPr>
-            <p:ph type="body" sz="quarter" idx="41"/>
-          </p:nvPr>
-        </p:nvSpPr>
-        <p:spPr/>
-        <p:txBody>
-          <a:bodyPr/>
-          <a:lstStyle/>
-          <a:p>
-            <a:r>
-              <a:rPr lang="en-US"/>
-              <a:t>Conclusion</a:t>
-            </a:r>
-            <a:endParaRPr lang="en-US" dirty="0"/>
-          </a:p>
-        </p:txBody>
-      </p:sp>
-      <p:sp>
-        <p:nvSpPr>
-          <p:cNvPr id="15" name="Content Placeholder 14"/>
-          <p:cNvSpPr>
-            <a:spLocks noGrp="1"/>
-          </p:cNvSpPr>
-          <p:nvPr>
-            <p:ph sz="quarter" idx="42"/>
-          </p:nvPr>
-        </p:nvSpPr>
-        <p:spPr/>
-        <p:txBody>
-          <a:bodyPr/>
-          <a:lstStyle/>
-          <a:p>
-            <a:r>
-              <a:rPr lang="en-US"/>
-              <a:t>Brief summary of what you discovered based on results</a:t>
-            </a:r>
-          </a:p>
-          <a:p>
-            <a:r>
-              <a:rPr lang="en-US"/>
-              <a:t>Indicate and explain whether or not the data supports your hypothesis</a:t>
-            </a:r>
-            <a:endParaRPr lang="en-US" dirty="0"/>
-          </a:p>
-        </p:txBody>
-      </p:sp>
-      <p:sp>
-        <p:nvSpPr>
-          <p:cNvPr id="21" name="Text Placeholder 20"/>
-          <p:cNvSpPr>
-            <a:spLocks noGrp="1"/>
-          </p:cNvSpPr>
-          <p:nvPr>
-            <p:ph type="body" sz="quarter" idx="34"/>
-          </p:nvPr>
-        </p:nvSpPr>
-        <p:spPr/>
-        <p:txBody>
-          <a:bodyPr/>
-          <a:lstStyle/>
-          <a:p>
-            <a:r>
-              <a:rPr lang="en-US"/>
-              <a:t>Works Cited</a:t>
-            </a:r>
-            <a:endParaRPr lang="en-US" dirty="0"/>
-          </a:p>
-        </p:txBody>
-      </p:sp>
-      <p:sp>
-        <p:nvSpPr>
-          <p:cNvPr id="22" name="Content Placeholder 21"/>
-          <p:cNvSpPr>
-            <a:spLocks noGrp="1"/>
-          </p:cNvSpPr>
-          <p:nvPr>
-            <p:ph sz="quarter" idx="35"/>
-          </p:nvPr>
-        </p:nvSpPr>
-        <p:spPr/>
-        <p:txBody>
-          <a:bodyPr/>
-          <a:lstStyle/>
-          <a:p>
-            <a:r>
-              <a:rPr lang="en-US"/>
-              <a:t>Include print and electronic sources in alphabetical order</a:t>
-            </a:r>
-            <a:endParaRPr lang="en-US" dirty="0"/>
           </a:p>
         </p:txBody>
       </p:sp>
       <p:pic>
         <p:nvPicPr>
-          <p:cNvPr id="105" name="Picture Placeholder 104" descr="Closeup of glass beakers" title="Sample Picture"/>
+          <p:cNvPr id="43" name="Image 42">
+            <a:extLst>
+              <a:ext uri="{FF2B5EF4-FFF2-40B4-BE49-F238E27FC236}">
+                <a16:creationId xmlns:a16="http://schemas.microsoft.com/office/drawing/2014/main" id="{AC0A757D-E5A5-4AE7-AFDE-6D9AB1C4D606}"/>
+              </a:ext>
+            </a:extLst>
+          </p:cNvPr>
           <p:cNvPicPr>
-            <a:picLocks noGrp="1" noChangeAspect="1"/>
+            <a:picLocks noChangeAspect="1"/>
           </p:cNvPicPr>
-          <p:nvPr>
-            <p:ph type="pic" sz="quarter" idx="43"/>
-          </p:nvPr>
+          <p:nvPr/>
         </p:nvPicPr>
-        <p:blipFill rotWithShape="1">
-          <a:blip r:embed="rId14" cstate="print">
+        <p:blipFill>
+          <a:blip r:embed="rId15">
             <a:extLst>
               <a:ext uri="{28A0092B-C50C-407E-A947-70E740481C1C}">
                 <a14:useLocalDpi xmlns:a14="http://schemas.microsoft.com/office/drawing/2010/main" val="0"/>
               </a:ext>
             </a:extLst>
           </a:blip>
-          <a:srcRect/>
-          <a:stretch/>
+          <a:stretch>
+            <a:fillRect/>
+          </a:stretch>
         </p:blipFill>
-        <p:spPr/>
+        <p:spPr>
+          <a:xfrm>
+            <a:off x="15159666" y="23770797"/>
+            <a:ext cx="6242215" cy="4161476"/>
+          </a:xfrm>
+          <a:prstGeom prst="rect">
+            <a:avLst/>
+          </a:prstGeom>
+        </p:spPr>
       </p:pic>
+      <p:pic>
+        <p:nvPicPr>
+          <p:cNvPr id="51" name="Image 50">
+            <a:extLst>
+              <a:ext uri="{FF2B5EF4-FFF2-40B4-BE49-F238E27FC236}">
+                <a16:creationId xmlns:a16="http://schemas.microsoft.com/office/drawing/2014/main" id="{767D56F6-C063-4B3D-9A3A-DAF5B3A4D3B8}"/>
+              </a:ext>
+            </a:extLst>
+          </p:cNvPr>
+          <p:cNvPicPr>
+            <a:picLocks noChangeAspect="1"/>
+          </p:cNvPicPr>
+          <p:nvPr/>
+        </p:nvPicPr>
+        <p:blipFill>
+          <a:blip r:embed="rId16">
+            <a:extLst>
+              <a:ext uri="{28A0092B-C50C-407E-A947-70E740481C1C}">
+                <a14:useLocalDpi xmlns:a14="http://schemas.microsoft.com/office/drawing/2010/main" val="0"/>
+              </a:ext>
+            </a:extLst>
+          </a:blip>
+          <a:stretch>
+            <a:fillRect/>
+          </a:stretch>
+        </p:blipFill>
+        <p:spPr>
+          <a:xfrm>
+            <a:off x="21459193" y="23770797"/>
+            <a:ext cx="6242215" cy="4161476"/>
+          </a:xfrm>
+          <a:prstGeom prst="rect">
+            <a:avLst/>
+          </a:prstGeom>
+        </p:spPr>
+      </p:pic>
+      <p:sp>
+        <p:nvSpPr>
+          <p:cNvPr id="66" name="Rectangle 65">
+            <a:extLst>
+              <a:ext uri="{FF2B5EF4-FFF2-40B4-BE49-F238E27FC236}">
+                <a16:creationId xmlns:a16="http://schemas.microsoft.com/office/drawing/2014/main" id="{A2C547F0-8D62-4FB1-8A60-EE9067FA9996}"/>
+              </a:ext>
+            </a:extLst>
+          </p:cNvPr>
+          <p:cNvSpPr/>
+          <p:nvPr/>
+        </p:nvSpPr>
+        <p:spPr>
+          <a:xfrm>
+            <a:off x="29160063" y="6490491"/>
+            <a:ext cx="7819192" cy="646331"/>
+          </a:xfrm>
+          <a:prstGeom prst="rect">
+            <a:avLst/>
+          </a:prstGeom>
+        </p:spPr>
+        <p:txBody>
+          <a:bodyPr wrap="none">
+            <a:spAutoFit/>
+          </a:bodyPr>
+          <a:lstStyle/>
+          <a:p>
+            <a:pPr marL="0" lvl="1"/>
+            <a:r>
+              <a:rPr lang="en-US" sz="3600" b="1" dirty="0"/>
+              <a:t>2. Data Availability vs Performance</a:t>
+            </a:r>
+          </a:p>
+        </p:txBody>
+      </p:sp>
+      <p:sp>
+        <p:nvSpPr>
+          <p:cNvPr id="73" name="Rectangle 72">
+            <a:extLst>
+              <a:ext uri="{FF2B5EF4-FFF2-40B4-BE49-F238E27FC236}">
+                <a16:creationId xmlns:a16="http://schemas.microsoft.com/office/drawing/2014/main" id="{9F882105-0914-4D29-B91D-C2249C76D8A3}"/>
+              </a:ext>
+            </a:extLst>
+          </p:cNvPr>
+          <p:cNvSpPr/>
+          <p:nvPr/>
+        </p:nvSpPr>
+        <p:spPr>
+          <a:xfrm>
+            <a:off x="29160063" y="8446893"/>
+            <a:ext cx="8853706" cy="646331"/>
+          </a:xfrm>
+          <a:prstGeom prst="rect">
+            <a:avLst/>
+          </a:prstGeom>
+        </p:spPr>
+        <p:txBody>
+          <a:bodyPr wrap="none">
+            <a:spAutoFit/>
+          </a:bodyPr>
+          <a:lstStyle/>
+          <a:p>
+            <a:pPr marL="0" lvl="1"/>
+            <a:r>
+              <a:rPr lang="en-US" sz="3600" b="1" dirty="0"/>
+              <a:t>3. Network Node Count vs Performance</a:t>
+            </a:r>
+          </a:p>
+        </p:txBody>
+      </p:sp>
     </p:spTree>
     <p:extLst>
       <p:ext uri="{BB962C8B-B14F-4D97-AF65-F5344CB8AC3E}">
         <p14:creationId xmlns:p14="http://schemas.microsoft.com/office/powerpoint/2010/main" val="931198942"/>
-      </p:ext>
-    </p:extLst>
-  </p:cSld>
-  <p:clrMapOvr>
-    <a:masterClrMapping/>
-  </p:clrMapOvr>
-</p:sld>
-</file>
-
-<file path=ppt/slides/slide2.xml><?xml version="1.0" encoding="utf-8"?>
-<p:sld xmlns:a="http://schemas.openxmlformats.org/drawingml/2006/main" xmlns:r="http://schemas.openxmlformats.org/officeDocument/2006/relationships" xmlns:p="http://schemas.openxmlformats.org/presentationml/2006/main">
-  <p:cSld>
-    <p:spTree>
-      <p:nvGrpSpPr>
-        <p:cNvPr id="1" name=""/>
-        <p:cNvGrpSpPr/>
-        <p:nvPr/>
-      </p:nvGrpSpPr>
-      <p:grpSpPr>
-        <a:xfrm>
-          <a:off x="0" y="0"/>
-          <a:ext cx="0" cy="0"/>
-          <a:chOff x="0" y="0"/>
-          <a:chExt cx="0" cy="0"/>
-        </a:xfrm>
-      </p:grpSpPr>
-      <p:sp>
-        <p:nvSpPr>
-          <p:cNvPr id="2" name="Titre 1">
-            <a:extLst>
-              <a:ext uri="{FF2B5EF4-FFF2-40B4-BE49-F238E27FC236}">
-                <a16:creationId xmlns:a16="http://schemas.microsoft.com/office/drawing/2014/main" id="{CD04E3B7-0CAF-498C-A422-3B2335CA1AEF}"/>
-              </a:ext>
-            </a:extLst>
-          </p:cNvPr>
-          <p:cNvSpPr>
-            <a:spLocks noGrp="1"/>
-          </p:cNvSpPr>
-          <p:nvPr>
-            <p:ph type="title"/>
-          </p:nvPr>
-        </p:nvSpPr>
-        <p:spPr/>
-        <p:txBody>
-          <a:bodyPr/>
-          <a:lstStyle/>
-          <a:p>
-            <a:endParaRPr lang="en-CA"/>
-          </a:p>
-        </p:txBody>
-      </p:sp>
-      <p:sp>
-        <p:nvSpPr>
-          <p:cNvPr id="3" name="Espace réservé du texte 2">
-            <a:extLst>
-              <a:ext uri="{FF2B5EF4-FFF2-40B4-BE49-F238E27FC236}">
-                <a16:creationId xmlns:a16="http://schemas.microsoft.com/office/drawing/2014/main" id="{086D3ED6-FA90-4CE4-9632-3632CAAFCD52}"/>
-              </a:ext>
-            </a:extLst>
-          </p:cNvPr>
-          <p:cNvSpPr>
-            <a:spLocks noGrp="1"/>
-          </p:cNvSpPr>
-          <p:nvPr>
-            <p:ph type="body" sz="quarter" idx="36"/>
-          </p:nvPr>
-        </p:nvSpPr>
-        <p:spPr/>
-        <p:txBody>
-          <a:bodyPr/>
-          <a:lstStyle/>
-          <a:p>
-            <a:endParaRPr lang="en-CA"/>
-          </a:p>
-        </p:txBody>
-      </p:sp>
-      <p:sp>
-        <p:nvSpPr>
-          <p:cNvPr id="4" name="Espace réservé du texte 3">
-            <a:extLst>
-              <a:ext uri="{FF2B5EF4-FFF2-40B4-BE49-F238E27FC236}">
-                <a16:creationId xmlns:a16="http://schemas.microsoft.com/office/drawing/2014/main" id="{062C08F8-8873-4362-A9FF-E30899E8D832}"/>
-              </a:ext>
-            </a:extLst>
-          </p:cNvPr>
-          <p:cNvSpPr>
-            <a:spLocks noGrp="1"/>
-          </p:cNvSpPr>
-          <p:nvPr>
-            <p:ph type="body" sz="quarter" idx="13"/>
-          </p:nvPr>
-        </p:nvSpPr>
-        <p:spPr/>
-        <p:txBody>
-          <a:bodyPr/>
-          <a:lstStyle/>
-          <a:p>
-            <a:endParaRPr lang="en-CA"/>
-          </a:p>
-        </p:txBody>
-      </p:sp>
-      <p:sp>
-        <p:nvSpPr>
-          <p:cNvPr id="5" name="Espace réservé du texte 4">
-            <a:extLst>
-              <a:ext uri="{FF2B5EF4-FFF2-40B4-BE49-F238E27FC236}">
-                <a16:creationId xmlns:a16="http://schemas.microsoft.com/office/drawing/2014/main" id="{53363AF3-57FC-4EEA-9094-E8A69DCC91C7}"/>
-              </a:ext>
-            </a:extLst>
-          </p:cNvPr>
-          <p:cNvSpPr>
-            <a:spLocks noGrp="1"/>
-          </p:cNvSpPr>
-          <p:nvPr>
-            <p:ph type="body" sz="quarter" idx="39"/>
-          </p:nvPr>
-        </p:nvSpPr>
-        <p:spPr/>
-        <p:txBody>
-          <a:bodyPr/>
-          <a:lstStyle/>
-          <a:p>
-            <a:endParaRPr lang="en-CA"/>
-          </a:p>
-        </p:txBody>
-      </p:sp>
-      <p:sp>
-        <p:nvSpPr>
-          <p:cNvPr id="6" name="Espace réservé du texte 5">
-            <a:extLst>
-              <a:ext uri="{FF2B5EF4-FFF2-40B4-BE49-F238E27FC236}">
-                <a16:creationId xmlns:a16="http://schemas.microsoft.com/office/drawing/2014/main" id="{92D488CE-B8E0-4E46-B7CE-BD6731AF7EE3}"/>
-              </a:ext>
-            </a:extLst>
-          </p:cNvPr>
-          <p:cNvSpPr>
-            <a:spLocks noGrp="1"/>
-          </p:cNvSpPr>
-          <p:nvPr>
-            <p:ph type="body" sz="quarter" idx="37"/>
-          </p:nvPr>
-        </p:nvSpPr>
-        <p:spPr/>
-        <p:txBody>
-          <a:bodyPr/>
-          <a:lstStyle/>
-          <a:p>
-            <a:endParaRPr lang="en-CA"/>
-          </a:p>
-        </p:txBody>
-      </p:sp>
-      <p:sp>
-        <p:nvSpPr>
-          <p:cNvPr id="7" name="Espace réservé du contenu 6">
-            <a:extLst>
-              <a:ext uri="{FF2B5EF4-FFF2-40B4-BE49-F238E27FC236}">
-                <a16:creationId xmlns:a16="http://schemas.microsoft.com/office/drawing/2014/main" id="{A7EE8439-8F60-4E3A-ABE7-161489F0612C}"/>
-              </a:ext>
-            </a:extLst>
-          </p:cNvPr>
-          <p:cNvSpPr>
-            <a:spLocks noGrp="1"/>
-          </p:cNvSpPr>
-          <p:nvPr>
-            <p:ph sz="quarter" idx="38"/>
-          </p:nvPr>
-        </p:nvSpPr>
-        <p:spPr/>
-        <p:txBody>
-          <a:bodyPr/>
-          <a:lstStyle/>
-          <a:p>
-            <a:endParaRPr lang="en-CA"/>
-          </a:p>
-        </p:txBody>
-      </p:sp>
-      <p:sp>
-        <p:nvSpPr>
-          <p:cNvPr id="8" name="Espace réservé du texte 7">
-            <a:extLst>
-              <a:ext uri="{FF2B5EF4-FFF2-40B4-BE49-F238E27FC236}">
-                <a16:creationId xmlns:a16="http://schemas.microsoft.com/office/drawing/2014/main" id="{50C6D11A-32C2-4E20-89BB-7660578B15EF}"/>
-              </a:ext>
-            </a:extLst>
-          </p:cNvPr>
-          <p:cNvSpPr>
-            <a:spLocks noGrp="1"/>
-          </p:cNvSpPr>
-          <p:nvPr>
-            <p:ph type="body" sz="quarter" idx="17"/>
-          </p:nvPr>
-        </p:nvSpPr>
-        <p:spPr/>
-        <p:txBody>
-          <a:bodyPr/>
-          <a:lstStyle/>
-          <a:p>
-            <a:endParaRPr lang="en-CA"/>
-          </a:p>
-        </p:txBody>
-      </p:sp>
-      <p:sp>
-        <p:nvSpPr>
-          <p:cNvPr id="9" name="Espace réservé du contenu 8">
-            <a:extLst>
-              <a:ext uri="{FF2B5EF4-FFF2-40B4-BE49-F238E27FC236}">
-                <a16:creationId xmlns:a16="http://schemas.microsoft.com/office/drawing/2014/main" id="{0DDF0514-BAB0-47E2-8DE2-420533B51C15}"/>
-              </a:ext>
-            </a:extLst>
-          </p:cNvPr>
-          <p:cNvSpPr>
-            <a:spLocks noGrp="1"/>
-          </p:cNvSpPr>
-          <p:nvPr>
-            <p:ph sz="quarter" idx="25"/>
-          </p:nvPr>
-        </p:nvSpPr>
-        <p:spPr/>
-        <p:txBody>
-          <a:bodyPr/>
-          <a:lstStyle/>
-          <a:p>
-            <a:endParaRPr lang="en-CA"/>
-          </a:p>
-        </p:txBody>
-      </p:sp>
-      <p:sp>
-        <p:nvSpPr>
-          <p:cNvPr id="10" name="Espace réservé du texte 9">
-            <a:extLst>
-              <a:ext uri="{FF2B5EF4-FFF2-40B4-BE49-F238E27FC236}">
-                <a16:creationId xmlns:a16="http://schemas.microsoft.com/office/drawing/2014/main" id="{A980546E-E75A-42C2-957F-03C9C0200462}"/>
-              </a:ext>
-            </a:extLst>
-          </p:cNvPr>
-          <p:cNvSpPr>
-            <a:spLocks noGrp="1"/>
-          </p:cNvSpPr>
-          <p:nvPr>
-            <p:ph type="body" sz="quarter" idx="19"/>
-          </p:nvPr>
-        </p:nvSpPr>
-        <p:spPr/>
-        <p:txBody>
-          <a:bodyPr/>
-          <a:lstStyle/>
-          <a:p>
-            <a:endParaRPr lang="en-CA"/>
-          </a:p>
-        </p:txBody>
-      </p:sp>
-      <p:sp>
-        <p:nvSpPr>
-          <p:cNvPr id="11" name="Espace réservé du contenu 10">
-            <a:extLst>
-              <a:ext uri="{FF2B5EF4-FFF2-40B4-BE49-F238E27FC236}">
-                <a16:creationId xmlns:a16="http://schemas.microsoft.com/office/drawing/2014/main" id="{E2799EBE-7BE0-46B7-9C4F-E29B6D248721}"/>
-              </a:ext>
-            </a:extLst>
-          </p:cNvPr>
-          <p:cNvSpPr>
-            <a:spLocks noGrp="1"/>
-          </p:cNvSpPr>
-          <p:nvPr>
-            <p:ph sz="quarter" idx="26"/>
-          </p:nvPr>
-        </p:nvSpPr>
-        <p:spPr/>
-        <p:txBody>
-          <a:bodyPr/>
-          <a:lstStyle/>
-          <a:p>
-            <a:endParaRPr lang="en-CA"/>
-          </a:p>
-        </p:txBody>
-      </p:sp>
-      <p:sp>
-        <p:nvSpPr>
-          <p:cNvPr id="12" name="Espace réservé du texte 11">
-            <a:extLst>
-              <a:ext uri="{FF2B5EF4-FFF2-40B4-BE49-F238E27FC236}">
-                <a16:creationId xmlns:a16="http://schemas.microsoft.com/office/drawing/2014/main" id="{6B40E22D-59EC-4773-AE6F-6EF0008D3943}"/>
-              </a:ext>
-            </a:extLst>
-          </p:cNvPr>
-          <p:cNvSpPr>
-            <a:spLocks noGrp="1"/>
-          </p:cNvSpPr>
-          <p:nvPr>
-            <p:ph type="body" sz="quarter" idx="21"/>
-          </p:nvPr>
-        </p:nvSpPr>
-        <p:spPr/>
-        <p:txBody>
-          <a:bodyPr/>
-          <a:lstStyle/>
-          <a:p>
-            <a:endParaRPr lang="en-CA"/>
-          </a:p>
-        </p:txBody>
-      </p:sp>
-      <p:sp>
-        <p:nvSpPr>
-          <p:cNvPr id="13" name="Espace réservé du contenu 12">
-            <a:extLst>
-              <a:ext uri="{FF2B5EF4-FFF2-40B4-BE49-F238E27FC236}">
-                <a16:creationId xmlns:a16="http://schemas.microsoft.com/office/drawing/2014/main" id="{E884EEFD-47F0-425C-8472-BE5F4A764569}"/>
-              </a:ext>
-            </a:extLst>
-          </p:cNvPr>
-          <p:cNvSpPr>
-            <a:spLocks noGrp="1"/>
-          </p:cNvSpPr>
-          <p:nvPr>
-            <p:ph sz="quarter" idx="27"/>
-          </p:nvPr>
-        </p:nvSpPr>
-        <p:spPr/>
-        <p:txBody>
-          <a:bodyPr/>
-          <a:lstStyle/>
-          <a:p>
-            <a:endParaRPr lang="en-CA"/>
-          </a:p>
-        </p:txBody>
-      </p:sp>
-      <p:sp>
-        <p:nvSpPr>
-          <p:cNvPr id="14" name="Espace réservé du texte 13">
-            <a:extLst>
-              <a:ext uri="{FF2B5EF4-FFF2-40B4-BE49-F238E27FC236}">
-                <a16:creationId xmlns:a16="http://schemas.microsoft.com/office/drawing/2014/main" id="{3FD33D14-7C83-4EBA-B03B-48F9F111A8AD}"/>
-              </a:ext>
-            </a:extLst>
-          </p:cNvPr>
-          <p:cNvSpPr>
-            <a:spLocks noGrp="1"/>
-          </p:cNvSpPr>
-          <p:nvPr>
-            <p:ph type="body" sz="quarter" idx="40"/>
-          </p:nvPr>
-        </p:nvSpPr>
-        <p:spPr/>
-        <p:txBody>
-          <a:bodyPr/>
-          <a:lstStyle/>
-          <a:p>
-            <a:endParaRPr lang="en-CA"/>
-          </a:p>
-        </p:txBody>
-      </p:sp>
-      <p:sp>
-        <p:nvSpPr>
-          <p:cNvPr id="15" name="Espace réservé du contenu 14">
-            <a:extLst>
-              <a:ext uri="{FF2B5EF4-FFF2-40B4-BE49-F238E27FC236}">
-                <a16:creationId xmlns:a16="http://schemas.microsoft.com/office/drawing/2014/main" id="{67E016C9-0E45-48CA-99A7-8DDEEF4DD084}"/>
-              </a:ext>
-            </a:extLst>
-          </p:cNvPr>
-          <p:cNvSpPr>
-            <a:spLocks noGrp="1"/>
-          </p:cNvSpPr>
-          <p:nvPr>
-            <p:ph sz="quarter" idx="23"/>
-          </p:nvPr>
-        </p:nvSpPr>
-        <p:spPr/>
-        <p:txBody>
-          <a:bodyPr/>
-          <a:lstStyle/>
-          <a:p>
-            <a:endParaRPr lang="en-CA"/>
-          </a:p>
-        </p:txBody>
-      </p:sp>
-      <p:sp>
-        <p:nvSpPr>
-          <p:cNvPr id="16" name="Espace réservé du texte 15">
-            <a:extLst>
-              <a:ext uri="{FF2B5EF4-FFF2-40B4-BE49-F238E27FC236}">
-                <a16:creationId xmlns:a16="http://schemas.microsoft.com/office/drawing/2014/main" id="{E94B9C10-9E1D-4832-805C-00AB365C73EA}"/>
-              </a:ext>
-            </a:extLst>
-          </p:cNvPr>
-          <p:cNvSpPr>
-            <a:spLocks noGrp="1"/>
-          </p:cNvSpPr>
-          <p:nvPr>
-            <p:ph type="body" sz="quarter" idx="29"/>
-          </p:nvPr>
-        </p:nvSpPr>
-        <p:spPr/>
-        <p:txBody>
-          <a:bodyPr/>
-          <a:lstStyle/>
-          <a:p>
-            <a:endParaRPr lang="en-CA"/>
-          </a:p>
-        </p:txBody>
-      </p:sp>
-      <p:sp>
-        <p:nvSpPr>
-          <p:cNvPr id="17" name="Espace réservé du contenu 16">
-            <a:extLst>
-              <a:ext uri="{FF2B5EF4-FFF2-40B4-BE49-F238E27FC236}">
-                <a16:creationId xmlns:a16="http://schemas.microsoft.com/office/drawing/2014/main" id="{EA439139-C0B4-4590-B895-AEB784CD91B9}"/>
-              </a:ext>
-            </a:extLst>
-          </p:cNvPr>
-          <p:cNvSpPr>
-            <a:spLocks noGrp="1"/>
-          </p:cNvSpPr>
-          <p:nvPr>
-            <p:ph sz="quarter" idx="30"/>
-          </p:nvPr>
-        </p:nvSpPr>
-        <p:spPr/>
-        <p:txBody>
-          <a:bodyPr/>
-          <a:lstStyle/>
-          <a:p>
-            <a:endParaRPr lang="en-CA"/>
-          </a:p>
-        </p:txBody>
-      </p:sp>
-      <p:sp>
-        <p:nvSpPr>
-          <p:cNvPr id="18" name="Espace réservé du texte 17">
-            <a:extLst>
-              <a:ext uri="{FF2B5EF4-FFF2-40B4-BE49-F238E27FC236}">
-                <a16:creationId xmlns:a16="http://schemas.microsoft.com/office/drawing/2014/main" id="{D8A72A39-4636-47BE-9202-0D31C64BE541}"/>
-              </a:ext>
-            </a:extLst>
-          </p:cNvPr>
-          <p:cNvSpPr>
-            <a:spLocks noGrp="1"/>
-          </p:cNvSpPr>
-          <p:nvPr>
-            <p:ph type="body" sz="quarter" idx="31"/>
-          </p:nvPr>
-        </p:nvSpPr>
-        <p:spPr/>
-        <p:txBody>
-          <a:bodyPr/>
-          <a:lstStyle/>
-          <a:p>
-            <a:endParaRPr lang="en-CA"/>
-          </a:p>
-        </p:txBody>
-      </p:sp>
-      <p:sp>
-        <p:nvSpPr>
-          <p:cNvPr id="19" name="Espace réservé du contenu 18">
-            <a:extLst>
-              <a:ext uri="{FF2B5EF4-FFF2-40B4-BE49-F238E27FC236}">
-                <a16:creationId xmlns:a16="http://schemas.microsoft.com/office/drawing/2014/main" id="{6DDDA91D-A798-484E-BBEB-FA112F807470}"/>
-              </a:ext>
-            </a:extLst>
-          </p:cNvPr>
-          <p:cNvSpPr>
-            <a:spLocks noGrp="1"/>
-          </p:cNvSpPr>
-          <p:nvPr>
-            <p:ph sz="quarter" idx="32"/>
-          </p:nvPr>
-        </p:nvSpPr>
-        <p:spPr/>
-        <p:txBody>
-          <a:bodyPr/>
-          <a:lstStyle/>
-          <a:p>
-            <a:endParaRPr lang="en-CA"/>
-          </a:p>
-        </p:txBody>
-      </p:sp>
-      <p:sp>
-        <p:nvSpPr>
-          <p:cNvPr id="20" name="Espace réservé du contenu 19">
-            <a:extLst>
-              <a:ext uri="{FF2B5EF4-FFF2-40B4-BE49-F238E27FC236}">
-                <a16:creationId xmlns:a16="http://schemas.microsoft.com/office/drawing/2014/main" id="{68E5E42E-47A9-4FE8-89B0-03756162ECDE}"/>
-              </a:ext>
-            </a:extLst>
-          </p:cNvPr>
-          <p:cNvSpPr>
-            <a:spLocks noGrp="1"/>
-          </p:cNvSpPr>
-          <p:nvPr>
-            <p:ph sz="quarter" idx="33"/>
-          </p:nvPr>
-        </p:nvSpPr>
-        <p:spPr/>
-        <p:txBody>
-          <a:bodyPr/>
-          <a:lstStyle/>
-          <a:p>
-            <a:endParaRPr lang="en-CA"/>
-          </a:p>
-        </p:txBody>
-      </p:sp>
-      <p:sp>
-        <p:nvSpPr>
-          <p:cNvPr id="21" name="Espace réservé du texte 20">
-            <a:extLst>
-              <a:ext uri="{FF2B5EF4-FFF2-40B4-BE49-F238E27FC236}">
-                <a16:creationId xmlns:a16="http://schemas.microsoft.com/office/drawing/2014/main" id="{08C9DAE8-B6D6-44FA-BB4D-DCB879A87C5C}"/>
-              </a:ext>
-            </a:extLst>
-          </p:cNvPr>
-          <p:cNvSpPr>
-            <a:spLocks noGrp="1"/>
-          </p:cNvSpPr>
-          <p:nvPr>
-            <p:ph type="body" sz="quarter" idx="41"/>
-          </p:nvPr>
-        </p:nvSpPr>
-        <p:spPr/>
-        <p:txBody>
-          <a:bodyPr/>
-          <a:lstStyle/>
-          <a:p>
-            <a:endParaRPr lang="en-CA"/>
-          </a:p>
-        </p:txBody>
-      </p:sp>
-      <p:sp>
-        <p:nvSpPr>
-          <p:cNvPr id="22" name="Espace réservé du contenu 21">
-            <a:extLst>
-              <a:ext uri="{FF2B5EF4-FFF2-40B4-BE49-F238E27FC236}">
-                <a16:creationId xmlns:a16="http://schemas.microsoft.com/office/drawing/2014/main" id="{001A5FB4-4F63-49B0-8BB0-C9669FAC5E36}"/>
-              </a:ext>
-            </a:extLst>
-          </p:cNvPr>
-          <p:cNvSpPr>
-            <a:spLocks noGrp="1"/>
-          </p:cNvSpPr>
-          <p:nvPr>
-            <p:ph sz="quarter" idx="42"/>
-          </p:nvPr>
-        </p:nvSpPr>
-        <p:spPr/>
-        <p:txBody>
-          <a:bodyPr/>
-          <a:lstStyle/>
-          <a:p>
-            <a:endParaRPr lang="en-CA"/>
-          </a:p>
-        </p:txBody>
-      </p:sp>
-      <p:sp>
-        <p:nvSpPr>
-          <p:cNvPr id="23" name="Espace réservé du texte 22">
-            <a:extLst>
-              <a:ext uri="{FF2B5EF4-FFF2-40B4-BE49-F238E27FC236}">
-                <a16:creationId xmlns:a16="http://schemas.microsoft.com/office/drawing/2014/main" id="{72562CB9-CA44-4676-9C8B-A9BDC0E99661}"/>
-              </a:ext>
-            </a:extLst>
-          </p:cNvPr>
-          <p:cNvSpPr>
-            <a:spLocks noGrp="1"/>
-          </p:cNvSpPr>
-          <p:nvPr>
-            <p:ph type="body" sz="quarter" idx="34"/>
-          </p:nvPr>
-        </p:nvSpPr>
-        <p:spPr/>
-        <p:txBody>
-          <a:bodyPr/>
-          <a:lstStyle/>
-          <a:p>
-            <a:endParaRPr lang="en-CA"/>
-          </a:p>
-        </p:txBody>
-      </p:sp>
-      <p:sp>
-        <p:nvSpPr>
-          <p:cNvPr id="24" name="Espace réservé du contenu 23">
-            <a:extLst>
-              <a:ext uri="{FF2B5EF4-FFF2-40B4-BE49-F238E27FC236}">
-                <a16:creationId xmlns:a16="http://schemas.microsoft.com/office/drawing/2014/main" id="{40E2C813-3935-432F-ABF6-6CE5F95BAD02}"/>
-              </a:ext>
-            </a:extLst>
-          </p:cNvPr>
-          <p:cNvSpPr>
-            <a:spLocks noGrp="1"/>
-          </p:cNvSpPr>
-          <p:nvPr>
-            <p:ph sz="quarter" idx="35"/>
-          </p:nvPr>
-        </p:nvSpPr>
-        <p:spPr/>
-        <p:txBody>
-          <a:bodyPr/>
-          <a:lstStyle/>
-          <a:p>
-            <a:endParaRPr lang="en-CA"/>
-          </a:p>
-        </p:txBody>
-      </p:sp>
-      <p:sp>
-        <p:nvSpPr>
-          <p:cNvPr id="25" name="Espace réservé pour une image  24">
-            <a:extLst>
-              <a:ext uri="{FF2B5EF4-FFF2-40B4-BE49-F238E27FC236}">
-                <a16:creationId xmlns:a16="http://schemas.microsoft.com/office/drawing/2014/main" id="{0AAD52B2-3E05-4583-8E6F-1CA0802F19CD}"/>
-              </a:ext>
-            </a:extLst>
-          </p:cNvPr>
-          <p:cNvSpPr>
-            <a:spLocks noGrp="1"/>
-          </p:cNvSpPr>
-          <p:nvPr>
-            <p:ph type="pic" sz="quarter" idx="43"/>
-          </p:nvPr>
-        </p:nvSpPr>
-        <p:spPr/>
-      </p:sp>
-    </p:spTree>
-    <p:extLst>
-      <p:ext uri="{BB962C8B-B14F-4D97-AF65-F5344CB8AC3E}">
-        <p14:creationId xmlns:p14="http://schemas.microsoft.com/office/powerpoint/2010/main" val="3693848487"/>
       </p:ext>
     </p:extLst>
   </p:cSld>
